--- a/docs/diagrams/UiComponentClassDiagram.pptx
+++ b/docs/diagrams/UiComponentClassDiagram.pptx
@@ -208,7 +208,7 @@
           <a:p>
             <a:fld id="{F5CC4B3F-88C1-4FFA-B1B6-F41C21DC6924}" type="datetimeFigureOut">
               <a:rPr lang="en-US" smtClean="0"/>
-              <a:t>1/7/2017</a:t>
+              <a:t>25-Sep-18</a:t>
             </a:fld>
             <a:endParaRPr lang="en-US"/>
           </a:p>
@@ -654,7 +654,7 @@
           <a:p>
             <a:fld id="{78C97017-6FC3-485B-9764-EAC9E56C1D49}" type="datetimeFigureOut">
               <a:rPr lang="en-US" smtClean="0"/>
-              <a:t>1/7/2017</a:t>
+              <a:t>25-Sep-18</a:t>
             </a:fld>
             <a:endParaRPr lang="en-US"/>
           </a:p>
@@ -822,7 +822,7 @@
           <a:p>
             <a:fld id="{78C97017-6FC3-485B-9764-EAC9E56C1D49}" type="datetimeFigureOut">
               <a:rPr lang="en-US" smtClean="0"/>
-              <a:t>1/7/2017</a:t>
+              <a:t>25-Sep-18</a:t>
             </a:fld>
             <a:endParaRPr lang="en-US"/>
           </a:p>
@@ -1000,7 +1000,7 @@
           <a:p>
             <a:fld id="{78C97017-6FC3-485B-9764-EAC9E56C1D49}" type="datetimeFigureOut">
               <a:rPr lang="en-US" smtClean="0"/>
-              <a:t>1/7/2017</a:t>
+              <a:t>25-Sep-18</a:t>
             </a:fld>
             <a:endParaRPr lang="en-US"/>
           </a:p>
@@ -1168,7 +1168,7 @@
           <a:p>
             <a:fld id="{78C97017-6FC3-485B-9764-EAC9E56C1D49}" type="datetimeFigureOut">
               <a:rPr lang="en-US" smtClean="0"/>
-              <a:t>1/7/2017</a:t>
+              <a:t>25-Sep-18</a:t>
             </a:fld>
             <a:endParaRPr lang="en-US"/>
           </a:p>
@@ -1413,7 +1413,7 @@
           <a:p>
             <a:fld id="{78C97017-6FC3-485B-9764-EAC9E56C1D49}" type="datetimeFigureOut">
               <a:rPr lang="en-US" smtClean="0"/>
-              <a:t>1/7/2017</a:t>
+              <a:t>25-Sep-18</a:t>
             </a:fld>
             <a:endParaRPr lang="en-US"/>
           </a:p>
@@ -1698,7 +1698,7 @@
           <a:p>
             <a:fld id="{78C97017-6FC3-485B-9764-EAC9E56C1D49}" type="datetimeFigureOut">
               <a:rPr lang="en-US" smtClean="0"/>
-              <a:t>1/7/2017</a:t>
+              <a:t>25-Sep-18</a:t>
             </a:fld>
             <a:endParaRPr lang="en-US"/>
           </a:p>
@@ -2117,7 +2117,7 @@
           <a:p>
             <a:fld id="{78C97017-6FC3-485B-9764-EAC9E56C1D49}" type="datetimeFigureOut">
               <a:rPr lang="en-US" smtClean="0"/>
-              <a:t>1/7/2017</a:t>
+              <a:t>25-Sep-18</a:t>
             </a:fld>
             <a:endParaRPr lang="en-US"/>
           </a:p>
@@ -2234,7 +2234,7 @@
           <a:p>
             <a:fld id="{78C97017-6FC3-485B-9764-EAC9E56C1D49}" type="datetimeFigureOut">
               <a:rPr lang="en-US" smtClean="0"/>
-              <a:t>1/7/2017</a:t>
+              <a:t>25-Sep-18</a:t>
             </a:fld>
             <a:endParaRPr lang="en-US"/>
           </a:p>
@@ -2329,7 +2329,7 @@
           <a:p>
             <a:fld id="{78C97017-6FC3-485B-9764-EAC9E56C1D49}" type="datetimeFigureOut">
               <a:rPr lang="en-US" smtClean="0"/>
-              <a:t>1/7/2017</a:t>
+              <a:t>25-Sep-18</a:t>
             </a:fld>
             <a:endParaRPr lang="en-US"/>
           </a:p>
@@ -2604,7 +2604,7 @@
           <a:p>
             <a:fld id="{78C97017-6FC3-485B-9764-EAC9E56C1D49}" type="datetimeFigureOut">
               <a:rPr lang="en-US" smtClean="0"/>
-              <a:t>1/7/2017</a:t>
+              <a:t>25-Sep-18</a:t>
             </a:fld>
             <a:endParaRPr lang="en-US"/>
           </a:p>
@@ -2856,7 +2856,7 @@
           <a:p>
             <a:fld id="{78C97017-6FC3-485B-9764-EAC9E56C1D49}" type="datetimeFigureOut">
               <a:rPr lang="en-US" smtClean="0"/>
-              <a:t>1/7/2017</a:t>
+              <a:t>25-Sep-18</a:t>
             </a:fld>
             <a:endParaRPr lang="en-US"/>
           </a:p>
@@ -3067,7 +3067,7 @@
           <a:p>
             <a:fld id="{78C97017-6FC3-485B-9764-EAC9E56C1D49}" type="datetimeFigureOut">
               <a:rPr lang="en-US" smtClean="0"/>
-              <a:t>1/7/2017</a:t>
+              <a:t>25-Sep-18</a:t>
             </a:fld>
             <a:endParaRPr lang="en-US"/>
           </a:p>
@@ -4045,7 +4045,7 @@
                   </a:schemeClr>
                 </a:solidFill>
               </a:rPr>
-              <a:t>PersonListPanel</a:t>
+              <a:t>WishListPanel</a:t>
             </a:r>
             <a:endParaRPr lang="en-SG" sz="1050" b="1" dirty="0">
               <a:solidFill>
@@ -4105,7 +4105,7 @@
                   </a:schemeClr>
                 </a:solidFill>
               </a:rPr>
-              <a:t>PersonCard</a:t>
+              <a:t>WishCard</a:t>
             </a:r>
             <a:endParaRPr lang="en-SG" sz="1050" b="1" dirty="0">
               <a:solidFill>

--- a/docs/diagrams/UiComponentClassDiagram.pptx
+++ b/docs/diagrams/UiComponentClassDiagram.pptx
@@ -208,7 +208,7 @@
           <a:p>
             <a:fld id="{F5CC4B3F-88C1-4FFA-B1B6-F41C21DC6924}" type="datetimeFigureOut">
               <a:rPr lang="en-US" smtClean="0"/>
-              <a:t>25-Sep-18</a:t>
+              <a:t>9/30/18</a:t>
             </a:fld>
             <a:endParaRPr lang="en-US"/>
           </a:p>
@@ -654,7 +654,7 @@
           <a:p>
             <a:fld id="{78C97017-6FC3-485B-9764-EAC9E56C1D49}" type="datetimeFigureOut">
               <a:rPr lang="en-US" smtClean="0"/>
-              <a:t>25-Sep-18</a:t>
+              <a:t>9/30/18</a:t>
             </a:fld>
             <a:endParaRPr lang="en-US"/>
           </a:p>
@@ -822,7 +822,7 @@
           <a:p>
             <a:fld id="{78C97017-6FC3-485B-9764-EAC9E56C1D49}" type="datetimeFigureOut">
               <a:rPr lang="en-US" smtClean="0"/>
-              <a:t>25-Sep-18</a:t>
+              <a:t>9/30/18</a:t>
             </a:fld>
             <a:endParaRPr lang="en-US"/>
           </a:p>
@@ -1000,7 +1000,7 @@
           <a:p>
             <a:fld id="{78C97017-6FC3-485B-9764-EAC9E56C1D49}" type="datetimeFigureOut">
               <a:rPr lang="en-US" smtClean="0"/>
-              <a:t>25-Sep-18</a:t>
+              <a:t>9/30/18</a:t>
             </a:fld>
             <a:endParaRPr lang="en-US"/>
           </a:p>
@@ -1168,7 +1168,7 @@
           <a:p>
             <a:fld id="{78C97017-6FC3-485B-9764-EAC9E56C1D49}" type="datetimeFigureOut">
               <a:rPr lang="en-US" smtClean="0"/>
-              <a:t>25-Sep-18</a:t>
+              <a:t>9/30/18</a:t>
             </a:fld>
             <a:endParaRPr lang="en-US"/>
           </a:p>
@@ -1413,7 +1413,7 @@
           <a:p>
             <a:fld id="{78C97017-6FC3-485B-9764-EAC9E56C1D49}" type="datetimeFigureOut">
               <a:rPr lang="en-US" smtClean="0"/>
-              <a:t>25-Sep-18</a:t>
+              <a:t>9/30/18</a:t>
             </a:fld>
             <a:endParaRPr lang="en-US"/>
           </a:p>
@@ -1698,7 +1698,7 @@
           <a:p>
             <a:fld id="{78C97017-6FC3-485B-9764-EAC9E56C1D49}" type="datetimeFigureOut">
               <a:rPr lang="en-US" smtClean="0"/>
-              <a:t>25-Sep-18</a:t>
+              <a:t>9/30/18</a:t>
             </a:fld>
             <a:endParaRPr lang="en-US"/>
           </a:p>
@@ -2117,7 +2117,7 @@
           <a:p>
             <a:fld id="{78C97017-6FC3-485B-9764-EAC9E56C1D49}" type="datetimeFigureOut">
               <a:rPr lang="en-US" smtClean="0"/>
-              <a:t>25-Sep-18</a:t>
+              <a:t>9/30/18</a:t>
             </a:fld>
             <a:endParaRPr lang="en-US"/>
           </a:p>
@@ -2234,7 +2234,7 @@
           <a:p>
             <a:fld id="{78C97017-6FC3-485B-9764-EAC9E56C1D49}" type="datetimeFigureOut">
               <a:rPr lang="en-US" smtClean="0"/>
-              <a:t>25-Sep-18</a:t>
+              <a:t>9/30/18</a:t>
             </a:fld>
             <a:endParaRPr lang="en-US"/>
           </a:p>
@@ -2329,7 +2329,7 @@
           <a:p>
             <a:fld id="{78C97017-6FC3-485B-9764-EAC9E56C1D49}" type="datetimeFigureOut">
               <a:rPr lang="en-US" smtClean="0"/>
-              <a:t>25-Sep-18</a:t>
+              <a:t>9/30/18</a:t>
             </a:fld>
             <a:endParaRPr lang="en-US"/>
           </a:p>
@@ -2604,7 +2604,7 @@
           <a:p>
             <a:fld id="{78C97017-6FC3-485B-9764-EAC9E56C1D49}" type="datetimeFigureOut">
               <a:rPr lang="en-US" smtClean="0"/>
-              <a:t>25-Sep-18</a:t>
+              <a:t>9/30/18</a:t>
             </a:fld>
             <a:endParaRPr lang="en-US"/>
           </a:p>
@@ -2856,7 +2856,7 @@
           <a:p>
             <a:fld id="{78C97017-6FC3-485B-9764-EAC9E56C1D49}" type="datetimeFigureOut">
               <a:rPr lang="en-US" smtClean="0"/>
-              <a:t>25-Sep-18</a:t>
+              <a:t>9/30/18</a:t>
             </a:fld>
             <a:endParaRPr lang="en-US"/>
           </a:p>
@@ -3067,7 +3067,7 @@
           <a:p>
             <a:fld id="{78C97017-6FC3-485B-9764-EAC9E56C1D49}" type="datetimeFigureOut">
               <a:rPr lang="en-US" smtClean="0"/>
-              <a:t>25-Sep-18</a:t>
+              <a:t>9/30/18</a:t>
             </a:fld>
             <a:endParaRPr lang="en-US"/>
           </a:p>
@@ -3886,7 +3886,7 @@
         <p:spPr>
           <a:xfrm>
             <a:off x="2592528" y="3649359"/>
-            <a:ext cx="1093635" cy="236841"/>
+            <a:ext cx="1192712" cy="236841"/>
           </a:xfrm>
           <a:prstGeom prst="rect">
             <a:avLst/>
@@ -3918,14 +3918,24 @@
           <a:p>
             <a:pPr algn="ctr"/>
             <a:r>
-              <a:rPr lang="en-US" sz="1050" b="1" dirty="0" err="1">
+              <a:rPr lang="en-US" sz="1050" b="1" smtClean="0">
                 <a:solidFill>
                   <a:schemeClr val="accent3">
                     <a:lumMod val="75000"/>
                   </a:schemeClr>
                 </a:solidFill>
               </a:rPr>
-              <a:t>BrowserPanel</a:t>
+              <a:t>WishDetail</a:t>
+            </a:r>
+            <a:r>
+              <a:rPr lang="en-US" sz="1050" b="1" smtClean="0">
+                <a:solidFill>
+                  <a:schemeClr val="accent3">
+                    <a:lumMod val="75000"/>
+                  </a:schemeClr>
+                </a:solidFill>
+              </a:rPr>
+              <a:t>Panel</a:t>
             </a:r>
             <a:endParaRPr lang="en-SG" sz="1050" b="1" dirty="0">
               <a:solidFill>
@@ -4661,8 +4671,8 @@
         </p:nvCxnSpPr>
         <p:spPr>
           <a:xfrm rot="5400000">
-            <a:off x="3867176" y="2104987"/>
-            <a:ext cx="1481780" cy="1843806"/>
+            <a:off x="3916715" y="2154526"/>
+            <a:ext cx="1481780" cy="1744729"/>
           </a:xfrm>
           <a:prstGeom prst="bentConnector2">
             <a:avLst/>

--- a/docs/diagrams/UiComponentClassDiagram.pptx
+++ b/docs/diagrams/UiComponentClassDiagram.pptx
@@ -208,7 +208,7 @@
           <a:p>
             <a:fld id="{F5CC4B3F-88C1-4FFA-B1B6-F41C21DC6924}" type="datetimeFigureOut">
               <a:rPr lang="en-US" smtClean="0"/>
-              <a:t>1/7/2017</a:t>
+              <a:t>21-Oct-18</a:t>
             </a:fld>
             <a:endParaRPr lang="en-US"/>
           </a:p>
@@ -654,7 +654,7 @@
           <a:p>
             <a:fld id="{78C97017-6FC3-485B-9764-EAC9E56C1D49}" type="datetimeFigureOut">
               <a:rPr lang="en-US" smtClean="0"/>
-              <a:t>1/7/2017</a:t>
+              <a:t>21-Oct-18</a:t>
             </a:fld>
             <a:endParaRPr lang="en-US"/>
           </a:p>
@@ -822,7 +822,7 @@
           <a:p>
             <a:fld id="{78C97017-6FC3-485B-9764-EAC9E56C1D49}" type="datetimeFigureOut">
               <a:rPr lang="en-US" smtClean="0"/>
-              <a:t>1/7/2017</a:t>
+              <a:t>21-Oct-18</a:t>
             </a:fld>
             <a:endParaRPr lang="en-US"/>
           </a:p>
@@ -1000,7 +1000,7 @@
           <a:p>
             <a:fld id="{78C97017-6FC3-485B-9764-EAC9E56C1D49}" type="datetimeFigureOut">
               <a:rPr lang="en-US" smtClean="0"/>
-              <a:t>1/7/2017</a:t>
+              <a:t>21-Oct-18</a:t>
             </a:fld>
             <a:endParaRPr lang="en-US"/>
           </a:p>
@@ -1168,7 +1168,7 @@
           <a:p>
             <a:fld id="{78C97017-6FC3-485B-9764-EAC9E56C1D49}" type="datetimeFigureOut">
               <a:rPr lang="en-US" smtClean="0"/>
-              <a:t>1/7/2017</a:t>
+              <a:t>21-Oct-18</a:t>
             </a:fld>
             <a:endParaRPr lang="en-US"/>
           </a:p>
@@ -1413,7 +1413,7 @@
           <a:p>
             <a:fld id="{78C97017-6FC3-485B-9764-EAC9E56C1D49}" type="datetimeFigureOut">
               <a:rPr lang="en-US" smtClean="0"/>
-              <a:t>1/7/2017</a:t>
+              <a:t>21-Oct-18</a:t>
             </a:fld>
             <a:endParaRPr lang="en-US"/>
           </a:p>
@@ -1698,7 +1698,7 @@
           <a:p>
             <a:fld id="{78C97017-6FC3-485B-9764-EAC9E56C1D49}" type="datetimeFigureOut">
               <a:rPr lang="en-US" smtClean="0"/>
-              <a:t>1/7/2017</a:t>
+              <a:t>21-Oct-18</a:t>
             </a:fld>
             <a:endParaRPr lang="en-US"/>
           </a:p>
@@ -2117,7 +2117,7 @@
           <a:p>
             <a:fld id="{78C97017-6FC3-485B-9764-EAC9E56C1D49}" type="datetimeFigureOut">
               <a:rPr lang="en-US" smtClean="0"/>
-              <a:t>1/7/2017</a:t>
+              <a:t>21-Oct-18</a:t>
             </a:fld>
             <a:endParaRPr lang="en-US"/>
           </a:p>
@@ -2234,7 +2234,7 @@
           <a:p>
             <a:fld id="{78C97017-6FC3-485B-9764-EAC9E56C1D49}" type="datetimeFigureOut">
               <a:rPr lang="en-US" smtClean="0"/>
-              <a:t>1/7/2017</a:t>
+              <a:t>21-Oct-18</a:t>
             </a:fld>
             <a:endParaRPr lang="en-US"/>
           </a:p>
@@ -2329,7 +2329,7 @@
           <a:p>
             <a:fld id="{78C97017-6FC3-485B-9764-EAC9E56C1D49}" type="datetimeFigureOut">
               <a:rPr lang="en-US" smtClean="0"/>
-              <a:t>1/7/2017</a:t>
+              <a:t>21-Oct-18</a:t>
             </a:fld>
             <a:endParaRPr lang="en-US"/>
           </a:p>
@@ -2604,7 +2604,7 @@
           <a:p>
             <a:fld id="{78C97017-6FC3-485B-9764-EAC9E56C1D49}" type="datetimeFigureOut">
               <a:rPr lang="en-US" smtClean="0"/>
-              <a:t>1/7/2017</a:t>
+              <a:t>21-Oct-18</a:t>
             </a:fld>
             <a:endParaRPr lang="en-US"/>
           </a:p>
@@ -2856,7 +2856,7 @@
           <a:p>
             <a:fld id="{78C97017-6FC3-485B-9764-EAC9E56C1D49}" type="datetimeFigureOut">
               <a:rPr lang="en-US" smtClean="0"/>
-              <a:t>1/7/2017</a:t>
+              <a:t>21-Oct-18</a:t>
             </a:fld>
             <a:endParaRPr lang="en-US"/>
           </a:p>
@@ -3067,7 +3067,7 @@
           <a:p>
             <a:fld id="{78C97017-6FC3-485B-9764-EAC9E56C1D49}" type="datetimeFigureOut">
               <a:rPr lang="en-US" smtClean="0"/>
-              <a:t>1/7/2017</a:t>
+              <a:t>21-Oct-18</a:t>
             </a:fld>
             <a:endParaRPr lang="en-US"/>
           </a:p>
@@ -3442,6 +3442,54 @@
           <a:chExt cx="0" cy="0"/>
         </a:xfrm>
       </p:grpSpPr>
+      <p:cxnSp>
+        <p:nvCxnSpPr>
+          <p:cNvPr id="60" name="Elbow Connector 63">
+            <a:extLst>
+              <a:ext uri="{FF2B5EF4-FFF2-40B4-BE49-F238E27FC236}">
+                <a16:creationId xmlns:a16="http://schemas.microsoft.com/office/drawing/2014/main" id="{45C55B65-0333-4E3D-BA5D-BAA3DD02F68D}"/>
+              </a:ext>
+            </a:extLst>
+          </p:cNvPr>
+          <p:cNvCxnSpPr>
+            <a:cxnSpLocks/>
+          </p:cNvCxnSpPr>
+          <p:nvPr/>
+        </p:nvCxnSpPr>
+        <p:spPr>
+          <a:xfrm rot="5400000" flipH="1" flipV="1">
+            <a:off x="2440279" y="3387141"/>
+            <a:ext cx="2914687" cy="401992"/>
+          </a:xfrm>
+          <a:prstGeom prst="bentConnector3">
+            <a:avLst>
+              <a:gd name="adj1" fmla="val -195"/>
+            </a:avLst>
+          </a:prstGeom>
+          <a:ln w="6350">
+            <a:solidFill>
+              <a:schemeClr val="accent3"/>
+            </a:solidFill>
+            <a:headEnd type="none" w="med" len="med"/>
+            <a:tailEnd type="none" w="med" len="med"/>
+          </a:ln>
+          <a:effectLst/>
+        </p:spPr>
+        <p:style>
+          <a:lnRef idx="1">
+            <a:schemeClr val="accent2"/>
+          </a:lnRef>
+          <a:fillRef idx="2">
+            <a:schemeClr val="accent2"/>
+          </a:fillRef>
+          <a:effectRef idx="1">
+            <a:schemeClr val="accent2"/>
+          </a:effectRef>
+          <a:fontRef idx="minor">
+            <a:schemeClr val="dk1"/>
+          </a:fontRef>
+        </p:style>
+      </p:cxnSp>
       <p:sp>
         <p:nvSpPr>
           <p:cNvPr id="23" name="Rectangle 65"/>
@@ -3451,7 +3499,7 @@
         <p:spPr>
           <a:xfrm>
             <a:off x="1217465" y="1447800"/>
-            <a:ext cx="4917083" cy="3962400"/>
+            <a:ext cx="6707335" cy="4267197"/>
           </a:xfrm>
           <a:prstGeom prst="roundRect">
             <a:avLst>
@@ -3734,7 +3782,7 @@
         </p:nvSpPr>
         <p:spPr>
           <a:xfrm rot="10800000" flipV="1">
-            <a:off x="5394717" y="2110477"/>
+            <a:off x="5139624" y="2127431"/>
             <a:ext cx="270504" cy="175523"/>
           </a:xfrm>
           <a:prstGeom prst="triangle">
@@ -3825,7 +3873,7 @@
         </p:nvSpPr>
         <p:spPr>
           <a:xfrm rot="16200000">
-            <a:off x="5703829" y="2464877"/>
+            <a:off x="7357039" y="2464877"/>
             <a:ext cx="2362201" cy="328045"/>
           </a:xfrm>
           <a:prstGeom prst="roundRect">
@@ -3925,7 +3973,7 @@
                   </a:schemeClr>
                 </a:solidFill>
               </a:rPr>
-              <a:t>BrowserPanel</a:t>
+              <a:t>MedicationView</a:t>
             </a:r>
             <a:endParaRPr lang="en-SG" sz="1050" b="1" dirty="0">
               <a:solidFill>
@@ -4065,7 +4113,7 @@
         </p:nvSpPr>
         <p:spPr>
           <a:xfrm>
-            <a:off x="3839323" y="4228801"/>
+            <a:off x="3713793" y="4277328"/>
             <a:ext cx="1040906" cy="236841"/>
           </a:xfrm>
           <a:prstGeom prst="rect">
@@ -4125,7 +4173,7 @@
         </p:nvSpPr>
         <p:spPr>
           <a:xfrm>
-            <a:off x="2592528" y="4966000"/>
+            <a:off x="2592525" y="5353403"/>
             <a:ext cx="1093635" cy="236841"/>
           </a:xfrm>
           <a:prstGeom prst="rect">
@@ -4453,14 +4501,15 @@
         <p:nvCxnSpPr>
           <p:cNvPr id="53" name="Elbow Connector 63"/>
           <p:cNvCxnSpPr>
+            <a:cxnSpLocks/>
             <a:endCxn id="38" idx="1"/>
           </p:cNvCxnSpPr>
           <p:nvPr/>
         </p:nvCxnSpPr>
         <p:spPr>
           <a:xfrm rot="16200000" flipH="1">
-            <a:off x="1184119" y="3676012"/>
-            <a:ext cx="2396440" cy="420377"/>
+            <a:off x="985187" y="3864486"/>
+            <a:ext cx="2790172" cy="424504"/>
           </a:xfrm>
           <a:prstGeom prst="bentConnector2">
             <a:avLst/>
@@ -4497,7 +4546,7 @@
         </p:nvSpPr>
         <p:spPr>
           <a:xfrm>
-            <a:off x="5143948" y="1770924"/>
+            <a:off x="4888855" y="1776967"/>
             <a:ext cx="772043" cy="346760"/>
           </a:xfrm>
           <a:prstGeom prst="rect">
@@ -4579,8 +4628,8 @@
         </p:nvCxnSpPr>
         <p:spPr>
           <a:xfrm flipV="1">
-            <a:off x="3686160" y="2286000"/>
-            <a:ext cx="1843809" cy="1136729"/>
+            <a:off x="3686160" y="2302954"/>
+            <a:ext cx="1588716" cy="1119775"/>
           </a:xfrm>
           <a:prstGeom prst="bentConnector2">
             <a:avLst/>
@@ -4620,8 +4669,8 @@
         </p:nvCxnSpPr>
         <p:spPr>
           <a:xfrm rot="5400000">
-            <a:off x="4174488" y="2991741"/>
-            <a:ext cx="2061222" cy="649740"/>
+            <a:off x="3968391" y="3089263"/>
+            <a:ext cx="2092795" cy="520177"/>
           </a:xfrm>
           <a:prstGeom prst="bentConnector2">
             <a:avLst/>
@@ -4661,8 +4710,8 @@
         </p:nvCxnSpPr>
         <p:spPr>
           <a:xfrm rot="5400000">
-            <a:off x="3867176" y="2104987"/>
-            <a:ext cx="1481780" cy="1843806"/>
+            <a:off x="3748107" y="2241011"/>
+            <a:ext cx="1464826" cy="1588713"/>
           </a:xfrm>
           <a:prstGeom prst="bentConnector2">
             <a:avLst/>
@@ -4695,6 +4744,7 @@
         <p:nvCxnSpPr>
           <p:cNvPr id="88" name="Elbow Connector 63"/>
           <p:cNvCxnSpPr>
+            <a:cxnSpLocks/>
             <a:stCxn id="2" idx="3"/>
             <a:endCxn id="16" idx="3"/>
           </p:cNvCxnSpPr>
@@ -4702,8 +4752,8 @@
         </p:nvCxnSpPr>
         <p:spPr>
           <a:xfrm flipV="1">
-            <a:off x="3189583" y="2286000"/>
-            <a:ext cx="2340386" cy="228600"/>
+            <a:off x="3189583" y="2302954"/>
+            <a:ext cx="2085293" cy="211646"/>
           </a:xfrm>
           <a:prstGeom prst="bentConnector2">
             <a:avLst/>
@@ -4743,8 +4793,8 @@
         </p:nvCxnSpPr>
         <p:spPr>
           <a:xfrm rot="5400000">
-            <a:off x="3409976" y="2562187"/>
-            <a:ext cx="2396180" cy="1843807"/>
+            <a:off x="3290906" y="2698210"/>
+            <a:ext cx="2379226" cy="1588714"/>
           </a:xfrm>
           <a:prstGeom prst="bentConnector2">
             <a:avLst/>
@@ -4784,8 +4834,8 @@
         </p:nvCxnSpPr>
         <p:spPr>
           <a:xfrm rot="5400000">
-            <a:off x="3208856" y="2763307"/>
-            <a:ext cx="2798421" cy="1843806"/>
+            <a:off x="2896083" y="3093031"/>
+            <a:ext cx="3168870" cy="1588716"/>
           </a:xfrm>
           <a:prstGeom prst="bentConnector2">
             <a:avLst/>
@@ -4818,14 +4868,15 @@
         <p:nvCxnSpPr>
           <p:cNvPr id="107" name="Elbow Connector 106"/>
           <p:cNvCxnSpPr>
+            <a:cxnSpLocks/>
             <a:stCxn id="9" idx="0"/>
           </p:cNvCxnSpPr>
           <p:nvPr/>
         </p:nvCxnSpPr>
         <p:spPr>
           <a:xfrm rot="5400000" flipH="1" flipV="1">
-            <a:off x="4594921" y="-355061"/>
-            <a:ext cx="170724" cy="4081246"/>
+            <a:off x="5430526" y="-1187278"/>
+            <a:ext cx="167337" cy="5749068"/>
           </a:xfrm>
           <a:prstGeom prst="bentConnector2">
             <a:avLst/>
@@ -4863,7 +4914,7 @@
         </p:nvSpPr>
         <p:spPr>
           <a:xfrm rot="16200000">
-            <a:off x="6213739" y="4560376"/>
+            <a:off x="7866949" y="4560376"/>
             <a:ext cx="1371599" cy="328045"/>
           </a:xfrm>
           <a:prstGeom prst="roundRect">
@@ -5127,8 +5178,8 @@
         </p:nvCxnSpPr>
         <p:spPr>
           <a:xfrm rot="5400000">
-            <a:off x="4205956" y="1766207"/>
-            <a:ext cx="804221" cy="1843806"/>
+            <a:off x="4086887" y="1902231"/>
+            <a:ext cx="787267" cy="1588713"/>
           </a:xfrm>
           <a:prstGeom prst="bentConnector2">
             <a:avLst/>
@@ -5139,47 +5190,6 @@
             </a:solidFill>
             <a:headEnd type="none" w="med" len="med"/>
             <a:tailEnd type="none" w="med" len="med"/>
-          </a:ln>
-          <a:effectLst/>
-        </p:spPr>
-        <p:style>
-          <a:lnRef idx="1">
-            <a:schemeClr val="accent2"/>
-          </a:lnRef>
-          <a:fillRef idx="2">
-            <a:schemeClr val="accent2"/>
-          </a:fillRef>
-          <a:effectRef idx="1">
-            <a:schemeClr val="accent2"/>
-          </a:effectRef>
-          <a:fontRef idx="minor">
-            <a:schemeClr val="dk1"/>
-          </a:fontRef>
-        </p:style>
-      </p:cxnSp>
-      <p:cxnSp>
-        <p:nvCxnSpPr>
-          <p:cNvPr id="137" name="Elbow Connector 136"/>
-          <p:cNvCxnSpPr>
-            <a:stCxn id="36" idx="2"/>
-            <a:endCxn id="37" idx="1"/>
-          </p:cNvCxnSpPr>
-          <p:nvPr/>
-        </p:nvCxnSpPr>
-        <p:spPr>
-          <a:xfrm rot="16200000" flipH="1">
-            <a:off x="3430123" y="3938021"/>
-            <a:ext cx="118421" cy="699979"/>
-          </a:xfrm>
-          <a:prstGeom prst="bentConnector2">
-            <a:avLst/>
-          </a:prstGeom>
-          <a:ln w="19050">
-            <a:solidFill>
-              <a:schemeClr val="accent3"/>
-            </a:solidFill>
-            <a:headEnd type="none" w="med" len="med"/>
-            <a:tailEnd type="arrow" w="med" len="med"/>
           </a:ln>
           <a:effectLst/>
         </p:spPr>
@@ -5209,8 +5219,8 @@
         </p:nvCxnSpPr>
         <p:spPr>
           <a:xfrm rot="5400000">
-            <a:off x="3695875" y="2276286"/>
-            <a:ext cx="1824381" cy="1843808"/>
+            <a:off x="3576806" y="2412310"/>
+            <a:ext cx="1807427" cy="1588715"/>
           </a:xfrm>
           <a:prstGeom prst="bentConnector2">
             <a:avLst/>
@@ -5247,8 +5257,8 @@
         </p:nvSpPr>
         <p:spPr>
           <a:xfrm>
-            <a:off x="5435896" y="2743200"/>
-            <a:ext cx="229325" cy="166560"/>
+            <a:off x="6172967" y="2873122"/>
+            <a:ext cx="229325" cy="130138"/>
           </a:xfrm>
           <a:prstGeom prst="rect">
             <a:avLst/>
@@ -5300,8 +5310,8 @@
         </p:nvSpPr>
         <p:spPr>
           <a:xfrm>
-            <a:off x="3687515" y="2828802"/>
-            <a:ext cx="3048000" cy="203200"/>
+            <a:off x="3687514" y="2909004"/>
+            <a:ext cx="4701211" cy="122997"/>
           </a:xfrm>
           <a:custGeom>
             <a:avLst/>
@@ -5435,8 +5445,8 @@
         </p:nvSpPr>
         <p:spPr>
           <a:xfrm flipV="1">
-            <a:off x="4114799" y="4472708"/>
-            <a:ext cx="2642195" cy="101600"/>
+            <a:off x="4232979" y="4515087"/>
+            <a:ext cx="4155746" cy="108729"/>
           </a:xfrm>
           <a:custGeom>
             <a:avLst/>
@@ -5506,6 +5516,636 @@
           <a:p>
             <a:pPr algn="ctr"/>
             <a:endParaRPr lang="en-SG"/>
+          </a:p>
+        </p:txBody>
+      </p:sp>
+      <p:sp>
+        <p:nvSpPr>
+          <p:cNvPr id="42" name="Rectangle 62">
+            <a:extLst>
+              <a:ext uri="{FF2B5EF4-FFF2-40B4-BE49-F238E27FC236}">
+                <a16:creationId xmlns:a16="http://schemas.microsoft.com/office/drawing/2014/main" id="{3D06CA5C-A07A-4460-9965-D9AF7C1CAD88}"/>
+              </a:ext>
+            </a:extLst>
+          </p:cNvPr>
+          <p:cNvSpPr/>
+          <p:nvPr/>
+        </p:nvSpPr>
+        <p:spPr>
+          <a:xfrm>
+            <a:off x="6780444" y="1768391"/>
+            <a:ext cx="974499" cy="346760"/>
+          </a:xfrm>
+          <a:prstGeom prst="rect">
+            <a:avLst/>
+          </a:prstGeom>
+          <a:ln w="6350">
+            <a:solidFill>
+              <a:schemeClr val="accent3"/>
+            </a:solidFill>
+          </a:ln>
+          <a:effectLst/>
+        </p:spPr>
+        <p:style>
+          <a:lnRef idx="1">
+            <a:schemeClr val="accent3"/>
+          </a:lnRef>
+          <a:fillRef idx="2">
+            <a:schemeClr val="accent3"/>
+          </a:fillRef>
+          <a:effectRef idx="1">
+            <a:schemeClr val="accent3"/>
+          </a:effectRef>
+          <a:fontRef idx="minor">
+            <a:schemeClr val="dk1"/>
+          </a:fontRef>
+        </p:style>
+        <p:txBody>
+          <a:bodyPr rtlCol="0" anchor="ctr"/>
+          <a:lstStyle/>
+          <a:p>
+            <a:pPr algn="ctr"/>
+            <a:r>
+              <a:rPr lang="en-US" sz="1050" b="1" dirty="0">
+                <a:solidFill>
+                  <a:schemeClr val="accent3">
+                    <a:lumMod val="75000"/>
+                  </a:schemeClr>
+                </a:solidFill>
+              </a:rPr>
+              <a:t>&lt;&lt;interface&gt;&gt;</a:t>
+            </a:r>
+            <a:br>
+              <a:rPr lang="en-US" sz="1050" b="1" dirty="0">
+                <a:solidFill>
+                  <a:schemeClr val="accent3">
+                    <a:lumMod val="75000"/>
+                  </a:schemeClr>
+                </a:solidFill>
+              </a:rPr>
+            </a:br>
+            <a:r>
+              <a:rPr lang="en-US" sz="1050" b="1" dirty="0">
+                <a:solidFill>
+                  <a:schemeClr val="accent3">
+                    <a:lumMod val="75000"/>
+                  </a:schemeClr>
+                </a:solidFill>
+              </a:rPr>
+              <a:t>Sortable</a:t>
+            </a:r>
+            <a:endParaRPr lang="en-SG" sz="1050" b="1" dirty="0">
+              <a:solidFill>
+                <a:schemeClr val="accent3">
+                  <a:lumMod val="75000"/>
+                </a:schemeClr>
+              </a:solidFill>
+            </a:endParaRPr>
+          </a:p>
+        </p:txBody>
+      </p:sp>
+      <p:sp>
+        <p:nvSpPr>
+          <p:cNvPr id="46" name="Rectangle 62">
+            <a:extLst>
+              <a:ext uri="{FF2B5EF4-FFF2-40B4-BE49-F238E27FC236}">
+                <a16:creationId xmlns:a16="http://schemas.microsoft.com/office/drawing/2014/main" id="{88A34C78-B4E7-474E-86A6-259EE5AF7F4A}"/>
+              </a:ext>
+            </a:extLst>
+          </p:cNvPr>
+          <p:cNvSpPr/>
+          <p:nvPr/>
+        </p:nvSpPr>
+        <p:spPr>
+          <a:xfrm>
+            <a:off x="5746378" y="1777479"/>
+            <a:ext cx="974499" cy="346760"/>
+          </a:xfrm>
+          <a:prstGeom prst="rect">
+            <a:avLst/>
+          </a:prstGeom>
+          <a:ln w="6350">
+            <a:solidFill>
+              <a:schemeClr val="accent3"/>
+            </a:solidFill>
+          </a:ln>
+          <a:effectLst/>
+        </p:spPr>
+        <p:style>
+          <a:lnRef idx="1">
+            <a:schemeClr val="accent3"/>
+          </a:lnRef>
+          <a:fillRef idx="2">
+            <a:schemeClr val="accent3"/>
+          </a:fillRef>
+          <a:effectRef idx="1">
+            <a:schemeClr val="accent3"/>
+          </a:effectRef>
+          <a:fontRef idx="minor">
+            <a:schemeClr val="dk1"/>
+          </a:fontRef>
+        </p:style>
+        <p:txBody>
+          <a:bodyPr rtlCol="0" anchor="ctr"/>
+          <a:lstStyle/>
+          <a:p>
+            <a:pPr algn="ctr"/>
+            <a:r>
+              <a:rPr lang="en-US" sz="1050" b="1" dirty="0">
+                <a:solidFill>
+                  <a:schemeClr val="accent3">
+                    <a:lumMod val="75000"/>
+                  </a:schemeClr>
+                </a:solidFill>
+              </a:rPr>
+              <a:t>&lt;&lt;interface&gt;&gt;</a:t>
+            </a:r>
+            <a:br>
+              <a:rPr lang="en-US" sz="1050" b="1" dirty="0">
+                <a:solidFill>
+                  <a:schemeClr val="accent3">
+                    <a:lumMod val="75000"/>
+                  </a:schemeClr>
+                </a:solidFill>
+              </a:rPr>
+            </a:br>
+            <a:r>
+              <a:rPr lang="en-US" sz="1050" b="1" dirty="0">
+                <a:solidFill>
+                  <a:schemeClr val="accent3">
+                    <a:lumMod val="75000"/>
+                  </a:schemeClr>
+                </a:solidFill>
+              </a:rPr>
+              <a:t>Swappable</a:t>
+            </a:r>
+            <a:endParaRPr lang="en-SG" sz="1050" b="1" dirty="0">
+              <a:solidFill>
+                <a:schemeClr val="accent3">
+                  <a:lumMod val="75000"/>
+                </a:schemeClr>
+              </a:solidFill>
+            </a:endParaRPr>
+          </a:p>
+        </p:txBody>
+      </p:sp>
+      <p:sp>
+        <p:nvSpPr>
+          <p:cNvPr id="48" name="Rectangle 11">
+            <a:extLst>
+              <a:ext uri="{FF2B5EF4-FFF2-40B4-BE49-F238E27FC236}">
+                <a16:creationId xmlns:a16="http://schemas.microsoft.com/office/drawing/2014/main" id="{B149EB98-AA68-4145-BFB2-BB0D9765041F}"/>
+              </a:ext>
+            </a:extLst>
+          </p:cNvPr>
+          <p:cNvSpPr/>
+          <p:nvPr/>
+        </p:nvSpPr>
+        <p:spPr>
+          <a:xfrm>
+            <a:off x="2590799" y="4911943"/>
+            <a:ext cx="1093635" cy="236841"/>
+          </a:xfrm>
+          <a:prstGeom prst="rect">
+            <a:avLst/>
+          </a:prstGeom>
+          <a:ln w="19050">
+            <a:solidFill>
+              <a:schemeClr val="accent3"/>
+            </a:solidFill>
+          </a:ln>
+          <a:effectLst/>
+        </p:spPr>
+        <p:style>
+          <a:lnRef idx="1">
+            <a:schemeClr val="accent3"/>
+          </a:lnRef>
+          <a:fillRef idx="2">
+            <a:schemeClr val="accent3"/>
+          </a:fillRef>
+          <a:effectRef idx="1">
+            <a:schemeClr val="accent3"/>
+          </a:effectRef>
+          <a:fontRef idx="minor">
+            <a:schemeClr val="dk1"/>
+          </a:fontRef>
+        </p:style>
+        <p:txBody>
+          <a:bodyPr rtlCol="0" anchor="ctr"/>
+          <a:lstStyle/>
+          <a:p>
+            <a:pPr algn="ctr"/>
+            <a:r>
+              <a:rPr lang="en-US" sz="1050" b="1" dirty="0" err="1">
+                <a:solidFill>
+                  <a:schemeClr val="accent3">
+                    <a:lumMod val="75000"/>
+                  </a:schemeClr>
+                </a:solidFill>
+              </a:rPr>
+              <a:t>BlankPanel</a:t>
+            </a:r>
+            <a:endParaRPr lang="en-SG" sz="1050" b="1" dirty="0">
+              <a:solidFill>
+                <a:schemeClr val="accent3">
+                  <a:lumMod val="75000"/>
+                </a:schemeClr>
+              </a:solidFill>
+            </a:endParaRPr>
+          </a:p>
+        </p:txBody>
+      </p:sp>
+      <p:cxnSp>
+        <p:nvCxnSpPr>
+          <p:cNvPr id="49" name="Elbow Connector 63">
+            <a:extLst>
+              <a:ext uri="{FF2B5EF4-FFF2-40B4-BE49-F238E27FC236}">
+                <a16:creationId xmlns:a16="http://schemas.microsoft.com/office/drawing/2014/main" id="{2AEDEFDC-522A-41B7-81D5-CDB8471E95AA}"/>
+              </a:ext>
+            </a:extLst>
+          </p:cNvPr>
+          <p:cNvCxnSpPr/>
+          <p:nvPr/>
+        </p:nvCxnSpPr>
+        <p:spPr>
+          <a:xfrm rot="16200000" flipH="1">
+            <a:off x="2054447" y="4486107"/>
+            <a:ext cx="899755" cy="176402"/>
+          </a:xfrm>
+          <a:prstGeom prst="bentConnector2">
+            <a:avLst/>
+          </a:prstGeom>
+          <a:ln w="19050">
+            <a:solidFill>
+              <a:schemeClr val="accent3"/>
+            </a:solidFill>
+            <a:headEnd type="none" w="med" len="med"/>
+            <a:tailEnd type="arrow" w="med" len="med"/>
+          </a:ln>
+          <a:effectLst/>
+        </p:spPr>
+        <p:style>
+          <a:lnRef idx="1">
+            <a:schemeClr val="accent2"/>
+          </a:lnRef>
+          <a:fillRef idx="2">
+            <a:schemeClr val="accent2"/>
+          </a:fillRef>
+          <a:effectRef idx="1">
+            <a:schemeClr val="accent2"/>
+          </a:effectRef>
+          <a:fontRef idx="minor">
+            <a:schemeClr val="dk1"/>
+          </a:fontRef>
+        </p:style>
+      </p:cxnSp>
+      <p:sp>
+        <p:nvSpPr>
+          <p:cNvPr id="65" name="Rectangle 64">
+            <a:extLst>
+              <a:ext uri="{FF2B5EF4-FFF2-40B4-BE49-F238E27FC236}">
+                <a16:creationId xmlns:a16="http://schemas.microsoft.com/office/drawing/2014/main" id="{D23E199E-D78C-4ACF-AF00-63EF42147048}"/>
+              </a:ext>
+            </a:extLst>
+          </p:cNvPr>
+          <p:cNvSpPr/>
+          <p:nvPr/>
+        </p:nvSpPr>
+        <p:spPr>
+          <a:xfrm>
+            <a:off x="3993067" y="4257583"/>
+            <a:ext cx="229325" cy="166560"/>
+          </a:xfrm>
+          <a:prstGeom prst="rect">
+            <a:avLst/>
+          </a:prstGeom>
+          <a:solidFill>
+            <a:schemeClr val="accent3">
+              <a:lumMod val="20000"/>
+              <a:lumOff val="80000"/>
+              <a:alpha val="80000"/>
+            </a:schemeClr>
+          </a:solidFill>
+          <a:ln>
+            <a:noFill/>
+          </a:ln>
+          <a:effectLst>
+            <a:softEdge rad="31750"/>
+          </a:effectLst>
+        </p:spPr>
+        <p:style>
+          <a:lnRef idx="2">
+            <a:schemeClr val="accent1">
+              <a:shade val="50000"/>
+            </a:schemeClr>
+          </a:lnRef>
+          <a:fillRef idx="1">
+            <a:schemeClr val="accent1"/>
+          </a:fillRef>
+          <a:effectRef idx="0">
+            <a:schemeClr val="accent1"/>
+          </a:effectRef>
+          <a:fontRef idx="minor">
+            <a:schemeClr val="lt1"/>
+          </a:fontRef>
+        </p:style>
+        <p:txBody>
+          <a:bodyPr rtlCol="0" anchor="ctr"/>
+          <a:lstStyle/>
+          <a:p>
+            <a:pPr algn="ctr"/>
+            <a:endParaRPr lang="en-SG"/>
+          </a:p>
+        </p:txBody>
+      </p:sp>
+      <p:cxnSp>
+        <p:nvCxnSpPr>
+          <p:cNvPr id="58" name="Elbow Connector 63">
+            <a:extLst>
+              <a:ext uri="{FF2B5EF4-FFF2-40B4-BE49-F238E27FC236}">
+                <a16:creationId xmlns:a16="http://schemas.microsoft.com/office/drawing/2014/main" id="{979C6196-3EA3-4082-B06B-D5774177E20A}"/>
+              </a:ext>
+            </a:extLst>
+          </p:cNvPr>
+          <p:cNvCxnSpPr>
+            <a:cxnSpLocks/>
+            <a:endCxn id="46" idx="2"/>
+          </p:cNvCxnSpPr>
+          <p:nvPr/>
+        </p:nvCxnSpPr>
+        <p:spPr>
+          <a:xfrm rot="5400000" flipH="1" flipV="1">
+            <a:off x="3495341" y="2313332"/>
+            <a:ext cx="2927380" cy="2549194"/>
+          </a:xfrm>
+          <a:prstGeom prst="bentConnector3">
+            <a:avLst>
+              <a:gd name="adj1" fmla="val 439"/>
+            </a:avLst>
+          </a:prstGeom>
+          <a:ln w="6350">
+            <a:solidFill>
+              <a:schemeClr val="accent3"/>
+            </a:solidFill>
+            <a:headEnd type="none" w="med" len="med"/>
+            <a:tailEnd type="none" w="med" len="med"/>
+          </a:ln>
+          <a:effectLst/>
+        </p:spPr>
+        <p:style>
+          <a:lnRef idx="1">
+            <a:schemeClr val="accent2"/>
+          </a:lnRef>
+          <a:fillRef idx="2">
+            <a:schemeClr val="accent2"/>
+          </a:fillRef>
+          <a:effectRef idx="1">
+            <a:schemeClr val="accent2"/>
+          </a:effectRef>
+          <a:fontRef idx="minor">
+            <a:schemeClr val="dk1"/>
+          </a:fontRef>
+        </p:style>
+      </p:cxnSp>
+      <p:cxnSp>
+        <p:nvCxnSpPr>
+          <p:cNvPr id="137" name="Elbow Connector 136"/>
+          <p:cNvCxnSpPr>
+            <a:stCxn id="36" idx="2"/>
+            <a:endCxn id="37" idx="1"/>
+          </p:cNvCxnSpPr>
+          <p:nvPr/>
+        </p:nvCxnSpPr>
+        <p:spPr>
+          <a:xfrm rot="16200000" flipH="1">
+            <a:off x="3343094" y="4025050"/>
+            <a:ext cx="166948" cy="574449"/>
+          </a:xfrm>
+          <a:prstGeom prst="bentConnector2">
+            <a:avLst/>
+          </a:prstGeom>
+          <a:ln w="19050">
+            <a:solidFill>
+              <a:schemeClr val="accent3"/>
+            </a:solidFill>
+            <a:headEnd type="none" w="med" len="med"/>
+            <a:tailEnd type="arrow" w="med" len="med"/>
+          </a:ln>
+          <a:effectLst/>
+        </p:spPr>
+        <p:style>
+          <a:lnRef idx="1">
+            <a:schemeClr val="accent2"/>
+          </a:lnRef>
+          <a:fillRef idx="2">
+            <a:schemeClr val="accent2"/>
+          </a:fillRef>
+          <a:effectRef idx="1">
+            <a:schemeClr val="accent2"/>
+          </a:effectRef>
+          <a:fontRef idx="minor">
+            <a:schemeClr val="dk1"/>
+          </a:fontRef>
+        </p:style>
+      </p:cxnSp>
+      <p:sp>
+        <p:nvSpPr>
+          <p:cNvPr id="92" name="Isosceles Triangle 102">
+            <a:extLst>
+              <a:ext uri="{FF2B5EF4-FFF2-40B4-BE49-F238E27FC236}">
+                <a16:creationId xmlns:a16="http://schemas.microsoft.com/office/drawing/2014/main" id="{7A4A5686-B54F-4814-A4E2-A012826B4B77}"/>
+              </a:ext>
+            </a:extLst>
+          </p:cNvPr>
+          <p:cNvSpPr/>
+          <p:nvPr/>
+        </p:nvSpPr>
+        <p:spPr>
+          <a:xfrm rot="10800000" flipV="1">
+            <a:off x="6101392" y="2123779"/>
+            <a:ext cx="270504" cy="142599"/>
+          </a:xfrm>
+          <a:prstGeom prst="triangle">
+            <a:avLst/>
+          </a:prstGeom>
+          <a:ln w="6350">
+            <a:solidFill>
+              <a:schemeClr val="accent3"/>
+            </a:solidFill>
+          </a:ln>
+          <a:effectLst/>
+        </p:spPr>
+        <p:style>
+          <a:lnRef idx="1">
+            <a:schemeClr val="accent3"/>
+          </a:lnRef>
+          <a:fillRef idx="2">
+            <a:schemeClr val="accent3"/>
+          </a:fillRef>
+          <a:effectRef idx="1">
+            <a:schemeClr val="accent3"/>
+          </a:effectRef>
+          <a:fontRef idx="minor">
+            <a:schemeClr val="dk1"/>
+          </a:fontRef>
+        </p:style>
+        <p:txBody>
+          <a:bodyPr rtlCol="0" anchor="ctr"/>
+          <a:lstStyle/>
+          <a:p>
+            <a:pPr algn="ctr"/>
+            <a:endParaRPr lang="en-SG" sz="1050" b="1">
+              <a:solidFill>
+                <a:srgbClr val="92D050"/>
+              </a:solidFill>
+            </a:endParaRPr>
+          </a:p>
+        </p:txBody>
+      </p:sp>
+      <p:cxnSp>
+        <p:nvCxnSpPr>
+          <p:cNvPr id="93" name="Elbow Connector 63">
+            <a:extLst>
+              <a:ext uri="{FF2B5EF4-FFF2-40B4-BE49-F238E27FC236}">
+                <a16:creationId xmlns:a16="http://schemas.microsoft.com/office/drawing/2014/main" id="{B7B1B283-5629-49ED-BF7D-419D9E76B6C3}"/>
+              </a:ext>
+            </a:extLst>
+          </p:cNvPr>
+          <p:cNvCxnSpPr>
+            <a:cxnSpLocks/>
+          </p:cNvCxnSpPr>
+          <p:nvPr/>
+        </p:nvCxnSpPr>
+        <p:spPr>
+          <a:xfrm flipV="1">
+            <a:off x="3690530" y="2260282"/>
+            <a:ext cx="2546114" cy="1509272"/>
+          </a:xfrm>
+          <a:prstGeom prst="bentConnector2">
+            <a:avLst/>
+          </a:prstGeom>
+          <a:ln w="6350">
+            <a:solidFill>
+              <a:schemeClr val="accent3"/>
+            </a:solidFill>
+            <a:headEnd type="none" w="med" len="med"/>
+            <a:tailEnd type="none" w="med" len="med"/>
+          </a:ln>
+          <a:effectLst/>
+        </p:spPr>
+        <p:style>
+          <a:lnRef idx="1">
+            <a:schemeClr val="accent2"/>
+          </a:lnRef>
+          <a:fillRef idx="2">
+            <a:schemeClr val="accent2"/>
+          </a:fillRef>
+          <a:effectRef idx="1">
+            <a:schemeClr val="accent2"/>
+          </a:effectRef>
+          <a:fontRef idx="minor">
+            <a:schemeClr val="dk1"/>
+          </a:fontRef>
+        </p:style>
+      </p:cxnSp>
+      <p:cxnSp>
+        <p:nvCxnSpPr>
+          <p:cNvPr id="97" name="Elbow Connector 63">
+            <a:extLst>
+              <a:ext uri="{FF2B5EF4-FFF2-40B4-BE49-F238E27FC236}">
+                <a16:creationId xmlns:a16="http://schemas.microsoft.com/office/drawing/2014/main" id="{3A4C3C7F-731E-4341-930A-9854617630FB}"/>
+              </a:ext>
+            </a:extLst>
+          </p:cNvPr>
+          <p:cNvCxnSpPr>
+            <a:cxnSpLocks/>
+            <a:endCxn id="42" idx="2"/>
+          </p:cNvCxnSpPr>
+          <p:nvPr/>
+        </p:nvCxnSpPr>
+        <p:spPr>
+          <a:xfrm flipV="1">
+            <a:off x="4649863" y="2115151"/>
+            <a:ext cx="2617831" cy="1658394"/>
+          </a:xfrm>
+          <a:prstGeom prst="bentConnector2">
+            <a:avLst/>
+          </a:prstGeom>
+          <a:ln w="6350">
+            <a:solidFill>
+              <a:schemeClr val="accent3"/>
+            </a:solidFill>
+            <a:headEnd type="none" w="med" len="med"/>
+            <a:tailEnd type="none" w="med" len="med"/>
+          </a:ln>
+          <a:effectLst/>
+        </p:spPr>
+        <p:style>
+          <a:lnRef idx="1">
+            <a:schemeClr val="accent2"/>
+          </a:lnRef>
+          <a:fillRef idx="2">
+            <a:schemeClr val="accent2"/>
+          </a:fillRef>
+          <a:effectRef idx="1">
+            <a:schemeClr val="accent2"/>
+          </a:effectRef>
+          <a:fontRef idx="minor">
+            <a:schemeClr val="dk1"/>
+          </a:fontRef>
+        </p:style>
+      </p:cxnSp>
+      <p:sp>
+        <p:nvSpPr>
+          <p:cNvPr id="99" name="Isosceles Triangle 102">
+            <a:extLst>
+              <a:ext uri="{FF2B5EF4-FFF2-40B4-BE49-F238E27FC236}">
+                <a16:creationId xmlns:a16="http://schemas.microsoft.com/office/drawing/2014/main" id="{3D1975AA-DD06-4DE0-8BF1-0BE4904A16F4}"/>
+              </a:ext>
+            </a:extLst>
+          </p:cNvPr>
+          <p:cNvSpPr/>
+          <p:nvPr/>
+        </p:nvSpPr>
+        <p:spPr>
+          <a:xfrm rot="10800000" flipV="1">
+            <a:off x="7131616" y="2123779"/>
+            <a:ext cx="270504" cy="142599"/>
+          </a:xfrm>
+          <a:prstGeom prst="triangle">
+            <a:avLst/>
+          </a:prstGeom>
+          <a:ln w="6350">
+            <a:solidFill>
+              <a:schemeClr val="accent3"/>
+            </a:solidFill>
+          </a:ln>
+          <a:effectLst/>
+        </p:spPr>
+        <p:style>
+          <a:lnRef idx="1">
+            <a:schemeClr val="accent3"/>
+          </a:lnRef>
+          <a:fillRef idx="2">
+            <a:schemeClr val="accent3"/>
+          </a:fillRef>
+          <a:effectRef idx="1">
+            <a:schemeClr val="accent3"/>
+          </a:effectRef>
+          <a:fontRef idx="minor">
+            <a:schemeClr val="dk1"/>
+          </a:fontRef>
+        </p:style>
+        <p:txBody>
+          <a:bodyPr rtlCol="0" anchor="ctr"/>
+          <a:lstStyle/>
+          <a:p>
+            <a:pPr algn="ctr"/>
+            <a:endParaRPr lang="en-SG" sz="1050" b="1">
+              <a:solidFill>
+                <a:srgbClr val="92D050"/>
+              </a:solidFill>
+            </a:endParaRPr>
           </a:p>
         </p:txBody>
       </p:sp>

--- a/docs/diagrams/UiComponentClassDiagram.pptx
+++ b/docs/diagrams/UiComponentClassDiagram.pptx
@@ -208,7 +208,7 @@
           <a:p>
             <a:fld id="{F5CC4B3F-88C1-4FFA-B1B6-F41C21DC6924}" type="datetimeFigureOut">
               <a:rPr lang="en-US" smtClean="0"/>
-              <a:t>1/7/2017</a:t>
+              <a:t>10/22/2018</a:t>
             </a:fld>
             <a:endParaRPr lang="en-US"/>
           </a:p>
@@ -654,7 +654,7 @@
           <a:p>
             <a:fld id="{78C97017-6FC3-485B-9764-EAC9E56C1D49}" type="datetimeFigureOut">
               <a:rPr lang="en-US" smtClean="0"/>
-              <a:t>1/7/2017</a:t>
+              <a:t>10/22/2018</a:t>
             </a:fld>
             <a:endParaRPr lang="en-US"/>
           </a:p>
@@ -822,7 +822,7 @@
           <a:p>
             <a:fld id="{78C97017-6FC3-485B-9764-EAC9E56C1D49}" type="datetimeFigureOut">
               <a:rPr lang="en-US" smtClean="0"/>
-              <a:t>1/7/2017</a:t>
+              <a:t>10/22/2018</a:t>
             </a:fld>
             <a:endParaRPr lang="en-US"/>
           </a:p>
@@ -1000,7 +1000,7 @@
           <a:p>
             <a:fld id="{78C97017-6FC3-485B-9764-EAC9E56C1D49}" type="datetimeFigureOut">
               <a:rPr lang="en-US" smtClean="0"/>
-              <a:t>1/7/2017</a:t>
+              <a:t>10/22/2018</a:t>
             </a:fld>
             <a:endParaRPr lang="en-US"/>
           </a:p>
@@ -1168,7 +1168,7 @@
           <a:p>
             <a:fld id="{78C97017-6FC3-485B-9764-EAC9E56C1D49}" type="datetimeFigureOut">
               <a:rPr lang="en-US" smtClean="0"/>
-              <a:t>1/7/2017</a:t>
+              <a:t>10/22/2018</a:t>
             </a:fld>
             <a:endParaRPr lang="en-US"/>
           </a:p>
@@ -1413,7 +1413,7 @@
           <a:p>
             <a:fld id="{78C97017-6FC3-485B-9764-EAC9E56C1D49}" type="datetimeFigureOut">
               <a:rPr lang="en-US" smtClean="0"/>
-              <a:t>1/7/2017</a:t>
+              <a:t>10/22/2018</a:t>
             </a:fld>
             <a:endParaRPr lang="en-US"/>
           </a:p>
@@ -1698,7 +1698,7 @@
           <a:p>
             <a:fld id="{78C97017-6FC3-485B-9764-EAC9E56C1D49}" type="datetimeFigureOut">
               <a:rPr lang="en-US" smtClean="0"/>
-              <a:t>1/7/2017</a:t>
+              <a:t>10/22/2018</a:t>
             </a:fld>
             <a:endParaRPr lang="en-US"/>
           </a:p>
@@ -2117,7 +2117,7 @@
           <a:p>
             <a:fld id="{78C97017-6FC3-485B-9764-EAC9E56C1D49}" type="datetimeFigureOut">
               <a:rPr lang="en-US" smtClean="0"/>
-              <a:t>1/7/2017</a:t>
+              <a:t>10/22/2018</a:t>
             </a:fld>
             <a:endParaRPr lang="en-US"/>
           </a:p>
@@ -2234,7 +2234,7 @@
           <a:p>
             <a:fld id="{78C97017-6FC3-485B-9764-EAC9E56C1D49}" type="datetimeFigureOut">
               <a:rPr lang="en-US" smtClean="0"/>
-              <a:t>1/7/2017</a:t>
+              <a:t>10/22/2018</a:t>
             </a:fld>
             <a:endParaRPr lang="en-US"/>
           </a:p>
@@ -2329,7 +2329,7 @@
           <a:p>
             <a:fld id="{78C97017-6FC3-485B-9764-EAC9E56C1D49}" type="datetimeFigureOut">
               <a:rPr lang="en-US" smtClean="0"/>
-              <a:t>1/7/2017</a:t>
+              <a:t>10/22/2018</a:t>
             </a:fld>
             <a:endParaRPr lang="en-US"/>
           </a:p>
@@ -2604,7 +2604,7 @@
           <a:p>
             <a:fld id="{78C97017-6FC3-485B-9764-EAC9E56C1D49}" type="datetimeFigureOut">
               <a:rPr lang="en-US" smtClean="0"/>
-              <a:t>1/7/2017</a:t>
+              <a:t>10/22/2018</a:t>
             </a:fld>
             <a:endParaRPr lang="en-US"/>
           </a:p>
@@ -2856,7 +2856,7 @@
           <a:p>
             <a:fld id="{78C97017-6FC3-485B-9764-EAC9E56C1D49}" type="datetimeFigureOut">
               <a:rPr lang="en-US" smtClean="0"/>
-              <a:t>1/7/2017</a:t>
+              <a:t>10/22/2018</a:t>
             </a:fld>
             <a:endParaRPr lang="en-US"/>
           </a:p>
@@ -3067,7 +3067,7 @@
           <a:p>
             <a:fld id="{78C97017-6FC3-485B-9764-EAC9E56C1D49}" type="datetimeFigureOut">
               <a:rPr lang="en-US" smtClean="0"/>
-              <a:t>1/7/2017</a:t>
+              <a:t>10/22/2018</a:t>
             </a:fld>
             <a:endParaRPr lang="en-US"/>
           </a:p>
@@ -4045,7 +4045,7 @@
                   </a:schemeClr>
                 </a:solidFill>
               </a:rPr>
-              <a:t>PersonListPanel</a:t>
+              <a:t>TaskListPanel</a:t>
             </a:r>
             <a:endParaRPr lang="en-SG" sz="1050" b="1" dirty="0">
               <a:solidFill>
@@ -4105,7 +4105,7 @@
                   </a:schemeClr>
                 </a:solidFill>
               </a:rPr>
-              <a:t>PersonCard</a:t>
+              <a:t>TaskCard</a:t>
             </a:r>
             <a:endParaRPr lang="en-SG" sz="1050" b="1" dirty="0">
               <a:solidFill>

--- a/docs/diagrams/UiComponentClassDiagram.pptx
+++ b/docs/diagrams/UiComponentClassDiagram.pptx
@@ -208,7 +208,7 @@
           <a:p>
             <a:fld id="{F5CC4B3F-88C1-4FFA-B1B6-F41C21DC6924}" type="datetimeFigureOut">
               <a:rPr lang="en-US" smtClean="0"/>
-              <a:t>1/7/2017</a:t>
+              <a:t>10/24/2018</a:t>
             </a:fld>
             <a:endParaRPr lang="en-US"/>
           </a:p>
@@ -654,7 +654,7 @@
           <a:p>
             <a:fld id="{78C97017-6FC3-485B-9764-EAC9E56C1D49}" type="datetimeFigureOut">
               <a:rPr lang="en-US" smtClean="0"/>
-              <a:t>1/7/2017</a:t>
+              <a:t>10/24/2018</a:t>
             </a:fld>
             <a:endParaRPr lang="en-US"/>
           </a:p>
@@ -822,7 +822,7 @@
           <a:p>
             <a:fld id="{78C97017-6FC3-485B-9764-EAC9E56C1D49}" type="datetimeFigureOut">
               <a:rPr lang="en-US" smtClean="0"/>
-              <a:t>1/7/2017</a:t>
+              <a:t>10/24/2018</a:t>
             </a:fld>
             <a:endParaRPr lang="en-US"/>
           </a:p>
@@ -1000,7 +1000,7 @@
           <a:p>
             <a:fld id="{78C97017-6FC3-485B-9764-EAC9E56C1D49}" type="datetimeFigureOut">
               <a:rPr lang="en-US" smtClean="0"/>
-              <a:t>1/7/2017</a:t>
+              <a:t>10/24/2018</a:t>
             </a:fld>
             <a:endParaRPr lang="en-US"/>
           </a:p>
@@ -1168,7 +1168,7 @@
           <a:p>
             <a:fld id="{78C97017-6FC3-485B-9764-EAC9E56C1D49}" type="datetimeFigureOut">
               <a:rPr lang="en-US" smtClean="0"/>
-              <a:t>1/7/2017</a:t>
+              <a:t>10/24/2018</a:t>
             </a:fld>
             <a:endParaRPr lang="en-US"/>
           </a:p>
@@ -1413,7 +1413,7 @@
           <a:p>
             <a:fld id="{78C97017-6FC3-485B-9764-EAC9E56C1D49}" type="datetimeFigureOut">
               <a:rPr lang="en-US" smtClean="0"/>
-              <a:t>1/7/2017</a:t>
+              <a:t>10/24/2018</a:t>
             </a:fld>
             <a:endParaRPr lang="en-US"/>
           </a:p>
@@ -1698,7 +1698,7 @@
           <a:p>
             <a:fld id="{78C97017-6FC3-485B-9764-EAC9E56C1D49}" type="datetimeFigureOut">
               <a:rPr lang="en-US" smtClean="0"/>
-              <a:t>1/7/2017</a:t>
+              <a:t>10/24/2018</a:t>
             </a:fld>
             <a:endParaRPr lang="en-US"/>
           </a:p>
@@ -2117,7 +2117,7 @@
           <a:p>
             <a:fld id="{78C97017-6FC3-485B-9764-EAC9E56C1D49}" type="datetimeFigureOut">
               <a:rPr lang="en-US" smtClean="0"/>
-              <a:t>1/7/2017</a:t>
+              <a:t>10/24/2018</a:t>
             </a:fld>
             <a:endParaRPr lang="en-US"/>
           </a:p>
@@ -2234,7 +2234,7 @@
           <a:p>
             <a:fld id="{78C97017-6FC3-485B-9764-EAC9E56C1D49}" type="datetimeFigureOut">
               <a:rPr lang="en-US" smtClean="0"/>
-              <a:t>1/7/2017</a:t>
+              <a:t>10/24/2018</a:t>
             </a:fld>
             <a:endParaRPr lang="en-US"/>
           </a:p>
@@ -2329,7 +2329,7 @@
           <a:p>
             <a:fld id="{78C97017-6FC3-485B-9764-EAC9E56C1D49}" type="datetimeFigureOut">
               <a:rPr lang="en-US" smtClean="0"/>
-              <a:t>1/7/2017</a:t>
+              <a:t>10/24/2018</a:t>
             </a:fld>
             <a:endParaRPr lang="en-US"/>
           </a:p>
@@ -2604,7 +2604,7 @@
           <a:p>
             <a:fld id="{78C97017-6FC3-485B-9764-EAC9E56C1D49}" type="datetimeFigureOut">
               <a:rPr lang="en-US" smtClean="0"/>
-              <a:t>1/7/2017</a:t>
+              <a:t>10/24/2018</a:t>
             </a:fld>
             <a:endParaRPr lang="en-US"/>
           </a:p>
@@ -2856,7 +2856,7 @@
           <a:p>
             <a:fld id="{78C97017-6FC3-485B-9764-EAC9E56C1D49}" type="datetimeFigureOut">
               <a:rPr lang="en-US" smtClean="0"/>
-              <a:t>1/7/2017</a:t>
+              <a:t>10/24/2018</a:t>
             </a:fld>
             <a:endParaRPr lang="en-US"/>
           </a:p>
@@ -3067,7 +3067,7 @@
           <a:p>
             <a:fld id="{78C97017-6FC3-485B-9764-EAC9E56C1D49}" type="datetimeFigureOut">
               <a:rPr lang="en-US" smtClean="0"/>
-              <a:t>1/7/2017</a:t>
+              <a:t>10/24/2018</a:t>
             </a:fld>
             <a:endParaRPr lang="en-US"/>
           </a:p>
@@ -4045,7 +4045,7 @@
                   </a:schemeClr>
                 </a:solidFill>
               </a:rPr>
-              <a:t>PersonListPanel</a:t>
+              <a:t>EventListPanel</a:t>
             </a:r>
             <a:endParaRPr lang="en-SG" sz="1050" b="1" dirty="0">
               <a:solidFill>
@@ -4105,7 +4105,7 @@
                   </a:schemeClr>
                 </a:solidFill>
               </a:rPr>
-              <a:t>PersonCard</a:t>
+              <a:t>EventCard</a:t>
             </a:r>
             <a:endParaRPr lang="en-SG" sz="1050" b="1" dirty="0">
               <a:solidFill>

--- a/docs/diagrams/UiComponentClassDiagram.pptx
+++ b/docs/diagrams/UiComponentClassDiagram.pptx
@@ -208,7 +208,7 @@
           <a:p>
             <a:fld id="{F5CC4B3F-88C1-4FFA-B1B6-F41C21DC6924}" type="datetimeFigureOut">
               <a:rPr lang="en-US" smtClean="0"/>
-              <a:t>1/7/2017</a:t>
+              <a:t>10/29/2018</a:t>
             </a:fld>
             <a:endParaRPr lang="en-US"/>
           </a:p>
@@ -654,7 +654,7 @@
           <a:p>
             <a:fld id="{78C97017-6FC3-485B-9764-EAC9E56C1D49}" type="datetimeFigureOut">
               <a:rPr lang="en-US" smtClean="0"/>
-              <a:t>1/7/2017</a:t>
+              <a:t>10/29/2018</a:t>
             </a:fld>
             <a:endParaRPr lang="en-US"/>
           </a:p>
@@ -822,7 +822,7 @@
           <a:p>
             <a:fld id="{78C97017-6FC3-485B-9764-EAC9E56C1D49}" type="datetimeFigureOut">
               <a:rPr lang="en-US" smtClean="0"/>
-              <a:t>1/7/2017</a:t>
+              <a:t>10/29/2018</a:t>
             </a:fld>
             <a:endParaRPr lang="en-US"/>
           </a:p>
@@ -1000,7 +1000,7 @@
           <a:p>
             <a:fld id="{78C97017-6FC3-485B-9764-EAC9E56C1D49}" type="datetimeFigureOut">
               <a:rPr lang="en-US" smtClean="0"/>
-              <a:t>1/7/2017</a:t>
+              <a:t>10/29/2018</a:t>
             </a:fld>
             <a:endParaRPr lang="en-US"/>
           </a:p>
@@ -1168,7 +1168,7 @@
           <a:p>
             <a:fld id="{78C97017-6FC3-485B-9764-EAC9E56C1D49}" type="datetimeFigureOut">
               <a:rPr lang="en-US" smtClean="0"/>
-              <a:t>1/7/2017</a:t>
+              <a:t>10/29/2018</a:t>
             </a:fld>
             <a:endParaRPr lang="en-US"/>
           </a:p>
@@ -1413,7 +1413,7 @@
           <a:p>
             <a:fld id="{78C97017-6FC3-485B-9764-EAC9E56C1D49}" type="datetimeFigureOut">
               <a:rPr lang="en-US" smtClean="0"/>
-              <a:t>1/7/2017</a:t>
+              <a:t>10/29/2018</a:t>
             </a:fld>
             <a:endParaRPr lang="en-US"/>
           </a:p>
@@ -1698,7 +1698,7 @@
           <a:p>
             <a:fld id="{78C97017-6FC3-485B-9764-EAC9E56C1D49}" type="datetimeFigureOut">
               <a:rPr lang="en-US" smtClean="0"/>
-              <a:t>1/7/2017</a:t>
+              <a:t>10/29/2018</a:t>
             </a:fld>
             <a:endParaRPr lang="en-US"/>
           </a:p>
@@ -2117,7 +2117,7 @@
           <a:p>
             <a:fld id="{78C97017-6FC3-485B-9764-EAC9E56C1D49}" type="datetimeFigureOut">
               <a:rPr lang="en-US" smtClean="0"/>
-              <a:t>1/7/2017</a:t>
+              <a:t>10/29/2018</a:t>
             </a:fld>
             <a:endParaRPr lang="en-US"/>
           </a:p>
@@ -2234,7 +2234,7 @@
           <a:p>
             <a:fld id="{78C97017-6FC3-485B-9764-EAC9E56C1D49}" type="datetimeFigureOut">
               <a:rPr lang="en-US" smtClean="0"/>
-              <a:t>1/7/2017</a:t>
+              <a:t>10/29/2018</a:t>
             </a:fld>
             <a:endParaRPr lang="en-US"/>
           </a:p>
@@ -2329,7 +2329,7 @@
           <a:p>
             <a:fld id="{78C97017-6FC3-485B-9764-EAC9E56C1D49}" type="datetimeFigureOut">
               <a:rPr lang="en-US" smtClean="0"/>
-              <a:t>1/7/2017</a:t>
+              <a:t>10/29/2018</a:t>
             </a:fld>
             <a:endParaRPr lang="en-US"/>
           </a:p>
@@ -2604,7 +2604,7 @@
           <a:p>
             <a:fld id="{78C97017-6FC3-485B-9764-EAC9E56C1D49}" type="datetimeFigureOut">
               <a:rPr lang="en-US" smtClean="0"/>
-              <a:t>1/7/2017</a:t>
+              <a:t>10/29/2018</a:t>
             </a:fld>
             <a:endParaRPr lang="en-US"/>
           </a:p>
@@ -2856,7 +2856,7 @@
           <a:p>
             <a:fld id="{78C97017-6FC3-485B-9764-EAC9E56C1D49}" type="datetimeFigureOut">
               <a:rPr lang="en-US" smtClean="0"/>
-              <a:t>1/7/2017</a:t>
+              <a:t>10/29/2018</a:t>
             </a:fld>
             <a:endParaRPr lang="en-US"/>
           </a:p>
@@ -3067,7 +3067,7 @@
           <a:p>
             <a:fld id="{78C97017-6FC3-485B-9764-EAC9E56C1D49}" type="datetimeFigureOut">
               <a:rPr lang="en-US" smtClean="0"/>
-              <a:t>1/7/2017</a:t>
+              <a:t>10/29/2018</a:t>
             </a:fld>
             <a:endParaRPr lang="en-US"/>
           </a:p>
@@ -3450,8 +3450,8 @@
         </p:nvSpPr>
         <p:spPr>
           <a:xfrm>
-            <a:off x="1217465" y="1447800"/>
-            <a:ext cx="4917083" cy="3962400"/>
+            <a:off x="1217465" y="1447799"/>
+            <a:ext cx="4917083" cy="4335153"/>
           </a:xfrm>
           <a:prstGeom prst="roundRect">
             <a:avLst>
@@ -3945,7 +3945,7 @@
         </p:nvSpPr>
         <p:spPr>
           <a:xfrm>
-            <a:off x="2592527" y="4563759"/>
+            <a:off x="2592527" y="5173359"/>
             <a:ext cx="1093635" cy="236841"/>
           </a:xfrm>
           <a:prstGeom prst="rect">
@@ -4125,7 +4125,7 @@
         </p:nvSpPr>
         <p:spPr>
           <a:xfrm>
-            <a:off x="2592528" y="4966000"/>
+            <a:off x="2592528" y="5478159"/>
             <a:ext cx="1093635" cy="236841"/>
           </a:xfrm>
           <a:prstGeom prst="rect">
@@ -4419,8 +4419,8 @@
         </p:nvCxnSpPr>
         <p:spPr>
           <a:xfrm rot="16200000" flipH="1">
-            <a:off x="1597249" y="3686901"/>
-            <a:ext cx="1814155" cy="176401"/>
+            <a:off x="1292449" y="3991701"/>
+            <a:ext cx="2423755" cy="176401"/>
           </a:xfrm>
           <a:prstGeom prst="bentConnector2">
             <a:avLst/>
@@ -4459,7 +4459,7 @@
         </p:nvCxnSpPr>
         <p:spPr>
           <a:xfrm rot="16200000" flipH="1">
-            <a:off x="1184119" y="3676012"/>
+            <a:off x="1184119" y="4188171"/>
             <a:ext cx="2396440" cy="420377"/>
           </a:xfrm>
           <a:prstGeom prst="bentConnector2">
@@ -4743,8 +4743,8 @@
         </p:nvCxnSpPr>
         <p:spPr>
           <a:xfrm rot="5400000">
-            <a:off x="3409976" y="2562187"/>
-            <a:ext cx="2396180" cy="1843807"/>
+            <a:off x="3105176" y="2866987"/>
+            <a:ext cx="3005780" cy="1843807"/>
           </a:xfrm>
           <a:prstGeom prst="bentConnector2">
             <a:avLst/>
@@ -4784,8 +4784,8 @@
         </p:nvCxnSpPr>
         <p:spPr>
           <a:xfrm rot="5400000">
-            <a:off x="3208856" y="2763307"/>
-            <a:ext cx="2798421" cy="1843806"/>
+            <a:off x="2952776" y="3019387"/>
+            <a:ext cx="3310580" cy="1843806"/>
           </a:xfrm>
           <a:prstGeom prst="bentConnector2">
             <a:avLst/>
@@ -5509,6 +5509,330 @@
           </a:p>
         </p:txBody>
       </p:sp>
+      <p:sp>
+        <p:nvSpPr>
+          <p:cNvPr id="42" name="Rectangle 11">
+            <a:extLst>
+              <a:ext uri="{FF2B5EF4-FFF2-40B4-BE49-F238E27FC236}">
+                <a16:creationId xmlns:a16="http://schemas.microsoft.com/office/drawing/2014/main" id="{B91FB25C-3E64-494C-958F-52A5E5FE99D4}"/>
+              </a:ext>
+            </a:extLst>
+          </p:cNvPr>
+          <p:cNvSpPr/>
+          <p:nvPr/>
+        </p:nvSpPr>
+        <p:spPr>
+          <a:xfrm>
+            <a:off x="2592525" y="4555518"/>
+            <a:ext cx="1215707" cy="236841"/>
+          </a:xfrm>
+          <a:prstGeom prst="rect">
+            <a:avLst/>
+          </a:prstGeom>
+          <a:ln w="19050">
+            <a:solidFill>
+              <a:schemeClr val="accent3"/>
+            </a:solidFill>
+          </a:ln>
+          <a:effectLst/>
+        </p:spPr>
+        <p:style>
+          <a:lnRef idx="1">
+            <a:schemeClr val="accent3"/>
+          </a:lnRef>
+          <a:fillRef idx="2">
+            <a:schemeClr val="accent3"/>
+          </a:fillRef>
+          <a:effectRef idx="1">
+            <a:schemeClr val="accent3"/>
+          </a:effectRef>
+          <a:fontRef idx="minor">
+            <a:schemeClr val="dk1"/>
+          </a:fontRef>
+        </p:style>
+        <p:txBody>
+          <a:bodyPr rtlCol="0" anchor="ctr"/>
+          <a:lstStyle/>
+          <a:p>
+            <a:pPr algn="ctr"/>
+            <a:r>
+              <a:rPr lang="en-US" sz="1050" b="1" dirty="0" err="1">
+                <a:solidFill>
+                  <a:schemeClr val="accent3">
+                    <a:lumMod val="75000"/>
+                  </a:schemeClr>
+                </a:solidFill>
+              </a:rPr>
+              <a:t>LoginIntroduction</a:t>
+            </a:r>
+            <a:endParaRPr lang="en-SG" sz="1050" b="1" dirty="0">
+              <a:solidFill>
+                <a:schemeClr val="accent3">
+                  <a:lumMod val="75000"/>
+                </a:schemeClr>
+              </a:solidFill>
+            </a:endParaRPr>
+          </a:p>
+        </p:txBody>
+      </p:sp>
+      <p:sp>
+        <p:nvSpPr>
+          <p:cNvPr id="45" name="Rectangle 11">
+            <a:extLst>
+              <a:ext uri="{FF2B5EF4-FFF2-40B4-BE49-F238E27FC236}">
+                <a16:creationId xmlns:a16="http://schemas.microsoft.com/office/drawing/2014/main" id="{F540E73E-3FF7-4435-A10E-F683E9B9511D}"/>
+              </a:ext>
+            </a:extLst>
+          </p:cNvPr>
+          <p:cNvSpPr/>
+          <p:nvPr/>
+        </p:nvSpPr>
+        <p:spPr>
+          <a:xfrm>
+            <a:off x="2582371" y="4886056"/>
+            <a:ext cx="1093635" cy="236841"/>
+          </a:xfrm>
+          <a:prstGeom prst="rect">
+            <a:avLst/>
+          </a:prstGeom>
+          <a:ln w="19050">
+            <a:solidFill>
+              <a:schemeClr val="accent3"/>
+            </a:solidFill>
+          </a:ln>
+          <a:effectLst/>
+        </p:spPr>
+        <p:style>
+          <a:lnRef idx="1">
+            <a:schemeClr val="accent3"/>
+          </a:lnRef>
+          <a:fillRef idx="2">
+            <a:schemeClr val="accent3"/>
+          </a:fillRef>
+          <a:effectRef idx="1">
+            <a:schemeClr val="accent3"/>
+          </a:effectRef>
+          <a:fontRef idx="minor">
+            <a:schemeClr val="dk1"/>
+          </a:fontRef>
+        </p:style>
+        <p:txBody>
+          <a:bodyPr rtlCol="0" anchor="ctr"/>
+          <a:lstStyle/>
+          <a:p>
+            <a:pPr algn="ctr"/>
+            <a:r>
+              <a:rPr lang="en-US" sz="1050" b="1" dirty="0" err="1">
+                <a:solidFill>
+                  <a:schemeClr val="accent3">
+                    <a:lumMod val="75000"/>
+                  </a:schemeClr>
+                </a:solidFill>
+              </a:rPr>
+              <a:t>LoginForm</a:t>
+            </a:r>
+            <a:endParaRPr lang="en-SG" sz="1050" b="1" dirty="0">
+              <a:solidFill>
+                <a:schemeClr val="accent3">
+                  <a:lumMod val="75000"/>
+                </a:schemeClr>
+              </a:solidFill>
+            </a:endParaRPr>
+          </a:p>
+        </p:txBody>
+      </p:sp>
+      <p:cxnSp>
+        <p:nvCxnSpPr>
+          <p:cNvPr id="46" name="Elbow Connector 63">
+            <a:extLst>
+              <a:ext uri="{FF2B5EF4-FFF2-40B4-BE49-F238E27FC236}">
+                <a16:creationId xmlns:a16="http://schemas.microsoft.com/office/drawing/2014/main" id="{6F6B2CFC-7D39-477B-940C-05C7EF6F59D5}"/>
+              </a:ext>
+            </a:extLst>
+          </p:cNvPr>
+          <p:cNvCxnSpPr>
+            <a:cxnSpLocks/>
+            <a:stCxn id="39" idx="2"/>
+            <a:endCxn id="42" idx="1"/>
+          </p:cNvCxnSpPr>
+          <p:nvPr/>
+        </p:nvCxnSpPr>
+        <p:spPr>
+          <a:xfrm rot="16200000" flipH="1">
+            <a:off x="1601368" y="3682782"/>
+            <a:ext cx="1805914" cy="176399"/>
+          </a:xfrm>
+          <a:prstGeom prst="bentConnector2">
+            <a:avLst/>
+          </a:prstGeom>
+          <a:ln w="19050">
+            <a:solidFill>
+              <a:schemeClr val="accent3"/>
+            </a:solidFill>
+            <a:headEnd type="none" w="med" len="med"/>
+            <a:tailEnd type="arrow" w="med" len="med"/>
+          </a:ln>
+          <a:effectLst/>
+        </p:spPr>
+        <p:style>
+          <a:lnRef idx="1">
+            <a:schemeClr val="accent2"/>
+          </a:lnRef>
+          <a:fillRef idx="2">
+            <a:schemeClr val="accent2"/>
+          </a:fillRef>
+          <a:effectRef idx="1">
+            <a:schemeClr val="accent2"/>
+          </a:effectRef>
+          <a:fontRef idx="minor">
+            <a:schemeClr val="dk1"/>
+          </a:fontRef>
+        </p:style>
+      </p:cxnSp>
+      <p:cxnSp>
+        <p:nvCxnSpPr>
+          <p:cNvPr id="48" name="Elbow Connector 63">
+            <a:extLst>
+              <a:ext uri="{FF2B5EF4-FFF2-40B4-BE49-F238E27FC236}">
+                <a16:creationId xmlns:a16="http://schemas.microsoft.com/office/drawing/2014/main" id="{9AB9301E-2A0B-4B64-B14F-13482E3DF2C9}"/>
+              </a:ext>
+            </a:extLst>
+          </p:cNvPr>
+          <p:cNvCxnSpPr>
+            <a:cxnSpLocks/>
+            <a:stCxn id="39" idx="2"/>
+            <a:endCxn id="45" idx="1"/>
+          </p:cNvCxnSpPr>
+          <p:nvPr/>
+        </p:nvCxnSpPr>
+        <p:spPr>
+          <a:xfrm rot="16200000" flipH="1">
+            <a:off x="1431022" y="3853128"/>
+            <a:ext cx="2136452" cy="166245"/>
+          </a:xfrm>
+          <a:prstGeom prst="bentConnector2">
+            <a:avLst/>
+          </a:prstGeom>
+          <a:ln w="19050">
+            <a:solidFill>
+              <a:schemeClr val="accent3"/>
+            </a:solidFill>
+            <a:headEnd type="none" w="med" len="med"/>
+            <a:tailEnd type="arrow" w="med" len="med"/>
+          </a:ln>
+          <a:effectLst/>
+        </p:spPr>
+        <p:style>
+          <a:lnRef idx="1">
+            <a:schemeClr val="accent2"/>
+          </a:lnRef>
+          <a:fillRef idx="2">
+            <a:schemeClr val="accent2"/>
+          </a:fillRef>
+          <a:effectRef idx="1">
+            <a:schemeClr val="accent2"/>
+          </a:effectRef>
+          <a:fontRef idx="minor">
+            <a:schemeClr val="dk1"/>
+          </a:fontRef>
+        </p:style>
+      </p:cxnSp>
+      <p:cxnSp>
+        <p:nvCxnSpPr>
+          <p:cNvPr id="51" name="Elbow Connector 63">
+            <a:extLst>
+              <a:ext uri="{FF2B5EF4-FFF2-40B4-BE49-F238E27FC236}">
+                <a16:creationId xmlns:a16="http://schemas.microsoft.com/office/drawing/2014/main" id="{6827628C-4FC0-4FF8-AAB9-4FA0BBB91E17}"/>
+              </a:ext>
+            </a:extLst>
+          </p:cNvPr>
+          <p:cNvCxnSpPr>
+            <a:cxnSpLocks/>
+            <a:stCxn id="42" idx="3"/>
+            <a:endCxn id="16" idx="3"/>
+          </p:cNvCxnSpPr>
+          <p:nvPr/>
+        </p:nvCxnSpPr>
+        <p:spPr>
+          <a:xfrm flipV="1">
+            <a:off x="3808232" y="2286000"/>
+            <a:ext cx="1721737" cy="2387939"/>
+          </a:xfrm>
+          <a:prstGeom prst="bentConnector2">
+            <a:avLst/>
+          </a:prstGeom>
+          <a:ln w="6350">
+            <a:solidFill>
+              <a:schemeClr val="accent3"/>
+            </a:solidFill>
+            <a:headEnd type="none" w="med" len="med"/>
+            <a:tailEnd type="none" w="med" len="med"/>
+          </a:ln>
+          <a:effectLst/>
+        </p:spPr>
+        <p:style>
+          <a:lnRef idx="1">
+            <a:schemeClr val="accent2"/>
+          </a:lnRef>
+          <a:fillRef idx="2">
+            <a:schemeClr val="accent2"/>
+          </a:fillRef>
+          <a:effectRef idx="1">
+            <a:schemeClr val="accent2"/>
+          </a:effectRef>
+          <a:fontRef idx="minor">
+            <a:schemeClr val="dk1"/>
+          </a:fontRef>
+        </p:style>
+      </p:cxnSp>
+      <p:cxnSp>
+        <p:nvCxnSpPr>
+          <p:cNvPr id="54" name="Elbow Connector 63">
+            <a:extLst>
+              <a:ext uri="{FF2B5EF4-FFF2-40B4-BE49-F238E27FC236}">
+                <a16:creationId xmlns:a16="http://schemas.microsoft.com/office/drawing/2014/main" id="{EACF7860-3642-4189-AC15-29E486092EBE}"/>
+              </a:ext>
+            </a:extLst>
+          </p:cNvPr>
+          <p:cNvCxnSpPr>
+            <a:cxnSpLocks/>
+            <a:stCxn id="45" idx="3"/>
+            <a:endCxn id="16" idx="3"/>
+          </p:cNvCxnSpPr>
+          <p:nvPr/>
+        </p:nvCxnSpPr>
+        <p:spPr>
+          <a:xfrm flipV="1">
+            <a:off x="3676006" y="2286000"/>
+            <a:ext cx="1853963" cy="2718477"/>
+          </a:xfrm>
+          <a:prstGeom prst="bentConnector2">
+            <a:avLst/>
+          </a:prstGeom>
+          <a:ln w="6350">
+            <a:solidFill>
+              <a:schemeClr val="accent3"/>
+            </a:solidFill>
+            <a:headEnd type="none" w="med" len="med"/>
+            <a:tailEnd type="none" w="med" len="med"/>
+          </a:ln>
+          <a:effectLst/>
+        </p:spPr>
+        <p:style>
+          <a:lnRef idx="1">
+            <a:schemeClr val="accent2"/>
+          </a:lnRef>
+          <a:fillRef idx="2">
+            <a:schemeClr val="accent2"/>
+          </a:fillRef>
+          <a:effectRef idx="1">
+            <a:schemeClr val="accent2"/>
+          </a:effectRef>
+          <a:fontRef idx="minor">
+            <a:schemeClr val="dk1"/>
+          </a:fontRef>
+        </p:style>
+      </p:cxnSp>
     </p:spTree>
     <p:extLst>
       <p:ext uri="{BB962C8B-B14F-4D97-AF65-F5344CB8AC3E}">

--- a/docs/diagrams/UiComponentClassDiagram.pptx
+++ b/docs/diagrams/UiComponentClassDiagram.pptx
@@ -208,7 +208,7 @@
           <a:p>
             <a:fld id="{F5CC4B3F-88C1-4FFA-B1B6-F41C21DC6924}" type="datetimeFigureOut">
               <a:rPr lang="en-US" smtClean="0"/>
-              <a:t>1/7/2017</a:t>
+              <a:t>10/30/18</a:t>
             </a:fld>
             <a:endParaRPr lang="en-US"/>
           </a:p>
@@ -654,7 +654,7 @@
           <a:p>
             <a:fld id="{78C97017-6FC3-485B-9764-EAC9E56C1D49}" type="datetimeFigureOut">
               <a:rPr lang="en-US" smtClean="0"/>
-              <a:t>1/7/2017</a:t>
+              <a:t>10/30/18</a:t>
             </a:fld>
             <a:endParaRPr lang="en-US"/>
           </a:p>
@@ -822,7 +822,7 @@
           <a:p>
             <a:fld id="{78C97017-6FC3-485B-9764-EAC9E56C1D49}" type="datetimeFigureOut">
               <a:rPr lang="en-US" smtClean="0"/>
-              <a:t>1/7/2017</a:t>
+              <a:t>10/30/18</a:t>
             </a:fld>
             <a:endParaRPr lang="en-US"/>
           </a:p>
@@ -1000,7 +1000,7 @@
           <a:p>
             <a:fld id="{78C97017-6FC3-485B-9764-EAC9E56C1D49}" type="datetimeFigureOut">
               <a:rPr lang="en-US" smtClean="0"/>
-              <a:t>1/7/2017</a:t>
+              <a:t>10/30/18</a:t>
             </a:fld>
             <a:endParaRPr lang="en-US"/>
           </a:p>
@@ -1168,7 +1168,7 @@
           <a:p>
             <a:fld id="{78C97017-6FC3-485B-9764-EAC9E56C1D49}" type="datetimeFigureOut">
               <a:rPr lang="en-US" smtClean="0"/>
-              <a:t>1/7/2017</a:t>
+              <a:t>10/30/18</a:t>
             </a:fld>
             <a:endParaRPr lang="en-US"/>
           </a:p>
@@ -1413,7 +1413,7 @@
           <a:p>
             <a:fld id="{78C97017-6FC3-485B-9764-EAC9E56C1D49}" type="datetimeFigureOut">
               <a:rPr lang="en-US" smtClean="0"/>
-              <a:t>1/7/2017</a:t>
+              <a:t>10/30/18</a:t>
             </a:fld>
             <a:endParaRPr lang="en-US"/>
           </a:p>
@@ -1698,7 +1698,7 @@
           <a:p>
             <a:fld id="{78C97017-6FC3-485B-9764-EAC9E56C1D49}" type="datetimeFigureOut">
               <a:rPr lang="en-US" smtClean="0"/>
-              <a:t>1/7/2017</a:t>
+              <a:t>10/30/18</a:t>
             </a:fld>
             <a:endParaRPr lang="en-US"/>
           </a:p>
@@ -2117,7 +2117,7 @@
           <a:p>
             <a:fld id="{78C97017-6FC3-485B-9764-EAC9E56C1D49}" type="datetimeFigureOut">
               <a:rPr lang="en-US" smtClean="0"/>
-              <a:t>1/7/2017</a:t>
+              <a:t>10/30/18</a:t>
             </a:fld>
             <a:endParaRPr lang="en-US"/>
           </a:p>
@@ -2234,7 +2234,7 @@
           <a:p>
             <a:fld id="{78C97017-6FC3-485B-9764-EAC9E56C1D49}" type="datetimeFigureOut">
               <a:rPr lang="en-US" smtClean="0"/>
-              <a:t>1/7/2017</a:t>
+              <a:t>10/30/18</a:t>
             </a:fld>
             <a:endParaRPr lang="en-US"/>
           </a:p>
@@ -2329,7 +2329,7 @@
           <a:p>
             <a:fld id="{78C97017-6FC3-485B-9764-EAC9E56C1D49}" type="datetimeFigureOut">
               <a:rPr lang="en-US" smtClean="0"/>
-              <a:t>1/7/2017</a:t>
+              <a:t>10/30/18</a:t>
             </a:fld>
             <a:endParaRPr lang="en-US"/>
           </a:p>
@@ -2604,7 +2604,7 @@
           <a:p>
             <a:fld id="{78C97017-6FC3-485B-9764-EAC9E56C1D49}" type="datetimeFigureOut">
               <a:rPr lang="en-US" smtClean="0"/>
-              <a:t>1/7/2017</a:t>
+              <a:t>10/30/18</a:t>
             </a:fld>
             <a:endParaRPr lang="en-US"/>
           </a:p>
@@ -2856,7 +2856,7 @@
           <a:p>
             <a:fld id="{78C97017-6FC3-485B-9764-EAC9E56C1D49}" type="datetimeFigureOut">
               <a:rPr lang="en-US" smtClean="0"/>
-              <a:t>1/7/2017</a:t>
+              <a:t>10/30/18</a:t>
             </a:fld>
             <a:endParaRPr lang="en-US"/>
           </a:p>
@@ -3067,7 +3067,7 @@
           <a:p>
             <a:fld id="{78C97017-6FC3-485B-9764-EAC9E56C1D49}" type="datetimeFigureOut">
               <a:rPr lang="en-US" smtClean="0"/>
-              <a:t>1/7/2017</a:t>
+              <a:t>10/30/18</a:t>
             </a:fld>
             <a:endParaRPr lang="en-US"/>
           </a:p>
@@ -3450,8 +3450,8 @@
         </p:nvSpPr>
         <p:spPr>
           <a:xfrm>
-            <a:off x="1217465" y="1447800"/>
-            <a:ext cx="4917083" cy="3962400"/>
+            <a:off x="261686" y="1240866"/>
+            <a:ext cx="6527431" cy="5583487"/>
           </a:xfrm>
           <a:prstGeom prst="roundRect">
             <a:avLst>
@@ -3572,8 +3572,8 @@
         </p:nvSpPr>
         <p:spPr>
           <a:xfrm>
-            <a:off x="2592528" y="2971800"/>
-            <a:ext cx="1093635" cy="236841"/>
+            <a:off x="2592528" y="3694348"/>
+            <a:ext cx="1246794" cy="229041"/>
           </a:xfrm>
           <a:prstGeom prst="rect">
             <a:avLst/>
@@ -3777,13 +3777,15 @@
       <p:cxnSp>
         <p:nvCxnSpPr>
           <p:cNvPr id="19" name="Elbow Connector 122"/>
-          <p:cNvCxnSpPr/>
+          <p:cNvCxnSpPr>
+            <a:cxnSpLocks/>
+          </p:cNvCxnSpPr>
           <p:nvPr/>
         </p:nvCxnSpPr>
         <p:spPr>
-          <a:xfrm flipV="1">
-            <a:off x="644735" y="2991937"/>
-            <a:ext cx="684904" cy="1"/>
+          <a:xfrm>
+            <a:off x="113961" y="2646796"/>
+            <a:ext cx="504653" cy="1"/>
           </a:xfrm>
           <a:prstGeom prst="bentConnector3">
             <a:avLst>
@@ -3825,7 +3827,7 @@
         </p:nvSpPr>
         <p:spPr>
           <a:xfrm rot="16200000">
-            <a:off x="5703829" y="2464877"/>
+            <a:off x="6132749" y="2449040"/>
             <a:ext cx="2362201" cy="328045"/>
           </a:xfrm>
           <a:prstGeom prst="roundRect">
@@ -3885,8 +3887,8 @@
         </p:nvSpPr>
         <p:spPr>
           <a:xfrm>
-            <a:off x="2592528" y="3649359"/>
-            <a:ext cx="1093635" cy="236841"/>
+            <a:off x="2592528" y="4371907"/>
+            <a:ext cx="1232228" cy="235781"/>
           </a:xfrm>
           <a:prstGeom prst="rect">
             <a:avLst/>
@@ -3945,8 +3947,8 @@
         </p:nvSpPr>
         <p:spPr>
           <a:xfrm>
-            <a:off x="2592527" y="4563759"/>
-            <a:ext cx="1093635" cy="236841"/>
+            <a:off x="2560873" y="6182017"/>
+            <a:ext cx="1232229" cy="230877"/>
           </a:xfrm>
           <a:prstGeom prst="rect">
             <a:avLst/>
@@ -4005,8 +4007,8 @@
         </p:nvSpPr>
         <p:spPr>
           <a:xfrm>
-            <a:off x="2592526" y="3991960"/>
-            <a:ext cx="1093635" cy="236841"/>
+            <a:off x="2592526" y="4714509"/>
+            <a:ext cx="1232231" cy="229174"/>
           </a:xfrm>
           <a:prstGeom prst="rect">
             <a:avLst/>
@@ -4065,7 +4067,7 @@
         </p:nvSpPr>
         <p:spPr>
           <a:xfrm>
-            <a:off x="3839323" y="4228801"/>
+            <a:off x="4216894" y="4951349"/>
             <a:ext cx="1040906" cy="236841"/>
           </a:xfrm>
           <a:prstGeom prst="rect">
@@ -4125,8 +4127,8 @@
         </p:nvSpPr>
         <p:spPr>
           <a:xfrm>
-            <a:off x="2592528" y="4966000"/>
-            <a:ext cx="1093635" cy="236841"/>
+            <a:off x="2570362" y="6485567"/>
+            <a:ext cx="1232228" cy="240949"/>
           </a:xfrm>
           <a:prstGeom prst="rect">
             <a:avLst/>
@@ -4185,7 +4187,7 @@
         </p:nvSpPr>
         <p:spPr>
           <a:xfrm>
-            <a:off x="2324548" y="2706452"/>
+            <a:off x="1905241" y="2484492"/>
             <a:ext cx="183156" cy="161573"/>
           </a:xfrm>
           <a:prstGeom prst="flowChartDecision">
@@ -4229,6 +4231,7 @@
         <p:nvCxnSpPr>
           <p:cNvPr id="40" name="Elbow Connector 63"/>
           <p:cNvCxnSpPr>
+            <a:cxnSpLocks/>
             <a:stCxn id="39" idx="2"/>
             <a:endCxn id="3" idx="1"/>
           </p:cNvCxnSpPr>
@@ -4236,8 +4239,8 @@
         </p:nvCxnSpPr>
         <p:spPr>
           <a:xfrm rot="16200000" flipH="1">
-            <a:off x="2393229" y="2890922"/>
-            <a:ext cx="222196" cy="176402"/>
+            <a:off x="1713271" y="2929612"/>
+            <a:ext cx="1162804" cy="595709"/>
           </a:xfrm>
           <a:prstGeom prst="bentConnector2">
             <a:avLst/>
@@ -4274,8 +4277,8 @@
         </p:nvSpPr>
         <p:spPr>
           <a:xfrm>
-            <a:off x="2590799" y="3304308"/>
-            <a:ext cx="1095361" cy="236841"/>
+            <a:off x="2590799" y="4032610"/>
+            <a:ext cx="1248524" cy="213212"/>
           </a:xfrm>
           <a:prstGeom prst="rect">
             <a:avLst/>
@@ -4330,6 +4333,7 @@
         <p:nvCxnSpPr>
           <p:cNvPr id="44" name="Elbow Connector 63"/>
           <p:cNvCxnSpPr>
+            <a:cxnSpLocks/>
             <a:stCxn id="39" idx="2"/>
             <a:endCxn id="34" idx="1"/>
           </p:cNvCxnSpPr>
@@ -4337,8 +4341,8 @@
         </p:nvCxnSpPr>
         <p:spPr>
           <a:xfrm rot="16200000" flipH="1">
-            <a:off x="2054450" y="3229701"/>
-            <a:ext cx="899755" cy="176402"/>
+            <a:off x="1372807" y="3270076"/>
+            <a:ext cx="1843733" cy="595709"/>
           </a:xfrm>
           <a:prstGeom prst="bentConnector2">
             <a:avLst/>
@@ -4371,6 +4375,7 @@
         <p:nvCxnSpPr>
           <p:cNvPr id="47" name="Elbow Connector 63"/>
           <p:cNvCxnSpPr>
+            <a:cxnSpLocks/>
             <a:stCxn id="39" idx="2"/>
             <a:endCxn id="36" idx="1"/>
           </p:cNvCxnSpPr>
@@ -4378,8 +4383,8 @@
         </p:nvCxnSpPr>
         <p:spPr>
           <a:xfrm rot="16200000" flipH="1">
-            <a:off x="1883148" y="3401003"/>
-            <a:ext cx="1242356" cy="176400"/>
+            <a:off x="1203157" y="3439726"/>
+            <a:ext cx="2183031" cy="595707"/>
           </a:xfrm>
           <a:prstGeom prst="bentConnector2">
             <a:avLst/>
@@ -4412,6 +4417,7 @@
         <p:nvCxnSpPr>
           <p:cNvPr id="50" name="Elbow Connector 63"/>
           <p:cNvCxnSpPr>
+            <a:cxnSpLocks/>
             <a:stCxn id="39" idx="2"/>
             <a:endCxn id="35" idx="1"/>
           </p:cNvCxnSpPr>
@@ -4419,48 +4425,8 @@
         </p:nvCxnSpPr>
         <p:spPr>
           <a:xfrm rot="16200000" flipH="1">
-            <a:off x="1597249" y="3686901"/>
-            <a:ext cx="1814155" cy="176401"/>
-          </a:xfrm>
-          <a:prstGeom prst="bentConnector2">
-            <a:avLst/>
-          </a:prstGeom>
-          <a:ln w="19050">
-            <a:solidFill>
-              <a:schemeClr val="accent3"/>
-            </a:solidFill>
-            <a:headEnd type="none" w="med" len="med"/>
-            <a:tailEnd type="arrow" w="med" len="med"/>
-          </a:ln>
-          <a:effectLst/>
-        </p:spPr>
-        <p:style>
-          <a:lnRef idx="1">
-            <a:schemeClr val="accent2"/>
-          </a:lnRef>
-          <a:fillRef idx="2">
-            <a:schemeClr val="accent2"/>
-          </a:fillRef>
-          <a:effectRef idx="1">
-            <a:schemeClr val="accent2"/>
-          </a:effectRef>
-          <a:fontRef idx="minor">
-            <a:schemeClr val="dk1"/>
-          </a:fontRef>
-        </p:style>
-      </p:cxnSp>
-      <p:cxnSp>
-        <p:nvCxnSpPr>
-          <p:cNvPr id="53" name="Elbow Connector 63"/>
-          <p:cNvCxnSpPr>
-            <a:endCxn id="38" idx="1"/>
-          </p:cNvCxnSpPr>
-          <p:nvPr/>
-        </p:nvCxnSpPr>
-        <p:spPr>
-          <a:xfrm rot="16200000" flipH="1">
-            <a:off x="1184119" y="3676012"/>
-            <a:ext cx="2396440" cy="420377"/>
+            <a:off x="453151" y="4189733"/>
+            <a:ext cx="3651391" cy="564054"/>
           </a:xfrm>
           <a:prstGeom prst="bentConnector2">
             <a:avLst/>
@@ -4572,6 +4538,7 @@
         <p:nvCxnSpPr>
           <p:cNvPr id="74" name="Elbow Connector 63"/>
           <p:cNvCxnSpPr>
+            <a:cxnSpLocks/>
             <a:stCxn id="43" idx="3"/>
             <a:endCxn id="16" idx="3"/>
           </p:cNvCxnSpPr>
@@ -4579,8 +4546,8 @@
         </p:nvCxnSpPr>
         <p:spPr>
           <a:xfrm flipV="1">
-            <a:off x="3686160" y="2286000"/>
-            <a:ext cx="1843809" cy="1136729"/>
+            <a:off x="3839323" y="2286000"/>
+            <a:ext cx="1690646" cy="1853216"/>
           </a:xfrm>
           <a:prstGeom prst="bentConnector2">
             <a:avLst/>
@@ -4620,8 +4587,8 @@
         </p:nvCxnSpPr>
         <p:spPr>
           <a:xfrm rot="5400000">
-            <a:off x="4174488" y="2991741"/>
-            <a:ext cx="2061222" cy="649740"/>
+            <a:off x="4002000" y="3541801"/>
+            <a:ext cx="2783770" cy="272169"/>
           </a:xfrm>
           <a:prstGeom prst="bentConnector2">
             <a:avLst/>
@@ -4654,6 +4621,7 @@
         <p:nvCxnSpPr>
           <p:cNvPr id="82" name="Elbow Connector 63"/>
           <p:cNvCxnSpPr>
+            <a:cxnSpLocks/>
             <a:stCxn id="16" idx="3"/>
             <a:endCxn id="34" idx="3"/>
           </p:cNvCxnSpPr>
@@ -4661,8 +4629,8 @@
         </p:nvCxnSpPr>
         <p:spPr>
           <a:xfrm rot="5400000">
-            <a:off x="3867176" y="2104987"/>
-            <a:ext cx="1481780" cy="1843806"/>
+            <a:off x="3575464" y="2535293"/>
+            <a:ext cx="2203798" cy="1705213"/>
           </a:xfrm>
           <a:prstGeom prst="bentConnector2">
             <a:avLst/>
@@ -4736,6 +4704,7 @@
         <p:nvCxnSpPr>
           <p:cNvPr id="91" name="Elbow Connector 63"/>
           <p:cNvCxnSpPr>
+            <a:cxnSpLocks/>
             <a:stCxn id="16" idx="3"/>
             <a:endCxn id="35" idx="3"/>
           </p:cNvCxnSpPr>
@@ -4743,8 +4712,8 @@
         </p:nvCxnSpPr>
         <p:spPr>
           <a:xfrm rot="5400000">
-            <a:off x="3409976" y="2562187"/>
-            <a:ext cx="2396180" cy="1843807"/>
+            <a:off x="2655808" y="3423295"/>
+            <a:ext cx="4011456" cy="1736867"/>
           </a:xfrm>
           <a:prstGeom prst="bentConnector2">
             <a:avLst/>
@@ -4777,6 +4746,7 @@
         <p:nvCxnSpPr>
           <p:cNvPr id="94" name="Elbow Connector 63"/>
           <p:cNvCxnSpPr>
+            <a:cxnSpLocks/>
             <a:stCxn id="16" idx="3"/>
             <a:endCxn id="38" idx="3"/>
           </p:cNvCxnSpPr>
@@ -4784,8 +4754,8 @@
         </p:nvCxnSpPr>
         <p:spPr>
           <a:xfrm rot="5400000">
-            <a:off x="3208856" y="2763307"/>
-            <a:ext cx="2798421" cy="1843806"/>
+            <a:off x="2506259" y="3582332"/>
+            <a:ext cx="4320042" cy="1727379"/>
           </a:xfrm>
           <a:prstGeom prst="bentConnector2">
             <a:avLst/>
@@ -4818,14 +4788,15 @@
         <p:nvCxnSpPr>
           <p:cNvPr id="107" name="Elbow Connector 106"/>
           <p:cNvCxnSpPr>
+            <a:cxnSpLocks/>
             <a:stCxn id="9" idx="0"/>
           </p:cNvCxnSpPr>
           <p:nvPr/>
         </p:nvCxnSpPr>
         <p:spPr>
           <a:xfrm rot="5400000" flipH="1" flipV="1">
-            <a:off x="4594921" y="-355061"/>
-            <a:ext cx="170724" cy="4081246"/>
+            <a:off x="4771772" y="-531912"/>
+            <a:ext cx="170724" cy="4434948"/>
           </a:xfrm>
           <a:prstGeom prst="bentConnector2">
             <a:avLst/>
@@ -4863,7 +4834,7 @@
         </p:nvSpPr>
         <p:spPr>
           <a:xfrm rot="16200000">
-            <a:off x="6213739" y="4560376"/>
+            <a:off x="6627330" y="5495142"/>
             <a:ext cx="1371599" cy="328045"/>
           </a:xfrm>
           <a:prstGeom prst="roundRect">
@@ -4922,8 +4893,8 @@
           <p:nvPr/>
         </p:nvSpPr>
         <p:spPr>
-          <a:xfrm rot="16200000">
-            <a:off x="956202" y="2861202"/>
+          <a:xfrm>
+            <a:off x="674344" y="2484492"/>
             <a:ext cx="1093635" cy="346760"/>
           </a:xfrm>
           <a:prstGeom prst="rect">
@@ -5037,6 +5008,7 @@
         <p:nvCxnSpPr>
           <p:cNvPr id="121" name="Elbow Connector 63"/>
           <p:cNvCxnSpPr>
+            <a:cxnSpLocks/>
             <a:stCxn id="9" idx="1"/>
             <a:endCxn id="120" idx="3"/>
           </p:cNvCxnSpPr>
@@ -5077,17 +5049,60 @@
       </p:cxnSp>
       <p:cxnSp>
         <p:nvCxnSpPr>
-          <p:cNvPr id="131" name="Elbow Connector 130"/>
+          <p:cNvPr id="132" name="Elbow Connector 63"/>
           <p:cNvCxnSpPr>
-            <a:stCxn id="39" idx="2"/>
-            <a:endCxn id="43" idx="1"/>
+            <a:cxnSpLocks/>
+            <a:stCxn id="16" idx="3"/>
+            <a:endCxn id="3" idx="3"/>
           </p:cNvCxnSpPr>
           <p:nvPr/>
         </p:nvCxnSpPr>
         <p:spPr>
+          <a:xfrm rot="5400000">
+            <a:off x="3923212" y="2202111"/>
+            <a:ext cx="1522869" cy="1690647"/>
+          </a:xfrm>
+          <a:prstGeom prst="bentConnector2">
+            <a:avLst/>
+          </a:prstGeom>
+          <a:ln w="6350">
+            <a:solidFill>
+              <a:schemeClr val="accent3"/>
+            </a:solidFill>
+            <a:headEnd type="none" w="med" len="med"/>
+            <a:tailEnd type="none" w="med" len="med"/>
+          </a:ln>
+          <a:effectLst/>
+        </p:spPr>
+        <p:style>
+          <a:lnRef idx="1">
+            <a:schemeClr val="accent2"/>
+          </a:lnRef>
+          <a:fillRef idx="2">
+            <a:schemeClr val="accent2"/>
+          </a:fillRef>
+          <a:effectRef idx="1">
+            <a:schemeClr val="accent2"/>
+          </a:effectRef>
+          <a:fontRef idx="minor">
+            <a:schemeClr val="dk1"/>
+          </a:fontRef>
+        </p:style>
+      </p:cxnSp>
+      <p:cxnSp>
+        <p:nvCxnSpPr>
+          <p:cNvPr id="137" name="Elbow Connector 136"/>
+          <p:cNvCxnSpPr>
+            <a:cxnSpLocks/>
+            <a:stCxn id="36" idx="2"/>
+            <a:endCxn id="37" idx="1"/>
+          </p:cNvCxnSpPr>
+          <p:nvPr/>
+        </p:nvCxnSpPr>
+        <p:spPr>
           <a:xfrm rot="16200000" flipH="1">
-            <a:off x="2226110" y="3058040"/>
-            <a:ext cx="554704" cy="174673"/>
+            <a:off x="3649725" y="4502600"/>
+            <a:ext cx="126087" cy="1008252"/>
           </a:xfrm>
           <a:prstGeom prst="bentConnector2">
             <a:avLst/>
@@ -5118,90 +5133,9 @@
       </p:cxnSp>
       <p:cxnSp>
         <p:nvCxnSpPr>
-          <p:cNvPr id="132" name="Elbow Connector 63"/>
-          <p:cNvCxnSpPr>
-            <a:stCxn id="16" idx="3"/>
-            <a:endCxn id="3" idx="3"/>
-          </p:cNvCxnSpPr>
-          <p:nvPr/>
-        </p:nvCxnSpPr>
-        <p:spPr>
-          <a:xfrm rot="5400000">
-            <a:off x="4205956" y="1766207"/>
-            <a:ext cx="804221" cy="1843806"/>
-          </a:xfrm>
-          <a:prstGeom prst="bentConnector2">
-            <a:avLst/>
-          </a:prstGeom>
-          <a:ln w="6350">
-            <a:solidFill>
-              <a:schemeClr val="accent3"/>
-            </a:solidFill>
-            <a:headEnd type="none" w="med" len="med"/>
-            <a:tailEnd type="none" w="med" len="med"/>
-          </a:ln>
-          <a:effectLst/>
-        </p:spPr>
-        <p:style>
-          <a:lnRef idx="1">
-            <a:schemeClr val="accent2"/>
-          </a:lnRef>
-          <a:fillRef idx="2">
-            <a:schemeClr val="accent2"/>
-          </a:fillRef>
-          <a:effectRef idx="1">
-            <a:schemeClr val="accent2"/>
-          </a:effectRef>
-          <a:fontRef idx="minor">
-            <a:schemeClr val="dk1"/>
-          </a:fontRef>
-        </p:style>
-      </p:cxnSp>
-      <p:cxnSp>
-        <p:nvCxnSpPr>
-          <p:cNvPr id="137" name="Elbow Connector 136"/>
-          <p:cNvCxnSpPr>
-            <a:stCxn id="36" idx="2"/>
-            <a:endCxn id="37" idx="1"/>
-          </p:cNvCxnSpPr>
-          <p:nvPr/>
-        </p:nvCxnSpPr>
-        <p:spPr>
-          <a:xfrm rot="16200000" flipH="1">
-            <a:off x="3430123" y="3938021"/>
-            <a:ext cx="118421" cy="699979"/>
-          </a:xfrm>
-          <a:prstGeom prst="bentConnector2">
-            <a:avLst/>
-          </a:prstGeom>
-          <a:ln w="19050">
-            <a:solidFill>
-              <a:schemeClr val="accent3"/>
-            </a:solidFill>
-            <a:headEnd type="none" w="med" len="med"/>
-            <a:tailEnd type="arrow" w="med" len="med"/>
-          </a:ln>
-          <a:effectLst/>
-        </p:spPr>
-        <p:style>
-          <a:lnRef idx="1">
-            <a:schemeClr val="accent2"/>
-          </a:lnRef>
-          <a:fillRef idx="2">
-            <a:schemeClr val="accent2"/>
-          </a:fillRef>
-          <a:effectRef idx="1">
-            <a:schemeClr val="accent2"/>
-          </a:effectRef>
-          <a:fontRef idx="minor">
-            <a:schemeClr val="dk1"/>
-          </a:fontRef>
-        </p:style>
-      </p:cxnSp>
-      <p:cxnSp>
-        <p:nvCxnSpPr>
           <p:cNvPr id="140" name="Elbow Connector 63"/>
           <p:cNvCxnSpPr>
+            <a:cxnSpLocks/>
             <a:stCxn id="16" idx="3"/>
             <a:endCxn id="36" idx="3"/>
           </p:cNvCxnSpPr>
@@ -5209,8 +5143,8 @@
         </p:nvCxnSpPr>
         <p:spPr>
           <a:xfrm rot="5400000">
-            <a:off x="3695875" y="2276286"/>
-            <a:ext cx="1824381" cy="1843808"/>
+            <a:off x="3405815" y="2704942"/>
+            <a:ext cx="2543096" cy="1705212"/>
           </a:xfrm>
           <a:prstGeom prst="bentConnector2">
             <a:avLst/>
@@ -5300,8 +5234,8 @@
         </p:nvSpPr>
         <p:spPr>
           <a:xfrm>
-            <a:off x="3687515" y="2828802"/>
-            <a:ext cx="3048000" cy="203200"/>
+            <a:off x="3493732" y="3474410"/>
+            <a:ext cx="3580875" cy="225060"/>
           </a:xfrm>
           <a:custGeom>
             <a:avLst/>
@@ -5435,7 +5369,1284 @@
         </p:nvSpPr>
         <p:spPr>
           <a:xfrm flipV="1">
-            <a:off x="4114799" y="4472708"/>
+            <a:off x="4497424" y="5214424"/>
+            <a:ext cx="2642195" cy="101600"/>
+          </a:xfrm>
+          <a:custGeom>
+            <a:avLst/>
+            <a:gdLst>
+              <a:gd name="connsiteX0" fmla="*/ 0 w 3048000"/>
+              <a:gd name="connsiteY0" fmla="*/ 203200 h 203200"/>
+              <a:gd name="connsiteX1" fmla="*/ 221673 w 3048000"/>
+              <a:gd name="connsiteY1" fmla="*/ 0 h 203200"/>
+              <a:gd name="connsiteX2" fmla="*/ 3048000 w 3048000"/>
+              <a:gd name="connsiteY2" fmla="*/ 0 h 203200"/>
+            </a:gdLst>
+            <a:ahLst/>
+            <a:cxnLst>
+              <a:cxn ang="0">
+                <a:pos x="connsiteX0" y="connsiteY0"/>
+              </a:cxn>
+              <a:cxn ang="0">
+                <a:pos x="connsiteX1" y="connsiteY1"/>
+              </a:cxn>
+              <a:cxn ang="0">
+                <a:pos x="connsiteX2" y="connsiteY2"/>
+              </a:cxn>
+            </a:cxnLst>
+            <a:rect l="l" t="t" r="r" b="b"/>
+            <a:pathLst>
+              <a:path w="3048000" h="203200">
+                <a:moveTo>
+                  <a:pt x="0" y="203200"/>
+                </a:moveTo>
+                <a:lnTo>
+                  <a:pt x="221673" y="0"/>
+                </a:lnTo>
+                <a:lnTo>
+                  <a:pt x="3048000" y="0"/>
+                </a:lnTo>
+              </a:path>
+            </a:pathLst>
+          </a:custGeom>
+          <a:noFill/>
+          <a:ln w="19050">
+            <a:solidFill>
+              <a:schemeClr val="accent3"/>
+            </a:solidFill>
+            <a:prstDash val="sysDot"/>
+            <a:headEnd type="none" w="med" len="med"/>
+            <a:tailEnd type="arrow" w="med" len="med"/>
+          </a:ln>
+          <a:effectLst/>
+        </p:spPr>
+        <p:style>
+          <a:lnRef idx="1">
+            <a:schemeClr val="accent2"/>
+          </a:lnRef>
+          <a:fillRef idx="2">
+            <a:schemeClr val="accent2"/>
+          </a:fillRef>
+          <a:effectRef idx="1">
+            <a:schemeClr val="accent2"/>
+          </a:effectRef>
+          <a:fontRef idx="minor">
+            <a:schemeClr val="dk1"/>
+          </a:fontRef>
+        </p:style>
+        <p:txBody>
+          <a:bodyPr rtlCol="0" anchor="ctr"/>
+          <a:lstStyle/>
+          <a:p>
+            <a:pPr algn="ctr"/>
+            <a:endParaRPr lang="en-SG"/>
+          </a:p>
+        </p:txBody>
+      </p:sp>
+      <p:sp>
+        <p:nvSpPr>
+          <p:cNvPr id="45" name="Triangle 44">
+            <a:extLst>
+              <a:ext uri="{FF2B5EF4-FFF2-40B4-BE49-F238E27FC236}">
+                <a16:creationId xmlns:a16="http://schemas.microsoft.com/office/drawing/2014/main" id="{00806EAF-F9A5-B74E-B4A5-DBFE3202FAEC}"/>
+              </a:ext>
+            </a:extLst>
+          </p:cNvPr>
+          <p:cNvSpPr/>
+          <p:nvPr/>
+        </p:nvSpPr>
+        <p:spPr>
+          <a:xfrm>
+            <a:off x="2525359" y="2675134"/>
+            <a:ext cx="228600" cy="152400"/>
+          </a:xfrm>
+          <a:prstGeom prst="triangle">
+            <a:avLst/>
+          </a:prstGeom>
+        </p:spPr>
+        <p:style>
+          <a:lnRef idx="2">
+            <a:schemeClr val="accent3">
+              <a:shade val="50000"/>
+            </a:schemeClr>
+          </a:lnRef>
+          <a:fillRef idx="1">
+            <a:schemeClr val="accent3"/>
+          </a:fillRef>
+          <a:effectRef idx="0">
+            <a:schemeClr val="accent3"/>
+          </a:effectRef>
+          <a:fontRef idx="minor">
+            <a:schemeClr val="lt1"/>
+          </a:fontRef>
+        </p:style>
+        <p:txBody>
+          <a:bodyPr rtlCol="0" anchor="ctr"/>
+          <a:lstStyle/>
+          <a:p>
+            <a:pPr algn="ctr"/>
+            <a:endParaRPr lang="en-US" dirty="0"/>
+          </a:p>
+        </p:txBody>
+      </p:sp>
+      <p:sp>
+        <p:nvSpPr>
+          <p:cNvPr id="46" name="Rectangle 8">
+            <a:extLst>
+              <a:ext uri="{FF2B5EF4-FFF2-40B4-BE49-F238E27FC236}">
+                <a16:creationId xmlns:a16="http://schemas.microsoft.com/office/drawing/2014/main" id="{DB1F0DBE-5ACB-D044-8F38-A93C305794F2}"/>
+              </a:ext>
+            </a:extLst>
+          </p:cNvPr>
+          <p:cNvSpPr/>
+          <p:nvPr/>
+        </p:nvSpPr>
+        <p:spPr>
+          <a:xfrm>
+            <a:off x="508240" y="3099273"/>
+            <a:ext cx="1093635" cy="346760"/>
+          </a:xfrm>
+          <a:prstGeom prst="rect">
+            <a:avLst/>
+          </a:prstGeom>
+          <a:ln w="19050">
+            <a:solidFill>
+              <a:schemeClr val="accent3"/>
+            </a:solidFill>
+          </a:ln>
+          <a:effectLst/>
+        </p:spPr>
+        <p:style>
+          <a:lnRef idx="1">
+            <a:schemeClr val="accent3"/>
+          </a:lnRef>
+          <a:fillRef idx="2">
+            <a:schemeClr val="accent3"/>
+          </a:fillRef>
+          <a:effectRef idx="1">
+            <a:schemeClr val="accent3"/>
+          </a:effectRef>
+          <a:fontRef idx="minor">
+            <a:schemeClr val="dk1"/>
+          </a:fontRef>
+        </p:style>
+        <p:txBody>
+          <a:bodyPr rtlCol="0" anchor="ctr"/>
+          <a:lstStyle/>
+          <a:p>
+            <a:pPr algn="ctr"/>
+            <a:r>
+              <a:rPr lang="en-US" sz="1050" b="1" dirty="0" err="1">
+                <a:solidFill>
+                  <a:schemeClr val="accent3">
+                    <a:lumMod val="75000"/>
+                  </a:schemeClr>
+                </a:solidFill>
+              </a:rPr>
+              <a:t>PersonWindow</a:t>
+            </a:r>
+            <a:endParaRPr lang="en-SG" sz="1050" b="1" dirty="0">
+              <a:solidFill>
+                <a:schemeClr val="accent3">
+                  <a:lumMod val="75000"/>
+                </a:schemeClr>
+              </a:solidFill>
+            </a:endParaRPr>
+          </a:p>
+        </p:txBody>
+      </p:sp>
+      <p:sp>
+        <p:nvSpPr>
+          <p:cNvPr id="48" name="Rectangle 8">
+            <a:extLst>
+              <a:ext uri="{FF2B5EF4-FFF2-40B4-BE49-F238E27FC236}">
+                <a16:creationId xmlns:a16="http://schemas.microsoft.com/office/drawing/2014/main" id="{684A3CF4-8CB9-BE4C-B93D-1609323C81D4}"/>
+              </a:ext>
+            </a:extLst>
+          </p:cNvPr>
+          <p:cNvSpPr/>
+          <p:nvPr/>
+        </p:nvSpPr>
+        <p:spPr>
+          <a:xfrm>
+            <a:off x="2092841" y="3098007"/>
+            <a:ext cx="1093635" cy="346760"/>
+          </a:xfrm>
+          <a:prstGeom prst="rect">
+            <a:avLst/>
+          </a:prstGeom>
+          <a:ln w="19050">
+            <a:solidFill>
+              <a:schemeClr val="accent3"/>
+            </a:solidFill>
+          </a:ln>
+          <a:effectLst/>
+        </p:spPr>
+        <p:style>
+          <a:lnRef idx="1">
+            <a:schemeClr val="accent3"/>
+          </a:lnRef>
+          <a:fillRef idx="2">
+            <a:schemeClr val="accent3"/>
+          </a:fillRef>
+          <a:effectRef idx="1">
+            <a:schemeClr val="accent3"/>
+          </a:effectRef>
+          <a:fontRef idx="minor">
+            <a:schemeClr val="dk1"/>
+          </a:fontRef>
+        </p:style>
+        <p:txBody>
+          <a:bodyPr rtlCol="0" anchor="ctr"/>
+          <a:lstStyle/>
+          <a:p>
+            <a:pPr algn="ctr"/>
+            <a:r>
+              <a:rPr lang="en-US" sz="1050" b="1" dirty="0" err="1">
+                <a:solidFill>
+                  <a:schemeClr val="accent3">
+                    <a:lumMod val="75000"/>
+                  </a:schemeClr>
+                </a:solidFill>
+              </a:rPr>
+              <a:t>ModuleWindow</a:t>
+            </a:r>
+            <a:endParaRPr lang="en-SG" sz="1050" b="1" dirty="0">
+              <a:solidFill>
+                <a:schemeClr val="accent3">
+                  <a:lumMod val="75000"/>
+                </a:schemeClr>
+              </a:solidFill>
+            </a:endParaRPr>
+          </a:p>
+        </p:txBody>
+      </p:sp>
+      <p:sp>
+        <p:nvSpPr>
+          <p:cNvPr id="49" name="Rectangle 8">
+            <a:extLst>
+              <a:ext uri="{FF2B5EF4-FFF2-40B4-BE49-F238E27FC236}">
+                <a16:creationId xmlns:a16="http://schemas.microsoft.com/office/drawing/2014/main" id="{2B81743B-960A-E84A-A619-081F66D2BF4C}"/>
+              </a:ext>
+            </a:extLst>
+          </p:cNvPr>
+          <p:cNvSpPr/>
+          <p:nvPr/>
+        </p:nvSpPr>
+        <p:spPr>
+          <a:xfrm>
+            <a:off x="3261886" y="3086723"/>
+            <a:ext cx="1235538" cy="346760"/>
+          </a:xfrm>
+          <a:prstGeom prst="rect">
+            <a:avLst/>
+          </a:prstGeom>
+          <a:ln w="19050">
+            <a:solidFill>
+              <a:schemeClr val="accent3"/>
+            </a:solidFill>
+          </a:ln>
+          <a:effectLst/>
+        </p:spPr>
+        <p:style>
+          <a:lnRef idx="1">
+            <a:schemeClr val="accent3"/>
+          </a:lnRef>
+          <a:fillRef idx="2">
+            <a:schemeClr val="accent3"/>
+          </a:fillRef>
+          <a:effectRef idx="1">
+            <a:schemeClr val="accent3"/>
+          </a:effectRef>
+          <a:fontRef idx="minor">
+            <a:schemeClr val="dk1"/>
+          </a:fontRef>
+        </p:style>
+        <p:txBody>
+          <a:bodyPr rtlCol="0" anchor="ctr"/>
+          <a:lstStyle/>
+          <a:p>
+            <a:pPr algn="ctr"/>
+            <a:r>
+              <a:rPr lang="en-US" sz="1050" b="1" dirty="0" err="1">
+                <a:solidFill>
+                  <a:schemeClr val="accent3">
+                    <a:lumMod val="75000"/>
+                  </a:schemeClr>
+                </a:solidFill>
+              </a:rPr>
+              <a:t>OccasionWindow</a:t>
+            </a:r>
+            <a:endParaRPr lang="en-SG" sz="1050" b="1" dirty="0">
+              <a:solidFill>
+                <a:schemeClr val="accent3">
+                  <a:lumMod val="75000"/>
+                </a:schemeClr>
+              </a:solidFill>
+            </a:endParaRPr>
+          </a:p>
+        </p:txBody>
+      </p:sp>
+      <p:cxnSp>
+        <p:nvCxnSpPr>
+          <p:cNvPr id="61" name="Elbow Connector 63">
+            <a:extLst>
+              <a:ext uri="{FF2B5EF4-FFF2-40B4-BE49-F238E27FC236}">
+                <a16:creationId xmlns:a16="http://schemas.microsoft.com/office/drawing/2014/main" id="{11706DB7-7D0D-4E46-B938-AECDDE709E8F}"/>
+              </a:ext>
+            </a:extLst>
+          </p:cNvPr>
+          <p:cNvCxnSpPr>
+            <a:cxnSpLocks/>
+          </p:cNvCxnSpPr>
+          <p:nvPr/>
+        </p:nvCxnSpPr>
+        <p:spPr>
+          <a:xfrm flipV="1">
+            <a:off x="2631436" y="2970487"/>
+            <a:ext cx="1193321" cy="4918"/>
+          </a:xfrm>
+          <a:prstGeom prst="bentConnector3">
+            <a:avLst>
+              <a:gd name="adj1" fmla="val 50000"/>
+            </a:avLst>
+          </a:prstGeom>
+          <a:ln w="6350">
+            <a:solidFill>
+              <a:schemeClr val="accent3"/>
+            </a:solidFill>
+            <a:headEnd type="none" w="med" len="med"/>
+            <a:tailEnd type="none" w="med" len="med"/>
+          </a:ln>
+          <a:effectLst/>
+        </p:spPr>
+        <p:style>
+          <a:lnRef idx="1">
+            <a:schemeClr val="accent2"/>
+          </a:lnRef>
+          <a:fillRef idx="2">
+            <a:schemeClr val="accent2"/>
+          </a:fillRef>
+          <a:effectRef idx="1">
+            <a:schemeClr val="accent2"/>
+          </a:effectRef>
+          <a:fontRef idx="minor">
+            <a:schemeClr val="dk1"/>
+          </a:fontRef>
+        </p:style>
+      </p:cxnSp>
+      <p:cxnSp>
+        <p:nvCxnSpPr>
+          <p:cNvPr id="63" name="Elbow Connector 63">
+            <a:extLst>
+              <a:ext uri="{FF2B5EF4-FFF2-40B4-BE49-F238E27FC236}">
+                <a16:creationId xmlns:a16="http://schemas.microsoft.com/office/drawing/2014/main" id="{C8E83A05-68B9-5445-A4EE-57278049C966}"/>
+              </a:ext>
+            </a:extLst>
+          </p:cNvPr>
+          <p:cNvCxnSpPr>
+            <a:cxnSpLocks/>
+          </p:cNvCxnSpPr>
+          <p:nvPr/>
+        </p:nvCxnSpPr>
+        <p:spPr>
+          <a:xfrm>
+            <a:off x="987187" y="2967259"/>
+            <a:ext cx="1644249" cy="4541"/>
+          </a:xfrm>
+          <a:prstGeom prst="bentConnector3">
+            <a:avLst>
+              <a:gd name="adj1" fmla="val 50000"/>
+            </a:avLst>
+          </a:prstGeom>
+          <a:ln w="6350">
+            <a:solidFill>
+              <a:schemeClr val="accent3"/>
+            </a:solidFill>
+            <a:headEnd type="none" w="med" len="med"/>
+            <a:tailEnd type="none" w="med" len="med"/>
+          </a:ln>
+          <a:effectLst/>
+        </p:spPr>
+        <p:style>
+          <a:lnRef idx="1">
+            <a:schemeClr val="accent2"/>
+          </a:lnRef>
+          <a:fillRef idx="2">
+            <a:schemeClr val="accent2"/>
+          </a:fillRef>
+          <a:effectRef idx="1">
+            <a:schemeClr val="accent2"/>
+          </a:effectRef>
+          <a:fontRef idx="minor">
+            <a:schemeClr val="dk1"/>
+          </a:fontRef>
+        </p:style>
+      </p:cxnSp>
+      <p:cxnSp>
+        <p:nvCxnSpPr>
+          <p:cNvPr id="41" name="Straight Connector 40">
+            <a:extLst>
+              <a:ext uri="{FF2B5EF4-FFF2-40B4-BE49-F238E27FC236}">
+                <a16:creationId xmlns:a16="http://schemas.microsoft.com/office/drawing/2014/main" id="{5079BC55-419E-3D45-A266-3205609F8818}"/>
+              </a:ext>
+            </a:extLst>
+          </p:cNvPr>
+          <p:cNvCxnSpPr>
+            <a:stCxn id="45" idx="3"/>
+            <a:endCxn id="48" idx="0"/>
+          </p:cNvCxnSpPr>
+          <p:nvPr/>
+        </p:nvCxnSpPr>
+        <p:spPr>
+          <a:xfrm>
+            <a:off x="2639659" y="2827534"/>
+            <a:ext cx="0" cy="270473"/>
+          </a:xfrm>
+          <a:prstGeom prst="line">
+            <a:avLst/>
+          </a:prstGeom>
+          <a:ln>
+            <a:solidFill>
+              <a:schemeClr val="accent3"/>
+            </a:solidFill>
+          </a:ln>
+        </p:spPr>
+        <p:style>
+          <a:lnRef idx="1">
+            <a:schemeClr val="accent1"/>
+          </a:lnRef>
+          <a:fillRef idx="0">
+            <a:schemeClr val="accent1"/>
+          </a:fillRef>
+          <a:effectRef idx="0">
+            <a:schemeClr val="accent1"/>
+          </a:effectRef>
+          <a:fontRef idx="minor">
+            <a:schemeClr val="tx1"/>
+          </a:fontRef>
+        </p:style>
+      </p:cxnSp>
+      <p:cxnSp>
+        <p:nvCxnSpPr>
+          <p:cNvPr id="55" name="Straight Connector 54">
+            <a:extLst>
+              <a:ext uri="{FF2B5EF4-FFF2-40B4-BE49-F238E27FC236}">
+                <a16:creationId xmlns:a16="http://schemas.microsoft.com/office/drawing/2014/main" id="{898951A6-FD4B-0740-B5DB-13C03A0E3BD5}"/>
+              </a:ext>
+            </a:extLst>
+          </p:cNvPr>
+          <p:cNvCxnSpPr/>
+          <p:nvPr/>
+        </p:nvCxnSpPr>
+        <p:spPr>
+          <a:xfrm>
+            <a:off x="3824757" y="2970487"/>
+            <a:ext cx="0" cy="127520"/>
+          </a:xfrm>
+          <a:prstGeom prst="line">
+            <a:avLst/>
+          </a:prstGeom>
+          <a:ln w="6350">
+            <a:solidFill>
+              <a:schemeClr val="accent3"/>
+            </a:solidFill>
+          </a:ln>
+        </p:spPr>
+        <p:style>
+          <a:lnRef idx="1">
+            <a:schemeClr val="accent1"/>
+          </a:lnRef>
+          <a:fillRef idx="0">
+            <a:schemeClr val="accent1"/>
+          </a:fillRef>
+          <a:effectRef idx="0">
+            <a:schemeClr val="accent1"/>
+          </a:effectRef>
+          <a:fontRef idx="minor">
+            <a:schemeClr val="tx1"/>
+          </a:fontRef>
+        </p:style>
+      </p:cxnSp>
+      <p:cxnSp>
+        <p:nvCxnSpPr>
+          <p:cNvPr id="79" name="Straight Connector 78">
+            <a:extLst>
+              <a:ext uri="{FF2B5EF4-FFF2-40B4-BE49-F238E27FC236}">
+                <a16:creationId xmlns:a16="http://schemas.microsoft.com/office/drawing/2014/main" id="{5AA8A194-A151-C64E-B8FA-C23A6A4CD5DB}"/>
+              </a:ext>
+            </a:extLst>
+          </p:cNvPr>
+          <p:cNvCxnSpPr/>
+          <p:nvPr/>
+        </p:nvCxnSpPr>
+        <p:spPr>
+          <a:xfrm>
+            <a:off x="990600" y="2971800"/>
+            <a:ext cx="0" cy="127520"/>
+          </a:xfrm>
+          <a:prstGeom prst="line">
+            <a:avLst/>
+          </a:prstGeom>
+          <a:ln w="6350">
+            <a:solidFill>
+              <a:schemeClr val="accent3"/>
+            </a:solidFill>
+          </a:ln>
+        </p:spPr>
+        <p:style>
+          <a:lnRef idx="1">
+            <a:schemeClr val="accent1"/>
+          </a:lnRef>
+          <a:fillRef idx="0">
+            <a:schemeClr val="accent1"/>
+          </a:fillRef>
+          <a:effectRef idx="0">
+            <a:schemeClr val="accent1"/>
+          </a:effectRef>
+          <a:fontRef idx="minor">
+            <a:schemeClr val="tx1"/>
+          </a:fontRef>
+        </p:style>
+      </p:cxnSp>
+      <p:sp>
+        <p:nvSpPr>
+          <p:cNvPr id="80" name="Rectangle 11">
+            <a:extLst>
+              <a:ext uri="{FF2B5EF4-FFF2-40B4-BE49-F238E27FC236}">
+                <a16:creationId xmlns:a16="http://schemas.microsoft.com/office/drawing/2014/main" id="{30EB05E3-1734-1A41-BC15-474E59749641}"/>
+              </a:ext>
+            </a:extLst>
+          </p:cNvPr>
+          <p:cNvSpPr/>
+          <p:nvPr/>
+        </p:nvSpPr>
+        <p:spPr>
+          <a:xfrm>
+            <a:off x="2604672" y="5202793"/>
+            <a:ext cx="1234649" cy="219512"/>
+          </a:xfrm>
+          <a:prstGeom prst="rect">
+            <a:avLst/>
+          </a:prstGeom>
+          <a:ln w="19050">
+            <a:solidFill>
+              <a:schemeClr val="accent3"/>
+            </a:solidFill>
+          </a:ln>
+          <a:effectLst/>
+        </p:spPr>
+        <p:style>
+          <a:lnRef idx="1">
+            <a:schemeClr val="accent3"/>
+          </a:lnRef>
+          <a:fillRef idx="2">
+            <a:schemeClr val="accent3"/>
+          </a:fillRef>
+          <a:effectRef idx="1">
+            <a:schemeClr val="accent3"/>
+          </a:effectRef>
+          <a:fontRef idx="minor">
+            <a:schemeClr val="dk1"/>
+          </a:fontRef>
+        </p:style>
+        <p:txBody>
+          <a:bodyPr rtlCol="0" anchor="ctr"/>
+          <a:lstStyle/>
+          <a:p>
+            <a:pPr algn="ctr"/>
+            <a:r>
+              <a:rPr lang="en-US" sz="1050" b="1" dirty="0" err="1">
+                <a:solidFill>
+                  <a:schemeClr val="accent3">
+                    <a:lumMod val="75000"/>
+                  </a:schemeClr>
+                </a:solidFill>
+              </a:rPr>
+              <a:t>ModuleListPanel</a:t>
+            </a:r>
+            <a:endParaRPr lang="en-SG" sz="1050" b="1" dirty="0">
+              <a:solidFill>
+                <a:schemeClr val="accent3">
+                  <a:lumMod val="75000"/>
+                </a:schemeClr>
+              </a:solidFill>
+            </a:endParaRPr>
+          </a:p>
+        </p:txBody>
+      </p:sp>
+      <p:sp>
+        <p:nvSpPr>
+          <p:cNvPr id="81" name="Rectangle 11">
+            <a:extLst>
+              <a:ext uri="{FF2B5EF4-FFF2-40B4-BE49-F238E27FC236}">
+                <a16:creationId xmlns:a16="http://schemas.microsoft.com/office/drawing/2014/main" id="{D2CD4904-379B-D247-960D-BDDBE8788432}"/>
+              </a:ext>
+            </a:extLst>
+          </p:cNvPr>
+          <p:cNvSpPr/>
+          <p:nvPr/>
+        </p:nvSpPr>
+        <p:spPr>
+          <a:xfrm>
+            <a:off x="2607571" y="5613203"/>
+            <a:ext cx="1215402" cy="246279"/>
+          </a:xfrm>
+          <a:prstGeom prst="rect">
+            <a:avLst/>
+          </a:prstGeom>
+          <a:ln w="19050">
+            <a:solidFill>
+              <a:schemeClr val="accent3"/>
+            </a:solidFill>
+          </a:ln>
+          <a:effectLst/>
+        </p:spPr>
+        <p:style>
+          <a:lnRef idx="1">
+            <a:schemeClr val="accent3"/>
+          </a:lnRef>
+          <a:fillRef idx="2">
+            <a:schemeClr val="accent3"/>
+          </a:fillRef>
+          <a:effectRef idx="1">
+            <a:schemeClr val="accent3"/>
+          </a:effectRef>
+          <a:fontRef idx="minor">
+            <a:schemeClr val="dk1"/>
+          </a:fontRef>
+        </p:style>
+        <p:txBody>
+          <a:bodyPr rtlCol="0" anchor="ctr"/>
+          <a:lstStyle/>
+          <a:p>
+            <a:pPr algn="ctr"/>
+            <a:r>
+              <a:rPr lang="en-US" sz="1050" b="1" dirty="0" err="1">
+                <a:solidFill>
+                  <a:schemeClr val="accent3">
+                    <a:lumMod val="75000"/>
+                  </a:schemeClr>
+                </a:solidFill>
+              </a:rPr>
+              <a:t>OccasionListPanel</a:t>
+            </a:r>
+            <a:endParaRPr lang="en-SG" sz="1050" b="1" dirty="0">
+              <a:solidFill>
+                <a:schemeClr val="accent3">
+                  <a:lumMod val="75000"/>
+                </a:schemeClr>
+              </a:solidFill>
+            </a:endParaRPr>
+          </a:p>
+        </p:txBody>
+      </p:sp>
+      <p:cxnSp>
+        <p:nvCxnSpPr>
+          <p:cNvPr id="115" name="Elbow Connector 63">
+            <a:extLst>
+              <a:ext uri="{FF2B5EF4-FFF2-40B4-BE49-F238E27FC236}">
+                <a16:creationId xmlns:a16="http://schemas.microsoft.com/office/drawing/2014/main" id="{D545C9CF-2D65-0941-A314-0AB43DFD51EF}"/>
+              </a:ext>
+            </a:extLst>
+          </p:cNvPr>
+          <p:cNvCxnSpPr>
+            <a:cxnSpLocks/>
+          </p:cNvCxnSpPr>
+          <p:nvPr/>
+        </p:nvCxnSpPr>
+        <p:spPr>
+          <a:xfrm rot="16200000" flipH="1">
+            <a:off x="1713173" y="3276585"/>
+            <a:ext cx="1162804" cy="595709"/>
+          </a:xfrm>
+          <a:prstGeom prst="bentConnector2">
+            <a:avLst/>
+          </a:prstGeom>
+          <a:ln w="19050">
+            <a:solidFill>
+              <a:schemeClr val="accent3"/>
+            </a:solidFill>
+            <a:headEnd type="none" w="med" len="med"/>
+            <a:tailEnd type="arrow" w="med" len="med"/>
+          </a:ln>
+          <a:effectLst/>
+        </p:spPr>
+        <p:style>
+          <a:lnRef idx="1">
+            <a:schemeClr val="accent2"/>
+          </a:lnRef>
+          <a:fillRef idx="2">
+            <a:schemeClr val="accent2"/>
+          </a:fillRef>
+          <a:effectRef idx="1">
+            <a:schemeClr val="accent2"/>
+          </a:effectRef>
+          <a:fontRef idx="minor">
+            <a:schemeClr val="dk1"/>
+          </a:fontRef>
+        </p:style>
+      </p:cxnSp>
+      <p:cxnSp>
+        <p:nvCxnSpPr>
+          <p:cNvPr id="122" name="Elbow Connector 63">
+            <a:extLst>
+              <a:ext uri="{FF2B5EF4-FFF2-40B4-BE49-F238E27FC236}">
+                <a16:creationId xmlns:a16="http://schemas.microsoft.com/office/drawing/2014/main" id="{95B09A2D-7584-894A-ACAF-E304CEFB3676}"/>
+              </a:ext>
+            </a:extLst>
+          </p:cNvPr>
+          <p:cNvCxnSpPr>
+            <a:cxnSpLocks/>
+          </p:cNvCxnSpPr>
+          <p:nvPr/>
+        </p:nvCxnSpPr>
+        <p:spPr>
+          <a:xfrm rot="16200000" flipH="1">
+            <a:off x="1714229" y="4437399"/>
+            <a:ext cx="1162804" cy="595709"/>
+          </a:xfrm>
+          <a:prstGeom prst="bentConnector2">
+            <a:avLst/>
+          </a:prstGeom>
+          <a:ln w="19050">
+            <a:solidFill>
+              <a:schemeClr val="accent3"/>
+            </a:solidFill>
+            <a:headEnd type="none" w="med" len="med"/>
+            <a:tailEnd type="arrow" w="med" len="med"/>
+          </a:ln>
+          <a:effectLst/>
+        </p:spPr>
+        <p:style>
+          <a:lnRef idx="1">
+            <a:schemeClr val="accent2"/>
+          </a:lnRef>
+          <a:fillRef idx="2">
+            <a:schemeClr val="accent2"/>
+          </a:fillRef>
+          <a:effectRef idx="1">
+            <a:schemeClr val="accent2"/>
+          </a:effectRef>
+          <a:fontRef idx="minor">
+            <a:schemeClr val="dk1"/>
+          </a:fontRef>
+        </p:style>
+      </p:cxnSp>
+      <p:cxnSp>
+        <p:nvCxnSpPr>
+          <p:cNvPr id="123" name="Elbow Connector 63">
+            <a:extLst>
+              <a:ext uri="{FF2B5EF4-FFF2-40B4-BE49-F238E27FC236}">
+                <a16:creationId xmlns:a16="http://schemas.microsoft.com/office/drawing/2014/main" id="{CECF2D79-9ADD-A945-BAA9-E9A8684D25D1}"/>
+              </a:ext>
+            </a:extLst>
+          </p:cNvPr>
+          <p:cNvCxnSpPr>
+            <a:cxnSpLocks/>
+          </p:cNvCxnSpPr>
+          <p:nvPr/>
+        </p:nvCxnSpPr>
+        <p:spPr>
+          <a:xfrm rot="16200000" flipH="1">
+            <a:off x="1712380" y="4857086"/>
+            <a:ext cx="1162804" cy="595709"/>
+          </a:xfrm>
+          <a:prstGeom prst="bentConnector2">
+            <a:avLst/>
+          </a:prstGeom>
+          <a:ln w="19050">
+            <a:solidFill>
+              <a:schemeClr val="accent3"/>
+            </a:solidFill>
+            <a:headEnd type="none" w="med" len="med"/>
+            <a:tailEnd type="arrow" w="med" len="med"/>
+          </a:ln>
+          <a:effectLst/>
+        </p:spPr>
+        <p:style>
+          <a:lnRef idx="1">
+            <a:schemeClr val="accent2"/>
+          </a:lnRef>
+          <a:fillRef idx="2">
+            <a:schemeClr val="accent2"/>
+          </a:fillRef>
+          <a:effectRef idx="1">
+            <a:schemeClr val="accent2"/>
+          </a:effectRef>
+          <a:fontRef idx="minor">
+            <a:schemeClr val="dk1"/>
+          </a:fontRef>
+        </p:style>
+      </p:cxnSp>
+      <p:cxnSp>
+        <p:nvCxnSpPr>
+          <p:cNvPr id="124" name="Elbow Connector 63">
+            <a:extLst>
+              <a:ext uri="{FF2B5EF4-FFF2-40B4-BE49-F238E27FC236}">
+                <a16:creationId xmlns:a16="http://schemas.microsoft.com/office/drawing/2014/main" id="{3E2E3EA7-CAF9-F943-8BBD-38108F8806DC}"/>
+              </a:ext>
+            </a:extLst>
+          </p:cNvPr>
+          <p:cNvCxnSpPr>
+            <a:cxnSpLocks/>
+            <a:endCxn id="38" idx="1"/>
+          </p:cNvCxnSpPr>
+          <p:nvPr/>
+        </p:nvCxnSpPr>
+        <p:spPr>
+          <a:xfrm rot="16200000" flipH="1">
+            <a:off x="1701832" y="5737512"/>
+            <a:ext cx="1164474" cy="572586"/>
+          </a:xfrm>
+          <a:prstGeom prst="bentConnector2">
+            <a:avLst/>
+          </a:prstGeom>
+          <a:ln w="19050">
+            <a:solidFill>
+              <a:schemeClr val="accent3"/>
+            </a:solidFill>
+            <a:headEnd type="none" w="med" len="med"/>
+            <a:tailEnd type="arrow" w="med" len="med"/>
+          </a:ln>
+          <a:effectLst/>
+        </p:spPr>
+        <p:style>
+          <a:lnRef idx="1">
+            <a:schemeClr val="accent2"/>
+          </a:lnRef>
+          <a:fillRef idx="2">
+            <a:schemeClr val="accent2"/>
+          </a:fillRef>
+          <a:effectRef idx="1">
+            <a:schemeClr val="accent2"/>
+          </a:effectRef>
+          <a:fontRef idx="minor">
+            <a:schemeClr val="dk1"/>
+          </a:fontRef>
+        </p:style>
+      </p:cxnSp>
+      <p:cxnSp>
+        <p:nvCxnSpPr>
+          <p:cNvPr id="125" name="Elbow Connector 124">
+            <a:extLst>
+              <a:ext uri="{FF2B5EF4-FFF2-40B4-BE49-F238E27FC236}">
+                <a16:creationId xmlns:a16="http://schemas.microsoft.com/office/drawing/2014/main" id="{5E923AF1-1555-6743-9645-BBACD6D8E2F9}"/>
+              </a:ext>
+            </a:extLst>
+          </p:cNvPr>
+          <p:cNvCxnSpPr>
+            <a:cxnSpLocks/>
+          </p:cNvCxnSpPr>
+          <p:nvPr/>
+        </p:nvCxnSpPr>
+        <p:spPr>
+          <a:xfrm rot="16200000" flipH="1">
+            <a:off x="3700589" y="4967046"/>
+            <a:ext cx="126087" cy="1008252"/>
+          </a:xfrm>
+          <a:prstGeom prst="bentConnector2">
+            <a:avLst/>
+          </a:prstGeom>
+          <a:ln w="19050">
+            <a:solidFill>
+              <a:schemeClr val="accent3"/>
+            </a:solidFill>
+            <a:headEnd type="none" w="med" len="med"/>
+            <a:tailEnd type="arrow" w="med" len="med"/>
+          </a:ln>
+          <a:effectLst/>
+        </p:spPr>
+        <p:style>
+          <a:lnRef idx="1">
+            <a:schemeClr val="accent2"/>
+          </a:lnRef>
+          <a:fillRef idx="2">
+            <a:schemeClr val="accent2"/>
+          </a:fillRef>
+          <a:effectRef idx="1">
+            <a:schemeClr val="accent2"/>
+          </a:effectRef>
+          <a:fontRef idx="minor">
+            <a:schemeClr val="dk1"/>
+          </a:fontRef>
+        </p:style>
+      </p:cxnSp>
+      <p:cxnSp>
+        <p:nvCxnSpPr>
+          <p:cNvPr id="126" name="Elbow Connector 125">
+            <a:extLst>
+              <a:ext uri="{FF2B5EF4-FFF2-40B4-BE49-F238E27FC236}">
+                <a16:creationId xmlns:a16="http://schemas.microsoft.com/office/drawing/2014/main" id="{33A7AE17-DA38-E34D-9E52-EDEB7CEE891E}"/>
+              </a:ext>
+            </a:extLst>
+          </p:cNvPr>
+          <p:cNvCxnSpPr>
+            <a:cxnSpLocks/>
+          </p:cNvCxnSpPr>
+          <p:nvPr/>
+        </p:nvCxnSpPr>
+        <p:spPr>
+          <a:xfrm rot="16200000" flipH="1">
+            <a:off x="3700590" y="5420550"/>
+            <a:ext cx="126087" cy="1008252"/>
+          </a:xfrm>
+          <a:prstGeom prst="bentConnector2">
+            <a:avLst/>
+          </a:prstGeom>
+          <a:ln w="19050">
+            <a:solidFill>
+              <a:schemeClr val="accent3"/>
+            </a:solidFill>
+            <a:headEnd type="none" w="med" len="med"/>
+            <a:tailEnd type="arrow" w="med" len="med"/>
+          </a:ln>
+          <a:effectLst/>
+        </p:spPr>
+        <p:style>
+          <a:lnRef idx="1">
+            <a:schemeClr val="accent2"/>
+          </a:lnRef>
+          <a:fillRef idx="2">
+            <a:schemeClr val="accent2"/>
+          </a:fillRef>
+          <a:effectRef idx="1">
+            <a:schemeClr val="accent2"/>
+          </a:effectRef>
+          <a:fontRef idx="minor">
+            <a:schemeClr val="dk1"/>
+          </a:fontRef>
+        </p:style>
+      </p:cxnSp>
+      <p:sp>
+        <p:nvSpPr>
+          <p:cNvPr id="127" name="Rectangle 11">
+            <a:extLst>
+              <a:ext uri="{FF2B5EF4-FFF2-40B4-BE49-F238E27FC236}">
+                <a16:creationId xmlns:a16="http://schemas.microsoft.com/office/drawing/2014/main" id="{BF3D157F-9BDF-124F-A896-A80D11B57DAF}"/>
+              </a:ext>
+            </a:extLst>
+          </p:cNvPr>
+          <p:cNvSpPr/>
+          <p:nvPr/>
+        </p:nvSpPr>
+        <p:spPr>
+          <a:xfrm>
+            <a:off x="4260597" y="5425879"/>
+            <a:ext cx="1040906" cy="236841"/>
+          </a:xfrm>
+          <a:prstGeom prst="rect">
+            <a:avLst/>
+          </a:prstGeom>
+          <a:ln w="19050">
+            <a:solidFill>
+              <a:schemeClr val="accent3"/>
+            </a:solidFill>
+          </a:ln>
+          <a:effectLst/>
+        </p:spPr>
+        <p:style>
+          <a:lnRef idx="1">
+            <a:schemeClr val="accent3"/>
+          </a:lnRef>
+          <a:fillRef idx="2">
+            <a:schemeClr val="accent3"/>
+          </a:fillRef>
+          <a:effectRef idx="1">
+            <a:schemeClr val="accent3"/>
+          </a:effectRef>
+          <a:fontRef idx="minor">
+            <a:schemeClr val="dk1"/>
+          </a:fontRef>
+        </p:style>
+        <p:txBody>
+          <a:bodyPr rtlCol="0" anchor="ctr"/>
+          <a:lstStyle/>
+          <a:p>
+            <a:pPr algn="ctr"/>
+            <a:r>
+              <a:rPr lang="en-US" sz="1050" b="1" dirty="0" err="1">
+                <a:solidFill>
+                  <a:schemeClr val="accent3">
+                    <a:lumMod val="75000"/>
+                  </a:schemeClr>
+                </a:solidFill>
+              </a:rPr>
+              <a:t>ModuleCard</a:t>
+            </a:r>
+            <a:endParaRPr lang="en-SG" sz="1050" b="1" dirty="0">
+              <a:solidFill>
+                <a:schemeClr val="accent3">
+                  <a:lumMod val="75000"/>
+                </a:schemeClr>
+              </a:solidFill>
+            </a:endParaRPr>
+          </a:p>
+        </p:txBody>
+      </p:sp>
+      <p:sp>
+        <p:nvSpPr>
+          <p:cNvPr id="128" name="Rectangle 11">
+            <a:extLst>
+              <a:ext uri="{FF2B5EF4-FFF2-40B4-BE49-F238E27FC236}">
+                <a16:creationId xmlns:a16="http://schemas.microsoft.com/office/drawing/2014/main" id="{96A99AF1-583F-364A-9176-9ACFF1A9E258}"/>
+              </a:ext>
+            </a:extLst>
+          </p:cNvPr>
+          <p:cNvSpPr/>
+          <p:nvPr/>
+        </p:nvSpPr>
+        <p:spPr>
+          <a:xfrm>
+            <a:off x="4272863" y="5859482"/>
+            <a:ext cx="1040906" cy="236841"/>
+          </a:xfrm>
+          <a:prstGeom prst="rect">
+            <a:avLst/>
+          </a:prstGeom>
+          <a:ln w="19050">
+            <a:solidFill>
+              <a:schemeClr val="accent3"/>
+            </a:solidFill>
+          </a:ln>
+          <a:effectLst/>
+        </p:spPr>
+        <p:style>
+          <a:lnRef idx="1">
+            <a:schemeClr val="accent3"/>
+          </a:lnRef>
+          <a:fillRef idx="2">
+            <a:schemeClr val="accent3"/>
+          </a:fillRef>
+          <a:effectRef idx="1">
+            <a:schemeClr val="accent3"/>
+          </a:effectRef>
+          <a:fontRef idx="minor">
+            <a:schemeClr val="dk1"/>
+          </a:fontRef>
+        </p:style>
+        <p:txBody>
+          <a:bodyPr rtlCol="0" anchor="ctr"/>
+          <a:lstStyle/>
+          <a:p>
+            <a:pPr algn="ctr"/>
+            <a:r>
+              <a:rPr lang="en-US" sz="1050" b="1" dirty="0" err="1">
+                <a:solidFill>
+                  <a:schemeClr val="accent3">
+                    <a:lumMod val="75000"/>
+                  </a:schemeClr>
+                </a:solidFill>
+              </a:rPr>
+              <a:t>OccasionCard</a:t>
+            </a:r>
+            <a:endParaRPr lang="en-SG" sz="1050" b="1" dirty="0">
+              <a:solidFill>
+                <a:schemeClr val="accent3">
+                  <a:lumMod val="75000"/>
+                </a:schemeClr>
+              </a:solidFill>
+            </a:endParaRPr>
+          </a:p>
+        </p:txBody>
+      </p:sp>
+      <p:cxnSp>
+        <p:nvCxnSpPr>
+          <p:cNvPr id="129" name="Elbow Connector 63">
+            <a:extLst>
+              <a:ext uri="{FF2B5EF4-FFF2-40B4-BE49-F238E27FC236}">
+                <a16:creationId xmlns:a16="http://schemas.microsoft.com/office/drawing/2014/main" id="{73A7F5F9-91B8-9A48-8B1D-73AFD71FD2F0}"/>
+              </a:ext>
+            </a:extLst>
+          </p:cNvPr>
+          <p:cNvCxnSpPr>
+            <a:cxnSpLocks/>
+            <a:endCxn id="127" idx="3"/>
+          </p:cNvCxnSpPr>
+          <p:nvPr/>
+        </p:nvCxnSpPr>
+        <p:spPr>
+          <a:xfrm rot="5400000">
+            <a:off x="4015189" y="4029516"/>
+            <a:ext cx="2801099" cy="228469"/>
+          </a:xfrm>
+          <a:prstGeom prst="bentConnector2">
+            <a:avLst/>
+          </a:prstGeom>
+          <a:ln w="6350">
+            <a:solidFill>
+              <a:schemeClr val="accent3"/>
+            </a:solidFill>
+            <a:headEnd type="none" w="med" len="med"/>
+            <a:tailEnd type="none" w="med" len="med"/>
+          </a:ln>
+          <a:effectLst/>
+        </p:spPr>
+        <p:style>
+          <a:lnRef idx="1">
+            <a:schemeClr val="accent2"/>
+          </a:lnRef>
+          <a:fillRef idx="2">
+            <a:schemeClr val="accent2"/>
+          </a:fillRef>
+          <a:effectRef idx="1">
+            <a:schemeClr val="accent2"/>
+          </a:effectRef>
+          <a:fontRef idx="minor">
+            <a:schemeClr val="dk1"/>
+          </a:fontRef>
+        </p:style>
+      </p:cxnSp>
+      <p:cxnSp>
+        <p:nvCxnSpPr>
+          <p:cNvPr id="130" name="Elbow Connector 63">
+            <a:extLst>
+              <a:ext uri="{FF2B5EF4-FFF2-40B4-BE49-F238E27FC236}">
+                <a16:creationId xmlns:a16="http://schemas.microsoft.com/office/drawing/2014/main" id="{50C94ECD-A38A-9B42-94AF-FAC47F6880A3}"/>
+              </a:ext>
+            </a:extLst>
+          </p:cNvPr>
+          <p:cNvCxnSpPr>
+            <a:cxnSpLocks/>
+            <a:endCxn id="128" idx="3"/>
+          </p:cNvCxnSpPr>
+          <p:nvPr/>
+        </p:nvCxnSpPr>
+        <p:spPr>
+          <a:xfrm rot="5400000">
+            <a:off x="4033120" y="4481051"/>
+            <a:ext cx="2777501" cy="216202"/>
+          </a:xfrm>
+          <a:prstGeom prst="bentConnector2">
+            <a:avLst/>
+          </a:prstGeom>
+          <a:ln w="6350">
+            <a:solidFill>
+              <a:schemeClr val="accent3"/>
+            </a:solidFill>
+            <a:headEnd type="none" w="med" len="med"/>
+            <a:tailEnd type="none" w="med" len="med"/>
+          </a:ln>
+          <a:effectLst/>
+        </p:spPr>
+        <p:style>
+          <a:lnRef idx="1">
+            <a:schemeClr val="accent2"/>
+          </a:lnRef>
+          <a:fillRef idx="2">
+            <a:schemeClr val="accent2"/>
+          </a:fillRef>
+          <a:effectRef idx="1">
+            <a:schemeClr val="accent2"/>
+          </a:effectRef>
+          <a:fontRef idx="minor">
+            <a:schemeClr val="dk1"/>
+          </a:fontRef>
+        </p:style>
+      </p:cxnSp>
+      <p:sp>
+        <p:nvSpPr>
+          <p:cNvPr id="133" name="Freeform 132">
+            <a:extLst>
+              <a:ext uri="{FF2B5EF4-FFF2-40B4-BE49-F238E27FC236}">
+                <a16:creationId xmlns:a16="http://schemas.microsoft.com/office/drawing/2014/main" id="{064011E4-9E7D-9946-AF6B-BB14FAC84F5A}"/>
+              </a:ext>
+            </a:extLst>
+          </p:cNvPr>
+          <p:cNvSpPr/>
+          <p:nvPr/>
+        </p:nvSpPr>
+        <p:spPr>
+          <a:xfrm flipV="1">
+            <a:off x="4497424" y="5699126"/>
+            <a:ext cx="2642195" cy="101600"/>
+          </a:xfrm>
+          <a:custGeom>
+            <a:avLst/>
+            <a:gdLst>
+              <a:gd name="connsiteX0" fmla="*/ 0 w 3048000"/>
+              <a:gd name="connsiteY0" fmla="*/ 203200 h 203200"/>
+              <a:gd name="connsiteX1" fmla="*/ 221673 w 3048000"/>
+              <a:gd name="connsiteY1" fmla="*/ 0 h 203200"/>
+              <a:gd name="connsiteX2" fmla="*/ 3048000 w 3048000"/>
+              <a:gd name="connsiteY2" fmla="*/ 0 h 203200"/>
+            </a:gdLst>
+            <a:ahLst/>
+            <a:cxnLst>
+              <a:cxn ang="0">
+                <a:pos x="connsiteX0" y="connsiteY0"/>
+              </a:cxn>
+              <a:cxn ang="0">
+                <a:pos x="connsiteX1" y="connsiteY1"/>
+              </a:cxn>
+              <a:cxn ang="0">
+                <a:pos x="connsiteX2" y="connsiteY2"/>
+              </a:cxn>
+            </a:cxnLst>
+            <a:rect l="l" t="t" r="r" b="b"/>
+            <a:pathLst>
+              <a:path w="3048000" h="203200">
+                <a:moveTo>
+                  <a:pt x="0" y="203200"/>
+                </a:moveTo>
+                <a:lnTo>
+                  <a:pt x="221673" y="0"/>
+                </a:lnTo>
+                <a:lnTo>
+                  <a:pt x="3048000" y="0"/>
+                </a:lnTo>
+              </a:path>
+            </a:pathLst>
+          </a:custGeom>
+          <a:noFill/>
+          <a:ln w="19050">
+            <a:solidFill>
+              <a:schemeClr val="accent3"/>
+            </a:solidFill>
+            <a:prstDash val="sysDot"/>
+            <a:headEnd type="none" w="med" len="med"/>
+            <a:tailEnd type="arrow" w="med" len="med"/>
+          </a:ln>
+          <a:effectLst/>
+        </p:spPr>
+        <p:style>
+          <a:lnRef idx="1">
+            <a:schemeClr val="accent2"/>
+          </a:lnRef>
+          <a:fillRef idx="2">
+            <a:schemeClr val="accent2"/>
+          </a:fillRef>
+          <a:effectRef idx="1">
+            <a:schemeClr val="accent2"/>
+          </a:effectRef>
+          <a:fontRef idx="minor">
+            <a:schemeClr val="dk1"/>
+          </a:fontRef>
+        </p:style>
+        <p:txBody>
+          <a:bodyPr rtlCol="0" anchor="ctr"/>
+          <a:lstStyle/>
+          <a:p>
+            <a:pPr algn="ctr"/>
+            <a:endParaRPr lang="en-SG"/>
+          </a:p>
+        </p:txBody>
+      </p:sp>
+      <p:sp>
+        <p:nvSpPr>
+          <p:cNvPr id="134" name="Freeform 133">
+            <a:extLst>
+              <a:ext uri="{FF2B5EF4-FFF2-40B4-BE49-F238E27FC236}">
+                <a16:creationId xmlns:a16="http://schemas.microsoft.com/office/drawing/2014/main" id="{1632A3BF-02C9-024D-BE42-ECF32477AF30}"/>
+              </a:ext>
+            </a:extLst>
+          </p:cNvPr>
+          <p:cNvSpPr/>
+          <p:nvPr/>
+        </p:nvSpPr>
+        <p:spPr>
+          <a:xfrm flipV="1">
+            <a:off x="4497423" y="6152493"/>
             <a:ext cx="2642195" cy="101600"/>
           </a:xfrm>
           <a:custGeom>

--- a/docs/diagrams/UiComponentClassDiagram.pptx
+++ b/docs/diagrams/UiComponentClassDiagram.pptx
@@ -208,7 +208,7 @@
           <a:p>
             <a:fld id="{F5CC4B3F-88C1-4FFA-B1B6-F41C21DC6924}" type="datetimeFigureOut">
               <a:rPr lang="en-US" smtClean="0"/>
-              <a:t>10/22/2018</a:t>
+              <a:t>10/31/18</a:t>
             </a:fld>
             <a:endParaRPr lang="en-US"/>
           </a:p>
@@ -654,7 +654,7 @@
           <a:p>
             <a:fld id="{78C97017-6FC3-485B-9764-EAC9E56C1D49}" type="datetimeFigureOut">
               <a:rPr lang="en-US" smtClean="0"/>
-              <a:t>10/22/2018</a:t>
+              <a:t>10/31/18</a:t>
             </a:fld>
             <a:endParaRPr lang="en-US"/>
           </a:p>
@@ -822,7 +822,7 @@
           <a:p>
             <a:fld id="{78C97017-6FC3-485B-9764-EAC9E56C1D49}" type="datetimeFigureOut">
               <a:rPr lang="en-US" smtClean="0"/>
-              <a:t>10/22/2018</a:t>
+              <a:t>10/31/18</a:t>
             </a:fld>
             <a:endParaRPr lang="en-US"/>
           </a:p>
@@ -1000,7 +1000,7 @@
           <a:p>
             <a:fld id="{78C97017-6FC3-485B-9764-EAC9E56C1D49}" type="datetimeFigureOut">
               <a:rPr lang="en-US" smtClean="0"/>
-              <a:t>10/22/2018</a:t>
+              <a:t>10/31/18</a:t>
             </a:fld>
             <a:endParaRPr lang="en-US"/>
           </a:p>
@@ -1168,7 +1168,7 @@
           <a:p>
             <a:fld id="{78C97017-6FC3-485B-9764-EAC9E56C1D49}" type="datetimeFigureOut">
               <a:rPr lang="en-US" smtClean="0"/>
-              <a:t>10/22/2018</a:t>
+              <a:t>10/31/18</a:t>
             </a:fld>
             <a:endParaRPr lang="en-US"/>
           </a:p>
@@ -1413,7 +1413,7 @@
           <a:p>
             <a:fld id="{78C97017-6FC3-485B-9764-EAC9E56C1D49}" type="datetimeFigureOut">
               <a:rPr lang="en-US" smtClean="0"/>
-              <a:t>10/22/2018</a:t>
+              <a:t>10/31/18</a:t>
             </a:fld>
             <a:endParaRPr lang="en-US"/>
           </a:p>
@@ -1698,7 +1698,7 @@
           <a:p>
             <a:fld id="{78C97017-6FC3-485B-9764-EAC9E56C1D49}" type="datetimeFigureOut">
               <a:rPr lang="en-US" smtClean="0"/>
-              <a:t>10/22/2018</a:t>
+              <a:t>10/31/18</a:t>
             </a:fld>
             <a:endParaRPr lang="en-US"/>
           </a:p>
@@ -2117,7 +2117,7 @@
           <a:p>
             <a:fld id="{78C97017-6FC3-485B-9764-EAC9E56C1D49}" type="datetimeFigureOut">
               <a:rPr lang="en-US" smtClean="0"/>
-              <a:t>10/22/2018</a:t>
+              <a:t>10/31/18</a:t>
             </a:fld>
             <a:endParaRPr lang="en-US"/>
           </a:p>
@@ -2234,7 +2234,7 @@
           <a:p>
             <a:fld id="{78C97017-6FC3-485B-9764-EAC9E56C1D49}" type="datetimeFigureOut">
               <a:rPr lang="en-US" smtClean="0"/>
-              <a:t>10/22/2018</a:t>
+              <a:t>10/31/18</a:t>
             </a:fld>
             <a:endParaRPr lang="en-US"/>
           </a:p>
@@ -2329,7 +2329,7 @@
           <a:p>
             <a:fld id="{78C97017-6FC3-485B-9764-EAC9E56C1D49}" type="datetimeFigureOut">
               <a:rPr lang="en-US" smtClean="0"/>
-              <a:t>10/22/2018</a:t>
+              <a:t>10/31/18</a:t>
             </a:fld>
             <a:endParaRPr lang="en-US"/>
           </a:p>
@@ -2604,7 +2604,7 @@
           <a:p>
             <a:fld id="{78C97017-6FC3-485B-9764-EAC9E56C1D49}" type="datetimeFigureOut">
               <a:rPr lang="en-US" smtClean="0"/>
-              <a:t>10/22/2018</a:t>
+              <a:t>10/31/18</a:t>
             </a:fld>
             <a:endParaRPr lang="en-US"/>
           </a:p>
@@ -2856,7 +2856,7 @@
           <a:p>
             <a:fld id="{78C97017-6FC3-485B-9764-EAC9E56C1D49}" type="datetimeFigureOut">
               <a:rPr lang="en-US" smtClean="0"/>
-              <a:t>10/22/2018</a:t>
+              <a:t>10/31/18</a:t>
             </a:fld>
             <a:endParaRPr lang="en-US"/>
           </a:p>
@@ -3067,7 +3067,7 @@
           <a:p>
             <a:fld id="{78C97017-6FC3-485B-9764-EAC9E56C1D49}" type="datetimeFigureOut">
               <a:rPr lang="en-US" smtClean="0"/>
-              <a:t>10/22/2018</a:t>
+              <a:t>10/31/18</a:t>
             </a:fld>
             <a:endParaRPr lang="en-US"/>
           </a:p>
@@ -3925,7 +3925,7 @@
                   </a:schemeClr>
                 </a:solidFill>
               </a:rPr>
-              <a:t>BrowserPanel</a:t>
+              <a:t>SidebarPanel</a:t>
             </a:r>
             <a:endParaRPr lang="en-SG" sz="1050" b="1" dirty="0">
               <a:solidFill>

--- a/docs/diagrams/UiComponentClassDiagram.pptx
+++ b/docs/diagrams/UiComponentClassDiagram.pptx
@@ -208,7 +208,7 @@
           <a:p>
             <a:fld id="{F5CC4B3F-88C1-4FFA-B1B6-F41C21DC6924}" type="datetimeFigureOut">
               <a:rPr lang="en-US" smtClean="0"/>
-              <a:t>1/7/2017</a:t>
+              <a:t>11/6/2018</a:t>
             </a:fld>
             <a:endParaRPr lang="en-US"/>
           </a:p>
@@ -654,7 +654,7 @@
           <a:p>
             <a:fld id="{78C97017-6FC3-485B-9764-EAC9E56C1D49}" type="datetimeFigureOut">
               <a:rPr lang="en-US" smtClean="0"/>
-              <a:t>1/7/2017</a:t>
+              <a:t>11/6/2018</a:t>
             </a:fld>
             <a:endParaRPr lang="en-US"/>
           </a:p>
@@ -822,7 +822,7 @@
           <a:p>
             <a:fld id="{78C97017-6FC3-485B-9764-EAC9E56C1D49}" type="datetimeFigureOut">
               <a:rPr lang="en-US" smtClean="0"/>
-              <a:t>1/7/2017</a:t>
+              <a:t>11/6/2018</a:t>
             </a:fld>
             <a:endParaRPr lang="en-US"/>
           </a:p>
@@ -1000,7 +1000,7 @@
           <a:p>
             <a:fld id="{78C97017-6FC3-485B-9764-EAC9E56C1D49}" type="datetimeFigureOut">
               <a:rPr lang="en-US" smtClean="0"/>
-              <a:t>1/7/2017</a:t>
+              <a:t>11/6/2018</a:t>
             </a:fld>
             <a:endParaRPr lang="en-US"/>
           </a:p>
@@ -1168,7 +1168,7 @@
           <a:p>
             <a:fld id="{78C97017-6FC3-485B-9764-EAC9E56C1D49}" type="datetimeFigureOut">
               <a:rPr lang="en-US" smtClean="0"/>
-              <a:t>1/7/2017</a:t>
+              <a:t>11/6/2018</a:t>
             </a:fld>
             <a:endParaRPr lang="en-US"/>
           </a:p>
@@ -1413,7 +1413,7 @@
           <a:p>
             <a:fld id="{78C97017-6FC3-485B-9764-EAC9E56C1D49}" type="datetimeFigureOut">
               <a:rPr lang="en-US" smtClean="0"/>
-              <a:t>1/7/2017</a:t>
+              <a:t>11/6/2018</a:t>
             </a:fld>
             <a:endParaRPr lang="en-US"/>
           </a:p>
@@ -1698,7 +1698,7 @@
           <a:p>
             <a:fld id="{78C97017-6FC3-485B-9764-EAC9E56C1D49}" type="datetimeFigureOut">
               <a:rPr lang="en-US" smtClean="0"/>
-              <a:t>1/7/2017</a:t>
+              <a:t>11/6/2018</a:t>
             </a:fld>
             <a:endParaRPr lang="en-US"/>
           </a:p>
@@ -2117,7 +2117,7 @@
           <a:p>
             <a:fld id="{78C97017-6FC3-485B-9764-EAC9E56C1D49}" type="datetimeFigureOut">
               <a:rPr lang="en-US" smtClean="0"/>
-              <a:t>1/7/2017</a:t>
+              <a:t>11/6/2018</a:t>
             </a:fld>
             <a:endParaRPr lang="en-US"/>
           </a:p>
@@ -2234,7 +2234,7 @@
           <a:p>
             <a:fld id="{78C97017-6FC3-485B-9764-EAC9E56C1D49}" type="datetimeFigureOut">
               <a:rPr lang="en-US" smtClean="0"/>
-              <a:t>1/7/2017</a:t>
+              <a:t>11/6/2018</a:t>
             </a:fld>
             <a:endParaRPr lang="en-US"/>
           </a:p>
@@ -2329,7 +2329,7 @@
           <a:p>
             <a:fld id="{78C97017-6FC3-485B-9764-EAC9E56C1D49}" type="datetimeFigureOut">
               <a:rPr lang="en-US" smtClean="0"/>
-              <a:t>1/7/2017</a:t>
+              <a:t>11/6/2018</a:t>
             </a:fld>
             <a:endParaRPr lang="en-US"/>
           </a:p>
@@ -2604,7 +2604,7 @@
           <a:p>
             <a:fld id="{78C97017-6FC3-485B-9764-EAC9E56C1D49}" type="datetimeFigureOut">
               <a:rPr lang="en-US" smtClean="0"/>
-              <a:t>1/7/2017</a:t>
+              <a:t>11/6/2018</a:t>
             </a:fld>
             <a:endParaRPr lang="en-US"/>
           </a:p>
@@ -2856,7 +2856,7 @@
           <a:p>
             <a:fld id="{78C97017-6FC3-485B-9764-EAC9E56C1D49}" type="datetimeFigureOut">
               <a:rPr lang="en-US" smtClean="0"/>
-              <a:t>1/7/2017</a:t>
+              <a:t>11/6/2018</a:t>
             </a:fld>
             <a:endParaRPr lang="en-US"/>
           </a:p>
@@ -3067,7 +3067,7 @@
           <a:p>
             <a:fld id="{78C97017-6FC3-485B-9764-EAC9E56C1D49}" type="datetimeFigureOut">
               <a:rPr lang="en-US" smtClean="0"/>
-              <a:t>1/7/2017</a:t>
+              <a:t>11/6/2018</a:t>
             </a:fld>
             <a:endParaRPr lang="en-US"/>
           </a:p>
@@ -4045,7 +4045,7 @@
                   </a:schemeClr>
                 </a:solidFill>
               </a:rPr>
-              <a:t>PersonListPanel</a:t>
+              <a:t>ArticleListPanel</a:t>
             </a:r>
             <a:endParaRPr lang="en-SG" sz="1050" b="1" dirty="0">
               <a:solidFill>
@@ -4105,7 +4105,7 @@
                   </a:schemeClr>
                 </a:solidFill>
               </a:rPr>
-              <a:t>PersonCard</a:t>
+              <a:t>ArticleCard</a:t>
             </a:r>
             <a:endParaRPr lang="en-SG" sz="1050" b="1" dirty="0">
               <a:solidFill>

--- a/docs/diagrams/UiComponentClassDiagram.pptx
+++ b/docs/diagrams/UiComponentClassDiagram.pptx
@@ -208,7 +208,7 @@
           <a:p>
             <a:fld id="{F5CC4B3F-88C1-4FFA-B1B6-F41C21DC6924}" type="datetimeFigureOut">
               <a:rPr lang="en-US" smtClean="0"/>
-              <a:t>1/7/2017</a:t>
+              <a:t>11/7/2018</a:t>
             </a:fld>
             <a:endParaRPr lang="en-US"/>
           </a:p>
@@ -654,7 +654,7 @@
           <a:p>
             <a:fld id="{78C97017-6FC3-485B-9764-EAC9E56C1D49}" type="datetimeFigureOut">
               <a:rPr lang="en-US" smtClean="0"/>
-              <a:t>1/7/2017</a:t>
+              <a:t>11/7/2018</a:t>
             </a:fld>
             <a:endParaRPr lang="en-US"/>
           </a:p>
@@ -822,7 +822,7 @@
           <a:p>
             <a:fld id="{78C97017-6FC3-485B-9764-EAC9E56C1D49}" type="datetimeFigureOut">
               <a:rPr lang="en-US" smtClean="0"/>
-              <a:t>1/7/2017</a:t>
+              <a:t>11/7/2018</a:t>
             </a:fld>
             <a:endParaRPr lang="en-US"/>
           </a:p>
@@ -1000,7 +1000,7 @@
           <a:p>
             <a:fld id="{78C97017-6FC3-485B-9764-EAC9E56C1D49}" type="datetimeFigureOut">
               <a:rPr lang="en-US" smtClean="0"/>
-              <a:t>1/7/2017</a:t>
+              <a:t>11/7/2018</a:t>
             </a:fld>
             <a:endParaRPr lang="en-US"/>
           </a:p>
@@ -1168,7 +1168,7 @@
           <a:p>
             <a:fld id="{78C97017-6FC3-485B-9764-EAC9E56C1D49}" type="datetimeFigureOut">
               <a:rPr lang="en-US" smtClean="0"/>
-              <a:t>1/7/2017</a:t>
+              <a:t>11/7/2018</a:t>
             </a:fld>
             <a:endParaRPr lang="en-US"/>
           </a:p>
@@ -1413,7 +1413,7 @@
           <a:p>
             <a:fld id="{78C97017-6FC3-485B-9764-EAC9E56C1D49}" type="datetimeFigureOut">
               <a:rPr lang="en-US" smtClean="0"/>
-              <a:t>1/7/2017</a:t>
+              <a:t>11/7/2018</a:t>
             </a:fld>
             <a:endParaRPr lang="en-US"/>
           </a:p>
@@ -1698,7 +1698,7 @@
           <a:p>
             <a:fld id="{78C97017-6FC3-485B-9764-EAC9E56C1D49}" type="datetimeFigureOut">
               <a:rPr lang="en-US" smtClean="0"/>
-              <a:t>1/7/2017</a:t>
+              <a:t>11/7/2018</a:t>
             </a:fld>
             <a:endParaRPr lang="en-US"/>
           </a:p>
@@ -2117,7 +2117,7 @@
           <a:p>
             <a:fld id="{78C97017-6FC3-485B-9764-EAC9E56C1D49}" type="datetimeFigureOut">
               <a:rPr lang="en-US" smtClean="0"/>
-              <a:t>1/7/2017</a:t>
+              <a:t>11/7/2018</a:t>
             </a:fld>
             <a:endParaRPr lang="en-US"/>
           </a:p>
@@ -2234,7 +2234,7 @@
           <a:p>
             <a:fld id="{78C97017-6FC3-485B-9764-EAC9E56C1D49}" type="datetimeFigureOut">
               <a:rPr lang="en-US" smtClean="0"/>
-              <a:t>1/7/2017</a:t>
+              <a:t>11/7/2018</a:t>
             </a:fld>
             <a:endParaRPr lang="en-US"/>
           </a:p>
@@ -2329,7 +2329,7 @@
           <a:p>
             <a:fld id="{78C97017-6FC3-485B-9764-EAC9E56C1D49}" type="datetimeFigureOut">
               <a:rPr lang="en-US" smtClean="0"/>
-              <a:t>1/7/2017</a:t>
+              <a:t>11/7/2018</a:t>
             </a:fld>
             <a:endParaRPr lang="en-US"/>
           </a:p>
@@ -2604,7 +2604,7 @@
           <a:p>
             <a:fld id="{78C97017-6FC3-485B-9764-EAC9E56C1D49}" type="datetimeFigureOut">
               <a:rPr lang="en-US" smtClean="0"/>
-              <a:t>1/7/2017</a:t>
+              <a:t>11/7/2018</a:t>
             </a:fld>
             <a:endParaRPr lang="en-US"/>
           </a:p>
@@ -2856,7 +2856,7 @@
           <a:p>
             <a:fld id="{78C97017-6FC3-485B-9764-EAC9E56C1D49}" type="datetimeFigureOut">
               <a:rPr lang="en-US" smtClean="0"/>
-              <a:t>1/7/2017</a:t>
+              <a:t>11/7/2018</a:t>
             </a:fld>
             <a:endParaRPr lang="en-US"/>
           </a:p>
@@ -3067,7 +3067,7 @@
           <a:p>
             <a:fld id="{78C97017-6FC3-485B-9764-EAC9E56C1D49}" type="datetimeFigureOut">
               <a:rPr lang="en-US" smtClean="0"/>
-              <a:t>1/7/2017</a:t>
+              <a:t>11/7/2018</a:t>
             </a:fld>
             <a:endParaRPr lang="en-US"/>
           </a:p>
@@ -3450,8 +3450,8 @@
         </p:nvSpPr>
         <p:spPr>
           <a:xfrm>
-            <a:off x="1217465" y="1447800"/>
-            <a:ext cx="4917083" cy="3962400"/>
+            <a:off x="1217465" y="1447799"/>
+            <a:ext cx="4917083" cy="4419589"/>
           </a:xfrm>
           <a:prstGeom prst="roundRect">
             <a:avLst>
@@ -3925,7 +3925,7 @@
                   </a:schemeClr>
                 </a:solidFill>
               </a:rPr>
-              <a:t>BrowserPanel</a:t>
+              <a:t>HistoryListPanel</a:t>
             </a:r>
             <a:endParaRPr lang="en-SG" sz="1050" b="1" dirty="0">
               <a:solidFill>
@@ -3985,7 +3985,7 @@
                   </a:schemeClr>
                 </a:solidFill>
               </a:rPr>
-              <a:t>StatusBarFooter</a:t>
+              <a:t>ImagePanel</a:t>
             </a:r>
             <a:endParaRPr lang="en-SG" sz="1050" b="1" dirty="0">
               <a:solidFill>
@@ -4045,7 +4045,7 @@
                   </a:schemeClr>
                 </a:solidFill>
               </a:rPr>
-              <a:t>PersonListPanel</a:t>
+              <a:t>FilmReel</a:t>
             </a:r>
             <a:endParaRPr lang="en-SG" sz="1050" b="1" dirty="0">
               <a:solidFill>
@@ -4105,7 +4105,7 @@
                   </a:schemeClr>
                 </a:solidFill>
               </a:rPr>
-              <a:t>PersonCard</a:t>
+              <a:t>FilmReelCard</a:t>
             </a:r>
             <a:endParaRPr lang="en-SG" sz="1050" b="1" dirty="0">
               <a:solidFill>
@@ -4125,7 +4125,7 @@
         </p:nvSpPr>
         <p:spPr>
           <a:xfrm>
-            <a:off x="2592528" y="4966000"/>
+            <a:off x="2592525" y="5254544"/>
             <a:ext cx="1093635" cy="236841"/>
           </a:xfrm>
           <a:prstGeom prst="rect">
@@ -4453,14 +4453,15 @@
         <p:nvCxnSpPr>
           <p:cNvPr id="53" name="Elbow Connector 63"/>
           <p:cNvCxnSpPr>
+            <a:cxnSpLocks/>
             <a:endCxn id="38" idx="1"/>
           </p:cNvCxnSpPr>
           <p:nvPr/>
         </p:nvCxnSpPr>
         <p:spPr>
           <a:xfrm rot="16200000" flipH="1">
-            <a:off x="1184119" y="3676012"/>
-            <a:ext cx="2396440" cy="420377"/>
+            <a:off x="1032094" y="3812533"/>
+            <a:ext cx="2696359" cy="424504"/>
           </a:xfrm>
           <a:prstGeom prst="bentConnector2">
             <a:avLst/>
@@ -4784,8 +4785,8 @@
         </p:nvCxnSpPr>
         <p:spPr>
           <a:xfrm rot="5400000">
-            <a:off x="3208856" y="2763307"/>
-            <a:ext cx="2798421" cy="1843806"/>
+            <a:off x="3064583" y="2907578"/>
+            <a:ext cx="3086965" cy="1843809"/>
           </a:xfrm>
           <a:prstGeom prst="bentConnector2">
             <a:avLst/>
@@ -5437,6 +5438,250 @@
           <a:xfrm flipV="1">
             <a:off x="4114799" y="4472708"/>
             <a:ext cx="2642195" cy="101600"/>
+          </a:xfrm>
+          <a:custGeom>
+            <a:avLst/>
+            <a:gdLst>
+              <a:gd name="connsiteX0" fmla="*/ 0 w 3048000"/>
+              <a:gd name="connsiteY0" fmla="*/ 203200 h 203200"/>
+              <a:gd name="connsiteX1" fmla="*/ 221673 w 3048000"/>
+              <a:gd name="connsiteY1" fmla="*/ 0 h 203200"/>
+              <a:gd name="connsiteX2" fmla="*/ 3048000 w 3048000"/>
+              <a:gd name="connsiteY2" fmla="*/ 0 h 203200"/>
+            </a:gdLst>
+            <a:ahLst/>
+            <a:cxnLst>
+              <a:cxn ang="0">
+                <a:pos x="connsiteX0" y="connsiteY0"/>
+              </a:cxn>
+              <a:cxn ang="0">
+                <a:pos x="connsiteX1" y="connsiteY1"/>
+              </a:cxn>
+              <a:cxn ang="0">
+                <a:pos x="connsiteX2" y="connsiteY2"/>
+              </a:cxn>
+            </a:cxnLst>
+            <a:rect l="l" t="t" r="r" b="b"/>
+            <a:pathLst>
+              <a:path w="3048000" h="203200">
+                <a:moveTo>
+                  <a:pt x="0" y="203200"/>
+                </a:moveTo>
+                <a:lnTo>
+                  <a:pt x="221673" y="0"/>
+                </a:lnTo>
+                <a:lnTo>
+                  <a:pt x="3048000" y="0"/>
+                </a:lnTo>
+              </a:path>
+            </a:pathLst>
+          </a:custGeom>
+          <a:noFill/>
+          <a:ln w="19050">
+            <a:solidFill>
+              <a:schemeClr val="accent3"/>
+            </a:solidFill>
+            <a:prstDash val="sysDot"/>
+            <a:headEnd type="none" w="med" len="med"/>
+            <a:tailEnd type="arrow" w="med" len="med"/>
+          </a:ln>
+          <a:effectLst/>
+        </p:spPr>
+        <p:style>
+          <a:lnRef idx="1">
+            <a:schemeClr val="accent2"/>
+          </a:lnRef>
+          <a:fillRef idx="2">
+            <a:schemeClr val="accent2"/>
+          </a:fillRef>
+          <a:effectRef idx="1">
+            <a:schemeClr val="accent2"/>
+          </a:effectRef>
+          <a:fontRef idx="minor">
+            <a:schemeClr val="dk1"/>
+          </a:fontRef>
+        </p:style>
+        <p:txBody>
+          <a:bodyPr rtlCol="0" anchor="ctr"/>
+          <a:lstStyle/>
+          <a:p>
+            <a:pPr algn="ctr"/>
+            <a:endParaRPr lang="en-SG"/>
+          </a:p>
+        </p:txBody>
+      </p:sp>
+      <p:cxnSp>
+        <p:nvCxnSpPr>
+          <p:cNvPr id="54" name="Elbow Connector 63">
+            <a:extLst>
+              <a:ext uri="{FF2B5EF4-FFF2-40B4-BE49-F238E27FC236}">
+                <a16:creationId xmlns:a16="http://schemas.microsoft.com/office/drawing/2014/main" id="{B58A1F73-3F09-451D-9CD5-3A2C6F7DC38F}"/>
+              </a:ext>
+            </a:extLst>
+          </p:cNvPr>
+          <p:cNvCxnSpPr>
+            <a:cxnSpLocks/>
+          </p:cNvCxnSpPr>
+          <p:nvPr/>
+        </p:nvCxnSpPr>
+        <p:spPr>
+          <a:xfrm rot="16200000" flipH="1">
+            <a:off x="1391859" y="3827941"/>
+            <a:ext cx="2203344" cy="166630"/>
+          </a:xfrm>
+          <a:prstGeom prst="bentConnector2">
+            <a:avLst/>
+          </a:prstGeom>
+          <a:ln w="19050">
+            <a:solidFill>
+              <a:schemeClr val="accent3"/>
+            </a:solidFill>
+            <a:headEnd type="none" w="med" len="med"/>
+            <a:tailEnd type="arrow" w="med" len="med"/>
+          </a:ln>
+          <a:effectLst/>
+        </p:spPr>
+        <p:style>
+          <a:lnRef idx="1">
+            <a:schemeClr val="accent2"/>
+          </a:lnRef>
+          <a:fillRef idx="2">
+            <a:schemeClr val="accent2"/>
+          </a:fillRef>
+          <a:effectRef idx="1">
+            <a:schemeClr val="accent2"/>
+          </a:effectRef>
+          <a:fontRef idx="minor">
+            <a:schemeClr val="dk1"/>
+          </a:fontRef>
+        </p:style>
+      </p:cxnSp>
+      <p:sp>
+        <p:nvSpPr>
+          <p:cNvPr id="55" name="Rectangle 11">
+            <a:extLst>
+              <a:ext uri="{FF2B5EF4-FFF2-40B4-BE49-F238E27FC236}">
+                <a16:creationId xmlns:a16="http://schemas.microsoft.com/office/drawing/2014/main" id="{F2220EDF-AB73-4FAC-971D-E2BBBF9112DD}"/>
+              </a:ext>
+            </a:extLst>
+          </p:cNvPr>
+          <p:cNvSpPr/>
+          <p:nvPr/>
+        </p:nvSpPr>
+        <p:spPr>
+          <a:xfrm>
+            <a:off x="2589509" y="4911403"/>
+            <a:ext cx="1093635" cy="236841"/>
+          </a:xfrm>
+          <a:prstGeom prst="rect">
+            <a:avLst/>
+          </a:prstGeom>
+          <a:ln w="19050">
+            <a:solidFill>
+              <a:schemeClr val="accent3"/>
+            </a:solidFill>
+          </a:ln>
+          <a:effectLst/>
+        </p:spPr>
+        <p:style>
+          <a:lnRef idx="1">
+            <a:schemeClr val="accent3"/>
+          </a:lnRef>
+          <a:fillRef idx="2">
+            <a:schemeClr val="accent3"/>
+          </a:fillRef>
+          <a:effectRef idx="1">
+            <a:schemeClr val="accent3"/>
+          </a:effectRef>
+          <a:fontRef idx="minor">
+            <a:schemeClr val="dk1"/>
+          </a:fontRef>
+        </p:style>
+        <p:txBody>
+          <a:bodyPr rtlCol="0" anchor="ctr"/>
+          <a:lstStyle/>
+          <a:p>
+            <a:pPr algn="ctr"/>
+            <a:r>
+              <a:rPr lang="en-US" sz="1050" b="1" dirty="0" err="1">
+                <a:solidFill>
+                  <a:schemeClr val="accent3">
+                    <a:lumMod val="75000"/>
+                  </a:schemeClr>
+                </a:solidFill>
+              </a:rPr>
+              <a:t>StatusBarFooter</a:t>
+            </a:r>
+            <a:endParaRPr lang="en-SG" sz="1050" b="1" dirty="0">
+              <a:solidFill>
+                <a:schemeClr val="accent3">
+                  <a:lumMod val="75000"/>
+                </a:schemeClr>
+              </a:solidFill>
+            </a:endParaRPr>
+          </a:p>
+        </p:txBody>
+      </p:sp>
+      <p:cxnSp>
+        <p:nvCxnSpPr>
+          <p:cNvPr id="57" name="Elbow Connector 63">
+            <a:extLst>
+              <a:ext uri="{FF2B5EF4-FFF2-40B4-BE49-F238E27FC236}">
+                <a16:creationId xmlns:a16="http://schemas.microsoft.com/office/drawing/2014/main" id="{DB92CE61-5096-449D-95AD-FC6A8D38C7D5}"/>
+              </a:ext>
+            </a:extLst>
+          </p:cNvPr>
+          <p:cNvCxnSpPr/>
+          <p:nvPr/>
+        </p:nvCxnSpPr>
+        <p:spPr>
+          <a:xfrm rot="5400000">
+            <a:off x="3404305" y="2907579"/>
+            <a:ext cx="2396180" cy="1843807"/>
+          </a:xfrm>
+          <a:prstGeom prst="bentConnector2">
+            <a:avLst/>
+          </a:prstGeom>
+          <a:ln w="6350">
+            <a:solidFill>
+              <a:schemeClr val="accent3"/>
+            </a:solidFill>
+            <a:headEnd type="none" w="med" len="med"/>
+            <a:tailEnd type="none" w="med" len="med"/>
+          </a:ln>
+          <a:effectLst/>
+        </p:spPr>
+        <p:style>
+          <a:lnRef idx="1">
+            <a:schemeClr val="accent2"/>
+          </a:lnRef>
+          <a:fillRef idx="2">
+            <a:schemeClr val="accent2"/>
+          </a:fillRef>
+          <a:effectRef idx="1">
+            <a:schemeClr val="accent2"/>
+          </a:effectRef>
+          <a:fontRef idx="minor">
+            <a:schemeClr val="dk1"/>
+          </a:fontRef>
+        </p:style>
+      </p:cxnSp>
+      <p:sp>
+        <p:nvSpPr>
+          <p:cNvPr id="58" name="Freeform 117">
+            <a:extLst>
+              <a:ext uri="{FF2B5EF4-FFF2-40B4-BE49-F238E27FC236}">
+                <a16:creationId xmlns:a16="http://schemas.microsoft.com/office/drawing/2014/main" id="{711279B8-3EB3-40DB-ADC5-FB329CAECB73}"/>
+              </a:ext>
+            </a:extLst>
+          </p:cNvPr>
+          <p:cNvSpPr/>
+          <p:nvPr/>
+        </p:nvSpPr>
+        <p:spPr>
+          <a:xfrm flipV="1">
+            <a:off x="3680491" y="4709548"/>
+            <a:ext cx="3055917" cy="165141"/>
           </a:xfrm>
           <a:custGeom>
             <a:avLst/>

--- a/docs/diagrams/UiComponentClassDiagram.pptx
+++ b/docs/diagrams/UiComponentClassDiagram.pptx
@@ -208,7 +208,7 @@
           <a:p>
             <a:fld id="{F5CC4B3F-88C1-4FFA-B1B6-F41C21DC6924}" type="datetimeFigureOut">
               <a:rPr lang="en-US" smtClean="0"/>
-              <a:t>1/7/2017</a:t>
+              <a:t>11/10/2018</a:t>
             </a:fld>
             <a:endParaRPr lang="en-US"/>
           </a:p>
@@ -654,7 +654,7 @@
           <a:p>
             <a:fld id="{78C97017-6FC3-485B-9764-EAC9E56C1D49}" type="datetimeFigureOut">
               <a:rPr lang="en-US" smtClean="0"/>
-              <a:t>1/7/2017</a:t>
+              <a:t>11/10/2018</a:t>
             </a:fld>
             <a:endParaRPr lang="en-US"/>
           </a:p>
@@ -822,7 +822,7 @@
           <a:p>
             <a:fld id="{78C97017-6FC3-485B-9764-EAC9E56C1D49}" type="datetimeFigureOut">
               <a:rPr lang="en-US" smtClean="0"/>
-              <a:t>1/7/2017</a:t>
+              <a:t>11/10/2018</a:t>
             </a:fld>
             <a:endParaRPr lang="en-US"/>
           </a:p>
@@ -1000,7 +1000,7 @@
           <a:p>
             <a:fld id="{78C97017-6FC3-485B-9764-EAC9E56C1D49}" type="datetimeFigureOut">
               <a:rPr lang="en-US" smtClean="0"/>
-              <a:t>1/7/2017</a:t>
+              <a:t>11/10/2018</a:t>
             </a:fld>
             <a:endParaRPr lang="en-US"/>
           </a:p>
@@ -1168,7 +1168,7 @@
           <a:p>
             <a:fld id="{78C97017-6FC3-485B-9764-EAC9E56C1D49}" type="datetimeFigureOut">
               <a:rPr lang="en-US" smtClean="0"/>
-              <a:t>1/7/2017</a:t>
+              <a:t>11/10/2018</a:t>
             </a:fld>
             <a:endParaRPr lang="en-US"/>
           </a:p>
@@ -1413,7 +1413,7 @@
           <a:p>
             <a:fld id="{78C97017-6FC3-485B-9764-EAC9E56C1D49}" type="datetimeFigureOut">
               <a:rPr lang="en-US" smtClean="0"/>
-              <a:t>1/7/2017</a:t>
+              <a:t>11/10/2018</a:t>
             </a:fld>
             <a:endParaRPr lang="en-US"/>
           </a:p>
@@ -1698,7 +1698,7 @@
           <a:p>
             <a:fld id="{78C97017-6FC3-485B-9764-EAC9E56C1D49}" type="datetimeFigureOut">
               <a:rPr lang="en-US" smtClean="0"/>
-              <a:t>1/7/2017</a:t>
+              <a:t>11/10/2018</a:t>
             </a:fld>
             <a:endParaRPr lang="en-US"/>
           </a:p>
@@ -2117,7 +2117,7 @@
           <a:p>
             <a:fld id="{78C97017-6FC3-485B-9764-EAC9E56C1D49}" type="datetimeFigureOut">
               <a:rPr lang="en-US" smtClean="0"/>
-              <a:t>1/7/2017</a:t>
+              <a:t>11/10/2018</a:t>
             </a:fld>
             <a:endParaRPr lang="en-US"/>
           </a:p>
@@ -2234,7 +2234,7 @@
           <a:p>
             <a:fld id="{78C97017-6FC3-485B-9764-EAC9E56C1D49}" type="datetimeFigureOut">
               <a:rPr lang="en-US" smtClean="0"/>
-              <a:t>1/7/2017</a:t>
+              <a:t>11/10/2018</a:t>
             </a:fld>
             <a:endParaRPr lang="en-US"/>
           </a:p>
@@ -2329,7 +2329,7 @@
           <a:p>
             <a:fld id="{78C97017-6FC3-485B-9764-EAC9E56C1D49}" type="datetimeFigureOut">
               <a:rPr lang="en-US" smtClean="0"/>
-              <a:t>1/7/2017</a:t>
+              <a:t>11/10/2018</a:t>
             </a:fld>
             <a:endParaRPr lang="en-US"/>
           </a:p>
@@ -2604,7 +2604,7 @@
           <a:p>
             <a:fld id="{78C97017-6FC3-485B-9764-EAC9E56C1D49}" type="datetimeFigureOut">
               <a:rPr lang="en-US" smtClean="0"/>
-              <a:t>1/7/2017</a:t>
+              <a:t>11/10/2018</a:t>
             </a:fld>
             <a:endParaRPr lang="en-US"/>
           </a:p>
@@ -2856,7 +2856,7 @@
           <a:p>
             <a:fld id="{78C97017-6FC3-485B-9764-EAC9E56C1D49}" type="datetimeFigureOut">
               <a:rPr lang="en-US" smtClean="0"/>
-              <a:t>1/7/2017</a:t>
+              <a:t>11/10/2018</a:t>
             </a:fld>
             <a:endParaRPr lang="en-US"/>
           </a:p>
@@ -3067,7 +3067,7 @@
           <a:p>
             <a:fld id="{78C97017-6FC3-485B-9764-EAC9E56C1D49}" type="datetimeFigureOut">
               <a:rPr lang="en-US" smtClean="0"/>
-              <a:t>1/7/2017</a:t>
+              <a:t>11/10/2018</a:t>
             </a:fld>
             <a:endParaRPr lang="en-US"/>
           </a:p>
@@ -3450,8 +3450,8 @@
         </p:nvSpPr>
         <p:spPr>
           <a:xfrm>
-            <a:off x="1217465" y="1447800"/>
-            <a:ext cx="4917083" cy="3962400"/>
+            <a:off x="1217465" y="1447799"/>
+            <a:ext cx="4917083" cy="4724391"/>
           </a:xfrm>
           <a:prstGeom prst="roundRect">
             <a:avLst>
@@ -3945,7 +3945,7 @@
         </p:nvSpPr>
         <p:spPr>
           <a:xfrm>
-            <a:off x="2592527" y="4563759"/>
+            <a:off x="2638666" y="5435332"/>
             <a:ext cx="1093635" cy="236841"/>
           </a:xfrm>
           <a:prstGeom prst="rect">
@@ -4125,7 +4125,7 @@
         </p:nvSpPr>
         <p:spPr>
           <a:xfrm>
-            <a:off x="2592528" y="4966000"/>
+            <a:off x="2618793" y="5790594"/>
             <a:ext cx="1093635" cy="236841"/>
           </a:xfrm>
           <a:prstGeom prst="rect">
@@ -4419,8 +4419,8 @@
         </p:nvCxnSpPr>
         <p:spPr>
           <a:xfrm rot="16200000" flipH="1">
-            <a:off x="1597249" y="3686901"/>
-            <a:ext cx="1814155" cy="176401"/>
+            <a:off x="1184532" y="4099619"/>
+            <a:ext cx="2685728" cy="222540"/>
           </a:xfrm>
           <a:prstGeom prst="bentConnector2">
             <a:avLst/>
@@ -4453,14 +4453,15 @@
         <p:nvCxnSpPr>
           <p:cNvPr id="53" name="Elbow Connector 63"/>
           <p:cNvCxnSpPr>
+            <a:cxnSpLocks/>
             <a:endCxn id="38" idx="1"/>
           </p:cNvCxnSpPr>
           <p:nvPr/>
         </p:nvCxnSpPr>
         <p:spPr>
           <a:xfrm rot="16200000" flipH="1">
-            <a:off x="1184119" y="3676012"/>
-            <a:ext cx="2396440" cy="420377"/>
+            <a:off x="802449" y="4092670"/>
+            <a:ext cx="3221033" cy="411656"/>
           </a:xfrm>
           <a:prstGeom prst="bentConnector2">
             <a:avLst/>
@@ -4743,8 +4744,8 @@
         </p:nvCxnSpPr>
         <p:spPr>
           <a:xfrm rot="5400000">
-            <a:off x="3409976" y="2562187"/>
-            <a:ext cx="2396180" cy="1843807"/>
+            <a:off x="2997259" y="3021042"/>
+            <a:ext cx="3267753" cy="1797668"/>
           </a:xfrm>
           <a:prstGeom prst="bentConnector2">
             <a:avLst/>
@@ -4784,8 +4785,8 @@
         </p:nvCxnSpPr>
         <p:spPr>
           <a:xfrm rot="5400000">
-            <a:off x="3208856" y="2763307"/>
-            <a:ext cx="2798421" cy="1843806"/>
+            <a:off x="2809692" y="3188737"/>
+            <a:ext cx="3623015" cy="1817541"/>
           </a:xfrm>
           <a:prstGeom prst="bentConnector2">
             <a:avLst/>
@@ -4863,8 +4864,8 @@
         </p:nvSpPr>
         <p:spPr>
           <a:xfrm rot="16200000">
-            <a:off x="6213739" y="4560376"/>
-            <a:ext cx="1371599" cy="328045"/>
+            <a:off x="5832743" y="4941371"/>
+            <a:ext cx="2133591" cy="328045"/>
           </a:xfrm>
           <a:prstGeom prst="roundRect">
             <a:avLst/>
@@ -5437,6 +5438,572 @@
           <a:xfrm flipV="1">
             <a:off x="4114799" y="4472708"/>
             <a:ext cx="2642195" cy="101600"/>
+          </a:xfrm>
+          <a:custGeom>
+            <a:avLst/>
+            <a:gdLst>
+              <a:gd name="connsiteX0" fmla="*/ 0 w 3048000"/>
+              <a:gd name="connsiteY0" fmla="*/ 203200 h 203200"/>
+              <a:gd name="connsiteX1" fmla="*/ 221673 w 3048000"/>
+              <a:gd name="connsiteY1" fmla="*/ 0 h 203200"/>
+              <a:gd name="connsiteX2" fmla="*/ 3048000 w 3048000"/>
+              <a:gd name="connsiteY2" fmla="*/ 0 h 203200"/>
+            </a:gdLst>
+            <a:ahLst/>
+            <a:cxnLst>
+              <a:cxn ang="0">
+                <a:pos x="connsiteX0" y="connsiteY0"/>
+              </a:cxn>
+              <a:cxn ang="0">
+                <a:pos x="connsiteX1" y="connsiteY1"/>
+              </a:cxn>
+              <a:cxn ang="0">
+                <a:pos x="connsiteX2" y="connsiteY2"/>
+              </a:cxn>
+            </a:cxnLst>
+            <a:rect l="l" t="t" r="r" b="b"/>
+            <a:pathLst>
+              <a:path w="3048000" h="203200">
+                <a:moveTo>
+                  <a:pt x="0" y="203200"/>
+                </a:moveTo>
+                <a:lnTo>
+                  <a:pt x="221673" y="0"/>
+                </a:lnTo>
+                <a:lnTo>
+                  <a:pt x="3048000" y="0"/>
+                </a:lnTo>
+              </a:path>
+            </a:pathLst>
+          </a:custGeom>
+          <a:noFill/>
+          <a:ln w="19050">
+            <a:solidFill>
+              <a:schemeClr val="accent3"/>
+            </a:solidFill>
+            <a:prstDash val="sysDot"/>
+            <a:headEnd type="none" w="med" len="med"/>
+            <a:tailEnd type="arrow" w="med" len="med"/>
+          </a:ln>
+          <a:effectLst/>
+        </p:spPr>
+        <p:style>
+          <a:lnRef idx="1">
+            <a:schemeClr val="accent2"/>
+          </a:lnRef>
+          <a:fillRef idx="2">
+            <a:schemeClr val="accent2"/>
+          </a:fillRef>
+          <a:effectRef idx="1">
+            <a:schemeClr val="accent2"/>
+          </a:effectRef>
+          <a:fontRef idx="minor">
+            <a:schemeClr val="dk1"/>
+          </a:fontRef>
+        </p:style>
+        <p:txBody>
+          <a:bodyPr rtlCol="0" anchor="ctr"/>
+          <a:lstStyle/>
+          <a:p>
+            <a:pPr algn="ctr"/>
+            <a:endParaRPr lang="en-SG"/>
+          </a:p>
+        </p:txBody>
+      </p:sp>
+      <p:sp>
+        <p:nvSpPr>
+          <p:cNvPr id="48" name="Rectangle 11">
+            <a:extLst>
+              <a:ext uri="{FF2B5EF4-FFF2-40B4-BE49-F238E27FC236}">
+                <a16:creationId xmlns:a16="http://schemas.microsoft.com/office/drawing/2014/main" id="{8177BDBC-2980-48A9-AB69-02283E08EB52}"/>
+              </a:ext>
+            </a:extLst>
+          </p:cNvPr>
+          <p:cNvSpPr/>
+          <p:nvPr/>
+        </p:nvSpPr>
+        <p:spPr>
+          <a:xfrm>
+            <a:off x="2582955" y="4484523"/>
+            <a:ext cx="1093635" cy="236841"/>
+          </a:xfrm>
+          <a:prstGeom prst="rect">
+            <a:avLst/>
+          </a:prstGeom>
+          <a:ln w="19050">
+            <a:solidFill>
+              <a:schemeClr val="accent3"/>
+            </a:solidFill>
+          </a:ln>
+          <a:effectLst/>
+        </p:spPr>
+        <p:style>
+          <a:lnRef idx="1">
+            <a:schemeClr val="accent3"/>
+          </a:lnRef>
+          <a:fillRef idx="2">
+            <a:schemeClr val="accent3"/>
+          </a:fillRef>
+          <a:effectRef idx="1">
+            <a:schemeClr val="accent3"/>
+          </a:effectRef>
+          <a:fontRef idx="minor">
+            <a:schemeClr val="dk1"/>
+          </a:fontRef>
+        </p:style>
+        <p:txBody>
+          <a:bodyPr rtlCol="0" anchor="ctr"/>
+          <a:lstStyle/>
+          <a:p>
+            <a:pPr algn="ctr"/>
+            <a:r>
+              <a:rPr lang="en-US" sz="1050" b="1" dirty="0" err="1">
+                <a:solidFill>
+                  <a:schemeClr val="accent3">
+                    <a:lumMod val="75000"/>
+                  </a:schemeClr>
+                </a:solidFill>
+              </a:rPr>
+              <a:t>EventListPanel</a:t>
+            </a:r>
+            <a:endParaRPr lang="en-SG" sz="1050" b="1" dirty="0">
+              <a:solidFill>
+                <a:schemeClr val="accent3">
+                  <a:lumMod val="75000"/>
+                </a:schemeClr>
+              </a:solidFill>
+            </a:endParaRPr>
+          </a:p>
+        </p:txBody>
+      </p:sp>
+      <p:sp>
+        <p:nvSpPr>
+          <p:cNvPr id="51" name="Rectangle 11">
+            <a:extLst>
+              <a:ext uri="{FF2B5EF4-FFF2-40B4-BE49-F238E27FC236}">
+                <a16:creationId xmlns:a16="http://schemas.microsoft.com/office/drawing/2014/main" id="{C80A7929-75BA-4101-88F8-7EB9912F062C}"/>
+              </a:ext>
+            </a:extLst>
+          </p:cNvPr>
+          <p:cNvSpPr/>
+          <p:nvPr/>
+        </p:nvSpPr>
+        <p:spPr>
+          <a:xfrm>
+            <a:off x="3839323" y="4685312"/>
+            <a:ext cx="1040906" cy="236841"/>
+          </a:xfrm>
+          <a:prstGeom prst="rect">
+            <a:avLst/>
+          </a:prstGeom>
+          <a:ln w="19050">
+            <a:solidFill>
+              <a:schemeClr val="accent3"/>
+            </a:solidFill>
+          </a:ln>
+          <a:effectLst/>
+        </p:spPr>
+        <p:style>
+          <a:lnRef idx="1">
+            <a:schemeClr val="accent3"/>
+          </a:lnRef>
+          <a:fillRef idx="2">
+            <a:schemeClr val="accent3"/>
+          </a:fillRef>
+          <a:effectRef idx="1">
+            <a:schemeClr val="accent3"/>
+          </a:effectRef>
+          <a:fontRef idx="minor">
+            <a:schemeClr val="dk1"/>
+          </a:fontRef>
+        </p:style>
+        <p:txBody>
+          <a:bodyPr rtlCol="0" anchor="ctr"/>
+          <a:lstStyle/>
+          <a:p>
+            <a:pPr algn="ctr"/>
+            <a:r>
+              <a:rPr lang="en-US" sz="1050" b="1" dirty="0" err="1">
+                <a:solidFill>
+                  <a:schemeClr val="accent3">
+                    <a:lumMod val="75000"/>
+                  </a:schemeClr>
+                </a:solidFill>
+              </a:rPr>
+              <a:t>EventCard</a:t>
+            </a:r>
+            <a:endParaRPr lang="en-SG" sz="1050" b="1" dirty="0">
+              <a:solidFill>
+                <a:schemeClr val="accent3">
+                  <a:lumMod val="75000"/>
+                </a:schemeClr>
+              </a:solidFill>
+            </a:endParaRPr>
+          </a:p>
+        </p:txBody>
+      </p:sp>
+      <p:cxnSp>
+        <p:nvCxnSpPr>
+          <p:cNvPr id="52" name="Elbow Connector 136">
+            <a:extLst>
+              <a:ext uri="{FF2B5EF4-FFF2-40B4-BE49-F238E27FC236}">
+                <a16:creationId xmlns:a16="http://schemas.microsoft.com/office/drawing/2014/main" id="{679C0A7C-D1CD-42BD-80BD-CB3920E3F383}"/>
+              </a:ext>
+            </a:extLst>
+          </p:cNvPr>
+          <p:cNvCxnSpPr>
+            <a:cxnSpLocks/>
+            <a:stCxn id="48" idx="2"/>
+            <a:endCxn id="51" idx="1"/>
+          </p:cNvCxnSpPr>
+          <p:nvPr/>
+        </p:nvCxnSpPr>
+        <p:spPr>
+          <a:xfrm rot="16200000" flipH="1">
+            <a:off x="3443364" y="4407773"/>
+            <a:ext cx="82369" cy="709550"/>
+          </a:xfrm>
+          <a:prstGeom prst="bentConnector2">
+            <a:avLst/>
+          </a:prstGeom>
+          <a:ln w="19050">
+            <a:solidFill>
+              <a:schemeClr val="accent3"/>
+            </a:solidFill>
+            <a:headEnd type="none" w="med" len="med"/>
+            <a:tailEnd type="arrow" w="med" len="med"/>
+          </a:ln>
+          <a:effectLst/>
+        </p:spPr>
+        <p:style>
+          <a:lnRef idx="1">
+            <a:schemeClr val="accent2"/>
+          </a:lnRef>
+          <a:fillRef idx="2">
+            <a:schemeClr val="accent2"/>
+          </a:fillRef>
+          <a:effectRef idx="1">
+            <a:schemeClr val="accent2"/>
+          </a:effectRef>
+          <a:fontRef idx="minor">
+            <a:schemeClr val="dk1"/>
+          </a:fontRef>
+        </p:style>
+      </p:cxnSp>
+      <p:sp>
+        <p:nvSpPr>
+          <p:cNvPr id="55" name="Freeform 117">
+            <a:extLst>
+              <a:ext uri="{FF2B5EF4-FFF2-40B4-BE49-F238E27FC236}">
+                <a16:creationId xmlns:a16="http://schemas.microsoft.com/office/drawing/2014/main" id="{D9E84B0A-91F1-4642-A5C8-0D2F387363C7}"/>
+              </a:ext>
+            </a:extLst>
+          </p:cNvPr>
+          <p:cNvSpPr/>
+          <p:nvPr/>
+        </p:nvSpPr>
+        <p:spPr>
+          <a:xfrm flipV="1">
+            <a:off x="4114800" y="4922153"/>
+            <a:ext cx="2643966" cy="110009"/>
+          </a:xfrm>
+          <a:custGeom>
+            <a:avLst/>
+            <a:gdLst>
+              <a:gd name="connsiteX0" fmla="*/ 0 w 3048000"/>
+              <a:gd name="connsiteY0" fmla="*/ 203200 h 203200"/>
+              <a:gd name="connsiteX1" fmla="*/ 221673 w 3048000"/>
+              <a:gd name="connsiteY1" fmla="*/ 0 h 203200"/>
+              <a:gd name="connsiteX2" fmla="*/ 3048000 w 3048000"/>
+              <a:gd name="connsiteY2" fmla="*/ 0 h 203200"/>
+            </a:gdLst>
+            <a:ahLst/>
+            <a:cxnLst>
+              <a:cxn ang="0">
+                <a:pos x="connsiteX0" y="connsiteY0"/>
+              </a:cxn>
+              <a:cxn ang="0">
+                <a:pos x="connsiteX1" y="connsiteY1"/>
+              </a:cxn>
+              <a:cxn ang="0">
+                <a:pos x="connsiteX2" y="connsiteY2"/>
+              </a:cxn>
+            </a:cxnLst>
+            <a:rect l="l" t="t" r="r" b="b"/>
+            <a:pathLst>
+              <a:path w="3048000" h="203200">
+                <a:moveTo>
+                  <a:pt x="0" y="203200"/>
+                </a:moveTo>
+                <a:lnTo>
+                  <a:pt x="221673" y="0"/>
+                </a:lnTo>
+                <a:lnTo>
+                  <a:pt x="3048000" y="0"/>
+                </a:lnTo>
+              </a:path>
+            </a:pathLst>
+          </a:custGeom>
+          <a:noFill/>
+          <a:ln w="19050">
+            <a:solidFill>
+              <a:schemeClr val="accent3"/>
+            </a:solidFill>
+            <a:prstDash val="sysDot"/>
+            <a:headEnd type="none" w="med" len="med"/>
+            <a:tailEnd type="arrow" w="med" len="med"/>
+          </a:ln>
+          <a:effectLst/>
+        </p:spPr>
+        <p:style>
+          <a:lnRef idx="1">
+            <a:schemeClr val="accent2"/>
+          </a:lnRef>
+          <a:fillRef idx="2">
+            <a:schemeClr val="accent2"/>
+          </a:fillRef>
+          <a:effectRef idx="1">
+            <a:schemeClr val="accent2"/>
+          </a:effectRef>
+          <a:fontRef idx="minor">
+            <a:schemeClr val="dk1"/>
+          </a:fontRef>
+        </p:style>
+        <p:txBody>
+          <a:bodyPr rtlCol="0" anchor="ctr"/>
+          <a:lstStyle/>
+          <a:p>
+            <a:pPr algn="ctr"/>
+            <a:endParaRPr lang="en-SG"/>
+          </a:p>
+        </p:txBody>
+      </p:sp>
+      <p:cxnSp>
+        <p:nvCxnSpPr>
+          <p:cNvPr id="60" name="Elbow Connector 63">
+            <a:extLst>
+              <a:ext uri="{FF2B5EF4-FFF2-40B4-BE49-F238E27FC236}">
+                <a16:creationId xmlns:a16="http://schemas.microsoft.com/office/drawing/2014/main" id="{B7CB8B15-6733-4EE0-B3CB-818AA6236F2C}"/>
+              </a:ext>
+            </a:extLst>
+          </p:cNvPr>
+          <p:cNvCxnSpPr>
+            <a:cxnSpLocks/>
+            <a:stCxn id="39" idx="2"/>
+            <a:endCxn id="48" idx="1"/>
+          </p:cNvCxnSpPr>
+          <p:nvPr/>
+        </p:nvCxnSpPr>
+        <p:spPr>
+          <a:xfrm rot="16200000" flipH="1">
+            <a:off x="1632081" y="3652069"/>
+            <a:ext cx="1734919" cy="166829"/>
+          </a:xfrm>
+          <a:prstGeom prst="bentConnector2">
+            <a:avLst/>
+          </a:prstGeom>
+          <a:ln w="19050">
+            <a:solidFill>
+              <a:schemeClr val="accent3"/>
+            </a:solidFill>
+            <a:headEnd type="none" w="med" len="med"/>
+            <a:tailEnd type="arrow" w="med" len="med"/>
+          </a:ln>
+          <a:effectLst/>
+        </p:spPr>
+        <p:style>
+          <a:lnRef idx="1">
+            <a:schemeClr val="accent2"/>
+          </a:lnRef>
+          <a:fillRef idx="2">
+            <a:schemeClr val="accent2"/>
+          </a:fillRef>
+          <a:effectRef idx="1">
+            <a:schemeClr val="accent2"/>
+          </a:effectRef>
+          <a:fontRef idx="minor">
+            <a:schemeClr val="dk1"/>
+          </a:fontRef>
+        </p:style>
+      </p:cxnSp>
+      <p:sp>
+        <p:nvSpPr>
+          <p:cNvPr id="65" name="Rectangle 11">
+            <a:extLst>
+              <a:ext uri="{FF2B5EF4-FFF2-40B4-BE49-F238E27FC236}">
+                <a16:creationId xmlns:a16="http://schemas.microsoft.com/office/drawing/2014/main" id="{D720EA99-DD78-4ACE-870B-312F15BAAC5B}"/>
+              </a:ext>
+            </a:extLst>
+          </p:cNvPr>
+          <p:cNvSpPr/>
+          <p:nvPr/>
+        </p:nvSpPr>
+        <p:spPr>
+          <a:xfrm>
+            <a:off x="2599124" y="4986972"/>
+            <a:ext cx="1210881" cy="270828"/>
+          </a:xfrm>
+          <a:prstGeom prst="rect">
+            <a:avLst/>
+          </a:prstGeom>
+          <a:ln w="19050">
+            <a:solidFill>
+              <a:schemeClr val="accent3"/>
+            </a:solidFill>
+          </a:ln>
+          <a:effectLst/>
+        </p:spPr>
+        <p:style>
+          <a:lnRef idx="1">
+            <a:schemeClr val="accent3"/>
+          </a:lnRef>
+          <a:fillRef idx="2">
+            <a:schemeClr val="accent3"/>
+          </a:fillRef>
+          <a:effectRef idx="1">
+            <a:schemeClr val="accent3"/>
+          </a:effectRef>
+          <a:fontRef idx="minor">
+            <a:schemeClr val="dk1"/>
+          </a:fontRef>
+        </p:style>
+        <p:txBody>
+          <a:bodyPr rtlCol="0" anchor="ctr"/>
+          <a:lstStyle/>
+          <a:p>
+            <a:pPr algn="ctr"/>
+            <a:r>
+              <a:rPr lang="en-US" sz="1050" b="1" dirty="0" err="1">
+                <a:solidFill>
+                  <a:schemeClr val="accent3">
+                    <a:lumMod val="75000"/>
+                  </a:schemeClr>
+                </a:solidFill>
+              </a:rPr>
+              <a:t>EventDetailsPanel</a:t>
+            </a:r>
+            <a:endParaRPr lang="en-SG" sz="1050" b="1" dirty="0">
+              <a:solidFill>
+                <a:schemeClr val="accent3">
+                  <a:lumMod val="75000"/>
+                </a:schemeClr>
+              </a:solidFill>
+            </a:endParaRPr>
+          </a:p>
+        </p:txBody>
+      </p:sp>
+      <p:cxnSp>
+        <p:nvCxnSpPr>
+          <p:cNvPr id="66" name="Elbow Connector 63">
+            <a:extLst>
+              <a:ext uri="{FF2B5EF4-FFF2-40B4-BE49-F238E27FC236}">
+                <a16:creationId xmlns:a16="http://schemas.microsoft.com/office/drawing/2014/main" id="{F0385959-9ADE-4087-9513-306F86936031}"/>
+              </a:ext>
+            </a:extLst>
+          </p:cNvPr>
+          <p:cNvCxnSpPr>
+            <a:cxnSpLocks/>
+            <a:stCxn id="39" idx="2"/>
+            <a:endCxn id="65" idx="1"/>
+          </p:cNvCxnSpPr>
+          <p:nvPr/>
+        </p:nvCxnSpPr>
+        <p:spPr>
+          <a:xfrm rot="16200000" flipH="1">
+            <a:off x="1380445" y="3903706"/>
+            <a:ext cx="2254361" cy="182998"/>
+          </a:xfrm>
+          <a:prstGeom prst="bentConnector2">
+            <a:avLst/>
+          </a:prstGeom>
+          <a:ln w="19050">
+            <a:solidFill>
+              <a:schemeClr val="accent3"/>
+            </a:solidFill>
+            <a:headEnd type="none" w="med" len="med"/>
+            <a:tailEnd type="arrow" w="med" len="med"/>
+          </a:ln>
+          <a:effectLst/>
+        </p:spPr>
+        <p:style>
+          <a:lnRef idx="1">
+            <a:schemeClr val="accent2"/>
+          </a:lnRef>
+          <a:fillRef idx="2">
+            <a:schemeClr val="accent2"/>
+          </a:fillRef>
+          <a:effectRef idx="1">
+            <a:schemeClr val="accent2"/>
+          </a:effectRef>
+          <a:fontRef idx="minor">
+            <a:schemeClr val="dk1"/>
+          </a:fontRef>
+        </p:style>
+      </p:cxnSp>
+      <p:cxnSp>
+        <p:nvCxnSpPr>
+          <p:cNvPr id="69" name="Elbow Connector 63">
+            <a:extLst>
+              <a:ext uri="{FF2B5EF4-FFF2-40B4-BE49-F238E27FC236}">
+                <a16:creationId xmlns:a16="http://schemas.microsoft.com/office/drawing/2014/main" id="{FD62B333-EA20-4196-8ACA-04567F2B9101}"/>
+              </a:ext>
+            </a:extLst>
+          </p:cNvPr>
+          <p:cNvCxnSpPr>
+            <a:cxnSpLocks/>
+            <a:stCxn id="16" idx="3"/>
+            <a:endCxn id="65" idx="3"/>
+          </p:cNvCxnSpPr>
+          <p:nvPr/>
+        </p:nvCxnSpPr>
+        <p:spPr>
+          <a:xfrm rot="5400000">
+            <a:off x="3251794" y="2844211"/>
+            <a:ext cx="2836386" cy="1719964"/>
+          </a:xfrm>
+          <a:prstGeom prst="bentConnector2">
+            <a:avLst/>
+          </a:prstGeom>
+          <a:ln w="6350">
+            <a:solidFill>
+              <a:schemeClr val="accent3"/>
+            </a:solidFill>
+            <a:headEnd type="none" w="med" len="med"/>
+            <a:tailEnd type="none" w="med" len="med"/>
+          </a:ln>
+          <a:effectLst/>
+        </p:spPr>
+        <p:style>
+          <a:lnRef idx="1">
+            <a:schemeClr val="accent2"/>
+          </a:lnRef>
+          <a:fillRef idx="2">
+            <a:schemeClr val="accent2"/>
+          </a:fillRef>
+          <a:effectRef idx="1">
+            <a:schemeClr val="accent2"/>
+          </a:effectRef>
+          <a:fontRef idx="minor">
+            <a:schemeClr val="dk1"/>
+          </a:fontRef>
+        </p:style>
+      </p:cxnSp>
+      <p:sp>
+        <p:nvSpPr>
+          <p:cNvPr id="72" name="Freeform 117">
+            <a:extLst>
+              <a:ext uri="{FF2B5EF4-FFF2-40B4-BE49-F238E27FC236}">
+                <a16:creationId xmlns:a16="http://schemas.microsoft.com/office/drawing/2014/main" id="{08845A16-1BFA-431E-A280-68BA44010142}"/>
+              </a:ext>
+            </a:extLst>
+          </p:cNvPr>
+          <p:cNvSpPr/>
+          <p:nvPr/>
+        </p:nvSpPr>
+        <p:spPr>
+          <a:xfrm flipV="1">
+            <a:off x="3686159" y="5251955"/>
+            <a:ext cx="3049355" cy="84518"/>
           </a:xfrm>
           <a:custGeom>
             <a:avLst/>

--- a/docs/diagrams/UiComponentClassDiagram.pptx
+++ b/docs/diagrams/UiComponentClassDiagram.pptx
@@ -208,7 +208,7 @@
           <a:p>
             <a:fld id="{F5CC4B3F-88C1-4FFA-B1B6-F41C21DC6924}" type="datetimeFigureOut">
               <a:rPr lang="en-US" smtClean="0"/>
-              <a:t>11/7/2018</a:t>
+              <a:t>11/10/2018</a:t>
             </a:fld>
             <a:endParaRPr lang="en-US"/>
           </a:p>
@@ -654,7 +654,7 @@
           <a:p>
             <a:fld id="{78C97017-6FC3-485B-9764-EAC9E56C1D49}" type="datetimeFigureOut">
               <a:rPr lang="en-US" smtClean="0"/>
-              <a:t>11/7/2018</a:t>
+              <a:t>11/10/2018</a:t>
             </a:fld>
             <a:endParaRPr lang="en-US"/>
           </a:p>
@@ -822,7 +822,7 @@
           <a:p>
             <a:fld id="{78C97017-6FC3-485B-9764-EAC9E56C1D49}" type="datetimeFigureOut">
               <a:rPr lang="en-US" smtClean="0"/>
-              <a:t>11/7/2018</a:t>
+              <a:t>11/10/2018</a:t>
             </a:fld>
             <a:endParaRPr lang="en-US"/>
           </a:p>
@@ -1000,7 +1000,7 @@
           <a:p>
             <a:fld id="{78C97017-6FC3-485B-9764-EAC9E56C1D49}" type="datetimeFigureOut">
               <a:rPr lang="en-US" smtClean="0"/>
-              <a:t>11/7/2018</a:t>
+              <a:t>11/10/2018</a:t>
             </a:fld>
             <a:endParaRPr lang="en-US"/>
           </a:p>
@@ -1168,7 +1168,7 @@
           <a:p>
             <a:fld id="{78C97017-6FC3-485B-9764-EAC9E56C1D49}" type="datetimeFigureOut">
               <a:rPr lang="en-US" smtClean="0"/>
-              <a:t>11/7/2018</a:t>
+              <a:t>11/10/2018</a:t>
             </a:fld>
             <a:endParaRPr lang="en-US"/>
           </a:p>
@@ -1413,7 +1413,7 @@
           <a:p>
             <a:fld id="{78C97017-6FC3-485B-9764-EAC9E56C1D49}" type="datetimeFigureOut">
               <a:rPr lang="en-US" smtClean="0"/>
-              <a:t>11/7/2018</a:t>
+              <a:t>11/10/2018</a:t>
             </a:fld>
             <a:endParaRPr lang="en-US"/>
           </a:p>
@@ -1698,7 +1698,7 @@
           <a:p>
             <a:fld id="{78C97017-6FC3-485B-9764-EAC9E56C1D49}" type="datetimeFigureOut">
               <a:rPr lang="en-US" smtClean="0"/>
-              <a:t>11/7/2018</a:t>
+              <a:t>11/10/2018</a:t>
             </a:fld>
             <a:endParaRPr lang="en-US"/>
           </a:p>
@@ -2117,7 +2117,7 @@
           <a:p>
             <a:fld id="{78C97017-6FC3-485B-9764-EAC9E56C1D49}" type="datetimeFigureOut">
               <a:rPr lang="en-US" smtClean="0"/>
-              <a:t>11/7/2018</a:t>
+              <a:t>11/10/2018</a:t>
             </a:fld>
             <a:endParaRPr lang="en-US"/>
           </a:p>
@@ -2234,7 +2234,7 @@
           <a:p>
             <a:fld id="{78C97017-6FC3-485B-9764-EAC9E56C1D49}" type="datetimeFigureOut">
               <a:rPr lang="en-US" smtClean="0"/>
-              <a:t>11/7/2018</a:t>
+              <a:t>11/10/2018</a:t>
             </a:fld>
             <a:endParaRPr lang="en-US"/>
           </a:p>
@@ -2329,7 +2329,7 @@
           <a:p>
             <a:fld id="{78C97017-6FC3-485B-9764-EAC9E56C1D49}" type="datetimeFigureOut">
               <a:rPr lang="en-US" smtClean="0"/>
-              <a:t>11/7/2018</a:t>
+              <a:t>11/10/2018</a:t>
             </a:fld>
             <a:endParaRPr lang="en-US"/>
           </a:p>
@@ -2604,7 +2604,7 @@
           <a:p>
             <a:fld id="{78C97017-6FC3-485B-9764-EAC9E56C1D49}" type="datetimeFigureOut">
               <a:rPr lang="en-US" smtClean="0"/>
-              <a:t>11/7/2018</a:t>
+              <a:t>11/10/2018</a:t>
             </a:fld>
             <a:endParaRPr lang="en-US"/>
           </a:p>
@@ -2856,7 +2856,7 @@
           <a:p>
             <a:fld id="{78C97017-6FC3-485B-9764-EAC9E56C1D49}" type="datetimeFigureOut">
               <a:rPr lang="en-US" smtClean="0"/>
-              <a:t>11/7/2018</a:t>
+              <a:t>11/10/2018</a:t>
             </a:fld>
             <a:endParaRPr lang="en-US"/>
           </a:p>
@@ -2921,9 +2921,14 @@
 <p:sldMaster xmlns:a="http://schemas.openxmlformats.org/drawingml/2006/main" xmlns:r="http://schemas.openxmlformats.org/officeDocument/2006/relationships" xmlns:p="http://schemas.openxmlformats.org/presentationml/2006/main">
   <p:cSld>
     <p:bg>
-      <p:bgRef idx="1001">
-        <a:schemeClr val="bg1"/>
-      </p:bgRef>
+      <p:bgPr>
+        <a:solidFill>
+          <a:schemeClr val="bg1">
+            <a:alpha val="0"/>
+          </a:schemeClr>
+        </a:solidFill>
+        <a:effectLst/>
+      </p:bgPr>
     </p:bg>
     <p:spTree>
       <p:nvGrpSpPr>
@@ -3067,7 +3072,7 @@
           <a:p>
             <a:fld id="{78C97017-6FC3-485B-9764-EAC9E56C1D49}" type="datetimeFigureOut">
               <a:rPr lang="en-US" smtClean="0"/>
-              <a:t>11/7/2018</a:t>
+              <a:t>11/10/2018</a:t>
             </a:fld>
             <a:endParaRPr lang="en-US"/>
           </a:p>
@@ -3428,6 +3433,16 @@
 <file path=ppt/slides/slide1.xml><?xml version="1.0" encoding="utf-8"?>
 <p:sld xmlns:a="http://schemas.openxmlformats.org/drawingml/2006/main" xmlns:r="http://schemas.openxmlformats.org/officeDocument/2006/relationships" xmlns:p="http://schemas.openxmlformats.org/presentationml/2006/main">
   <p:cSld>
+    <p:bg>
+      <p:bgPr>
+        <a:solidFill>
+          <a:schemeClr val="bg1">
+            <a:alpha val="0"/>
+          </a:schemeClr>
+        </a:solidFill>
+        <a:effectLst/>
+      </p:bgPr>
+    </p:bg>
     <p:spTree>
       <p:nvGrpSpPr>
         <p:cNvPr id="1" name=""/>
@@ -3451,7 +3466,7 @@
         <p:spPr>
           <a:xfrm>
             <a:off x="1217465" y="1447799"/>
-            <a:ext cx="4917083" cy="4419589"/>
+            <a:ext cx="4917083" cy="4525891"/>
           </a:xfrm>
           <a:prstGeom prst="roundRect">
             <a:avLst>
@@ -3945,7 +3960,7 @@
         </p:nvSpPr>
         <p:spPr>
           <a:xfrm>
-            <a:off x="2592527" y="4563759"/>
+            <a:off x="2592527" y="4939774"/>
             <a:ext cx="1093635" cy="236841"/>
           </a:xfrm>
           <a:prstGeom prst="rect">
@@ -4005,7 +4020,7 @@
         </p:nvSpPr>
         <p:spPr>
           <a:xfrm>
-            <a:off x="2592526" y="3991960"/>
+            <a:off x="2592526" y="4367975"/>
             <a:ext cx="1093635" cy="236841"/>
           </a:xfrm>
           <a:prstGeom prst="rect">
@@ -4065,7 +4080,7 @@
         </p:nvSpPr>
         <p:spPr>
           <a:xfrm>
-            <a:off x="3839323" y="4228801"/>
+            <a:off x="3839323" y="4604816"/>
             <a:ext cx="1040906" cy="236841"/>
           </a:xfrm>
           <a:prstGeom prst="rect">
@@ -4125,7 +4140,7 @@
         </p:nvSpPr>
         <p:spPr>
           <a:xfrm>
-            <a:off x="2592525" y="5254544"/>
+            <a:off x="2592525" y="5630559"/>
             <a:ext cx="1093635" cy="236841"/>
           </a:xfrm>
           <a:prstGeom prst="rect">
@@ -4378,8 +4393,8 @@
         </p:nvCxnSpPr>
         <p:spPr>
           <a:xfrm rot="16200000" flipH="1">
-            <a:off x="1883148" y="3401003"/>
-            <a:ext cx="1242356" cy="176400"/>
+            <a:off x="1695141" y="3589010"/>
+            <a:ext cx="1618371" cy="176400"/>
           </a:xfrm>
           <a:prstGeom prst="bentConnector2">
             <a:avLst/>
@@ -4419,8 +4434,8 @@
         </p:nvCxnSpPr>
         <p:spPr>
           <a:xfrm rot="16200000" flipH="1">
-            <a:off x="1597249" y="3686901"/>
-            <a:ext cx="1814155" cy="176401"/>
+            <a:off x="1409241" y="3874909"/>
+            <a:ext cx="2190170" cy="176401"/>
           </a:xfrm>
           <a:prstGeom prst="bentConnector2">
             <a:avLst/>
@@ -4460,8 +4475,8 @@
         </p:nvCxnSpPr>
         <p:spPr>
           <a:xfrm rot="16200000" flipH="1">
-            <a:off x="1032094" y="3812533"/>
-            <a:ext cx="2696359" cy="424504"/>
+            <a:off x="847022" y="4003477"/>
+            <a:ext cx="3061000" cy="430005"/>
           </a:xfrm>
           <a:prstGeom prst="bentConnector2">
             <a:avLst/>
@@ -4621,8 +4636,8 @@
         </p:nvCxnSpPr>
         <p:spPr>
           <a:xfrm rot="5400000">
-            <a:off x="4174488" y="2991741"/>
-            <a:ext cx="2061222" cy="649740"/>
+            <a:off x="3986481" y="3179748"/>
+            <a:ext cx="2437237" cy="649740"/>
           </a:xfrm>
           <a:prstGeom prst="bentConnector2">
             <a:avLst/>
@@ -4744,8 +4759,8 @@
         </p:nvCxnSpPr>
         <p:spPr>
           <a:xfrm rot="5400000">
-            <a:off x="3409976" y="2562187"/>
-            <a:ext cx="2396180" cy="1843807"/>
+            <a:off x="3221969" y="2750194"/>
+            <a:ext cx="2772195" cy="1843807"/>
           </a:xfrm>
           <a:prstGeom prst="bentConnector2">
             <a:avLst/>
@@ -4785,8 +4800,8 @@
         </p:nvCxnSpPr>
         <p:spPr>
           <a:xfrm rot="5400000">
-            <a:off x="3064583" y="2907578"/>
-            <a:ext cx="3086965" cy="1843809"/>
+            <a:off x="2876575" y="3095586"/>
+            <a:ext cx="3462980" cy="1843809"/>
           </a:xfrm>
           <a:prstGeom prst="bentConnector2">
             <a:avLst/>
@@ -4864,7 +4879,7 @@
         </p:nvSpPr>
         <p:spPr>
           <a:xfrm rot="16200000">
-            <a:off x="6213739" y="4560376"/>
+            <a:off x="6221065" y="4863550"/>
             <a:ext cx="1371599" cy="328045"/>
           </a:xfrm>
           <a:prstGeom prst="roundRect">
@@ -5169,7 +5184,7 @@
         </p:nvCxnSpPr>
         <p:spPr>
           <a:xfrm rot="16200000" flipH="1">
-            <a:off x="3430123" y="3938021"/>
+            <a:off x="3430123" y="4314036"/>
             <a:ext cx="118421" cy="699979"/>
           </a:xfrm>
           <a:prstGeom prst="bentConnector2">
@@ -5210,8 +5225,8 @@
         </p:nvCxnSpPr>
         <p:spPr>
           <a:xfrm rot="5400000">
-            <a:off x="3695875" y="2276286"/>
-            <a:ext cx="1824381" cy="1843808"/>
+            <a:off x="3507867" y="2464294"/>
+            <a:ext cx="2200396" cy="1843808"/>
           </a:xfrm>
           <a:prstGeom prst="bentConnector2">
             <a:avLst/>
@@ -5436,7 +5451,7 @@
         </p:nvSpPr>
         <p:spPr>
           <a:xfrm flipV="1">
-            <a:off x="4114799" y="4472708"/>
+            <a:off x="4114799" y="4848723"/>
             <a:ext cx="2642195" cy="101600"/>
           </a:xfrm>
           <a:custGeom>
@@ -5521,13 +5536,14 @@
           </p:cNvPr>
           <p:cNvCxnSpPr>
             <a:cxnSpLocks/>
+            <a:endCxn id="55" idx="1"/>
           </p:cNvCxnSpPr>
           <p:nvPr/>
         </p:nvCxnSpPr>
         <p:spPr>
           <a:xfrm rot="16200000" flipH="1">
-            <a:off x="1391859" y="3827941"/>
-            <a:ext cx="2203344" cy="166630"/>
+            <a:off x="1389742" y="4206072"/>
+            <a:ext cx="2220240" cy="179294"/>
           </a:xfrm>
           <a:prstGeom prst="bentConnector2">
             <a:avLst/>
@@ -5570,7 +5586,7 @@
         </p:nvSpPr>
         <p:spPr>
           <a:xfrm>
-            <a:off x="2589509" y="4911403"/>
+            <a:off x="2589509" y="5287418"/>
             <a:ext cx="1093635" cy="236841"/>
           </a:xfrm>
           <a:prstGeom prst="rect">
@@ -5631,13 +5647,16 @@
               </a:ext>
             </a:extLst>
           </p:cNvPr>
-          <p:cNvCxnSpPr/>
+          <p:cNvCxnSpPr>
+            <a:cxnSpLocks/>
+            <a:endCxn id="35" idx="3"/>
+          </p:cNvCxnSpPr>
           <p:nvPr/>
         </p:nvCxnSpPr>
         <p:spPr>
           <a:xfrm rot="5400000">
-            <a:off x="3404305" y="2907579"/>
-            <a:ext cx="2396180" cy="1843807"/>
+            <a:off x="3391831" y="2925725"/>
+            <a:ext cx="2426801" cy="1838138"/>
           </a:xfrm>
           <a:prstGeom prst="bentConnector2">
             <a:avLst/>
@@ -5680,7 +5699,7 @@
         </p:nvSpPr>
         <p:spPr>
           <a:xfrm flipV="1">
-            <a:off x="3680491" y="4709548"/>
+            <a:off x="3680491" y="5085563"/>
             <a:ext cx="3055917" cy="165141"/>
           </a:xfrm>
           <a:custGeom>
@@ -5754,6 +5773,167 @@
           </a:p>
         </p:txBody>
       </p:sp>
+      <p:sp>
+        <p:nvSpPr>
+          <p:cNvPr id="60" name="Rectangle 11">
+            <a:extLst>
+              <a:ext uri="{FF2B5EF4-FFF2-40B4-BE49-F238E27FC236}">
+                <a16:creationId xmlns:a16="http://schemas.microsoft.com/office/drawing/2014/main" id="{7ED7E0E3-D3BF-43AF-AAAF-F320F9D2D812}"/>
+              </a:ext>
+            </a:extLst>
+          </p:cNvPr>
+          <p:cNvSpPr/>
+          <p:nvPr/>
+        </p:nvSpPr>
+        <p:spPr>
+          <a:xfrm>
+            <a:off x="2589447" y="3992939"/>
+            <a:ext cx="1093635" cy="236841"/>
+          </a:xfrm>
+          <a:prstGeom prst="rect">
+            <a:avLst/>
+          </a:prstGeom>
+          <a:ln w="19050">
+            <a:solidFill>
+              <a:schemeClr val="accent3"/>
+            </a:solidFill>
+          </a:ln>
+          <a:effectLst/>
+        </p:spPr>
+        <p:style>
+          <a:lnRef idx="1">
+            <a:schemeClr val="accent3"/>
+          </a:lnRef>
+          <a:fillRef idx="2">
+            <a:schemeClr val="accent3"/>
+          </a:fillRef>
+          <a:effectRef idx="1">
+            <a:schemeClr val="accent3"/>
+          </a:effectRef>
+          <a:fontRef idx="minor">
+            <a:schemeClr val="dk1"/>
+          </a:fontRef>
+        </p:style>
+        <p:txBody>
+          <a:bodyPr rtlCol="0" anchor="ctr"/>
+          <a:lstStyle/>
+          <a:p>
+            <a:pPr algn="ctr"/>
+            <a:r>
+              <a:rPr lang="en-US" sz="1050" b="1" dirty="0" err="1">
+                <a:solidFill>
+                  <a:schemeClr val="accent3">
+                    <a:lumMod val="75000"/>
+                  </a:schemeClr>
+                </a:solidFill>
+              </a:rPr>
+              <a:t>LayerListPanel</a:t>
+            </a:r>
+            <a:endParaRPr lang="en-SG" sz="1050" b="1" dirty="0">
+              <a:solidFill>
+                <a:schemeClr val="accent3">
+                  <a:lumMod val="75000"/>
+                </a:schemeClr>
+              </a:solidFill>
+            </a:endParaRPr>
+          </a:p>
+        </p:txBody>
+      </p:sp>
+      <p:cxnSp>
+        <p:nvCxnSpPr>
+          <p:cNvPr id="61" name="Elbow Connector 63">
+            <a:extLst>
+              <a:ext uri="{FF2B5EF4-FFF2-40B4-BE49-F238E27FC236}">
+                <a16:creationId xmlns:a16="http://schemas.microsoft.com/office/drawing/2014/main" id="{2FAAFD5F-C9B2-4140-9E09-C0159BC8A759}"/>
+              </a:ext>
+            </a:extLst>
+          </p:cNvPr>
+          <p:cNvCxnSpPr>
+            <a:endCxn id="60" idx="3"/>
+          </p:cNvCxnSpPr>
+          <p:nvPr/>
+        </p:nvCxnSpPr>
+        <p:spPr>
+          <a:xfrm rot="5400000">
+            <a:off x="3864095" y="2448567"/>
+            <a:ext cx="1481780" cy="1843806"/>
+          </a:xfrm>
+          <a:prstGeom prst="bentConnector2">
+            <a:avLst/>
+          </a:prstGeom>
+          <a:ln w="6350">
+            <a:solidFill>
+              <a:schemeClr val="accent3"/>
+            </a:solidFill>
+            <a:headEnd type="none" w="med" len="med"/>
+            <a:tailEnd type="none" w="med" len="med"/>
+          </a:ln>
+          <a:effectLst/>
+        </p:spPr>
+        <p:style>
+          <a:lnRef idx="1">
+            <a:schemeClr val="accent2"/>
+          </a:lnRef>
+          <a:fillRef idx="2">
+            <a:schemeClr val="accent2"/>
+          </a:fillRef>
+          <a:effectRef idx="1">
+            <a:schemeClr val="accent2"/>
+          </a:effectRef>
+          <a:fontRef idx="minor">
+            <a:schemeClr val="dk1"/>
+          </a:fontRef>
+        </p:style>
+      </p:cxnSp>
+      <p:cxnSp>
+        <p:nvCxnSpPr>
+          <p:cNvPr id="62" name="Elbow Connector 63">
+            <a:extLst>
+              <a:ext uri="{FF2B5EF4-FFF2-40B4-BE49-F238E27FC236}">
+                <a16:creationId xmlns:a16="http://schemas.microsoft.com/office/drawing/2014/main" id="{11A49D2F-E3DE-4215-B10A-13A853012934}"/>
+              </a:ext>
+            </a:extLst>
+          </p:cNvPr>
+          <p:cNvCxnSpPr>
+            <a:cxnSpLocks/>
+            <a:endCxn id="60" idx="1"/>
+          </p:cNvCxnSpPr>
+          <p:nvPr/>
+        </p:nvCxnSpPr>
+        <p:spPr>
+          <a:xfrm>
+            <a:off x="2413044" y="4108188"/>
+            <a:ext cx="176403" cy="3172"/>
+          </a:xfrm>
+          <a:prstGeom prst="bentConnector3">
+            <a:avLst>
+              <a:gd name="adj1" fmla="val 50000"/>
+            </a:avLst>
+          </a:prstGeom>
+          <a:ln w="19050">
+            <a:solidFill>
+              <a:schemeClr val="accent3"/>
+            </a:solidFill>
+            <a:headEnd type="none" w="med" len="med"/>
+            <a:tailEnd type="arrow" w="med" len="med"/>
+          </a:ln>
+          <a:effectLst/>
+        </p:spPr>
+        <p:style>
+          <a:lnRef idx="1">
+            <a:schemeClr val="accent2"/>
+          </a:lnRef>
+          <a:fillRef idx="2">
+            <a:schemeClr val="accent2"/>
+          </a:fillRef>
+          <a:effectRef idx="1">
+            <a:schemeClr val="accent2"/>
+          </a:effectRef>
+          <a:fontRef idx="minor">
+            <a:schemeClr val="dk1"/>
+          </a:fontRef>
+        </p:style>
+      </p:cxnSp>
     </p:spTree>
     <p:extLst>
       <p:ext uri="{BB962C8B-B14F-4D97-AF65-F5344CB8AC3E}">

--- a/docs/diagrams/UiComponentClassDiagram.pptx
+++ b/docs/diagrams/UiComponentClassDiagram.pptx
@@ -208,7 +208,7 @@
           <a:p>
             <a:fld id="{F5CC4B3F-88C1-4FFA-B1B6-F41C21DC6924}" type="datetimeFigureOut">
               <a:rPr lang="en-US" smtClean="0"/>
-              <a:t>1/7/2017</a:t>
+              <a:t>11/10/2018</a:t>
             </a:fld>
             <a:endParaRPr lang="en-US"/>
           </a:p>
@@ -654,7 +654,7 @@
           <a:p>
             <a:fld id="{78C97017-6FC3-485B-9764-EAC9E56C1D49}" type="datetimeFigureOut">
               <a:rPr lang="en-US" smtClean="0"/>
-              <a:t>1/7/2017</a:t>
+              <a:t>11/10/2018</a:t>
             </a:fld>
             <a:endParaRPr lang="en-US"/>
           </a:p>
@@ -822,7 +822,7 @@
           <a:p>
             <a:fld id="{78C97017-6FC3-485B-9764-EAC9E56C1D49}" type="datetimeFigureOut">
               <a:rPr lang="en-US" smtClean="0"/>
-              <a:t>1/7/2017</a:t>
+              <a:t>11/10/2018</a:t>
             </a:fld>
             <a:endParaRPr lang="en-US"/>
           </a:p>
@@ -1000,7 +1000,7 @@
           <a:p>
             <a:fld id="{78C97017-6FC3-485B-9764-EAC9E56C1D49}" type="datetimeFigureOut">
               <a:rPr lang="en-US" smtClean="0"/>
-              <a:t>1/7/2017</a:t>
+              <a:t>11/10/2018</a:t>
             </a:fld>
             <a:endParaRPr lang="en-US"/>
           </a:p>
@@ -1168,7 +1168,7 @@
           <a:p>
             <a:fld id="{78C97017-6FC3-485B-9764-EAC9E56C1D49}" type="datetimeFigureOut">
               <a:rPr lang="en-US" smtClean="0"/>
-              <a:t>1/7/2017</a:t>
+              <a:t>11/10/2018</a:t>
             </a:fld>
             <a:endParaRPr lang="en-US"/>
           </a:p>
@@ -1413,7 +1413,7 @@
           <a:p>
             <a:fld id="{78C97017-6FC3-485B-9764-EAC9E56C1D49}" type="datetimeFigureOut">
               <a:rPr lang="en-US" smtClean="0"/>
-              <a:t>1/7/2017</a:t>
+              <a:t>11/10/2018</a:t>
             </a:fld>
             <a:endParaRPr lang="en-US"/>
           </a:p>
@@ -1698,7 +1698,7 @@
           <a:p>
             <a:fld id="{78C97017-6FC3-485B-9764-EAC9E56C1D49}" type="datetimeFigureOut">
               <a:rPr lang="en-US" smtClean="0"/>
-              <a:t>1/7/2017</a:t>
+              <a:t>11/10/2018</a:t>
             </a:fld>
             <a:endParaRPr lang="en-US"/>
           </a:p>
@@ -2117,7 +2117,7 @@
           <a:p>
             <a:fld id="{78C97017-6FC3-485B-9764-EAC9E56C1D49}" type="datetimeFigureOut">
               <a:rPr lang="en-US" smtClean="0"/>
-              <a:t>1/7/2017</a:t>
+              <a:t>11/10/2018</a:t>
             </a:fld>
             <a:endParaRPr lang="en-US"/>
           </a:p>
@@ -2234,7 +2234,7 @@
           <a:p>
             <a:fld id="{78C97017-6FC3-485B-9764-EAC9E56C1D49}" type="datetimeFigureOut">
               <a:rPr lang="en-US" smtClean="0"/>
-              <a:t>1/7/2017</a:t>
+              <a:t>11/10/2018</a:t>
             </a:fld>
             <a:endParaRPr lang="en-US"/>
           </a:p>
@@ -2329,7 +2329,7 @@
           <a:p>
             <a:fld id="{78C97017-6FC3-485B-9764-EAC9E56C1D49}" type="datetimeFigureOut">
               <a:rPr lang="en-US" smtClean="0"/>
-              <a:t>1/7/2017</a:t>
+              <a:t>11/10/2018</a:t>
             </a:fld>
             <a:endParaRPr lang="en-US"/>
           </a:p>
@@ -2604,7 +2604,7 @@
           <a:p>
             <a:fld id="{78C97017-6FC3-485B-9764-EAC9E56C1D49}" type="datetimeFigureOut">
               <a:rPr lang="en-US" smtClean="0"/>
-              <a:t>1/7/2017</a:t>
+              <a:t>11/10/2018</a:t>
             </a:fld>
             <a:endParaRPr lang="en-US"/>
           </a:p>
@@ -2856,7 +2856,7 @@
           <a:p>
             <a:fld id="{78C97017-6FC3-485B-9764-EAC9E56C1D49}" type="datetimeFigureOut">
               <a:rPr lang="en-US" smtClean="0"/>
-              <a:t>1/7/2017</a:t>
+              <a:t>11/10/2018</a:t>
             </a:fld>
             <a:endParaRPr lang="en-US"/>
           </a:p>
@@ -3067,7 +3067,7 @@
           <a:p>
             <a:fld id="{78C97017-6FC3-485B-9764-EAC9E56C1D49}" type="datetimeFigureOut">
               <a:rPr lang="en-US" smtClean="0"/>
-              <a:t>1/7/2017</a:t>
+              <a:t>11/10/2018</a:t>
             </a:fld>
             <a:endParaRPr lang="en-US"/>
           </a:p>
@@ -3573,7 +3573,7 @@
         <p:spPr>
           <a:xfrm>
             <a:off x="2592528" y="2971800"/>
-            <a:ext cx="1093635" cy="236841"/>
+            <a:ext cx="1192337" cy="236841"/>
           </a:xfrm>
           <a:prstGeom prst="rect">
             <a:avLst/>
@@ -3886,7 +3886,7 @@
         <p:spPr>
           <a:xfrm>
             <a:off x="2592528" y="3649359"/>
-            <a:ext cx="1093635" cy="236841"/>
+            <a:ext cx="1192712" cy="236841"/>
           </a:xfrm>
           <a:prstGeom prst="rect">
             <a:avLst/>
@@ -3925,7 +3925,7 @@
                   </a:schemeClr>
                 </a:solidFill>
               </a:rPr>
-              <a:t>BrowserPanel</a:t>
+              <a:t>InformationPanel</a:t>
             </a:r>
             <a:endParaRPr lang="en-SG" sz="1050" b="1" dirty="0">
               <a:solidFill>
@@ -3946,7 +3946,7 @@
         <p:spPr>
           <a:xfrm>
             <a:off x="2592527" y="4563759"/>
-            <a:ext cx="1093635" cy="236841"/>
+            <a:ext cx="1190608" cy="236841"/>
           </a:xfrm>
           <a:prstGeom prst="rect">
             <a:avLst/>
@@ -4006,7 +4006,7 @@
         <p:spPr>
           <a:xfrm>
             <a:off x="2592526" y="3991960"/>
-            <a:ext cx="1093635" cy="236841"/>
+            <a:ext cx="1190609" cy="236841"/>
           </a:xfrm>
           <a:prstGeom prst="rect">
             <a:avLst/>
@@ -4126,7 +4126,7 @@
         <p:spPr>
           <a:xfrm>
             <a:off x="2592528" y="4966000"/>
-            <a:ext cx="1093635" cy="236841"/>
+            <a:ext cx="1190607" cy="236841"/>
           </a:xfrm>
           <a:prstGeom prst="rect">
             <a:avLst/>
@@ -4229,6 +4229,7 @@
         <p:nvCxnSpPr>
           <p:cNvPr id="40" name="Elbow Connector 63"/>
           <p:cNvCxnSpPr>
+            <a:cxnSpLocks/>
             <a:stCxn id="39" idx="2"/>
             <a:endCxn id="3" idx="1"/>
           </p:cNvCxnSpPr>
@@ -4275,7 +4276,7 @@
         <p:spPr>
           <a:xfrm>
             <a:off x="2590799" y="3304308"/>
-            <a:ext cx="1095361" cy="236841"/>
+            <a:ext cx="1192337" cy="236841"/>
           </a:xfrm>
           <a:prstGeom prst="rect">
             <a:avLst/>
@@ -4330,6 +4331,7 @@
         <p:nvCxnSpPr>
           <p:cNvPr id="44" name="Elbow Connector 63"/>
           <p:cNvCxnSpPr>
+            <a:cxnSpLocks/>
             <a:stCxn id="39" idx="2"/>
             <a:endCxn id="34" idx="1"/>
           </p:cNvCxnSpPr>
@@ -4371,6 +4373,7 @@
         <p:nvCxnSpPr>
           <p:cNvPr id="47" name="Elbow Connector 63"/>
           <p:cNvCxnSpPr>
+            <a:cxnSpLocks/>
             <a:stCxn id="39" idx="2"/>
             <a:endCxn id="36" idx="1"/>
           </p:cNvCxnSpPr>
@@ -4412,6 +4415,7 @@
         <p:nvCxnSpPr>
           <p:cNvPr id="50" name="Elbow Connector 63"/>
           <p:cNvCxnSpPr>
+            <a:cxnSpLocks/>
             <a:stCxn id="39" idx="2"/>
             <a:endCxn id="35" idx="1"/>
           </p:cNvCxnSpPr>
@@ -4453,6 +4457,7 @@
         <p:nvCxnSpPr>
           <p:cNvPr id="53" name="Elbow Connector 63"/>
           <p:cNvCxnSpPr>
+            <a:cxnSpLocks/>
             <a:endCxn id="38" idx="1"/>
           </p:cNvCxnSpPr>
           <p:nvPr/>
@@ -4460,7 +4465,7 @@
         <p:spPr>
           <a:xfrm rot="16200000" flipH="1">
             <a:off x="1184119" y="3676012"/>
-            <a:ext cx="2396440" cy="420377"/>
+            <a:ext cx="2396440" cy="420378"/>
           </a:xfrm>
           <a:prstGeom prst="bentConnector2">
             <a:avLst/>
@@ -4572,6 +4577,7 @@
         <p:nvCxnSpPr>
           <p:cNvPr id="74" name="Elbow Connector 63"/>
           <p:cNvCxnSpPr>
+            <a:cxnSpLocks/>
             <a:stCxn id="43" idx="3"/>
             <a:endCxn id="16" idx="3"/>
           </p:cNvCxnSpPr>
@@ -4579,8 +4585,8 @@
         </p:nvCxnSpPr>
         <p:spPr>
           <a:xfrm flipV="1">
-            <a:off x="3686160" y="2286000"/>
-            <a:ext cx="1843809" cy="1136729"/>
+            <a:off x="3783136" y="2286000"/>
+            <a:ext cx="1746833" cy="1136729"/>
           </a:xfrm>
           <a:prstGeom prst="bentConnector2">
             <a:avLst/>
@@ -4654,6 +4660,7 @@
         <p:nvCxnSpPr>
           <p:cNvPr id="82" name="Elbow Connector 63"/>
           <p:cNvCxnSpPr>
+            <a:cxnSpLocks/>
             <a:stCxn id="16" idx="3"/>
             <a:endCxn id="34" idx="3"/>
           </p:cNvCxnSpPr>
@@ -4661,8 +4668,8 @@
         </p:nvCxnSpPr>
         <p:spPr>
           <a:xfrm rot="5400000">
-            <a:off x="3867176" y="2104987"/>
-            <a:ext cx="1481780" cy="1843806"/>
+            <a:off x="3916715" y="2154526"/>
+            <a:ext cx="1481780" cy="1744729"/>
           </a:xfrm>
           <a:prstGeom prst="bentConnector2">
             <a:avLst/>
@@ -4736,6 +4743,7 @@
         <p:nvCxnSpPr>
           <p:cNvPr id="91" name="Elbow Connector 63"/>
           <p:cNvCxnSpPr>
+            <a:cxnSpLocks/>
             <a:stCxn id="16" idx="3"/>
             <a:endCxn id="35" idx="3"/>
           </p:cNvCxnSpPr>
@@ -4743,8 +4751,8 @@
         </p:nvCxnSpPr>
         <p:spPr>
           <a:xfrm rot="5400000">
-            <a:off x="3409976" y="2562187"/>
-            <a:ext cx="2396180" cy="1843807"/>
+            <a:off x="3458462" y="2610673"/>
+            <a:ext cx="2396180" cy="1746834"/>
           </a:xfrm>
           <a:prstGeom prst="bentConnector2">
             <a:avLst/>
@@ -4777,6 +4785,7 @@
         <p:nvCxnSpPr>
           <p:cNvPr id="94" name="Elbow Connector 63"/>
           <p:cNvCxnSpPr>
+            <a:cxnSpLocks/>
             <a:stCxn id="16" idx="3"/>
             <a:endCxn id="38" idx="3"/>
           </p:cNvCxnSpPr>
@@ -4784,8 +4793,8 @@
         </p:nvCxnSpPr>
         <p:spPr>
           <a:xfrm rot="5400000">
-            <a:off x="3208856" y="2763307"/>
-            <a:ext cx="2798421" cy="1843806"/>
+            <a:off x="3257342" y="2811793"/>
+            <a:ext cx="2798421" cy="1746834"/>
           </a:xfrm>
           <a:prstGeom prst="bentConnector2">
             <a:avLst/>
@@ -5079,6 +5088,7 @@
         <p:nvCxnSpPr>
           <p:cNvPr id="131" name="Elbow Connector 130"/>
           <p:cNvCxnSpPr>
+            <a:cxnSpLocks/>
             <a:stCxn id="39" idx="2"/>
             <a:endCxn id="43" idx="1"/>
           </p:cNvCxnSpPr>
@@ -5120,6 +5130,7 @@
         <p:nvCxnSpPr>
           <p:cNvPr id="132" name="Elbow Connector 63"/>
           <p:cNvCxnSpPr>
+            <a:cxnSpLocks/>
             <a:stCxn id="16" idx="3"/>
             <a:endCxn id="3" idx="3"/>
           </p:cNvCxnSpPr>
@@ -5127,8 +5138,8 @@
         </p:nvCxnSpPr>
         <p:spPr>
           <a:xfrm rot="5400000">
-            <a:off x="4205956" y="1766207"/>
-            <a:ext cx="804221" cy="1843806"/>
+            <a:off x="4255307" y="1815558"/>
+            <a:ext cx="804221" cy="1745104"/>
           </a:xfrm>
           <a:prstGeom prst="bentConnector2">
             <a:avLst/>
@@ -5161,6 +5172,7 @@
         <p:nvCxnSpPr>
           <p:cNvPr id="137" name="Elbow Connector 136"/>
           <p:cNvCxnSpPr>
+            <a:cxnSpLocks/>
             <a:stCxn id="36" idx="2"/>
             <a:endCxn id="37" idx="1"/>
           </p:cNvCxnSpPr>
@@ -5168,8 +5180,8 @@
         </p:nvCxnSpPr>
         <p:spPr>
           <a:xfrm rot="16200000" flipH="1">
-            <a:off x="3430123" y="3938021"/>
-            <a:ext cx="118421" cy="699979"/>
+            <a:off x="3454367" y="3962265"/>
+            <a:ext cx="118421" cy="651492"/>
           </a:xfrm>
           <a:prstGeom prst="bentConnector2">
             <a:avLst/>
@@ -5202,6 +5214,7 @@
         <p:nvCxnSpPr>
           <p:cNvPr id="140" name="Elbow Connector 63"/>
           <p:cNvCxnSpPr>
+            <a:cxnSpLocks/>
             <a:stCxn id="16" idx="3"/>
             <a:endCxn id="36" idx="3"/>
           </p:cNvCxnSpPr>
@@ -5209,8 +5222,8 @@
         </p:nvCxnSpPr>
         <p:spPr>
           <a:xfrm rot="5400000">
-            <a:off x="3695875" y="2276286"/>
-            <a:ext cx="1824381" cy="1843808"/>
+            <a:off x="3744362" y="2324773"/>
+            <a:ext cx="1824381" cy="1746834"/>
           </a:xfrm>
           <a:prstGeom prst="bentConnector2">
             <a:avLst/>
@@ -5300,8 +5313,8 @@
         </p:nvSpPr>
         <p:spPr>
           <a:xfrm>
-            <a:off x="3687515" y="2828802"/>
-            <a:ext cx="3048000" cy="203200"/>
+            <a:off x="3783135" y="2781806"/>
+            <a:ext cx="2952381" cy="203200"/>
           </a:xfrm>
           <a:custGeom>
             <a:avLst/>

--- a/docs/diagrams/UiComponentClassDiagram.pptx
+++ b/docs/diagrams/UiComponentClassDiagram.pptx
@@ -208,7 +208,7 @@
           <a:p>
             <a:fld id="{F5CC4B3F-88C1-4FFA-B1B6-F41C21DC6924}" type="datetimeFigureOut">
               <a:rPr lang="en-US" smtClean="0"/>
-              <a:t>10/29/2018</a:t>
+              <a:t>11/10/2018</a:t>
             </a:fld>
             <a:endParaRPr lang="en-US"/>
           </a:p>
@@ -654,7 +654,7 @@
           <a:p>
             <a:fld id="{78C97017-6FC3-485B-9764-EAC9E56C1D49}" type="datetimeFigureOut">
               <a:rPr lang="en-US" smtClean="0"/>
-              <a:t>10/29/2018</a:t>
+              <a:t>11/10/2018</a:t>
             </a:fld>
             <a:endParaRPr lang="en-US"/>
           </a:p>
@@ -822,7 +822,7 @@
           <a:p>
             <a:fld id="{78C97017-6FC3-485B-9764-EAC9E56C1D49}" type="datetimeFigureOut">
               <a:rPr lang="en-US" smtClean="0"/>
-              <a:t>10/29/2018</a:t>
+              <a:t>11/10/2018</a:t>
             </a:fld>
             <a:endParaRPr lang="en-US"/>
           </a:p>
@@ -1000,7 +1000,7 @@
           <a:p>
             <a:fld id="{78C97017-6FC3-485B-9764-EAC9E56C1D49}" type="datetimeFigureOut">
               <a:rPr lang="en-US" smtClean="0"/>
-              <a:t>10/29/2018</a:t>
+              <a:t>11/10/2018</a:t>
             </a:fld>
             <a:endParaRPr lang="en-US"/>
           </a:p>
@@ -1168,7 +1168,7 @@
           <a:p>
             <a:fld id="{78C97017-6FC3-485B-9764-EAC9E56C1D49}" type="datetimeFigureOut">
               <a:rPr lang="en-US" smtClean="0"/>
-              <a:t>10/29/2018</a:t>
+              <a:t>11/10/2018</a:t>
             </a:fld>
             <a:endParaRPr lang="en-US"/>
           </a:p>
@@ -1413,7 +1413,7 @@
           <a:p>
             <a:fld id="{78C97017-6FC3-485B-9764-EAC9E56C1D49}" type="datetimeFigureOut">
               <a:rPr lang="en-US" smtClean="0"/>
-              <a:t>10/29/2018</a:t>
+              <a:t>11/10/2018</a:t>
             </a:fld>
             <a:endParaRPr lang="en-US"/>
           </a:p>
@@ -1698,7 +1698,7 @@
           <a:p>
             <a:fld id="{78C97017-6FC3-485B-9764-EAC9E56C1D49}" type="datetimeFigureOut">
               <a:rPr lang="en-US" smtClean="0"/>
-              <a:t>10/29/2018</a:t>
+              <a:t>11/10/2018</a:t>
             </a:fld>
             <a:endParaRPr lang="en-US"/>
           </a:p>
@@ -2117,7 +2117,7 @@
           <a:p>
             <a:fld id="{78C97017-6FC3-485B-9764-EAC9E56C1D49}" type="datetimeFigureOut">
               <a:rPr lang="en-US" smtClean="0"/>
-              <a:t>10/29/2018</a:t>
+              <a:t>11/10/2018</a:t>
             </a:fld>
             <a:endParaRPr lang="en-US"/>
           </a:p>
@@ -2234,7 +2234,7 @@
           <a:p>
             <a:fld id="{78C97017-6FC3-485B-9764-EAC9E56C1D49}" type="datetimeFigureOut">
               <a:rPr lang="en-US" smtClean="0"/>
-              <a:t>10/29/2018</a:t>
+              <a:t>11/10/2018</a:t>
             </a:fld>
             <a:endParaRPr lang="en-US"/>
           </a:p>
@@ -2329,7 +2329,7 @@
           <a:p>
             <a:fld id="{78C97017-6FC3-485B-9764-EAC9E56C1D49}" type="datetimeFigureOut">
               <a:rPr lang="en-US" smtClean="0"/>
-              <a:t>10/29/2018</a:t>
+              <a:t>11/10/2018</a:t>
             </a:fld>
             <a:endParaRPr lang="en-US"/>
           </a:p>
@@ -2604,7 +2604,7 @@
           <a:p>
             <a:fld id="{78C97017-6FC3-485B-9764-EAC9E56C1D49}" type="datetimeFigureOut">
               <a:rPr lang="en-US" smtClean="0"/>
-              <a:t>10/29/2018</a:t>
+              <a:t>11/10/2018</a:t>
             </a:fld>
             <a:endParaRPr lang="en-US"/>
           </a:p>
@@ -2856,7 +2856,7 @@
           <a:p>
             <a:fld id="{78C97017-6FC3-485B-9764-EAC9E56C1D49}" type="datetimeFigureOut">
               <a:rPr lang="en-US" smtClean="0"/>
-              <a:t>10/29/2018</a:t>
+              <a:t>11/10/2018</a:t>
             </a:fld>
             <a:endParaRPr lang="en-US"/>
           </a:p>
@@ -3067,7 +3067,7 @@
           <a:p>
             <a:fld id="{78C97017-6FC3-485B-9764-EAC9E56C1D49}" type="datetimeFigureOut">
               <a:rPr lang="en-US" smtClean="0"/>
-              <a:t>10/29/2018</a:t>
+              <a:t>11/10/2018</a:t>
             </a:fld>
             <a:endParaRPr lang="en-US"/>
           </a:p>
@@ -4453,14 +4453,16 @@
         <p:nvCxnSpPr>
           <p:cNvPr id="53" name="Elbow Connector 63"/>
           <p:cNvCxnSpPr>
+            <a:cxnSpLocks/>
+            <a:stCxn id="39" idx="2"/>
             <a:endCxn id="38" idx="1"/>
           </p:cNvCxnSpPr>
           <p:nvPr/>
         </p:nvCxnSpPr>
         <p:spPr>
           <a:xfrm rot="16200000" flipH="1">
-            <a:off x="1184119" y="4188171"/>
-            <a:ext cx="2396440" cy="420377"/>
+            <a:off x="1140050" y="4144101"/>
+            <a:ext cx="2728555" cy="176402"/>
           </a:xfrm>
           <a:prstGeom prst="bentConnector2">
             <a:avLst/>

--- a/docs/diagrams/UiComponentClassDiagram.pptx
+++ b/docs/diagrams/UiComponentClassDiagram.pptx
@@ -208,7 +208,7 @@
           <a:p>
             <a:fld id="{F5CC4B3F-88C1-4FFA-B1B6-F41C21DC6924}" type="datetimeFigureOut">
               <a:rPr lang="en-US" smtClean="0"/>
-              <a:t>1/7/2017</a:t>
+              <a:t>11/10/2018</a:t>
             </a:fld>
             <a:endParaRPr lang="en-US"/>
           </a:p>
@@ -654,7 +654,7 @@
           <a:p>
             <a:fld id="{78C97017-6FC3-485B-9764-EAC9E56C1D49}" type="datetimeFigureOut">
               <a:rPr lang="en-US" smtClean="0"/>
-              <a:t>1/7/2017</a:t>
+              <a:t>11/10/2018</a:t>
             </a:fld>
             <a:endParaRPr lang="en-US"/>
           </a:p>
@@ -822,7 +822,7 @@
           <a:p>
             <a:fld id="{78C97017-6FC3-485B-9764-EAC9E56C1D49}" type="datetimeFigureOut">
               <a:rPr lang="en-US" smtClean="0"/>
-              <a:t>1/7/2017</a:t>
+              <a:t>11/10/2018</a:t>
             </a:fld>
             <a:endParaRPr lang="en-US"/>
           </a:p>
@@ -1000,7 +1000,7 @@
           <a:p>
             <a:fld id="{78C97017-6FC3-485B-9764-EAC9E56C1D49}" type="datetimeFigureOut">
               <a:rPr lang="en-US" smtClean="0"/>
-              <a:t>1/7/2017</a:t>
+              <a:t>11/10/2018</a:t>
             </a:fld>
             <a:endParaRPr lang="en-US"/>
           </a:p>
@@ -1168,7 +1168,7 @@
           <a:p>
             <a:fld id="{78C97017-6FC3-485B-9764-EAC9E56C1D49}" type="datetimeFigureOut">
               <a:rPr lang="en-US" smtClean="0"/>
-              <a:t>1/7/2017</a:t>
+              <a:t>11/10/2018</a:t>
             </a:fld>
             <a:endParaRPr lang="en-US"/>
           </a:p>
@@ -1413,7 +1413,7 @@
           <a:p>
             <a:fld id="{78C97017-6FC3-485B-9764-EAC9E56C1D49}" type="datetimeFigureOut">
               <a:rPr lang="en-US" smtClean="0"/>
-              <a:t>1/7/2017</a:t>
+              <a:t>11/10/2018</a:t>
             </a:fld>
             <a:endParaRPr lang="en-US"/>
           </a:p>
@@ -1698,7 +1698,7 @@
           <a:p>
             <a:fld id="{78C97017-6FC3-485B-9764-EAC9E56C1D49}" type="datetimeFigureOut">
               <a:rPr lang="en-US" smtClean="0"/>
-              <a:t>1/7/2017</a:t>
+              <a:t>11/10/2018</a:t>
             </a:fld>
             <a:endParaRPr lang="en-US"/>
           </a:p>
@@ -2117,7 +2117,7 @@
           <a:p>
             <a:fld id="{78C97017-6FC3-485B-9764-EAC9E56C1D49}" type="datetimeFigureOut">
               <a:rPr lang="en-US" smtClean="0"/>
-              <a:t>1/7/2017</a:t>
+              <a:t>11/10/2018</a:t>
             </a:fld>
             <a:endParaRPr lang="en-US"/>
           </a:p>
@@ -2234,7 +2234,7 @@
           <a:p>
             <a:fld id="{78C97017-6FC3-485B-9764-EAC9E56C1D49}" type="datetimeFigureOut">
               <a:rPr lang="en-US" smtClean="0"/>
-              <a:t>1/7/2017</a:t>
+              <a:t>11/10/2018</a:t>
             </a:fld>
             <a:endParaRPr lang="en-US"/>
           </a:p>
@@ -2329,7 +2329,7 @@
           <a:p>
             <a:fld id="{78C97017-6FC3-485B-9764-EAC9E56C1D49}" type="datetimeFigureOut">
               <a:rPr lang="en-US" smtClean="0"/>
-              <a:t>1/7/2017</a:t>
+              <a:t>11/10/2018</a:t>
             </a:fld>
             <a:endParaRPr lang="en-US"/>
           </a:p>
@@ -2604,7 +2604,7 @@
           <a:p>
             <a:fld id="{78C97017-6FC3-485B-9764-EAC9E56C1D49}" type="datetimeFigureOut">
               <a:rPr lang="en-US" smtClean="0"/>
-              <a:t>1/7/2017</a:t>
+              <a:t>11/10/2018</a:t>
             </a:fld>
             <a:endParaRPr lang="en-US"/>
           </a:p>
@@ -2856,7 +2856,7 @@
           <a:p>
             <a:fld id="{78C97017-6FC3-485B-9764-EAC9E56C1D49}" type="datetimeFigureOut">
               <a:rPr lang="en-US" smtClean="0"/>
-              <a:t>1/7/2017</a:t>
+              <a:t>11/10/2018</a:t>
             </a:fld>
             <a:endParaRPr lang="en-US"/>
           </a:p>
@@ -3067,7 +3067,7 @@
           <a:p>
             <a:fld id="{78C97017-6FC3-485B-9764-EAC9E56C1D49}" type="datetimeFigureOut">
               <a:rPr lang="en-US" smtClean="0"/>
-              <a:t>1/7/2017</a:t>
+              <a:t>11/10/2018</a:t>
             </a:fld>
             <a:endParaRPr lang="en-US"/>
           </a:p>
@@ -3450,8 +3450,8 @@
         </p:nvSpPr>
         <p:spPr>
           <a:xfrm>
-            <a:off x="1217465" y="1447800"/>
-            <a:ext cx="4917083" cy="3962400"/>
+            <a:off x="272260" y="1097458"/>
+            <a:ext cx="7368721" cy="7894142"/>
           </a:xfrm>
           <a:prstGeom prst="roundRect">
             <a:avLst>
@@ -3925,7 +3925,7 @@
                   </a:schemeClr>
                 </a:solidFill>
               </a:rPr>
-              <a:t>BrowserPanel</a:t>
+              <a:t>DetailPanel</a:t>
             </a:r>
             <a:endParaRPr lang="en-SG" sz="1050" b="1" dirty="0">
               <a:solidFill>
@@ -3945,7 +3945,7 @@
         </p:nvSpPr>
         <p:spPr>
           <a:xfrm>
-            <a:off x="2592527" y="4563759"/>
+            <a:off x="2592527" y="7133318"/>
             <a:ext cx="1093635" cy="236841"/>
           </a:xfrm>
           <a:prstGeom prst="rect">
@@ -4006,7 +4006,7 @@
         <p:spPr>
           <a:xfrm>
             <a:off x="2592526" y="3991960"/>
-            <a:ext cx="1093635" cy="236841"/>
+            <a:ext cx="1246796" cy="246020"/>
           </a:xfrm>
           <a:prstGeom prst="rect">
             <a:avLst/>
@@ -4045,7 +4045,7 @@
                   </a:schemeClr>
                 </a:solidFill>
               </a:rPr>
-              <a:t>PersonListPanel</a:t>
+              <a:t>AccountListPanel</a:t>
             </a:r>
             <a:endParaRPr lang="en-SG" sz="1050" b="1" dirty="0">
               <a:solidFill>
@@ -4065,7 +4065,7 @@
         </p:nvSpPr>
         <p:spPr>
           <a:xfrm>
-            <a:off x="3839323" y="4228801"/>
+            <a:off x="3952492" y="4228801"/>
             <a:ext cx="1040906" cy="236841"/>
           </a:xfrm>
           <a:prstGeom prst="rect">
@@ -4105,7 +4105,7 @@
                   </a:schemeClr>
                 </a:solidFill>
               </a:rPr>
-              <a:t>PersonCard</a:t>
+              <a:t>AccountCard</a:t>
             </a:r>
             <a:endParaRPr lang="en-SG" sz="1050" b="1" dirty="0">
               <a:solidFill>
@@ -4125,7 +4125,7 @@
         </p:nvSpPr>
         <p:spPr>
           <a:xfrm>
-            <a:off x="2592528" y="4966000"/>
+            <a:off x="2592528" y="7535559"/>
             <a:ext cx="1093635" cy="236841"/>
           </a:xfrm>
           <a:prstGeom prst="rect">
@@ -4371,6 +4371,7 @@
         <p:nvCxnSpPr>
           <p:cNvPr id="47" name="Elbow Connector 63"/>
           <p:cNvCxnSpPr>
+            <a:cxnSpLocks/>
             <a:stCxn id="39" idx="2"/>
             <a:endCxn id="36" idx="1"/>
           </p:cNvCxnSpPr>
@@ -4378,8 +4379,8 @@
         </p:nvCxnSpPr>
         <p:spPr>
           <a:xfrm rot="16200000" flipH="1">
-            <a:off x="1883148" y="3401003"/>
-            <a:ext cx="1242356" cy="176400"/>
+            <a:off x="1880854" y="3403297"/>
+            <a:ext cx="1246945" cy="176400"/>
           </a:xfrm>
           <a:prstGeom prst="bentConnector2">
             <a:avLst/>
@@ -4412,6 +4413,7 @@
         <p:nvCxnSpPr>
           <p:cNvPr id="50" name="Elbow Connector 63"/>
           <p:cNvCxnSpPr>
+            <a:cxnSpLocks/>
             <a:stCxn id="39" idx="2"/>
             <a:endCxn id="35" idx="1"/>
           </p:cNvCxnSpPr>
@@ -4419,8 +4421,8 @@
         </p:nvCxnSpPr>
         <p:spPr>
           <a:xfrm rot="16200000" flipH="1">
-            <a:off x="1597249" y="3686901"/>
-            <a:ext cx="1814155" cy="176401"/>
+            <a:off x="312469" y="4971681"/>
+            <a:ext cx="4383714" cy="176401"/>
           </a:xfrm>
           <a:prstGeom prst="bentConnector2">
             <a:avLst/>
@@ -4453,17 +4455,21 @@
         <p:nvCxnSpPr>
           <p:cNvPr id="53" name="Elbow Connector 63"/>
           <p:cNvCxnSpPr>
+            <a:cxnSpLocks/>
+            <a:stCxn id="2" idx="1"/>
             <a:endCxn id="38" idx="1"/>
           </p:cNvCxnSpPr>
           <p:nvPr/>
         </p:nvCxnSpPr>
         <p:spPr>
-          <a:xfrm rot="16200000" flipH="1">
-            <a:off x="1184119" y="3676012"/>
-            <a:ext cx="2396440" cy="420377"/>
-          </a:xfrm>
-          <a:prstGeom prst="bentConnector2">
-            <a:avLst/>
+          <a:xfrm rot="10800000" flipH="1" flipV="1">
+            <a:off x="2095948" y="2514600"/>
+            <a:ext cx="496580" cy="5139380"/>
+          </a:xfrm>
+          <a:prstGeom prst="bentConnector3">
+            <a:avLst>
+              <a:gd name="adj1" fmla="val -46035"/>
+            </a:avLst>
           </a:prstGeom>
           <a:ln w="19050">
             <a:solidFill>
@@ -4620,8 +4626,8 @@
         </p:nvCxnSpPr>
         <p:spPr>
           <a:xfrm rot="5400000">
-            <a:off x="4174488" y="2991741"/>
-            <a:ext cx="2061222" cy="649740"/>
+            <a:off x="4231073" y="3048326"/>
+            <a:ext cx="2061222" cy="536571"/>
           </a:xfrm>
           <a:prstGeom prst="bentConnector2">
             <a:avLst/>
@@ -4736,6 +4742,7 @@
         <p:nvCxnSpPr>
           <p:cNvPr id="91" name="Elbow Connector 63"/>
           <p:cNvCxnSpPr>
+            <a:cxnSpLocks/>
             <a:stCxn id="16" idx="3"/>
             <a:endCxn id="35" idx="3"/>
           </p:cNvCxnSpPr>
@@ -4743,8 +4750,8 @@
         </p:nvCxnSpPr>
         <p:spPr>
           <a:xfrm rot="5400000">
-            <a:off x="3409976" y="2562187"/>
-            <a:ext cx="2396180" cy="1843807"/>
+            <a:off x="2125197" y="3846966"/>
+            <a:ext cx="4965739" cy="1843807"/>
           </a:xfrm>
           <a:prstGeom prst="bentConnector2">
             <a:avLst/>
@@ -4777,6 +4784,7 @@
         <p:nvCxnSpPr>
           <p:cNvPr id="94" name="Elbow Connector 63"/>
           <p:cNvCxnSpPr>
+            <a:cxnSpLocks/>
             <a:stCxn id="16" idx="3"/>
             <a:endCxn id="38" idx="3"/>
           </p:cNvCxnSpPr>
@@ -4784,8 +4792,8 @@
         </p:nvCxnSpPr>
         <p:spPr>
           <a:xfrm rot="5400000">
-            <a:off x="3208856" y="2763307"/>
-            <a:ext cx="2798421" cy="1843806"/>
+            <a:off x="1924076" y="4048087"/>
+            <a:ext cx="5367980" cy="1843806"/>
           </a:xfrm>
           <a:prstGeom prst="bentConnector2">
             <a:avLst/>
@@ -4863,8 +4871,8 @@
         </p:nvSpPr>
         <p:spPr>
           <a:xfrm rot="16200000">
-            <a:off x="6213739" y="4560376"/>
-            <a:ext cx="1371599" cy="328045"/>
+            <a:off x="4586059" y="6188055"/>
+            <a:ext cx="4626960" cy="328045"/>
           </a:xfrm>
           <a:prstGeom prst="roundRect">
             <a:avLst/>
@@ -5161,6 +5169,7 @@
         <p:nvCxnSpPr>
           <p:cNvPr id="137" name="Elbow Connector 136"/>
           <p:cNvCxnSpPr>
+            <a:cxnSpLocks/>
             <a:stCxn id="36" idx="2"/>
             <a:endCxn id="37" idx="1"/>
           </p:cNvCxnSpPr>
@@ -5168,8 +5177,8 @@
         </p:nvCxnSpPr>
         <p:spPr>
           <a:xfrm rot="16200000" flipH="1">
-            <a:off x="3430123" y="3938021"/>
-            <a:ext cx="118421" cy="699979"/>
+            <a:off x="3529587" y="3924317"/>
+            <a:ext cx="109242" cy="736568"/>
           </a:xfrm>
           <a:prstGeom prst="bentConnector2">
             <a:avLst/>
@@ -5202,6 +5211,7 @@
         <p:nvCxnSpPr>
           <p:cNvPr id="140" name="Elbow Connector 63"/>
           <p:cNvCxnSpPr>
+            <a:cxnSpLocks/>
             <a:stCxn id="16" idx="3"/>
             <a:endCxn id="36" idx="3"/>
           </p:cNvCxnSpPr>
@@ -5209,8 +5219,8 @@
         </p:nvCxnSpPr>
         <p:spPr>
           <a:xfrm rot="5400000">
-            <a:off x="3695875" y="2276286"/>
-            <a:ext cx="1824381" cy="1843808"/>
+            <a:off x="3770161" y="2355162"/>
+            <a:ext cx="1828970" cy="1690647"/>
           </a:xfrm>
           <a:prstGeom prst="bentConnector2">
             <a:avLst/>
@@ -5239,59 +5249,6 @@
           </a:fontRef>
         </p:style>
       </p:cxnSp>
-      <p:sp>
-        <p:nvSpPr>
-          <p:cNvPr id="143" name="Rectangle 142"/>
-          <p:cNvSpPr/>
-          <p:nvPr/>
-        </p:nvSpPr>
-        <p:spPr>
-          <a:xfrm>
-            <a:off x="5435896" y="2743200"/>
-            <a:ext cx="229325" cy="166560"/>
-          </a:xfrm>
-          <a:prstGeom prst="rect">
-            <a:avLst/>
-          </a:prstGeom>
-          <a:solidFill>
-            <a:schemeClr val="accent3">
-              <a:lumMod val="20000"/>
-              <a:lumOff val="80000"/>
-              <a:alpha val="80000"/>
-            </a:schemeClr>
-          </a:solidFill>
-          <a:ln>
-            <a:noFill/>
-          </a:ln>
-          <a:effectLst>
-            <a:softEdge rad="31750"/>
-          </a:effectLst>
-        </p:spPr>
-        <p:style>
-          <a:lnRef idx="2">
-            <a:schemeClr val="accent1">
-              <a:shade val="50000"/>
-            </a:schemeClr>
-          </a:lnRef>
-          <a:fillRef idx="1">
-            <a:schemeClr val="accent1"/>
-          </a:fillRef>
-          <a:effectRef idx="0">
-            <a:schemeClr val="accent1"/>
-          </a:effectRef>
-          <a:fontRef idx="minor">
-            <a:schemeClr val="lt1"/>
-          </a:fontRef>
-        </p:style>
-        <p:txBody>
-          <a:bodyPr rtlCol="0" anchor="ctr"/>
-          <a:lstStyle/>
-          <a:p>
-            <a:pPr algn="ctr"/>
-            <a:endParaRPr lang="en-SG"/>
-          </a:p>
-        </p:txBody>
-      </p:sp>
       <p:sp>
         <p:nvSpPr>
           <p:cNvPr id="116" name="Freeform 115"/>
@@ -5376,67 +5333,14 @@
       </p:sp>
       <p:sp>
         <p:nvSpPr>
-          <p:cNvPr id="144" name="Rectangle 143"/>
-          <p:cNvSpPr/>
-          <p:nvPr/>
-        </p:nvSpPr>
-        <p:spPr>
-          <a:xfrm>
-            <a:off x="5431573" y="4488138"/>
-            <a:ext cx="229325" cy="160062"/>
-          </a:xfrm>
-          <a:prstGeom prst="rect">
-            <a:avLst/>
-          </a:prstGeom>
-          <a:solidFill>
-            <a:schemeClr val="accent3">
-              <a:lumMod val="20000"/>
-              <a:lumOff val="80000"/>
-              <a:alpha val="80000"/>
-            </a:schemeClr>
-          </a:solidFill>
-          <a:ln>
-            <a:noFill/>
-          </a:ln>
-          <a:effectLst>
-            <a:softEdge rad="31750"/>
-          </a:effectLst>
-        </p:spPr>
-        <p:style>
-          <a:lnRef idx="2">
-            <a:schemeClr val="accent1">
-              <a:shade val="50000"/>
-            </a:schemeClr>
-          </a:lnRef>
-          <a:fillRef idx="1">
-            <a:schemeClr val="accent1"/>
-          </a:fillRef>
-          <a:effectRef idx="0">
-            <a:schemeClr val="accent1"/>
-          </a:effectRef>
-          <a:fontRef idx="minor">
-            <a:schemeClr val="lt1"/>
-          </a:fontRef>
-        </p:style>
-        <p:txBody>
-          <a:bodyPr rtlCol="0" anchor="ctr"/>
-          <a:lstStyle/>
-          <a:p>
-            <a:pPr algn="ctr"/>
-            <a:endParaRPr lang="en-SG"/>
-          </a:p>
-        </p:txBody>
-      </p:sp>
-      <p:sp>
-        <p:nvSpPr>
           <p:cNvPr id="118" name="Freeform 117"/>
           <p:cNvSpPr/>
           <p:nvPr/>
         </p:nvSpPr>
         <p:spPr>
           <a:xfrm flipV="1">
-            <a:off x="4114799" y="4472708"/>
-            <a:ext cx="2642195" cy="101600"/>
+            <a:off x="4110745" y="4472708"/>
+            <a:ext cx="2646249" cy="80021"/>
           </a:xfrm>
           <a:custGeom>
             <a:avLst/>
@@ -5509,6 +5413,1462 @@
           </a:p>
         </p:txBody>
       </p:sp>
+      <p:sp>
+        <p:nvSpPr>
+          <p:cNvPr id="46" name="Rectangle 11">
+            <a:extLst>
+              <a:ext uri="{FF2B5EF4-FFF2-40B4-BE49-F238E27FC236}">
+                <a16:creationId xmlns:a16="http://schemas.microsoft.com/office/drawing/2014/main" id="{398A544B-38D1-4DA6-A84A-141E5B7281C8}"/>
+              </a:ext>
+            </a:extLst>
+          </p:cNvPr>
+          <p:cNvSpPr/>
+          <p:nvPr/>
+        </p:nvSpPr>
+        <p:spPr>
+          <a:xfrm>
+            <a:off x="2590800" y="4631718"/>
+            <a:ext cx="1269071" cy="246020"/>
+          </a:xfrm>
+          <a:prstGeom prst="rect">
+            <a:avLst/>
+          </a:prstGeom>
+          <a:ln w="19050">
+            <a:solidFill>
+              <a:schemeClr val="accent3"/>
+            </a:solidFill>
+          </a:ln>
+          <a:effectLst/>
+        </p:spPr>
+        <p:style>
+          <a:lnRef idx="1">
+            <a:schemeClr val="accent3"/>
+          </a:lnRef>
+          <a:fillRef idx="2">
+            <a:schemeClr val="accent3"/>
+          </a:fillRef>
+          <a:effectRef idx="1">
+            <a:schemeClr val="accent3"/>
+          </a:effectRef>
+          <a:fontRef idx="minor">
+            <a:schemeClr val="dk1"/>
+          </a:fontRef>
+        </p:style>
+        <p:txBody>
+          <a:bodyPr rtlCol="0" anchor="ctr"/>
+          <a:lstStyle/>
+          <a:p>
+            <a:pPr algn="ctr"/>
+            <a:r>
+              <a:rPr lang="en-US" sz="1050" b="1" dirty="0" err="1">
+                <a:solidFill>
+                  <a:schemeClr val="accent3">
+                    <a:lumMod val="75000"/>
+                  </a:schemeClr>
+                </a:solidFill>
+              </a:rPr>
+              <a:t>IngredientListPanel</a:t>
+            </a:r>
+            <a:endParaRPr lang="en-SG" sz="1050" b="1" dirty="0">
+              <a:solidFill>
+                <a:schemeClr val="accent3">
+                  <a:lumMod val="75000"/>
+                </a:schemeClr>
+              </a:solidFill>
+            </a:endParaRPr>
+          </a:p>
+        </p:txBody>
+      </p:sp>
+      <p:sp>
+        <p:nvSpPr>
+          <p:cNvPr id="48" name="Rectangle 11">
+            <a:extLst>
+              <a:ext uri="{FF2B5EF4-FFF2-40B4-BE49-F238E27FC236}">
+                <a16:creationId xmlns:a16="http://schemas.microsoft.com/office/drawing/2014/main" id="{6450AD39-7722-4F43-B62B-9804D7433964}"/>
+              </a:ext>
+            </a:extLst>
+          </p:cNvPr>
+          <p:cNvSpPr/>
+          <p:nvPr/>
+        </p:nvSpPr>
+        <p:spPr>
+          <a:xfrm>
+            <a:off x="3962400" y="4868559"/>
+            <a:ext cx="1040906" cy="236841"/>
+          </a:xfrm>
+          <a:prstGeom prst="rect">
+            <a:avLst/>
+          </a:prstGeom>
+          <a:ln w="19050">
+            <a:solidFill>
+              <a:schemeClr val="accent3"/>
+            </a:solidFill>
+          </a:ln>
+          <a:effectLst/>
+        </p:spPr>
+        <p:style>
+          <a:lnRef idx="1">
+            <a:schemeClr val="accent3"/>
+          </a:lnRef>
+          <a:fillRef idx="2">
+            <a:schemeClr val="accent3"/>
+          </a:fillRef>
+          <a:effectRef idx="1">
+            <a:schemeClr val="accent3"/>
+          </a:effectRef>
+          <a:fontRef idx="minor">
+            <a:schemeClr val="dk1"/>
+          </a:fontRef>
+        </p:style>
+        <p:txBody>
+          <a:bodyPr rtlCol="0" anchor="ctr"/>
+          <a:lstStyle/>
+          <a:p>
+            <a:pPr algn="ctr"/>
+            <a:r>
+              <a:rPr lang="en-US" sz="1050" b="1" dirty="0" err="1">
+                <a:solidFill>
+                  <a:schemeClr val="accent3">
+                    <a:lumMod val="75000"/>
+                  </a:schemeClr>
+                </a:solidFill>
+              </a:rPr>
+              <a:t>IngredientCard</a:t>
+            </a:r>
+            <a:endParaRPr lang="en-SG" sz="1050" b="1" dirty="0">
+              <a:solidFill>
+                <a:schemeClr val="accent3">
+                  <a:lumMod val="75000"/>
+                </a:schemeClr>
+              </a:solidFill>
+            </a:endParaRPr>
+          </a:p>
+        </p:txBody>
+      </p:sp>
+      <p:cxnSp>
+        <p:nvCxnSpPr>
+          <p:cNvPr id="49" name="Elbow Connector 63">
+            <a:extLst>
+              <a:ext uri="{FF2B5EF4-FFF2-40B4-BE49-F238E27FC236}">
+                <a16:creationId xmlns:a16="http://schemas.microsoft.com/office/drawing/2014/main" id="{B6454DA9-AA14-4E8C-A302-2BA6819DDC23}"/>
+              </a:ext>
+            </a:extLst>
+          </p:cNvPr>
+          <p:cNvCxnSpPr>
+            <a:cxnSpLocks/>
+            <a:stCxn id="16" idx="3"/>
+            <a:endCxn id="48" idx="3"/>
+          </p:cNvCxnSpPr>
+          <p:nvPr/>
+        </p:nvCxnSpPr>
+        <p:spPr>
+          <a:xfrm rot="5400000">
+            <a:off x="3916148" y="3373159"/>
+            <a:ext cx="2700980" cy="526663"/>
+          </a:xfrm>
+          <a:prstGeom prst="bentConnector2">
+            <a:avLst/>
+          </a:prstGeom>
+          <a:ln w="6350">
+            <a:solidFill>
+              <a:schemeClr val="accent3"/>
+            </a:solidFill>
+            <a:headEnd type="none" w="med" len="med"/>
+            <a:tailEnd type="none" w="med" len="med"/>
+          </a:ln>
+          <a:effectLst/>
+        </p:spPr>
+        <p:style>
+          <a:lnRef idx="1">
+            <a:schemeClr val="accent2"/>
+          </a:lnRef>
+          <a:fillRef idx="2">
+            <a:schemeClr val="accent2"/>
+          </a:fillRef>
+          <a:effectRef idx="1">
+            <a:schemeClr val="accent2"/>
+          </a:effectRef>
+          <a:fontRef idx="minor">
+            <a:schemeClr val="dk1"/>
+          </a:fontRef>
+        </p:style>
+      </p:cxnSp>
+      <p:cxnSp>
+        <p:nvCxnSpPr>
+          <p:cNvPr id="51" name="Elbow Connector 136">
+            <a:extLst>
+              <a:ext uri="{FF2B5EF4-FFF2-40B4-BE49-F238E27FC236}">
+                <a16:creationId xmlns:a16="http://schemas.microsoft.com/office/drawing/2014/main" id="{0E150F76-8B03-4ED4-BF19-DEFE002DB521}"/>
+              </a:ext>
+            </a:extLst>
+          </p:cNvPr>
+          <p:cNvCxnSpPr>
+            <a:cxnSpLocks/>
+            <a:stCxn id="46" idx="2"/>
+            <a:endCxn id="48" idx="1"/>
+          </p:cNvCxnSpPr>
+          <p:nvPr/>
+        </p:nvCxnSpPr>
+        <p:spPr>
+          <a:xfrm rot="16200000" flipH="1">
+            <a:off x="3539247" y="4563827"/>
+            <a:ext cx="109242" cy="737064"/>
+          </a:xfrm>
+          <a:prstGeom prst="bentConnector2">
+            <a:avLst/>
+          </a:prstGeom>
+          <a:ln w="19050">
+            <a:solidFill>
+              <a:schemeClr val="accent3"/>
+            </a:solidFill>
+            <a:headEnd type="none" w="med" len="med"/>
+            <a:tailEnd type="arrow" w="med" len="med"/>
+          </a:ln>
+          <a:effectLst/>
+        </p:spPr>
+        <p:style>
+          <a:lnRef idx="1">
+            <a:schemeClr val="accent2"/>
+          </a:lnRef>
+          <a:fillRef idx="2">
+            <a:schemeClr val="accent2"/>
+          </a:fillRef>
+          <a:effectRef idx="1">
+            <a:schemeClr val="accent2"/>
+          </a:effectRef>
+          <a:fontRef idx="minor">
+            <a:schemeClr val="dk1"/>
+          </a:fontRef>
+        </p:style>
+      </p:cxnSp>
+      <p:sp>
+        <p:nvSpPr>
+          <p:cNvPr id="52" name="Freeform 117">
+            <a:extLst>
+              <a:ext uri="{FF2B5EF4-FFF2-40B4-BE49-F238E27FC236}">
+                <a16:creationId xmlns:a16="http://schemas.microsoft.com/office/drawing/2014/main" id="{C5D837D6-11C7-4AC5-9C4A-987381F90ED6}"/>
+              </a:ext>
+            </a:extLst>
+          </p:cNvPr>
+          <p:cNvSpPr/>
+          <p:nvPr/>
+        </p:nvSpPr>
+        <p:spPr>
+          <a:xfrm flipV="1">
+            <a:off x="4115050" y="5128350"/>
+            <a:ext cx="2642195" cy="101600"/>
+          </a:xfrm>
+          <a:custGeom>
+            <a:avLst/>
+            <a:gdLst>
+              <a:gd name="connsiteX0" fmla="*/ 0 w 3048000"/>
+              <a:gd name="connsiteY0" fmla="*/ 203200 h 203200"/>
+              <a:gd name="connsiteX1" fmla="*/ 221673 w 3048000"/>
+              <a:gd name="connsiteY1" fmla="*/ 0 h 203200"/>
+              <a:gd name="connsiteX2" fmla="*/ 3048000 w 3048000"/>
+              <a:gd name="connsiteY2" fmla="*/ 0 h 203200"/>
+            </a:gdLst>
+            <a:ahLst/>
+            <a:cxnLst>
+              <a:cxn ang="0">
+                <a:pos x="connsiteX0" y="connsiteY0"/>
+              </a:cxn>
+              <a:cxn ang="0">
+                <a:pos x="connsiteX1" y="connsiteY1"/>
+              </a:cxn>
+              <a:cxn ang="0">
+                <a:pos x="connsiteX2" y="connsiteY2"/>
+              </a:cxn>
+            </a:cxnLst>
+            <a:rect l="l" t="t" r="r" b="b"/>
+            <a:pathLst>
+              <a:path w="3048000" h="203200">
+                <a:moveTo>
+                  <a:pt x="0" y="203200"/>
+                </a:moveTo>
+                <a:lnTo>
+                  <a:pt x="221673" y="0"/>
+                </a:lnTo>
+                <a:lnTo>
+                  <a:pt x="3048000" y="0"/>
+                </a:lnTo>
+              </a:path>
+            </a:pathLst>
+          </a:custGeom>
+          <a:noFill/>
+          <a:ln w="19050">
+            <a:solidFill>
+              <a:schemeClr val="accent3"/>
+            </a:solidFill>
+            <a:prstDash val="sysDot"/>
+            <a:headEnd type="none" w="med" len="med"/>
+            <a:tailEnd type="arrow" w="med" len="med"/>
+          </a:ln>
+          <a:effectLst/>
+        </p:spPr>
+        <p:style>
+          <a:lnRef idx="1">
+            <a:schemeClr val="accent2"/>
+          </a:lnRef>
+          <a:fillRef idx="2">
+            <a:schemeClr val="accent2"/>
+          </a:fillRef>
+          <a:effectRef idx="1">
+            <a:schemeClr val="accent2"/>
+          </a:effectRef>
+          <a:fontRef idx="minor">
+            <a:schemeClr val="dk1"/>
+          </a:fontRef>
+        </p:style>
+        <p:txBody>
+          <a:bodyPr rtlCol="0" anchor="ctr"/>
+          <a:lstStyle/>
+          <a:p>
+            <a:pPr algn="ctr"/>
+            <a:endParaRPr lang="en-SG"/>
+          </a:p>
+        </p:txBody>
+      </p:sp>
+      <p:cxnSp>
+        <p:nvCxnSpPr>
+          <p:cNvPr id="55" name="Elbow Connector 63">
+            <a:extLst>
+              <a:ext uri="{FF2B5EF4-FFF2-40B4-BE49-F238E27FC236}">
+                <a16:creationId xmlns:a16="http://schemas.microsoft.com/office/drawing/2014/main" id="{FF8DE650-26C9-4BA0-9FB2-454B15817AFA}"/>
+              </a:ext>
+            </a:extLst>
+          </p:cNvPr>
+          <p:cNvCxnSpPr>
+            <a:cxnSpLocks/>
+            <a:stCxn id="39" idx="2"/>
+            <a:endCxn id="46" idx="1"/>
+          </p:cNvCxnSpPr>
+          <p:nvPr/>
+        </p:nvCxnSpPr>
+        <p:spPr>
+          <a:xfrm rot="16200000" flipH="1">
+            <a:off x="1560112" y="3724039"/>
+            <a:ext cx="1886703" cy="174674"/>
+          </a:xfrm>
+          <a:prstGeom prst="bentConnector2">
+            <a:avLst/>
+          </a:prstGeom>
+          <a:ln w="19050">
+            <a:solidFill>
+              <a:schemeClr val="accent3"/>
+            </a:solidFill>
+            <a:headEnd type="none" w="med" len="med"/>
+            <a:tailEnd type="arrow" w="med" len="med"/>
+          </a:ln>
+          <a:effectLst/>
+        </p:spPr>
+        <p:style>
+          <a:lnRef idx="1">
+            <a:schemeClr val="accent2"/>
+          </a:lnRef>
+          <a:fillRef idx="2">
+            <a:schemeClr val="accent2"/>
+          </a:fillRef>
+          <a:effectRef idx="1">
+            <a:schemeClr val="accent2"/>
+          </a:effectRef>
+          <a:fontRef idx="minor">
+            <a:schemeClr val="dk1"/>
+          </a:fontRef>
+        </p:style>
+      </p:cxnSp>
+      <p:sp>
+        <p:nvSpPr>
+          <p:cNvPr id="57" name="Rectangle 11">
+            <a:extLst>
+              <a:ext uri="{FF2B5EF4-FFF2-40B4-BE49-F238E27FC236}">
+                <a16:creationId xmlns:a16="http://schemas.microsoft.com/office/drawing/2014/main" id="{D035B32D-902A-432A-BBA4-0589DAF70B9B}"/>
+              </a:ext>
+            </a:extLst>
+          </p:cNvPr>
+          <p:cNvSpPr/>
+          <p:nvPr/>
+        </p:nvSpPr>
+        <p:spPr>
+          <a:xfrm>
+            <a:off x="2613074" y="5269168"/>
+            <a:ext cx="1020359" cy="246020"/>
+          </a:xfrm>
+          <a:prstGeom prst="rect">
+            <a:avLst/>
+          </a:prstGeom>
+          <a:ln w="19050">
+            <a:solidFill>
+              <a:schemeClr val="accent3"/>
+            </a:solidFill>
+          </a:ln>
+          <a:effectLst/>
+        </p:spPr>
+        <p:style>
+          <a:lnRef idx="1">
+            <a:schemeClr val="accent3"/>
+          </a:lnRef>
+          <a:fillRef idx="2">
+            <a:schemeClr val="accent3"/>
+          </a:fillRef>
+          <a:effectRef idx="1">
+            <a:schemeClr val="accent3"/>
+          </a:effectRef>
+          <a:fontRef idx="minor">
+            <a:schemeClr val="dk1"/>
+          </a:fontRef>
+        </p:style>
+        <p:txBody>
+          <a:bodyPr rtlCol="0" anchor="ctr"/>
+          <a:lstStyle/>
+          <a:p>
+            <a:pPr algn="ctr"/>
+            <a:r>
+              <a:rPr lang="en-US" sz="1050" b="1" dirty="0" err="1">
+                <a:solidFill>
+                  <a:schemeClr val="accent3">
+                    <a:lumMod val="75000"/>
+                  </a:schemeClr>
+                </a:solidFill>
+              </a:rPr>
+              <a:t>ItemListPanel</a:t>
+            </a:r>
+            <a:endParaRPr lang="en-SG" sz="1050" b="1" dirty="0">
+              <a:solidFill>
+                <a:schemeClr val="accent3">
+                  <a:lumMod val="75000"/>
+                </a:schemeClr>
+              </a:solidFill>
+            </a:endParaRPr>
+          </a:p>
+        </p:txBody>
+      </p:sp>
+      <p:cxnSp>
+        <p:nvCxnSpPr>
+          <p:cNvPr id="59" name="Elbow Connector 63">
+            <a:extLst>
+              <a:ext uri="{FF2B5EF4-FFF2-40B4-BE49-F238E27FC236}">
+                <a16:creationId xmlns:a16="http://schemas.microsoft.com/office/drawing/2014/main" id="{CBA804DF-1331-4390-AA19-72A2B5038673}"/>
+              </a:ext>
+            </a:extLst>
+          </p:cNvPr>
+          <p:cNvCxnSpPr>
+            <a:cxnSpLocks/>
+            <a:stCxn id="16" idx="3"/>
+            <a:endCxn id="92" idx="3"/>
+          </p:cNvCxnSpPr>
+          <p:nvPr/>
+        </p:nvCxnSpPr>
+        <p:spPr>
+          <a:xfrm rot="5400000">
+            <a:off x="3647152" y="3748303"/>
+            <a:ext cx="3345121" cy="420514"/>
+          </a:xfrm>
+          <a:prstGeom prst="bentConnector2">
+            <a:avLst/>
+          </a:prstGeom>
+          <a:ln w="6350">
+            <a:solidFill>
+              <a:schemeClr val="accent3"/>
+            </a:solidFill>
+            <a:headEnd type="none" w="med" len="med"/>
+            <a:tailEnd type="none" w="med" len="med"/>
+          </a:ln>
+          <a:effectLst/>
+        </p:spPr>
+        <p:style>
+          <a:lnRef idx="1">
+            <a:schemeClr val="accent2"/>
+          </a:lnRef>
+          <a:fillRef idx="2">
+            <a:schemeClr val="accent2"/>
+          </a:fillRef>
+          <a:effectRef idx="1">
+            <a:schemeClr val="accent2"/>
+          </a:effectRef>
+          <a:fontRef idx="minor">
+            <a:schemeClr val="dk1"/>
+          </a:fontRef>
+        </p:style>
+      </p:cxnSp>
+      <p:cxnSp>
+        <p:nvCxnSpPr>
+          <p:cNvPr id="60" name="Elbow Connector 136">
+            <a:extLst>
+              <a:ext uri="{FF2B5EF4-FFF2-40B4-BE49-F238E27FC236}">
+                <a16:creationId xmlns:a16="http://schemas.microsoft.com/office/drawing/2014/main" id="{B7842E2F-F907-4253-AFD0-5D66309C7575}"/>
+              </a:ext>
+            </a:extLst>
+          </p:cNvPr>
+          <p:cNvCxnSpPr>
+            <a:cxnSpLocks/>
+            <a:stCxn id="57" idx="2"/>
+            <a:endCxn id="92" idx="1"/>
+          </p:cNvCxnSpPr>
+          <p:nvPr/>
+        </p:nvCxnSpPr>
+        <p:spPr>
+          <a:xfrm rot="16200000" flipH="1">
+            <a:off x="3484861" y="5153581"/>
+            <a:ext cx="115933" cy="839146"/>
+          </a:xfrm>
+          <a:prstGeom prst="bentConnector2">
+            <a:avLst/>
+          </a:prstGeom>
+          <a:ln w="19050">
+            <a:solidFill>
+              <a:schemeClr val="accent3"/>
+            </a:solidFill>
+            <a:headEnd type="none" w="med" len="med"/>
+            <a:tailEnd type="arrow" w="med" len="med"/>
+          </a:ln>
+          <a:effectLst/>
+        </p:spPr>
+        <p:style>
+          <a:lnRef idx="1">
+            <a:schemeClr val="accent2"/>
+          </a:lnRef>
+          <a:fillRef idx="2">
+            <a:schemeClr val="accent2"/>
+          </a:fillRef>
+          <a:effectRef idx="1">
+            <a:schemeClr val="accent2"/>
+          </a:effectRef>
+          <a:fontRef idx="minor">
+            <a:schemeClr val="dk1"/>
+          </a:fontRef>
+        </p:style>
+      </p:cxnSp>
+      <p:sp>
+        <p:nvSpPr>
+          <p:cNvPr id="61" name="Freeform 117">
+            <a:extLst>
+              <a:ext uri="{FF2B5EF4-FFF2-40B4-BE49-F238E27FC236}">
+                <a16:creationId xmlns:a16="http://schemas.microsoft.com/office/drawing/2014/main" id="{BC4651B5-A347-4926-8D08-4B0195A778F0}"/>
+              </a:ext>
+            </a:extLst>
+          </p:cNvPr>
+          <p:cNvSpPr/>
+          <p:nvPr/>
+        </p:nvSpPr>
+        <p:spPr>
+          <a:xfrm flipV="1">
+            <a:off x="4175782" y="5738260"/>
+            <a:ext cx="2559733" cy="162228"/>
+          </a:xfrm>
+          <a:custGeom>
+            <a:avLst/>
+            <a:gdLst>
+              <a:gd name="connsiteX0" fmla="*/ 0 w 3048000"/>
+              <a:gd name="connsiteY0" fmla="*/ 203200 h 203200"/>
+              <a:gd name="connsiteX1" fmla="*/ 221673 w 3048000"/>
+              <a:gd name="connsiteY1" fmla="*/ 0 h 203200"/>
+              <a:gd name="connsiteX2" fmla="*/ 3048000 w 3048000"/>
+              <a:gd name="connsiteY2" fmla="*/ 0 h 203200"/>
+            </a:gdLst>
+            <a:ahLst/>
+            <a:cxnLst>
+              <a:cxn ang="0">
+                <a:pos x="connsiteX0" y="connsiteY0"/>
+              </a:cxn>
+              <a:cxn ang="0">
+                <a:pos x="connsiteX1" y="connsiteY1"/>
+              </a:cxn>
+              <a:cxn ang="0">
+                <a:pos x="connsiteX2" y="connsiteY2"/>
+              </a:cxn>
+            </a:cxnLst>
+            <a:rect l="l" t="t" r="r" b="b"/>
+            <a:pathLst>
+              <a:path w="3048000" h="203200">
+                <a:moveTo>
+                  <a:pt x="0" y="203200"/>
+                </a:moveTo>
+                <a:lnTo>
+                  <a:pt x="221673" y="0"/>
+                </a:lnTo>
+                <a:lnTo>
+                  <a:pt x="3048000" y="0"/>
+                </a:lnTo>
+              </a:path>
+            </a:pathLst>
+          </a:custGeom>
+          <a:noFill/>
+          <a:ln w="19050">
+            <a:solidFill>
+              <a:schemeClr val="accent3"/>
+            </a:solidFill>
+            <a:prstDash val="sysDot"/>
+            <a:headEnd type="none" w="med" len="med"/>
+            <a:tailEnd type="arrow" w="med" len="med"/>
+          </a:ln>
+          <a:effectLst/>
+        </p:spPr>
+        <p:style>
+          <a:lnRef idx="1">
+            <a:schemeClr val="accent2"/>
+          </a:lnRef>
+          <a:fillRef idx="2">
+            <a:schemeClr val="accent2"/>
+          </a:fillRef>
+          <a:effectRef idx="1">
+            <a:schemeClr val="accent2"/>
+          </a:effectRef>
+          <a:fontRef idx="minor">
+            <a:schemeClr val="dk1"/>
+          </a:fontRef>
+        </p:style>
+        <p:txBody>
+          <a:bodyPr rtlCol="0" anchor="ctr"/>
+          <a:lstStyle/>
+          <a:p>
+            <a:pPr algn="ctr"/>
+            <a:endParaRPr lang="en-SG"/>
+          </a:p>
+        </p:txBody>
+      </p:sp>
+      <p:cxnSp>
+        <p:nvCxnSpPr>
+          <p:cNvPr id="62" name="Elbow Connector 63">
+            <a:extLst>
+              <a:ext uri="{FF2B5EF4-FFF2-40B4-BE49-F238E27FC236}">
+                <a16:creationId xmlns:a16="http://schemas.microsoft.com/office/drawing/2014/main" id="{B21686D0-7A53-414F-8C1D-6A9C235FF6E4}"/>
+              </a:ext>
+            </a:extLst>
+          </p:cNvPr>
+          <p:cNvCxnSpPr>
+            <a:cxnSpLocks/>
+            <a:stCxn id="39" idx="2"/>
+            <a:endCxn id="57" idx="1"/>
+          </p:cNvCxnSpPr>
+          <p:nvPr/>
+        </p:nvCxnSpPr>
+        <p:spPr>
+          <a:xfrm rot="16200000" flipH="1">
+            <a:off x="1252524" y="4031627"/>
+            <a:ext cx="2524153" cy="196948"/>
+          </a:xfrm>
+          <a:prstGeom prst="bentConnector2">
+            <a:avLst/>
+          </a:prstGeom>
+          <a:ln w="19050">
+            <a:solidFill>
+              <a:schemeClr val="accent3"/>
+            </a:solidFill>
+            <a:headEnd type="none" w="med" len="med"/>
+            <a:tailEnd type="arrow" w="med" len="med"/>
+          </a:ln>
+          <a:effectLst/>
+        </p:spPr>
+        <p:style>
+          <a:lnRef idx="1">
+            <a:schemeClr val="accent2"/>
+          </a:lnRef>
+          <a:fillRef idx="2">
+            <a:schemeClr val="accent2"/>
+          </a:fillRef>
+          <a:effectRef idx="1">
+            <a:schemeClr val="accent2"/>
+          </a:effectRef>
+          <a:fontRef idx="minor">
+            <a:schemeClr val="dk1"/>
+          </a:fontRef>
+        </p:style>
+      </p:cxnSp>
+      <p:sp>
+        <p:nvSpPr>
+          <p:cNvPr id="75" name="Rectangle 11">
+            <a:extLst>
+              <a:ext uri="{FF2B5EF4-FFF2-40B4-BE49-F238E27FC236}">
+                <a16:creationId xmlns:a16="http://schemas.microsoft.com/office/drawing/2014/main" id="{38B9029B-E8F4-42C4-A59B-2CFA317D6578}"/>
+              </a:ext>
+            </a:extLst>
+          </p:cNvPr>
+          <p:cNvSpPr/>
+          <p:nvPr/>
+        </p:nvSpPr>
+        <p:spPr>
+          <a:xfrm>
+            <a:off x="2635348" y="5830144"/>
+            <a:ext cx="1366726" cy="246020"/>
+          </a:xfrm>
+          <a:prstGeom prst="rect">
+            <a:avLst/>
+          </a:prstGeom>
+          <a:ln w="19050">
+            <a:solidFill>
+              <a:schemeClr val="accent3"/>
+            </a:solidFill>
+          </a:ln>
+          <a:effectLst/>
+        </p:spPr>
+        <p:style>
+          <a:lnRef idx="1">
+            <a:schemeClr val="accent3"/>
+          </a:lnRef>
+          <a:fillRef idx="2">
+            <a:schemeClr val="accent3"/>
+          </a:fillRef>
+          <a:effectRef idx="1">
+            <a:schemeClr val="accent3"/>
+          </a:effectRef>
+          <a:fontRef idx="minor">
+            <a:schemeClr val="dk1"/>
+          </a:fontRef>
+        </p:style>
+        <p:txBody>
+          <a:bodyPr rtlCol="0" anchor="ctr"/>
+          <a:lstStyle/>
+          <a:p>
+            <a:pPr algn="ctr"/>
+            <a:r>
+              <a:rPr lang="en-US" sz="1050" b="1" dirty="0" err="1">
+                <a:solidFill>
+                  <a:schemeClr val="accent3">
+                    <a:lumMod val="75000"/>
+                  </a:schemeClr>
+                </a:solidFill>
+              </a:rPr>
+              <a:t>ReservationListPanel</a:t>
+            </a:r>
+            <a:endParaRPr lang="en-SG" sz="1050" b="1" dirty="0">
+              <a:solidFill>
+                <a:schemeClr val="accent3">
+                  <a:lumMod val="75000"/>
+                </a:schemeClr>
+              </a:solidFill>
+            </a:endParaRPr>
+          </a:p>
+        </p:txBody>
+      </p:sp>
+      <p:sp>
+        <p:nvSpPr>
+          <p:cNvPr id="76" name="Rectangle 11">
+            <a:extLst>
+              <a:ext uri="{FF2B5EF4-FFF2-40B4-BE49-F238E27FC236}">
+                <a16:creationId xmlns:a16="http://schemas.microsoft.com/office/drawing/2014/main" id="{66FEF5AF-FDBB-4FD1-BB04-B343A11FA3B2}"/>
+              </a:ext>
+            </a:extLst>
+          </p:cNvPr>
+          <p:cNvSpPr/>
+          <p:nvPr/>
+        </p:nvSpPr>
+        <p:spPr>
+          <a:xfrm>
+            <a:off x="4110745" y="6098452"/>
+            <a:ext cx="1147055" cy="205374"/>
+          </a:xfrm>
+          <a:prstGeom prst="rect">
+            <a:avLst/>
+          </a:prstGeom>
+          <a:ln w="19050">
+            <a:solidFill>
+              <a:schemeClr val="accent3"/>
+            </a:solidFill>
+          </a:ln>
+          <a:effectLst/>
+        </p:spPr>
+        <p:style>
+          <a:lnRef idx="1">
+            <a:schemeClr val="accent3"/>
+          </a:lnRef>
+          <a:fillRef idx="2">
+            <a:schemeClr val="accent3"/>
+          </a:fillRef>
+          <a:effectRef idx="1">
+            <a:schemeClr val="accent3"/>
+          </a:effectRef>
+          <a:fontRef idx="minor">
+            <a:schemeClr val="dk1"/>
+          </a:fontRef>
+        </p:style>
+        <p:txBody>
+          <a:bodyPr rtlCol="0" anchor="ctr"/>
+          <a:lstStyle/>
+          <a:p>
+            <a:pPr algn="ctr"/>
+            <a:r>
+              <a:rPr lang="en-US" sz="1050" b="1" dirty="0" err="1">
+                <a:solidFill>
+                  <a:schemeClr val="accent3">
+                    <a:lumMod val="75000"/>
+                  </a:schemeClr>
+                </a:solidFill>
+              </a:rPr>
+              <a:t>ReservationCard</a:t>
+            </a:r>
+            <a:endParaRPr lang="en-SG" sz="1050" b="1" dirty="0">
+              <a:solidFill>
+                <a:schemeClr val="accent3">
+                  <a:lumMod val="75000"/>
+                </a:schemeClr>
+              </a:solidFill>
+            </a:endParaRPr>
+          </a:p>
+        </p:txBody>
+      </p:sp>
+      <p:cxnSp>
+        <p:nvCxnSpPr>
+          <p:cNvPr id="78" name="Elbow Connector 136">
+            <a:extLst>
+              <a:ext uri="{FF2B5EF4-FFF2-40B4-BE49-F238E27FC236}">
+                <a16:creationId xmlns:a16="http://schemas.microsoft.com/office/drawing/2014/main" id="{D55E06A5-3126-4D29-A739-D1DA5ED0D1C7}"/>
+              </a:ext>
+            </a:extLst>
+          </p:cNvPr>
+          <p:cNvCxnSpPr>
+            <a:cxnSpLocks/>
+            <a:stCxn id="75" idx="2"/>
+            <a:endCxn id="76" idx="1"/>
+          </p:cNvCxnSpPr>
+          <p:nvPr/>
+        </p:nvCxnSpPr>
+        <p:spPr>
+          <a:xfrm rot="16200000" flipH="1">
+            <a:off x="3652241" y="5742634"/>
+            <a:ext cx="124975" cy="792034"/>
+          </a:xfrm>
+          <a:prstGeom prst="bentConnector2">
+            <a:avLst/>
+          </a:prstGeom>
+          <a:ln w="19050">
+            <a:solidFill>
+              <a:schemeClr val="accent3"/>
+            </a:solidFill>
+            <a:headEnd type="none" w="med" len="med"/>
+            <a:tailEnd type="arrow" w="med" len="med"/>
+          </a:ln>
+          <a:effectLst/>
+        </p:spPr>
+        <p:style>
+          <a:lnRef idx="1">
+            <a:schemeClr val="accent2"/>
+          </a:lnRef>
+          <a:fillRef idx="2">
+            <a:schemeClr val="accent2"/>
+          </a:fillRef>
+          <a:effectRef idx="1">
+            <a:schemeClr val="accent2"/>
+          </a:effectRef>
+          <a:fontRef idx="minor">
+            <a:schemeClr val="dk1"/>
+          </a:fontRef>
+        </p:style>
+      </p:cxnSp>
+      <p:sp>
+        <p:nvSpPr>
+          <p:cNvPr id="79" name="Freeform 117">
+            <a:extLst>
+              <a:ext uri="{FF2B5EF4-FFF2-40B4-BE49-F238E27FC236}">
+                <a16:creationId xmlns:a16="http://schemas.microsoft.com/office/drawing/2014/main" id="{05E93C67-58DE-4236-B1EB-68190B6D1212}"/>
+              </a:ext>
+            </a:extLst>
+          </p:cNvPr>
+          <p:cNvSpPr/>
+          <p:nvPr/>
+        </p:nvSpPr>
+        <p:spPr>
+          <a:xfrm flipV="1">
+            <a:off x="4276950" y="6310191"/>
+            <a:ext cx="2443956" cy="117496"/>
+          </a:xfrm>
+          <a:custGeom>
+            <a:avLst/>
+            <a:gdLst>
+              <a:gd name="connsiteX0" fmla="*/ 0 w 3048000"/>
+              <a:gd name="connsiteY0" fmla="*/ 203200 h 203200"/>
+              <a:gd name="connsiteX1" fmla="*/ 221673 w 3048000"/>
+              <a:gd name="connsiteY1" fmla="*/ 0 h 203200"/>
+              <a:gd name="connsiteX2" fmla="*/ 3048000 w 3048000"/>
+              <a:gd name="connsiteY2" fmla="*/ 0 h 203200"/>
+            </a:gdLst>
+            <a:ahLst/>
+            <a:cxnLst>
+              <a:cxn ang="0">
+                <a:pos x="connsiteX0" y="connsiteY0"/>
+              </a:cxn>
+              <a:cxn ang="0">
+                <a:pos x="connsiteX1" y="connsiteY1"/>
+              </a:cxn>
+              <a:cxn ang="0">
+                <a:pos x="connsiteX2" y="connsiteY2"/>
+              </a:cxn>
+            </a:cxnLst>
+            <a:rect l="l" t="t" r="r" b="b"/>
+            <a:pathLst>
+              <a:path w="3048000" h="203200">
+                <a:moveTo>
+                  <a:pt x="0" y="203200"/>
+                </a:moveTo>
+                <a:lnTo>
+                  <a:pt x="221673" y="0"/>
+                </a:lnTo>
+                <a:lnTo>
+                  <a:pt x="3048000" y="0"/>
+                </a:lnTo>
+              </a:path>
+            </a:pathLst>
+          </a:custGeom>
+          <a:noFill/>
+          <a:ln w="19050">
+            <a:solidFill>
+              <a:schemeClr val="accent3"/>
+            </a:solidFill>
+            <a:prstDash val="sysDot"/>
+            <a:headEnd type="none" w="med" len="med"/>
+            <a:tailEnd type="arrow" w="med" len="med"/>
+          </a:ln>
+          <a:effectLst/>
+        </p:spPr>
+        <p:style>
+          <a:lnRef idx="1">
+            <a:schemeClr val="accent2"/>
+          </a:lnRef>
+          <a:fillRef idx="2">
+            <a:schemeClr val="accent2"/>
+          </a:fillRef>
+          <a:effectRef idx="1">
+            <a:schemeClr val="accent2"/>
+          </a:effectRef>
+          <a:fontRef idx="minor">
+            <a:schemeClr val="dk1"/>
+          </a:fontRef>
+        </p:style>
+        <p:txBody>
+          <a:bodyPr rtlCol="0" anchor="ctr"/>
+          <a:lstStyle/>
+          <a:p>
+            <a:pPr algn="ctr"/>
+            <a:endParaRPr lang="en-SG"/>
+          </a:p>
+        </p:txBody>
+      </p:sp>
+      <p:cxnSp>
+        <p:nvCxnSpPr>
+          <p:cNvPr id="80" name="Elbow Connector 63">
+            <a:extLst>
+              <a:ext uri="{FF2B5EF4-FFF2-40B4-BE49-F238E27FC236}">
+                <a16:creationId xmlns:a16="http://schemas.microsoft.com/office/drawing/2014/main" id="{BC1BE101-DC11-425D-966E-7788666C2509}"/>
+              </a:ext>
+            </a:extLst>
+          </p:cNvPr>
+          <p:cNvCxnSpPr>
+            <a:cxnSpLocks/>
+            <a:stCxn id="39" idx="2"/>
+            <a:endCxn id="75" idx="1"/>
+          </p:cNvCxnSpPr>
+          <p:nvPr/>
+        </p:nvCxnSpPr>
+        <p:spPr>
+          <a:xfrm rot="16200000" flipH="1">
+            <a:off x="983173" y="4300978"/>
+            <a:ext cx="3085129" cy="219222"/>
+          </a:xfrm>
+          <a:prstGeom prst="bentConnector2">
+            <a:avLst/>
+          </a:prstGeom>
+          <a:ln w="19050">
+            <a:solidFill>
+              <a:schemeClr val="accent3"/>
+            </a:solidFill>
+            <a:headEnd type="none" w="med" len="med"/>
+            <a:tailEnd type="arrow" w="med" len="med"/>
+          </a:ln>
+          <a:effectLst/>
+        </p:spPr>
+        <p:style>
+          <a:lnRef idx="1">
+            <a:schemeClr val="accent2"/>
+          </a:lnRef>
+          <a:fillRef idx="2">
+            <a:schemeClr val="accent2"/>
+          </a:fillRef>
+          <a:effectRef idx="1">
+            <a:schemeClr val="accent2"/>
+          </a:effectRef>
+          <a:fontRef idx="minor">
+            <a:schemeClr val="dk1"/>
+          </a:fontRef>
+        </p:style>
+      </p:cxnSp>
+      <p:sp>
+        <p:nvSpPr>
+          <p:cNvPr id="83" name="Rectangle 11">
+            <a:extLst>
+              <a:ext uri="{FF2B5EF4-FFF2-40B4-BE49-F238E27FC236}">
+                <a16:creationId xmlns:a16="http://schemas.microsoft.com/office/drawing/2014/main" id="{B0D4192D-55A2-4BCE-991F-68223CCD45E2}"/>
+              </a:ext>
+            </a:extLst>
+          </p:cNvPr>
+          <p:cNvSpPr/>
+          <p:nvPr/>
+        </p:nvSpPr>
+        <p:spPr>
+          <a:xfrm>
+            <a:off x="2620041" y="6412168"/>
+            <a:ext cx="1366726" cy="246020"/>
+          </a:xfrm>
+          <a:prstGeom prst="rect">
+            <a:avLst/>
+          </a:prstGeom>
+          <a:ln w="19050">
+            <a:solidFill>
+              <a:schemeClr val="accent3"/>
+            </a:solidFill>
+          </a:ln>
+          <a:effectLst/>
+        </p:spPr>
+        <p:style>
+          <a:lnRef idx="1">
+            <a:schemeClr val="accent3"/>
+          </a:lnRef>
+          <a:fillRef idx="2">
+            <a:schemeClr val="accent3"/>
+          </a:fillRef>
+          <a:effectRef idx="1">
+            <a:schemeClr val="accent3"/>
+          </a:effectRef>
+          <a:fontRef idx="minor">
+            <a:schemeClr val="dk1"/>
+          </a:fontRef>
+        </p:style>
+        <p:txBody>
+          <a:bodyPr rtlCol="0" anchor="ctr"/>
+          <a:lstStyle/>
+          <a:p>
+            <a:pPr algn="ctr"/>
+            <a:r>
+              <a:rPr lang="en-US" sz="1050" b="1" dirty="0" err="1">
+                <a:solidFill>
+                  <a:schemeClr val="accent3">
+                    <a:lumMod val="75000"/>
+                  </a:schemeClr>
+                </a:solidFill>
+              </a:rPr>
+              <a:t>RecordListPanel</a:t>
+            </a:r>
+            <a:endParaRPr lang="en-SG" sz="1050" b="1" dirty="0">
+              <a:solidFill>
+                <a:schemeClr val="accent3">
+                  <a:lumMod val="75000"/>
+                </a:schemeClr>
+              </a:solidFill>
+            </a:endParaRPr>
+          </a:p>
+        </p:txBody>
+      </p:sp>
+      <p:sp>
+        <p:nvSpPr>
+          <p:cNvPr id="84" name="Rectangle 11">
+            <a:extLst>
+              <a:ext uri="{FF2B5EF4-FFF2-40B4-BE49-F238E27FC236}">
+                <a16:creationId xmlns:a16="http://schemas.microsoft.com/office/drawing/2014/main" id="{D9E22B85-F282-4FE6-B0F4-F29D6A2799EB}"/>
+              </a:ext>
+            </a:extLst>
+          </p:cNvPr>
+          <p:cNvSpPr/>
+          <p:nvPr/>
+        </p:nvSpPr>
+        <p:spPr>
+          <a:xfrm>
+            <a:off x="4095438" y="6680476"/>
+            <a:ext cx="1147055" cy="205374"/>
+          </a:xfrm>
+          <a:prstGeom prst="rect">
+            <a:avLst/>
+          </a:prstGeom>
+          <a:ln w="19050">
+            <a:solidFill>
+              <a:schemeClr val="accent3"/>
+            </a:solidFill>
+          </a:ln>
+          <a:effectLst/>
+        </p:spPr>
+        <p:style>
+          <a:lnRef idx="1">
+            <a:schemeClr val="accent3"/>
+          </a:lnRef>
+          <a:fillRef idx="2">
+            <a:schemeClr val="accent3"/>
+          </a:fillRef>
+          <a:effectRef idx="1">
+            <a:schemeClr val="accent3"/>
+          </a:effectRef>
+          <a:fontRef idx="minor">
+            <a:schemeClr val="dk1"/>
+          </a:fontRef>
+        </p:style>
+        <p:txBody>
+          <a:bodyPr rtlCol="0" anchor="ctr"/>
+          <a:lstStyle/>
+          <a:p>
+            <a:pPr algn="ctr"/>
+            <a:r>
+              <a:rPr lang="en-US" sz="1050" b="1" dirty="0" err="1">
+                <a:solidFill>
+                  <a:schemeClr val="accent3">
+                    <a:lumMod val="75000"/>
+                  </a:schemeClr>
+                </a:solidFill>
+              </a:rPr>
+              <a:t>RecordCard</a:t>
+            </a:r>
+            <a:endParaRPr lang="en-SG" sz="1050" b="1" dirty="0">
+              <a:solidFill>
+                <a:schemeClr val="accent3">
+                  <a:lumMod val="75000"/>
+                </a:schemeClr>
+              </a:solidFill>
+            </a:endParaRPr>
+          </a:p>
+        </p:txBody>
+      </p:sp>
+      <p:cxnSp>
+        <p:nvCxnSpPr>
+          <p:cNvPr id="85" name="Elbow Connector 136">
+            <a:extLst>
+              <a:ext uri="{FF2B5EF4-FFF2-40B4-BE49-F238E27FC236}">
+                <a16:creationId xmlns:a16="http://schemas.microsoft.com/office/drawing/2014/main" id="{F2DA7E5D-640F-4DA9-A45E-D5CE3FFC3331}"/>
+              </a:ext>
+            </a:extLst>
+          </p:cNvPr>
+          <p:cNvCxnSpPr>
+            <a:cxnSpLocks/>
+            <a:stCxn id="83" idx="2"/>
+            <a:endCxn id="84" idx="1"/>
+          </p:cNvCxnSpPr>
+          <p:nvPr/>
+        </p:nvCxnSpPr>
+        <p:spPr>
+          <a:xfrm rot="16200000" flipH="1">
+            <a:off x="3636934" y="6324658"/>
+            <a:ext cx="124975" cy="792034"/>
+          </a:xfrm>
+          <a:prstGeom prst="bentConnector2">
+            <a:avLst/>
+          </a:prstGeom>
+          <a:ln w="19050">
+            <a:solidFill>
+              <a:schemeClr val="accent3"/>
+            </a:solidFill>
+            <a:headEnd type="none" w="med" len="med"/>
+            <a:tailEnd type="arrow" w="med" len="med"/>
+          </a:ln>
+          <a:effectLst/>
+        </p:spPr>
+        <p:style>
+          <a:lnRef idx="1">
+            <a:schemeClr val="accent2"/>
+          </a:lnRef>
+          <a:fillRef idx="2">
+            <a:schemeClr val="accent2"/>
+          </a:fillRef>
+          <a:effectRef idx="1">
+            <a:schemeClr val="accent2"/>
+          </a:effectRef>
+          <a:fontRef idx="minor">
+            <a:schemeClr val="dk1"/>
+          </a:fontRef>
+        </p:style>
+      </p:cxnSp>
+      <p:sp>
+        <p:nvSpPr>
+          <p:cNvPr id="86" name="Freeform 117">
+            <a:extLst>
+              <a:ext uri="{FF2B5EF4-FFF2-40B4-BE49-F238E27FC236}">
+                <a16:creationId xmlns:a16="http://schemas.microsoft.com/office/drawing/2014/main" id="{847D5359-7F96-4798-8755-BFC1481996A4}"/>
+              </a:ext>
+            </a:extLst>
+          </p:cNvPr>
+          <p:cNvSpPr/>
+          <p:nvPr/>
+        </p:nvSpPr>
+        <p:spPr>
+          <a:xfrm flipV="1">
+            <a:off x="4276950" y="6879830"/>
+            <a:ext cx="2458566" cy="117496"/>
+          </a:xfrm>
+          <a:custGeom>
+            <a:avLst/>
+            <a:gdLst>
+              <a:gd name="connsiteX0" fmla="*/ 0 w 3048000"/>
+              <a:gd name="connsiteY0" fmla="*/ 203200 h 203200"/>
+              <a:gd name="connsiteX1" fmla="*/ 221673 w 3048000"/>
+              <a:gd name="connsiteY1" fmla="*/ 0 h 203200"/>
+              <a:gd name="connsiteX2" fmla="*/ 3048000 w 3048000"/>
+              <a:gd name="connsiteY2" fmla="*/ 0 h 203200"/>
+            </a:gdLst>
+            <a:ahLst/>
+            <a:cxnLst>
+              <a:cxn ang="0">
+                <a:pos x="connsiteX0" y="connsiteY0"/>
+              </a:cxn>
+              <a:cxn ang="0">
+                <a:pos x="connsiteX1" y="connsiteY1"/>
+              </a:cxn>
+              <a:cxn ang="0">
+                <a:pos x="connsiteX2" y="connsiteY2"/>
+              </a:cxn>
+            </a:cxnLst>
+            <a:rect l="l" t="t" r="r" b="b"/>
+            <a:pathLst>
+              <a:path w="3048000" h="203200">
+                <a:moveTo>
+                  <a:pt x="0" y="203200"/>
+                </a:moveTo>
+                <a:lnTo>
+                  <a:pt x="221673" y="0"/>
+                </a:lnTo>
+                <a:lnTo>
+                  <a:pt x="3048000" y="0"/>
+                </a:lnTo>
+              </a:path>
+            </a:pathLst>
+          </a:custGeom>
+          <a:noFill/>
+          <a:ln w="19050">
+            <a:solidFill>
+              <a:schemeClr val="accent3"/>
+            </a:solidFill>
+            <a:prstDash val="sysDot"/>
+            <a:headEnd type="none" w="med" len="med"/>
+            <a:tailEnd type="arrow" w="med" len="med"/>
+          </a:ln>
+          <a:effectLst/>
+        </p:spPr>
+        <p:style>
+          <a:lnRef idx="1">
+            <a:schemeClr val="accent2"/>
+          </a:lnRef>
+          <a:fillRef idx="2">
+            <a:schemeClr val="accent2"/>
+          </a:fillRef>
+          <a:effectRef idx="1">
+            <a:schemeClr val="accent2"/>
+          </a:effectRef>
+          <a:fontRef idx="minor">
+            <a:schemeClr val="dk1"/>
+          </a:fontRef>
+        </p:style>
+        <p:txBody>
+          <a:bodyPr rtlCol="0" anchor="ctr"/>
+          <a:lstStyle/>
+          <a:p>
+            <a:pPr algn="ctr"/>
+            <a:endParaRPr lang="en-SG"/>
+          </a:p>
+        </p:txBody>
+      </p:sp>
+      <p:cxnSp>
+        <p:nvCxnSpPr>
+          <p:cNvPr id="87" name="Elbow Connector 63">
+            <a:extLst>
+              <a:ext uri="{FF2B5EF4-FFF2-40B4-BE49-F238E27FC236}">
+                <a16:creationId xmlns:a16="http://schemas.microsoft.com/office/drawing/2014/main" id="{5FD66F0D-40CA-4102-972B-88DD475AB16F}"/>
+              </a:ext>
+            </a:extLst>
+          </p:cNvPr>
+          <p:cNvCxnSpPr>
+            <a:cxnSpLocks/>
+            <a:stCxn id="39" idx="2"/>
+            <a:endCxn id="83" idx="1"/>
+          </p:cNvCxnSpPr>
+          <p:nvPr/>
+        </p:nvCxnSpPr>
+        <p:spPr>
+          <a:xfrm rot="16200000" flipH="1">
+            <a:off x="684507" y="4599643"/>
+            <a:ext cx="3667153" cy="203915"/>
+          </a:xfrm>
+          <a:prstGeom prst="bentConnector2">
+            <a:avLst/>
+          </a:prstGeom>
+          <a:ln w="19050">
+            <a:solidFill>
+              <a:schemeClr val="accent3"/>
+            </a:solidFill>
+            <a:headEnd type="none" w="med" len="med"/>
+            <a:tailEnd type="arrow" w="med" len="med"/>
+          </a:ln>
+          <a:effectLst/>
+        </p:spPr>
+        <p:style>
+          <a:lnRef idx="1">
+            <a:schemeClr val="accent2"/>
+          </a:lnRef>
+          <a:fillRef idx="2">
+            <a:schemeClr val="accent2"/>
+          </a:fillRef>
+          <a:effectRef idx="1">
+            <a:schemeClr val="accent2"/>
+          </a:effectRef>
+          <a:fontRef idx="minor">
+            <a:schemeClr val="dk1"/>
+          </a:fontRef>
+        </p:style>
+      </p:cxnSp>
+      <p:sp>
+        <p:nvSpPr>
+          <p:cNvPr id="92" name="Rectangle 11">
+            <a:extLst>
+              <a:ext uri="{FF2B5EF4-FFF2-40B4-BE49-F238E27FC236}">
+                <a16:creationId xmlns:a16="http://schemas.microsoft.com/office/drawing/2014/main" id="{386138D9-B0AB-43B2-8A61-F664C0320673}"/>
+              </a:ext>
+            </a:extLst>
+          </p:cNvPr>
+          <p:cNvSpPr/>
+          <p:nvPr/>
+        </p:nvSpPr>
+        <p:spPr>
+          <a:xfrm>
+            <a:off x="3962400" y="5528434"/>
+            <a:ext cx="1147055" cy="205374"/>
+          </a:xfrm>
+          <a:prstGeom prst="rect">
+            <a:avLst/>
+          </a:prstGeom>
+          <a:ln w="19050">
+            <a:solidFill>
+              <a:schemeClr val="accent3"/>
+            </a:solidFill>
+          </a:ln>
+          <a:effectLst/>
+        </p:spPr>
+        <p:style>
+          <a:lnRef idx="1">
+            <a:schemeClr val="accent3"/>
+          </a:lnRef>
+          <a:fillRef idx="2">
+            <a:schemeClr val="accent3"/>
+          </a:fillRef>
+          <a:effectRef idx="1">
+            <a:schemeClr val="accent3"/>
+          </a:effectRef>
+          <a:fontRef idx="minor">
+            <a:schemeClr val="dk1"/>
+          </a:fontRef>
+        </p:style>
+        <p:txBody>
+          <a:bodyPr rtlCol="0" anchor="ctr"/>
+          <a:lstStyle/>
+          <a:p>
+            <a:pPr algn="ctr"/>
+            <a:r>
+              <a:rPr lang="en-US" sz="1050" b="1" dirty="0" err="1">
+                <a:solidFill>
+                  <a:schemeClr val="accent3">
+                    <a:lumMod val="75000"/>
+                  </a:schemeClr>
+                </a:solidFill>
+              </a:rPr>
+              <a:t>ItemCard</a:t>
+            </a:r>
+            <a:endParaRPr lang="en-SG" sz="1050" b="1" dirty="0">
+              <a:solidFill>
+                <a:schemeClr val="accent3">
+                  <a:lumMod val="75000"/>
+                </a:schemeClr>
+              </a:solidFill>
+            </a:endParaRPr>
+          </a:p>
+        </p:txBody>
+      </p:sp>
+      <p:cxnSp>
+        <p:nvCxnSpPr>
+          <p:cNvPr id="97" name="Elbow Connector 63">
+            <a:extLst>
+              <a:ext uri="{FF2B5EF4-FFF2-40B4-BE49-F238E27FC236}">
+                <a16:creationId xmlns:a16="http://schemas.microsoft.com/office/drawing/2014/main" id="{11D0CB64-2D38-4F02-9993-DFB68283E852}"/>
+              </a:ext>
+            </a:extLst>
+          </p:cNvPr>
+          <p:cNvCxnSpPr>
+            <a:cxnSpLocks/>
+            <a:stCxn id="16" idx="3"/>
+            <a:endCxn id="84" idx="3"/>
+          </p:cNvCxnSpPr>
+          <p:nvPr/>
+        </p:nvCxnSpPr>
+        <p:spPr>
+          <a:xfrm rot="5400000">
+            <a:off x="3137650" y="4390843"/>
+            <a:ext cx="4497163" cy="287476"/>
+          </a:xfrm>
+          <a:prstGeom prst="bentConnector2">
+            <a:avLst/>
+          </a:prstGeom>
+          <a:ln w="6350">
+            <a:solidFill>
+              <a:schemeClr val="accent3"/>
+            </a:solidFill>
+            <a:headEnd type="none" w="med" len="med"/>
+            <a:tailEnd type="none" w="med" len="med"/>
+          </a:ln>
+          <a:effectLst/>
+        </p:spPr>
+        <p:style>
+          <a:lnRef idx="1">
+            <a:schemeClr val="accent2"/>
+          </a:lnRef>
+          <a:fillRef idx="2">
+            <a:schemeClr val="accent2"/>
+          </a:fillRef>
+          <a:effectRef idx="1">
+            <a:schemeClr val="accent2"/>
+          </a:effectRef>
+          <a:fontRef idx="minor">
+            <a:schemeClr val="dk1"/>
+          </a:fontRef>
+        </p:style>
+      </p:cxnSp>
+      <p:cxnSp>
+        <p:nvCxnSpPr>
+          <p:cNvPr id="100" name="Elbow Connector 63">
+            <a:extLst>
+              <a:ext uri="{FF2B5EF4-FFF2-40B4-BE49-F238E27FC236}">
+                <a16:creationId xmlns:a16="http://schemas.microsoft.com/office/drawing/2014/main" id="{C966CDF8-EDF4-4DDB-A43F-EF035D7779E2}"/>
+              </a:ext>
+            </a:extLst>
+          </p:cNvPr>
+          <p:cNvCxnSpPr>
+            <a:cxnSpLocks/>
+            <a:stCxn id="16" idx="3"/>
+            <a:endCxn id="76" idx="3"/>
+          </p:cNvCxnSpPr>
+          <p:nvPr/>
+        </p:nvCxnSpPr>
+        <p:spPr>
+          <a:xfrm rot="5400000">
+            <a:off x="3436316" y="4107485"/>
+            <a:ext cx="3915139" cy="272169"/>
+          </a:xfrm>
+          <a:prstGeom prst="bentConnector2">
+            <a:avLst/>
+          </a:prstGeom>
+          <a:ln w="6350">
+            <a:solidFill>
+              <a:schemeClr val="accent3"/>
+            </a:solidFill>
+            <a:headEnd type="none" w="med" len="med"/>
+            <a:tailEnd type="none" w="med" len="med"/>
+          </a:ln>
+          <a:effectLst/>
+        </p:spPr>
+        <p:style>
+          <a:lnRef idx="1">
+            <a:schemeClr val="accent2"/>
+          </a:lnRef>
+          <a:fillRef idx="2">
+            <a:schemeClr val="accent2"/>
+          </a:fillRef>
+          <a:effectRef idx="1">
+            <a:schemeClr val="accent2"/>
+          </a:effectRef>
+          <a:fontRef idx="minor">
+            <a:schemeClr val="dk1"/>
+          </a:fontRef>
+        </p:style>
+      </p:cxnSp>
     </p:spTree>
     <p:extLst>
       <p:ext uri="{BB962C8B-B14F-4D97-AF65-F5344CB8AC3E}">

--- a/docs/diagrams/UiComponentClassDiagram.pptx
+++ b/docs/diagrams/UiComponentClassDiagram.pptx
@@ -208,7 +208,7 @@
           <a:p>
             <a:fld id="{F5CC4B3F-88C1-4FFA-B1B6-F41C21DC6924}" type="datetimeFigureOut">
               <a:rPr lang="en-US" smtClean="0"/>
-              <a:t>1/7/2017</a:t>
+              <a:t>10-Nov-18</a:t>
             </a:fld>
             <a:endParaRPr lang="en-US"/>
           </a:p>
@@ -654,7 +654,7 @@
           <a:p>
             <a:fld id="{78C97017-6FC3-485B-9764-EAC9E56C1D49}" type="datetimeFigureOut">
               <a:rPr lang="en-US" smtClean="0"/>
-              <a:t>1/7/2017</a:t>
+              <a:t>10-Nov-18</a:t>
             </a:fld>
             <a:endParaRPr lang="en-US"/>
           </a:p>
@@ -822,7 +822,7 @@
           <a:p>
             <a:fld id="{78C97017-6FC3-485B-9764-EAC9E56C1D49}" type="datetimeFigureOut">
               <a:rPr lang="en-US" smtClean="0"/>
-              <a:t>1/7/2017</a:t>
+              <a:t>10-Nov-18</a:t>
             </a:fld>
             <a:endParaRPr lang="en-US"/>
           </a:p>
@@ -1000,7 +1000,7 @@
           <a:p>
             <a:fld id="{78C97017-6FC3-485B-9764-EAC9E56C1D49}" type="datetimeFigureOut">
               <a:rPr lang="en-US" smtClean="0"/>
-              <a:t>1/7/2017</a:t>
+              <a:t>10-Nov-18</a:t>
             </a:fld>
             <a:endParaRPr lang="en-US"/>
           </a:p>
@@ -1168,7 +1168,7 @@
           <a:p>
             <a:fld id="{78C97017-6FC3-485B-9764-EAC9E56C1D49}" type="datetimeFigureOut">
               <a:rPr lang="en-US" smtClean="0"/>
-              <a:t>1/7/2017</a:t>
+              <a:t>10-Nov-18</a:t>
             </a:fld>
             <a:endParaRPr lang="en-US"/>
           </a:p>
@@ -1413,7 +1413,7 @@
           <a:p>
             <a:fld id="{78C97017-6FC3-485B-9764-EAC9E56C1D49}" type="datetimeFigureOut">
               <a:rPr lang="en-US" smtClean="0"/>
-              <a:t>1/7/2017</a:t>
+              <a:t>10-Nov-18</a:t>
             </a:fld>
             <a:endParaRPr lang="en-US"/>
           </a:p>
@@ -1698,7 +1698,7 @@
           <a:p>
             <a:fld id="{78C97017-6FC3-485B-9764-EAC9E56C1D49}" type="datetimeFigureOut">
               <a:rPr lang="en-US" smtClean="0"/>
-              <a:t>1/7/2017</a:t>
+              <a:t>10-Nov-18</a:t>
             </a:fld>
             <a:endParaRPr lang="en-US"/>
           </a:p>
@@ -2117,7 +2117,7 @@
           <a:p>
             <a:fld id="{78C97017-6FC3-485B-9764-EAC9E56C1D49}" type="datetimeFigureOut">
               <a:rPr lang="en-US" smtClean="0"/>
-              <a:t>1/7/2017</a:t>
+              <a:t>10-Nov-18</a:t>
             </a:fld>
             <a:endParaRPr lang="en-US"/>
           </a:p>
@@ -2234,7 +2234,7 @@
           <a:p>
             <a:fld id="{78C97017-6FC3-485B-9764-EAC9E56C1D49}" type="datetimeFigureOut">
               <a:rPr lang="en-US" smtClean="0"/>
-              <a:t>1/7/2017</a:t>
+              <a:t>10-Nov-18</a:t>
             </a:fld>
             <a:endParaRPr lang="en-US"/>
           </a:p>
@@ -2329,7 +2329,7 @@
           <a:p>
             <a:fld id="{78C97017-6FC3-485B-9764-EAC9E56C1D49}" type="datetimeFigureOut">
               <a:rPr lang="en-US" smtClean="0"/>
-              <a:t>1/7/2017</a:t>
+              <a:t>10-Nov-18</a:t>
             </a:fld>
             <a:endParaRPr lang="en-US"/>
           </a:p>
@@ -2604,7 +2604,7 @@
           <a:p>
             <a:fld id="{78C97017-6FC3-485B-9764-EAC9E56C1D49}" type="datetimeFigureOut">
               <a:rPr lang="en-US" smtClean="0"/>
-              <a:t>1/7/2017</a:t>
+              <a:t>10-Nov-18</a:t>
             </a:fld>
             <a:endParaRPr lang="en-US"/>
           </a:p>
@@ -2856,7 +2856,7 @@
           <a:p>
             <a:fld id="{78C97017-6FC3-485B-9764-EAC9E56C1D49}" type="datetimeFigureOut">
               <a:rPr lang="en-US" smtClean="0"/>
-              <a:t>1/7/2017</a:t>
+              <a:t>10-Nov-18</a:t>
             </a:fld>
             <a:endParaRPr lang="en-US"/>
           </a:p>
@@ -3067,7 +3067,7 @@
           <a:p>
             <a:fld id="{78C97017-6FC3-485B-9764-EAC9E56C1D49}" type="datetimeFigureOut">
               <a:rPr lang="en-US" smtClean="0"/>
-              <a:t>1/7/2017</a:t>
+              <a:t>10-Nov-18</a:t>
             </a:fld>
             <a:endParaRPr lang="en-US"/>
           </a:p>
@@ -3451,7 +3451,7 @@
         <p:spPr>
           <a:xfrm>
             <a:off x="1217465" y="1447800"/>
-            <a:ext cx="4917083" cy="3962400"/>
+            <a:ext cx="4917083" cy="4419600"/>
           </a:xfrm>
           <a:prstGeom prst="roundRect">
             <a:avLst>
@@ -3925,7 +3925,7 @@
                   </a:schemeClr>
                 </a:solidFill>
               </a:rPr>
-              <a:t>BrowserPanel</a:t>
+              <a:t>TaskListPanel</a:t>
             </a:r>
             <a:endParaRPr lang="en-SG" sz="1050" b="1" dirty="0">
               <a:solidFill>
@@ -3939,13 +3939,13 @@
       </p:sp>
       <p:sp>
         <p:nvSpPr>
-          <p:cNvPr id="35" name="Rectangle 11"/>
+          <p:cNvPr id="36" name="Rectangle 11"/>
           <p:cNvSpPr/>
           <p:nvPr/>
         </p:nvSpPr>
         <p:spPr>
           <a:xfrm>
-            <a:off x="2592527" y="4563759"/>
+            <a:off x="2592526" y="3991960"/>
             <a:ext cx="1093635" cy="236841"/>
           </a:xfrm>
           <a:prstGeom prst="rect">
@@ -3985,7 +3985,7 @@
                   </a:schemeClr>
                 </a:solidFill>
               </a:rPr>
-              <a:t>StatusBarFooter</a:t>
+              <a:t>CalendarPanel</a:t>
             </a:r>
             <a:endParaRPr lang="en-SG" sz="1050" b="1" dirty="0">
               <a:solidFill>
@@ -3999,14 +3999,14 @@
       </p:sp>
       <p:sp>
         <p:nvSpPr>
-          <p:cNvPr id="36" name="Rectangle 11"/>
+          <p:cNvPr id="37" name="Rectangle 11"/>
           <p:cNvSpPr/>
           <p:nvPr/>
         </p:nvSpPr>
         <p:spPr>
           <a:xfrm>
-            <a:off x="2592526" y="3991960"/>
-            <a:ext cx="1093635" cy="236841"/>
+            <a:off x="3839322" y="4228801"/>
+            <a:ext cx="1304625" cy="236841"/>
           </a:xfrm>
           <a:prstGeom prst="rect">
             <a:avLst/>
@@ -4045,7 +4045,7 @@
                   </a:schemeClr>
                 </a:solidFill>
               </a:rPr>
-              <a:t>PersonListPanel</a:t>
+              <a:t>CalendarEventCard</a:t>
             </a:r>
             <a:endParaRPr lang="en-SG" sz="1050" b="1" dirty="0">
               <a:solidFill>
@@ -4059,73 +4059,13 @@
       </p:sp>
       <p:sp>
         <p:nvSpPr>
-          <p:cNvPr id="37" name="Rectangle 11"/>
-          <p:cNvSpPr/>
-          <p:nvPr/>
-        </p:nvSpPr>
-        <p:spPr>
-          <a:xfrm>
-            <a:off x="3839323" y="4228801"/>
-            <a:ext cx="1040906" cy="236841"/>
-          </a:xfrm>
-          <a:prstGeom prst="rect">
-            <a:avLst/>
-          </a:prstGeom>
-          <a:ln w="19050">
-            <a:solidFill>
-              <a:schemeClr val="accent3"/>
-            </a:solidFill>
-          </a:ln>
-          <a:effectLst/>
-        </p:spPr>
-        <p:style>
-          <a:lnRef idx="1">
-            <a:schemeClr val="accent3"/>
-          </a:lnRef>
-          <a:fillRef idx="2">
-            <a:schemeClr val="accent3"/>
-          </a:fillRef>
-          <a:effectRef idx="1">
-            <a:schemeClr val="accent3"/>
-          </a:effectRef>
-          <a:fontRef idx="minor">
-            <a:schemeClr val="dk1"/>
-          </a:fontRef>
-        </p:style>
-        <p:txBody>
-          <a:bodyPr rtlCol="0" anchor="ctr"/>
-          <a:lstStyle/>
-          <a:p>
-            <a:pPr algn="ctr"/>
-            <a:r>
-              <a:rPr lang="en-US" sz="1050" b="1" dirty="0" err="1">
-                <a:solidFill>
-                  <a:schemeClr val="accent3">
-                    <a:lumMod val="75000"/>
-                  </a:schemeClr>
-                </a:solidFill>
-              </a:rPr>
-              <a:t>PersonCard</a:t>
-            </a:r>
-            <a:endParaRPr lang="en-SG" sz="1050" b="1" dirty="0">
-              <a:solidFill>
-                <a:schemeClr val="accent3">
-                  <a:lumMod val="75000"/>
-                </a:schemeClr>
-              </a:solidFill>
-            </a:endParaRPr>
-          </a:p>
-        </p:txBody>
-      </p:sp>
-      <p:sp>
-        <p:nvSpPr>
           <p:cNvPr id="38" name="Rectangle 11"/>
           <p:cNvSpPr/>
           <p:nvPr/>
         </p:nvSpPr>
         <p:spPr>
           <a:xfrm>
-            <a:off x="2592528" y="4966000"/>
+            <a:off x="2580933" y="5401959"/>
             <a:ext cx="1093635" cy="236841"/>
           </a:xfrm>
           <a:prstGeom prst="rect">
@@ -4410,57 +4350,18 @@
       </p:cxnSp>
       <p:cxnSp>
         <p:nvCxnSpPr>
-          <p:cNvPr id="50" name="Elbow Connector 63"/>
-          <p:cNvCxnSpPr>
-            <a:stCxn id="39" idx="2"/>
-            <a:endCxn id="35" idx="1"/>
-          </p:cNvCxnSpPr>
-          <p:nvPr/>
-        </p:nvCxnSpPr>
-        <p:spPr>
-          <a:xfrm rot="16200000" flipH="1">
-            <a:off x="1597249" y="3686901"/>
-            <a:ext cx="1814155" cy="176401"/>
-          </a:xfrm>
-          <a:prstGeom prst="bentConnector2">
-            <a:avLst/>
-          </a:prstGeom>
-          <a:ln w="19050">
-            <a:solidFill>
-              <a:schemeClr val="accent3"/>
-            </a:solidFill>
-            <a:headEnd type="none" w="med" len="med"/>
-            <a:tailEnd type="arrow" w="med" len="med"/>
-          </a:ln>
-          <a:effectLst/>
-        </p:spPr>
-        <p:style>
-          <a:lnRef idx="1">
-            <a:schemeClr val="accent2"/>
-          </a:lnRef>
-          <a:fillRef idx="2">
-            <a:schemeClr val="accent2"/>
-          </a:fillRef>
-          <a:effectRef idx="1">
-            <a:schemeClr val="accent2"/>
-          </a:effectRef>
-          <a:fontRef idx="minor">
-            <a:schemeClr val="dk1"/>
-          </a:fontRef>
-        </p:style>
-      </p:cxnSp>
-      <p:cxnSp>
-        <p:nvCxnSpPr>
           <p:cNvPr id="53" name="Elbow Connector 63"/>
           <p:cNvCxnSpPr>
+            <a:cxnSpLocks/>
+            <a:stCxn id="39" idx="2"/>
             <a:endCxn id="38" idx="1"/>
           </p:cNvCxnSpPr>
           <p:nvPr/>
         </p:nvCxnSpPr>
         <p:spPr>
           <a:xfrm rot="16200000" flipH="1">
-            <a:off x="1184119" y="3676012"/>
-            <a:ext cx="2396440" cy="420377"/>
+            <a:off x="1172352" y="4111798"/>
+            <a:ext cx="2652355" cy="164807"/>
           </a:xfrm>
           <a:prstGeom prst="bentConnector2">
             <a:avLst/>
@@ -4572,6 +4473,7 @@
         <p:nvCxnSpPr>
           <p:cNvPr id="74" name="Elbow Connector 63"/>
           <p:cNvCxnSpPr>
+            <a:cxnSpLocks/>
             <a:stCxn id="43" idx="3"/>
             <a:endCxn id="16" idx="3"/>
           </p:cNvCxnSpPr>
@@ -4613,6 +4515,7 @@
         <p:nvCxnSpPr>
           <p:cNvPr id="77" name="Elbow Connector 63"/>
           <p:cNvCxnSpPr>
+            <a:cxnSpLocks/>
             <a:stCxn id="16" idx="3"/>
             <a:endCxn id="37" idx="3"/>
           </p:cNvCxnSpPr>
@@ -4620,8 +4523,8 @@
         </p:nvCxnSpPr>
         <p:spPr>
           <a:xfrm rot="5400000">
-            <a:off x="4174488" y="2991741"/>
-            <a:ext cx="2061222" cy="649740"/>
+            <a:off x="4306347" y="3123600"/>
+            <a:ext cx="2061222" cy="386022"/>
           </a:xfrm>
           <a:prstGeom prst="bentConnector2">
             <a:avLst/>
@@ -4734,47 +4637,6 @@
       </p:cxnSp>
       <p:cxnSp>
         <p:nvCxnSpPr>
-          <p:cNvPr id="91" name="Elbow Connector 63"/>
-          <p:cNvCxnSpPr>
-            <a:stCxn id="16" idx="3"/>
-            <a:endCxn id="35" idx="3"/>
-          </p:cNvCxnSpPr>
-          <p:nvPr/>
-        </p:nvCxnSpPr>
-        <p:spPr>
-          <a:xfrm rot="5400000">
-            <a:off x="3409976" y="2562187"/>
-            <a:ext cx="2396180" cy="1843807"/>
-          </a:xfrm>
-          <a:prstGeom prst="bentConnector2">
-            <a:avLst/>
-          </a:prstGeom>
-          <a:ln w="6350">
-            <a:solidFill>
-              <a:schemeClr val="accent3"/>
-            </a:solidFill>
-            <a:headEnd type="none" w="med" len="med"/>
-            <a:tailEnd type="none" w="med" len="med"/>
-          </a:ln>
-          <a:effectLst/>
-        </p:spPr>
-        <p:style>
-          <a:lnRef idx="1">
-            <a:schemeClr val="accent2"/>
-          </a:lnRef>
-          <a:fillRef idx="2">
-            <a:schemeClr val="accent2"/>
-          </a:fillRef>
-          <a:effectRef idx="1">
-            <a:schemeClr val="accent2"/>
-          </a:effectRef>
-          <a:fontRef idx="minor">
-            <a:schemeClr val="dk1"/>
-          </a:fontRef>
-        </p:style>
-      </p:cxnSp>
-      <p:cxnSp>
-        <p:nvCxnSpPr>
           <p:cNvPr id="94" name="Elbow Connector 63"/>
           <p:cNvCxnSpPr>
             <a:stCxn id="16" idx="3"/>
@@ -4784,8 +4646,8 @@
         </p:nvCxnSpPr>
         <p:spPr>
           <a:xfrm rot="5400000">
-            <a:off x="3208856" y="2763307"/>
-            <a:ext cx="2798421" cy="1843806"/>
+            <a:off x="2985079" y="2975490"/>
+            <a:ext cx="3234380" cy="1855401"/>
           </a:xfrm>
           <a:prstGeom prst="bentConnector2">
             <a:avLst/>
@@ -4863,8 +4725,8 @@
         </p:nvSpPr>
         <p:spPr>
           <a:xfrm rot="16200000">
-            <a:off x="6213739" y="4560376"/>
-            <a:ext cx="1371599" cy="328045"/>
+            <a:off x="5970530" y="4788976"/>
+            <a:ext cx="1828801" cy="328045"/>
           </a:xfrm>
           <a:prstGeom prst="roundRect">
             <a:avLst/>
@@ -5161,6 +5023,7 @@
         <p:nvCxnSpPr>
           <p:cNvPr id="137" name="Elbow Connector 136"/>
           <p:cNvCxnSpPr>
+            <a:cxnSpLocks/>
             <a:stCxn id="36" idx="2"/>
             <a:endCxn id="37" idx="1"/>
           </p:cNvCxnSpPr>
@@ -5168,8 +5031,8 @@
         </p:nvCxnSpPr>
         <p:spPr>
           <a:xfrm rot="16200000" flipH="1">
-            <a:off x="3430123" y="3938021"/>
-            <a:ext cx="118421" cy="699979"/>
+            <a:off x="3430123" y="3938022"/>
+            <a:ext cx="118421" cy="699978"/>
           </a:xfrm>
           <a:prstGeom prst="bentConnector2">
             <a:avLst/>
@@ -5509,6 +5372,396 @@
           </a:p>
         </p:txBody>
       </p:sp>
+      <p:sp>
+        <p:nvSpPr>
+          <p:cNvPr id="51" name="Rectangle 11">
+            <a:extLst>
+              <a:ext uri="{FF2B5EF4-FFF2-40B4-BE49-F238E27FC236}">
+                <a16:creationId xmlns:a16="http://schemas.microsoft.com/office/drawing/2014/main" id="{2E9AED5F-BBC7-4069-80E1-39D2A746B3DE}"/>
+              </a:ext>
+            </a:extLst>
+          </p:cNvPr>
+          <p:cNvSpPr/>
+          <p:nvPr/>
+        </p:nvSpPr>
+        <p:spPr>
+          <a:xfrm>
+            <a:off x="2580933" y="4465641"/>
+            <a:ext cx="1093635" cy="236841"/>
+          </a:xfrm>
+          <a:prstGeom prst="rect">
+            <a:avLst/>
+          </a:prstGeom>
+          <a:ln w="19050">
+            <a:solidFill>
+              <a:schemeClr val="accent3"/>
+            </a:solidFill>
+          </a:ln>
+          <a:effectLst/>
+        </p:spPr>
+        <p:style>
+          <a:lnRef idx="1">
+            <a:schemeClr val="accent3"/>
+          </a:lnRef>
+          <a:fillRef idx="2">
+            <a:schemeClr val="accent3"/>
+          </a:fillRef>
+          <a:effectRef idx="1">
+            <a:schemeClr val="accent3"/>
+          </a:effectRef>
+          <a:fontRef idx="minor">
+            <a:schemeClr val="dk1"/>
+          </a:fontRef>
+        </p:style>
+        <p:txBody>
+          <a:bodyPr rtlCol="0" anchor="ctr"/>
+          <a:lstStyle/>
+          <a:p>
+            <a:pPr algn="ctr"/>
+            <a:r>
+              <a:rPr lang="en-US" sz="1050" b="1" dirty="0" err="1">
+                <a:solidFill>
+                  <a:schemeClr val="accent3">
+                    <a:lumMod val="75000"/>
+                  </a:schemeClr>
+                </a:solidFill>
+              </a:rPr>
+              <a:t>CalendarDisplay</a:t>
+            </a:r>
+            <a:endParaRPr lang="en-SG" sz="1050" b="1" dirty="0">
+              <a:solidFill>
+                <a:schemeClr val="accent3">
+                  <a:lumMod val="75000"/>
+                </a:schemeClr>
+              </a:solidFill>
+            </a:endParaRPr>
+          </a:p>
+        </p:txBody>
+      </p:sp>
+      <p:sp>
+        <p:nvSpPr>
+          <p:cNvPr id="54" name="Rectangle 11">
+            <a:extLst>
+              <a:ext uri="{FF2B5EF4-FFF2-40B4-BE49-F238E27FC236}">
+                <a16:creationId xmlns:a16="http://schemas.microsoft.com/office/drawing/2014/main" id="{FC1C5B5E-DA8B-4A82-B3E8-D9F61A8BEC2C}"/>
+              </a:ext>
+            </a:extLst>
+          </p:cNvPr>
+          <p:cNvSpPr/>
+          <p:nvPr/>
+        </p:nvSpPr>
+        <p:spPr>
+          <a:xfrm>
+            <a:off x="3838461" y="5053293"/>
+            <a:ext cx="1419341" cy="236841"/>
+          </a:xfrm>
+          <a:prstGeom prst="rect">
+            <a:avLst/>
+          </a:prstGeom>
+          <a:ln w="19050">
+            <a:solidFill>
+              <a:schemeClr val="accent3"/>
+            </a:solidFill>
+          </a:ln>
+          <a:effectLst/>
+        </p:spPr>
+        <p:style>
+          <a:lnRef idx="1">
+            <a:schemeClr val="accent3"/>
+          </a:lnRef>
+          <a:fillRef idx="2">
+            <a:schemeClr val="accent3"/>
+          </a:fillRef>
+          <a:effectRef idx="1">
+            <a:schemeClr val="accent3"/>
+          </a:effectRef>
+          <a:fontRef idx="minor">
+            <a:schemeClr val="dk1"/>
+          </a:fontRef>
+        </p:style>
+        <p:txBody>
+          <a:bodyPr rtlCol="0" anchor="ctr"/>
+          <a:lstStyle/>
+          <a:p>
+            <a:pPr algn="ctr"/>
+            <a:r>
+              <a:rPr lang="en-US" sz="1050" b="1" dirty="0">
+                <a:solidFill>
+                  <a:schemeClr val="accent3">
+                    <a:lumMod val="75000"/>
+                  </a:schemeClr>
+                </a:solidFill>
+              </a:rPr>
+              <a:t>Agenda</a:t>
+            </a:r>
+            <a:endParaRPr lang="en-SG" sz="1050" b="1" dirty="0">
+              <a:solidFill>
+                <a:schemeClr val="accent3">
+                  <a:lumMod val="75000"/>
+                </a:schemeClr>
+              </a:solidFill>
+            </a:endParaRPr>
+          </a:p>
+        </p:txBody>
+      </p:sp>
+      <p:cxnSp>
+        <p:nvCxnSpPr>
+          <p:cNvPr id="55" name="Elbow Connector 136">
+            <a:extLst>
+              <a:ext uri="{FF2B5EF4-FFF2-40B4-BE49-F238E27FC236}">
+                <a16:creationId xmlns:a16="http://schemas.microsoft.com/office/drawing/2014/main" id="{AE59F681-97A6-429C-B0BB-2F8C45695304}"/>
+              </a:ext>
+            </a:extLst>
+          </p:cNvPr>
+          <p:cNvCxnSpPr>
+            <a:cxnSpLocks/>
+            <a:stCxn id="51" idx="2"/>
+            <a:endCxn id="54" idx="1"/>
+          </p:cNvCxnSpPr>
+          <p:nvPr/>
+        </p:nvCxnSpPr>
+        <p:spPr>
+          <a:xfrm rot="16200000" flipH="1">
+            <a:off x="3248490" y="4581743"/>
+            <a:ext cx="469232" cy="710710"/>
+          </a:xfrm>
+          <a:prstGeom prst="bentConnector2">
+            <a:avLst/>
+          </a:prstGeom>
+          <a:ln w="19050">
+            <a:solidFill>
+              <a:schemeClr val="accent3"/>
+            </a:solidFill>
+            <a:headEnd type="none" w="med" len="med"/>
+            <a:tailEnd type="arrow" w="med" len="med"/>
+          </a:ln>
+          <a:effectLst/>
+        </p:spPr>
+        <p:style>
+          <a:lnRef idx="1">
+            <a:schemeClr val="accent2"/>
+          </a:lnRef>
+          <a:fillRef idx="2">
+            <a:schemeClr val="accent2"/>
+          </a:fillRef>
+          <a:effectRef idx="1">
+            <a:schemeClr val="accent2"/>
+          </a:effectRef>
+          <a:fontRef idx="minor">
+            <a:schemeClr val="dk1"/>
+          </a:fontRef>
+        </p:style>
+      </p:cxnSp>
+      <p:cxnSp>
+        <p:nvCxnSpPr>
+          <p:cNvPr id="56" name="Elbow Connector 63">
+            <a:extLst>
+              <a:ext uri="{FF2B5EF4-FFF2-40B4-BE49-F238E27FC236}">
+                <a16:creationId xmlns:a16="http://schemas.microsoft.com/office/drawing/2014/main" id="{C5D7BD1F-0FFD-45A7-9738-69A22CCDB328}"/>
+              </a:ext>
+            </a:extLst>
+          </p:cNvPr>
+          <p:cNvCxnSpPr>
+            <a:cxnSpLocks/>
+            <a:stCxn id="39" idx="2"/>
+            <a:endCxn id="51" idx="1"/>
+          </p:cNvCxnSpPr>
+          <p:nvPr/>
+        </p:nvCxnSpPr>
+        <p:spPr>
+          <a:xfrm rot="16200000" flipH="1">
+            <a:off x="1640511" y="3643639"/>
+            <a:ext cx="1716037" cy="164807"/>
+          </a:xfrm>
+          <a:prstGeom prst="bentConnector2">
+            <a:avLst/>
+          </a:prstGeom>
+          <a:ln w="19050">
+            <a:solidFill>
+              <a:schemeClr val="accent3"/>
+            </a:solidFill>
+            <a:headEnd type="none" w="med" len="med"/>
+            <a:tailEnd type="arrow" w="med" len="med"/>
+          </a:ln>
+          <a:effectLst/>
+        </p:spPr>
+        <p:style>
+          <a:lnRef idx="1">
+            <a:schemeClr val="accent2"/>
+          </a:lnRef>
+          <a:fillRef idx="2">
+            <a:schemeClr val="accent2"/>
+          </a:fillRef>
+          <a:effectRef idx="1">
+            <a:schemeClr val="accent2"/>
+          </a:effectRef>
+          <a:fontRef idx="minor">
+            <a:schemeClr val="dk1"/>
+          </a:fontRef>
+        </p:style>
+      </p:cxnSp>
+      <p:sp>
+        <p:nvSpPr>
+          <p:cNvPr id="61" name="Rectangle 11">
+            <a:extLst>
+              <a:ext uri="{FF2B5EF4-FFF2-40B4-BE49-F238E27FC236}">
+                <a16:creationId xmlns:a16="http://schemas.microsoft.com/office/drawing/2014/main" id="{D6687878-D183-4606-A24B-091A4DAD2544}"/>
+              </a:ext>
+            </a:extLst>
+          </p:cNvPr>
+          <p:cNvSpPr/>
+          <p:nvPr/>
+        </p:nvSpPr>
+        <p:spPr>
+          <a:xfrm>
+            <a:off x="3838460" y="4752255"/>
+            <a:ext cx="1419341" cy="236841"/>
+          </a:xfrm>
+          <a:prstGeom prst="rect">
+            <a:avLst/>
+          </a:prstGeom>
+          <a:ln w="19050">
+            <a:solidFill>
+              <a:schemeClr val="accent3"/>
+            </a:solidFill>
+          </a:ln>
+          <a:effectLst/>
+        </p:spPr>
+        <p:style>
+          <a:lnRef idx="1">
+            <a:schemeClr val="accent3"/>
+          </a:lnRef>
+          <a:fillRef idx="2">
+            <a:schemeClr val="accent3"/>
+          </a:fillRef>
+          <a:effectRef idx="1">
+            <a:schemeClr val="accent3"/>
+          </a:effectRef>
+          <a:fontRef idx="minor">
+            <a:schemeClr val="dk1"/>
+          </a:fontRef>
+        </p:style>
+        <p:txBody>
+          <a:bodyPr rtlCol="0" anchor="ctr"/>
+          <a:lstStyle/>
+          <a:p>
+            <a:pPr algn="ctr"/>
+            <a:r>
+              <a:rPr lang="en-US" sz="1050" b="1" dirty="0" err="1">
+                <a:solidFill>
+                  <a:schemeClr val="accent3">
+                    <a:lumMod val="75000"/>
+                  </a:schemeClr>
+                </a:solidFill>
+              </a:rPr>
+              <a:t>CalendarEventDialog</a:t>
+            </a:r>
+            <a:endParaRPr lang="en-SG" sz="1050" b="1" dirty="0">
+              <a:solidFill>
+                <a:schemeClr val="accent3">
+                  <a:lumMod val="75000"/>
+                </a:schemeClr>
+              </a:solidFill>
+            </a:endParaRPr>
+          </a:p>
+        </p:txBody>
+      </p:sp>
+      <p:cxnSp>
+        <p:nvCxnSpPr>
+          <p:cNvPr id="62" name="Elbow Connector 136">
+            <a:extLst>
+              <a:ext uri="{FF2B5EF4-FFF2-40B4-BE49-F238E27FC236}">
+                <a16:creationId xmlns:a16="http://schemas.microsoft.com/office/drawing/2014/main" id="{8C41F9D6-758B-4314-85AC-87070F34CC5B}"/>
+              </a:ext>
+            </a:extLst>
+          </p:cNvPr>
+          <p:cNvCxnSpPr>
+            <a:cxnSpLocks/>
+            <a:stCxn id="51" idx="2"/>
+            <a:endCxn id="61" idx="1"/>
+          </p:cNvCxnSpPr>
+          <p:nvPr/>
+        </p:nvCxnSpPr>
+        <p:spPr>
+          <a:xfrm rot="16200000" flipH="1">
+            <a:off x="3399008" y="4431224"/>
+            <a:ext cx="168194" cy="710709"/>
+          </a:xfrm>
+          <a:prstGeom prst="bentConnector2">
+            <a:avLst/>
+          </a:prstGeom>
+          <a:ln w="19050">
+            <a:solidFill>
+              <a:schemeClr val="accent3"/>
+            </a:solidFill>
+            <a:headEnd type="none" w="med" len="med"/>
+            <a:tailEnd type="arrow" w="med" len="med"/>
+          </a:ln>
+          <a:effectLst/>
+        </p:spPr>
+        <p:style>
+          <a:lnRef idx="1">
+            <a:schemeClr val="accent2"/>
+          </a:lnRef>
+          <a:fillRef idx="2">
+            <a:schemeClr val="accent2"/>
+          </a:fillRef>
+          <a:effectRef idx="1">
+            <a:schemeClr val="accent2"/>
+          </a:effectRef>
+          <a:fontRef idx="minor">
+            <a:schemeClr val="dk1"/>
+          </a:fontRef>
+        </p:style>
+      </p:cxnSp>
+      <p:cxnSp>
+        <p:nvCxnSpPr>
+          <p:cNvPr id="71" name="Elbow Connector 63">
+            <a:extLst>
+              <a:ext uri="{FF2B5EF4-FFF2-40B4-BE49-F238E27FC236}">
+                <a16:creationId xmlns:a16="http://schemas.microsoft.com/office/drawing/2014/main" id="{1E1600E1-A20E-45C8-B799-B0A75BF1A9B4}"/>
+              </a:ext>
+            </a:extLst>
+          </p:cNvPr>
+          <p:cNvCxnSpPr>
+            <a:cxnSpLocks/>
+            <a:stCxn id="16" idx="3"/>
+            <a:endCxn id="61" idx="3"/>
+          </p:cNvCxnSpPr>
+          <p:nvPr/>
+        </p:nvCxnSpPr>
+        <p:spPr>
+          <a:xfrm rot="5400000">
+            <a:off x="4101547" y="3442254"/>
+            <a:ext cx="2584676" cy="272168"/>
+          </a:xfrm>
+          <a:prstGeom prst="bentConnector2">
+            <a:avLst/>
+          </a:prstGeom>
+          <a:ln w="6350">
+            <a:solidFill>
+              <a:schemeClr val="accent3"/>
+            </a:solidFill>
+            <a:headEnd type="none" w="med" len="med"/>
+            <a:tailEnd type="none" w="med" len="med"/>
+          </a:ln>
+          <a:effectLst/>
+        </p:spPr>
+        <p:style>
+          <a:lnRef idx="1">
+            <a:schemeClr val="accent2"/>
+          </a:lnRef>
+          <a:fillRef idx="2">
+            <a:schemeClr val="accent2"/>
+          </a:fillRef>
+          <a:effectRef idx="1">
+            <a:schemeClr val="accent2"/>
+          </a:effectRef>
+          <a:fontRef idx="minor">
+            <a:schemeClr val="dk1"/>
+          </a:fontRef>
+        </p:style>
+      </p:cxnSp>
     </p:spTree>
     <p:extLst>
       <p:ext uri="{BB962C8B-B14F-4D97-AF65-F5344CB8AC3E}">

--- a/docs/diagrams/UiComponentClassDiagram.pptx
+++ b/docs/diagrams/UiComponentClassDiagram.pptx
@@ -208,7 +208,7 @@
           <a:p>
             <a:fld id="{F5CC4B3F-88C1-4FFA-B1B6-F41C21DC6924}" type="datetimeFigureOut">
               <a:rPr lang="en-US" smtClean="0"/>
-              <a:t>10/31/18</a:t>
+              <a:t>11/11/18</a:t>
             </a:fld>
             <a:endParaRPr lang="en-US"/>
           </a:p>
@@ -654,7 +654,7 @@
           <a:p>
             <a:fld id="{78C97017-6FC3-485B-9764-EAC9E56C1D49}" type="datetimeFigureOut">
               <a:rPr lang="en-US" smtClean="0"/>
-              <a:t>10/31/18</a:t>
+              <a:t>11/11/18</a:t>
             </a:fld>
             <a:endParaRPr lang="en-US"/>
           </a:p>
@@ -822,7 +822,7 @@
           <a:p>
             <a:fld id="{78C97017-6FC3-485B-9764-EAC9E56C1D49}" type="datetimeFigureOut">
               <a:rPr lang="en-US" smtClean="0"/>
-              <a:t>10/31/18</a:t>
+              <a:t>11/11/18</a:t>
             </a:fld>
             <a:endParaRPr lang="en-US"/>
           </a:p>
@@ -1000,7 +1000,7 @@
           <a:p>
             <a:fld id="{78C97017-6FC3-485B-9764-EAC9E56C1D49}" type="datetimeFigureOut">
               <a:rPr lang="en-US" smtClean="0"/>
-              <a:t>10/31/18</a:t>
+              <a:t>11/11/18</a:t>
             </a:fld>
             <a:endParaRPr lang="en-US"/>
           </a:p>
@@ -1168,7 +1168,7 @@
           <a:p>
             <a:fld id="{78C97017-6FC3-485B-9764-EAC9E56C1D49}" type="datetimeFigureOut">
               <a:rPr lang="en-US" smtClean="0"/>
-              <a:t>10/31/18</a:t>
+              <a:t>11/11/18</a:t>
             </a:fld>
             <a:endParaRPr lang="en-US"/>
           </a:p>
@@ -1413,7 +1413,7 @@
           <a:p>
             <a:fld id="{78C97017-6FC3-485B-9764-EAC9E56C1D49}" type="datetimeFigureOut">
               <a:rPr lang="en-US" smtClean="0"/>
-              <a:t>10/31/18</a:t>
+              <a:t>11/11/18</a:t>
             </a:fld>
             <a:endParaRPr lang="en-US"/>
           </a:p>
@@ -1698,7 +1698,7 @@
           <a:p>
             <a:fld id="{78C97017-6FC3-485B-9764-EAC9E56C1D49}" type="datetimeFigureOut">
               <a:rPr lang="en-US" smtClean="0"/>
-              <a:t>10/31/18</a:t>
+              <a:t>11/11/18</a:t>
             </a:fld>
             <a:endParaRPr lang="en-US"/>
           </a:p>
@@ -2117,7 +2117,7 @@
           <a:p>
             <a:fld id="{78C97017-6FC3-485B-9764-EAC9E56C1D49}" type="datetimeFigureOut">
               <a:rPr lang="en-US" smtClean="0"/>
-              <a:t>10/31/18</a:t>
+              <a:t>11/11/18</a:t>
             </a:fld>
             <a:endParaRPr lang="en-US"/>
           </a:p>
@@ -2234,7 +2234,7 @@
           <a:p>
             <a:fld id="{78C97017-6FC3-485B-9764-EAC9E56C1D49}" type="datetimeFigureOut">
               <a:rPr lang="en-US" smtClean="0"/>
-              <a:t>10/31/18</a:t>
+              <a:t>11/11/18</a:t>
             </a:fld>
             <a:endParaRPr lang="en-US"/>
           </a:p>
@@ -2329,7 +2329,7 @@
           <a:p>
             <a:fld id="{78C97017-6FC3-485B-9764-EAC9E56C1D49}" type="datetimeFigureOut">
               <a:rPr lang="en-US" smtClean="0"/>
-              <a:t>10/31/18</a:t>
+              <a:t>11/11/18</a:t>
             </a:fld>
             <a:endParaRPr lang="en-US"/>
           </a:p>
@@ -2604,7 +2604,7 @@
           <a:p>
             <a:fld id="{78C97017-6FC3-485B-9764-EAC9E56C1D49}" type="datetimeFigureOut">
               <a:rPr lang="en-US" smtClean="0"/>
-              <a:t>10/31/18</a:t>
+              <a:t>11/11/18</a:t>
             </a:fld>
             <a:endParaRPr lang="en-US"/>
           </a:p>
@@ -2856,7 +2856,7 @@
           <a:p>
             <a:fld id="{78C97017-6FC3-485B-9764-EAC9E56C1D49}" type="datetimeFigureOut">
               <a:rPr lang="en-US" smtClean="0"/>
-              <a:t>10/31/18</a:t>
+              <a:t>11/11/18</a:t>
             </a:fld>
             <a:endParaRPr lang="en-US"/>
           </a:p>
@@ -3067,7 +3067,7 @@
           <a:p>
             <a:fld id="{78C97017-6FC3-485B-9764-EAC9E56C1D49}" type="datetimeFigureOut">
               <a:rPr lang="en-US" smtClean="0"/>
-              <a:t>10/31/18</a:t>
+              <a:t>11/11/18</a:t>
             </a:fld>
             <a:endParaRPr lang="en-US"/>
           </a:p>
@@ -4125,7 +4125,7 @@
         </p:nvSpPr>
         <p:spPr>
           <a:xfrm>
-            <a:off x="2592528" y="4966000"/>
+            <a:off x="2589447" y="5187016"/>
             <a:ext cx="1093635" cy="236841"/>
           </a:xfrm>
           <a:prstGeom prst="rect">
@@ -4412,15 +4412,16 @@
         <p:nvCxnSpPr>
           <p:cNvPr id="50" name="Elbow Connector 63"/>
           <p:cNvCxnSpPr>
+            <a:cxnSpLocks/>
             <a:stCxn id="39" idx="2"/>
-            <a:endCxn id="35" idx="1"/>
+            <a:endCxn id="42" idx="1"/>
           </p:cNvCxnSpPr>
           <p:nvPr/>
         </p:nvCxnSpPr>
         <p:spPr>
           <a:xfrm rot="16200000" flipH="1">
-            <a:off x="1597249" y="3686901"/>
-            <a:ext cx="1814155" cy="176401"/>
+            <a:off x="1438607" y="3845543"/>
+            <a:ext cx="2128358" cy="173321"/>
           </a:xfrm>
           <a:prstGeom prst="bentConnector2">
             <a:avLst/>
@@ -4453,14 +4454,15 @@
         <p:nvCxnSpPr>
           <p:cNvPr id="53" name="Elbow Connector 63"/>
           <p:cNvCxnSpPr>
+            <a:cxnSpLocks/>
             <a:endCxn id="38" idx="1"/>
           </p:cNvCxnSpPr>
           <p:nvPr/>
         </p:nvCxnSpPr>
         <p:spPr>
           <a:xfrm rot="16200000" flipH="1">
-            <a:off x="1184119" y="3676012"/>
-            <a:ext cx="2396440" cy="420377"/>
+            <a:off x="1067143" y="3783132"/>
+            <a:ext cx="2617325" cy="427283"/>
           </a:xfrm>
           <a:prstGeom prst="bentConnector2">
             <a:avLst/>
@@ -4784,8 +4786,8 @@
         </p:nvCxnSpPr>
         <p:spPr>
           <a:xfrm rot="5400000">
-            <a:off x="3208856" y="2763307"/>
-            <a:ext cx="2798421" cy="1843806"/>
+            <a:off x="3096808" y="2872275"/>
+            <a:ext cx="3019437" cy="1846887"/>
           </a:xfrm>
           <a:prstGeom prst="bentConnector2">
             <a:avLst/>
@@ -5509,6 +5511,204 @@
           </a:p>
         </p:txBody>
       </p:sp>
+      <p:sp>
+        <p:nvSpPr>
+          <p:cNvPr id="42" name="Rectangle 11">
+            <a:extLst>
+              <a:ext uri="{FF2B5EF4-FFF2-40B4-BE49-F238E27FC236}">
+                <a16:creationId xmlns:a16="http://schemas.microsoft.com/office/drawing/2014/main" id="{6BE65352-8713-3F43-BC8E-0D87E3A8E69D}"/>
+              </a:ext>
+            </a:extLst>
+          </p:cNvPr>
+          <p:cNvSpPr/>
+          <p:nvPr/>
+        </p:nvSpPr>
+        <p:spPr>
+          <a:xfrm>
+            <a:off x="2589447" y="4877962"/>
+            <a:ext cx="1093635" cy="236841"/>
+          </a:xfrm>
+          <a:prstGeom prst="rect">
+            <a:avLst/>
+          </a:prstGeom>
+          <a:ln w="19050">
+            <a:solidFill>
+              <a:schemeClr val="accent3"/>
+            </a:solidFill>
+          </a:ln>
+          <a:effectLst/>
+        </p:spPr>
+        <p:style>
+          <a:lnRef idx="1">
+            <a:schemeClr val="accent3"/>
+          </a:lnRef>
+          <a:fillRef idx="2">
+            <a:schemeClr val="accent3"/>
+          </a:fillRef>
+          <a:effectRef idx="1">
+            <a:schemeClr val="accent3"/>
+          </a:effectRef>
+          <a:fontRef idx="minor">
+            <a:schemeClr val="dk1"/>
+          </a:fontRef>
+        </p:style>
+        <p:txBody>
+          <a:bodyPr rtlCol="0" anchor="ctr"/>
+          <a:lstStyle/>
+          <a:p>
+            <a:pPr algn="ctr"/>
+            <a:r>
+              <a:rPr lang="en-US" sz="900" b="1" dirty="0" err="1">
+                <a:solidFill>
+                  <a:schemeClr val="accent3">
+                    <a:lumMod val="75000"/>
+                  </a:schemeClr>
+                </a:solidFill>
+              </a:rPr>
+              <a:t>ProgressBarPanel</a:t>
+            </a:r>
+            <a:endParaRPr lang="en-SG" sz="900" b="1" dirty="0">
+              <a:solidFill>
+                <a:schemeClr val="accent3">
+                  <a:lumMod val="75000"/>
+                </a:schemeClr>
+              </a:solidFill>
+            </a:endParaRPr>
+          </a:p>
+        </p:txBody>
+      </p:sp>
+      <p:sp>
+        <p:nvSpPr>
+          <p:cNvPr id="45" name="Freeform 44">
+            <a:extLst>
+              <a:ext uri="{FF2B5EF4-FFF2-40B4-BE49-F238E27FC236}">
+                <a16:creationId xmlns:a16="http://schemas.microsoft.com/office/drawing/2014/main" id="{5B99A878-7DAF-2B4A-AA5A-24A8E2A45485}"/>
+              </a:ext>
+            </a:extLst>
+          </p:cNvPr>
+          <p:cNvSpPr/>
+          <p:nvPr/>
+        </p:nvSpPr>
+        <p:spPr>
+          <a:xfrm>
+            <a:off x="3687515" y="3491993"/>
+            <a:ext cx="3048000" cy="203200"/>
+          </a:xfrm>
+          <a:custGeom>
+            <a:avLst/>
+            <a:gdLst>
+              <a:gd name="connsiteX0" fmla="*/ 0 w 3048000"/>
+              <a:gd name="connsiteY0" fmla="*/ 203200 h 203200"/>
+              <a:gd name="connsiteX1" fmla="*/ 221673 w 3048000"/>
+              <a:gd name="connsiteY1" fmla="*/ 0 h 203200"/>
+              <a:gd name="connsiteX2" fmla="*/ 3048000 w 3048000"/>
+              <a:gd name="connsiteY2" fmla="*/ 0 h 203200"/>
+            </a:gdLst>
+            <a:ahLst/>
+            <a:cxnLst>
+              <a:cxn ang="0">
+                <a:pos x="connsiteX0" y="connsiteY0"/>
+              </a:cxn>
+              <a:cxn ang="0">
+                <a:pos x="connsiteX1" y="connsiteY1"/>
+              </a:cxn>
+              <a:cxn ang="0">
+                <a:pos x="connsiteX2" y="connsiteY2"/>
+              </a:cxn>
+            </a:cxnLst>
+            <a:rect l="l" t="t" r="r" b="b"/>
+            <a:pathLst>
+              <a:path w="3048000" h="203200">
+                <a:moveTo>
+                  <a:pt x="0" y="203200"/>
+                </a:moveTo>
+                <a:lnTo>
+                  <a:pt x="221673" y="0"/>
+                </a:lnTo>
+                <a:lnTo>
+                  <a:pt x="3048000" y="0"/>
+                </a:lnTo>
+              </a:path>
+            </a:pathLst>
+          </a:custGeom>
+          <a:noFill/>
+          <a:ln w="19050">
+            <a:solidFill>
+              <a:schemeClr val="accent3"/>
+            </a:solidFill>
+            <a:prstDash val="solid"/>
+            <a:headEnd type="none" w="med" len="med"/>
+            <a:tailEnd type="arrow" w="med" len="med"/>
+          </a:ln>
+          <a:effectLst/>
+        </p:spPr>
+        <p:style>
+          <a:lnRef idx="1">
+            <a:schemeClr val="accent2"/>
+          </a:lnRef>
+          <a:fillRef idx="2">
+            <a:schemeClr val="accent2"/>
+          </a:fillRef>
+          <a:effectRef idx="1">
+            <a:schemeClr val="accent2"/>
+          </a:effectRef>
+          <a:fontRef idx="minor">
+            <a:schemeClr val="dk1"/>
+          </a:fontRef>
+        </p:style>
+        <p:txBody>
+          <a:bodyPr rtlCol="0" anchor="ctr"/>
+          <a:lstStyle/>
+          <a:p>
+            <a:pPr algn="ctr"/>
+            <a:endParaRPr lang="en-SG"/>
+          </a:p>
+        </p:txBody>
+      </p:sp>
+      <p:cxnSp>
+        <p:nvCxnSpPr>
+          <p:cNvPr id="46" name="Elbow Connector 63">
+            <a:extLst>
+              <a:ext uri="{FF2B5EF4-FFF2-40B4-BE49-F238E27FC236}">
+                <a16:creationId xmlns:a16="http://schemas.microsoft.com/office/drawing/2014/main" id="{A9648574-D90D-7E43-ABCB-FF92FE7A55C5}"/>
+              </a:ext>
+            </a:extLst>
+          </p:cNvPr>
+          <p:cNvCxnSpPr/>
+          <p:nvPr/>
+        </p:nvCxnSpPr>
+        <p:spPr>
+          <a:xfrm rot="16200000" flipH="1">
+            <a:off x="1881422" y="3989950"/>
+            <a:ext cx="1242356" cy="176400"/>
+          </a:xfrm>
+          <a:prstGeom prst="bentConnector2">
+            <a:avLst/>
+          </a:prstGeom>
+          <a:ln w="19050">
+            <a:solidFill>
+              <a:schemeClr val="accent3"/>
+            </a:solidFill>
+            <a:headEnd type="none" w="med" len="med"/>
+            <a:tailEnd type="arrow" w="med" len="med"/>
+          </a:ln>
+          <a:effectLst/>
+        </p:spPr>
+        <p:style>
+          <a:lnRef idx="1">
+            <a:schemeClr val="accent2"/>
+          </a:lnRef>
+          <a:fillRef idx="2">
+            <a:schemeClr val="accent2"/>
+          </a:fillRef>
+          <a:effectRef idx="1">
+            <a:schemeClr val="accent2"/>
+          </a:effectRef>
+          <a:fontRef idx="minor">
+            <a:schemeClr val="dk1"/>
+          </a:fontRef>
+        </p:style>
+      </p:cxnSp>
     </p:spTree>
     <p:extLst>
       <p:ext uri="{BB962C8B-B14F-4D97-AF65-F5344CB8AC3E}">

--- a/docs/diagrams/UiComponentClassDiagram.pptx
+++ b/docs/diagrams/UiComponentClassDiagram.pptx
@@ -208,7 +208,7 @@
           <a:p>
             <a:fld id="{F5CC4B3F-88C1-4FFA-B1B6-F41C21DC6924}" type="datetimeFigureOut">
               <a:rPr lang="en-US" smtClean="0"/>
-              <a:t>10-Nov-18</a:t>
+              <a:t>11/11/2018</a:t>
             </a:fld>
             <a:endParaRPr lang="en-US"/>
           </a:p>
@@ -654,7 +654,7 @@
           <a:p>
             <a:fld id="{78C97017-6FC3-485B-9764-EAC9E56C1D49}" type="datetimeFigureOut">
               <a:rPr lang="en-US" smtClean="0"/>
-              <a:t>10-Nov-18</a:t>
+              <a:t>11/11/2018</a:t>
             </a:fld>
             <a:endParaRPr lang="en-US"/>
           </a:p>
@@ -822,7 +822,7 @@
           <a:p>
             <a:fld id="{78C97017-6FC3-485B-9764-EAC9E56C1D49}" type="datetimeFigureOut">
               <a:rPr lang="en-US" smtClean="0"/>
-              <a:t>10-Nov-18</a:t>
+              <a:t>11/11/2018</a:t>
             </a:fld>
             <a:endParaRPr lang="en-US"/>
           </a:p>
@@ -1000,7 +1000,7 @@
           <a:p>
             <a:fld id="{78C97017-6FC3-485B-9764-EAC9E56C1D49}" type="datetimeFigureOut">
               <a:rPr lang="en-US" smtClean="0"/>
-              <a:t>10-Nov-18</a:t>
+              <a:t>11/11/2018</a:t>
             </a:fld>
             <a:endParaRPr lang="en-US"/>
           </a:p>
@@ -1168,7 +1168,7 @@
           <a:p>
             <a:fld id="{78C97017-6FC3-485B-9764-EAC9E56C1D49}" type="datetimeFigureOut">
               <a:rPr lang="en-US" smtClean="0"/>
-              <a:t>10-Nov-18</a:t>
+              <a:t>11/11/2018</a:t>
             </a:fld>
             <a:endParaRPr lang="en-US"/>
           </a:p>
@@ -1413,7 +1413,7 @@
           <a:p>
             <a:fld id="{78C97017-6FC3-485B-9764-EAC9E56C1D49}" type="datetimeFigureOut">
               <a:rPr lang="en-US" smtClean="0"/>
-              <a:t>10-Nov-18</a:t>
+              <a:t>11/11/2018</a:t>
             </a:fld>
             <a:endParaRPr lang="en-US"/>
           </a:p>
@@ -1698,7 +1698,7 @@
           <a:p>
             <a:fld id="{78C97017-6FC3-485B-9764-EAC9E56C1D49}" type="datetimeFigureOut">
               <a:rPr lang="en-US" smtClean="0"/>
-              <a:t>10-Nov-18</a:t>
+              <a:t>11/11/2018</a:t>
             </a:fld>
             <a:endParaRPr lang="en-US"/>
           </a:p>
@@ -2117,7 +2117,7 @@
           <a:p>
             <a:fld id="{78C97017-6FC3-485B-9764-EAC9E56C1D49}" type="datetimeFigureOut">
               <a:rPr lang="en-US" smtClean="0"/>
-              <a:t>10-Nov-18</a:t>
+              <a:t>11/11/2018</a:t>
             </a:fld>
             <a:endParaRPr lang="en-US"/>
           </a:p>
@@ -2234,7 +2234,7 @@
           <a:p>
             <a:fld id="{78C97017-6FC3-485B-9764-EAC9E56C1D49}" type="datetimeFigureOut">
               <a:rPr lang="en-US" smtClean="0"/>
-              <a:t>10-Nov-18</a:t>
+              <a:t>11/11/2018</a:t>
             </a:fld>
             <a:endParaRPr lang="en-US"/>
           </a:p>
@@ -2329,7 +2329,7 @@
           <a:p>
             <a:fld id="{78C97017-6FC3-485B-9764-EAC9E56C1D49}" type="datetimeFigureOut">
               <a:rPr lang="en-US" smtClean="0"/>
-              <a:t>10-Nov-18</a:t>
+              <a:t>11/11/2018</a:t>
             </a:fld>
             <a:endParaRPr lang="en-US"/>
           </a:p>
@@ -2604,7 +2604,7 @@
           <a:p>
             <a:fld id="{78C97017-6FC3-485B-9764-EAC9E56C1D49}" type="datetimeFigureOut">
               <a:rPr lang="en-US" smtClean="0"/>
-              <a:t>10-Nov-18</a:t>
+              <a:t>11/11/2018</a:t>
             </a:fld>
             <a:endParaRPr lang="en-US"/>
           </a:p>
@@ -2856,7 +2856,7 @@
           <a:p>
             <a:fld id="{78C97017-6FC3-485B-9764-EAC9E56C1D49}" type="datetimeFigureOut">
               <a:rPr lang="en-US" smtClean="0"/>
-              <a:t>10-Nov-18</a:t>
+              <a:t>11/11/2018</a:t>
             </a:fld>
             <a:endParaRPr lang="en-US"/>
           </a:p>
@@ -3067,7 +3067,7 @@
           <a:p>
             <a:fld id="{78C97017-6FC3-485B-9764-EAC9E56C1D49}" type="datetimeFigureOut">
               <a:rPr lang="en-US" smtClean="0"/>
-              <a:t>10-Nov-18</a:t>
+              <a:t>11/11/2018</a:t>
             </a:fld>
             <a:endParaRPr lang="en-US"/>
           </a:p>
@@ -3451,7 +3451,7 @@
         <p:spPr>
           <a:xfrm>
             <a:off x="1217465" y="1447800"/>
-            <a:ext cx="4917083" cy="4419600"/>
+            <a:ext cx="4917083" cy="5029200"/>
           </a:xfrm>
           <a:prstGeom prst="roundRect">
             <a:avLst>
@@ -3572,7 +3572,7 @@
         </p:nvSpPr>
         <p:spPr>
           <a:xfrm>
-            <a:off x="2592528" y="2971800"/>
+            <a:off x="2592528" y="2743200"/>
             <a:ext cx="1093635" cy="236841"/>
           </a:xfrm>
           <a:prstGeom prst="rect">
@@ -3825,8 +3825,8 @@
         </p:nvSpPr>
         <p:spPr>
           <a:xfrm rot="16200000">
-            <a:off x="5703829" y="2464877"/>
-            <a:ext cx="2362201" cy="328045"/>
+            <a:off x="6011812" y="2171500"/>
+            <a:ext cx="1760842" cy="313439"/>
           </a:xfrm>
           <a:prstGeom prst="roundRect">
             <a:avLst/>
@@ -3885,7 +3885,7 @@
         </p:nvSpPr>
         <p:spPr>
           <a:xfrm>
-            <a:off x="2592528" y="3649359"/>
+            <a:off x="2592528" y="3725559"/>
             <a:ext cx="1093635" cy="236841"/>
           </a:xfrm>
           <a:prstGeom prst="rect">
@@ -3945,7 +3945,7 @@
         </p:nvSpPr>
         <p:spPr>
           <a:xfrm>
-            <a:off x="2592526" y="3991960"/>
+            <a:off x="2592526" y="4182759"/>
             <a:ext cx="1093635" cy="236841"/>
           </a:xfrm>
           <a:prstGeom prst="rect">
@@ -4005,7 +4005,7 @@
         </p:nvSpPr>
         <p:spPr>
           <a:xfrm>
-            <a:off x="3839322" y="4228801"/>
+            <a:off x="3839322" y="4411359"/>
             <a:ext cx="1304625" cy="236841"/>
           </a:xfrm>
           <a:prstGeom prst="rect">
@@ -4065,7 +4065,7 @@
         </p:nvSpPr>
         <p:spPr>
           <a:xfrm>
-            <a:off x="2580933" y="5401959"/>
+            <a:off x="2592525" y="5541273"/>
             <a:ext cx="1093635" cy="236841"/>
           </a:xfrm>
           <a:prstGeom prst="rect">
@@ -4169,14 +4169,13 @@
         <p:nvCxnSpPr>
           <p:cNvPr id="40" name="Elbow Connector 63"/>
           <p:cNvCxnSpPr>
-            <a:stCxn id="39" idx="2"/>
-            <a:endCxn id="3" idx="1"/>
+            <a:cxnSpLocks/>
           </p:cNvCxnSpPr>
           <p:nvPr/>
         </p:nvCxnSpPr>
         <p:spPr>
           <a:xfrm rot="16200000" flipH="1">
-            <a:off x="2393229" y="2890922"/>
+            <a:off x="2393229" y="2689898"/>
             <a:ext cx="222196" cy="176402"/>
           </a:xfrm>
           <a:prstGeom prst="bentConnector2">
@@ -4214,7 +4213,7 @@
         </p:nvSpPr>
         <p:spPr>
           <a:xfrm>
-            <a:off x="2590799" y="3304308"/>
+            <a:off x="2590800" y="3048000"/>
             <a:ext cx="1095361" cy="236841"/>
           </a:xfrm>
           <a:prstGeom prst="rect">
@@ -4277,8 +4276,8 @@
         </p:nvCxnSpPr>
         <p:spPr>
           <a:xfrm rot="16200000" flipH="1">
-            <a:off x="2054450" y="3229701"/>
-            <a:ext cx="899755" cy="176402"/>
+            <a:off x="2016350" y="3267801"/>
+            <a:ext cx="975955" cy="176402"/>
           </a:xfrm>
           <a:prstGeom prst="bentConnector2">
             <a:avLst/>
@@ -4311,14 +4310,14 @@
         <p:nvCxnSpPr>
           <p:cNvPr id="47" name="Elbow Connector 63"/>
           <p:cNvCxnSpPr>
-            <a:stCxn id="39" idx="2"/>
+            <a:cxnSpLocks/>
             <a:endCxn id="36" idx="1"/>
           </p:cNvCxnSpPr>
           <p:nvPr/>
         </p:nvCxnSpPr>
         <p:spPr>
           <a:xfrm rot="16200000" flipH="1">
-            <a:off x="1883148" y="3401003"/>
+            <a:off x="1883148" y="3591802"/>
             <a:ext cx="1242356" cy="176400"/>
           </a:xfrm>
           <a:prstGeom prst="bentConnector2">
@@ -4360,8 +4359,8 @@
         </p:nvCxnSpPr>
         <p:spPr>
           <a:xfrm rot="16200000" flipH="1">
-            <a:off x="1172352" y="4111798"/>
-            <a:ext cx="2652355" cy="164807"/>
+            <a:off x="1108491" y="4175659"/>
+            <a:ext cx="2791669" cy="176399"/>
           </a:xfrm>
           <a:prstGeom prst="bentConnector2">
             <a:avLst/>
@@ -4481,8 +4480,8 @@
         </p:nvCxnSpPr>
         <p:spPr>
           <a:xfrm flipV="1">
-            <a:off x="3686160" y="2286000"/>
-            <a:ext cx="1843809" cy="1136729"/>
+            <a:off x="3686161" y="2286000"/>
+            <a:ext cx="1843808" cy="880421"/>
           </a:xfrm>
           <a:prstGeom prst="bentConnector2">
             <a:avLst/>
@@ -4523,8 +4522,8 @@
         </p:nvCxnSpPr>
         <p:spPr>
           <a:xfrm rot="5400000">
-            <a:off x="4306347" y="3123600"/>
-            <a:ext cx="2061222" cy="386022"/>
+            <a:off x="4215068" y="3214879"/>
+            <a:ext cx="2243780" cy="386022"/>
           </a:xfrm>
           <a:prstGeom prst="bentConnector2">
             <a:avLst/>
@@ -4564,8 +4563,8 @@
         </p:nvCxnSpPr>
         <p:spPr>
           <a:xfrm rot="5400000">
-            <a:off x="3867176" y="2104987"/>
-            <a:ext cx="1481780" cy="1843806"/>
+            <a:off x="3829076" y="2143087"/>
+            <a:ext cx="1557980" cy="1843806"/>
           </a:xfrm>
           <a:prstGeom prst="bentConnector2">
             <a:avLst/>
@@ -4639,15 +4638,14 @@
         <p:nvCxnSpPr>
           <p:cNvPr id="94" name="Elbow Connector 63"/>
           <p:cNvCxnSpPr>
-            <a:stCxn id="16" idx="3"/>
-            <a:endCxn id="38" idx="3"/>
+            <a:cxnSpLocks/>
           </p:cNvCxnSpPr>
           <p:nvPr/>
         </p:nvCxnSpPr>
         <p:spPr>
           <a:xfrm rot="5400000">
-            <a:off x="2985079" y="2975490"/>
-            <a:ext cx="3234380" cy="1855401"/>
+            <a:off x="2807830" y="2935731"/>
+            <a:ext cx="3600470" cy="1843809"/>
           </a:xfrm>
           <a:prstGeom prst="bentConnector2">
             <a:avLst/>
@@ -4725,8 +4723,8 @@
         </p:nvSpPr>
         <p:spPr>
           <a:xfrm rot="16200000">
-            <a:off x="5970530" y="4788976"/>
-            <a:ext cx="1828801" cy="328045"/>
+            <a:off x="6244535" y="5062979"/>
+            <a:ext cx="1295399" cy="313439"/>
           </a:xfrm>
           <a:prstGeom prst="roundRect">
             <a:avLst/>
@@ -4941,14 +4939,14 @@
         <p:nvCxnSpPr>
           <p:cNvPr id="131" name="Elbow Connector 130"/>
           <p:cNvCxnSpPr>
-            <a:stCxn id="39" idx="2"/>
+            <a:cxnSpLocks/>
             <a:endCxn id="43" idx="1"/>
           </p:cNvCxnSpPr>
           <p:nvPr/>
         </p:nvCxnSpPr>
         <p:spPr>
           <a:xfrm rot="16200000" flipH="1">
-            <a:off x="2226110" y="3058040"/>
+            <a:off x="2226111" y="2801732"/>
             <a:ext cx="554704" cy="174673"/>
           </a:xfrm>
           <a:prstGeom prst="bentConnector2">
@@ -4989,8 +4987,8 @@
         </p:nvCxnSpPr>
         <p:spPr>
           <a:xfrm rot="5400000">
-            <a:off x="4205956" y="1766207"/>
-            <a:ext cx="804221" cy="1843806"/>
+            <a:off x="4320256" y="1651907"/>
+            <a:ext cx="575621" cy="1843806"/>
           </a:xfrm>
           <a:prstGeom prst="bentConnector2">
             <a:avLst/>
@@ -5024,14 +5022,12 @@
           <p:cNvPr id="137" name="Elbow Connector 136"/>
           <p:cNvCxnSpPr>
             <a:cxnSpLocks/>
-            <a:stCxn id="36" idx="2"/>
-            <a:endCxn id="37" idx="1"/>
           </p:cNvCxnSpPr>
           <p:nvPr/>
         </p:nvCxnSpPr>
         <p:spPr>
           <a:xfrm rot="16200000" flipH="1">
-            <a:off x="3430123" y="3938022"/>
+            <a:off x="3430125" y="4128822"/>
             <a:ext cx="118421" cy="699978"/>
           </a:xfrm>
           <a:prstGeom prst="bentConnector2">
@@ -5065,14 +5061,13 @@
         <p:nvCxnSpPr>
           <p:cNvPr id="140" name="Elbow Connector 63"/>
           <p:cNvCxnSpPr>
-            <a:stCxn id="16" idx="3"/>
-            <a:endCxn id="36" idx="3"/>
+            <a:cxnSpLocks/>
           </p:cNvCxnSpPr>
           <p:nvPr/>
         </p:nvCxnSpPr>
         <p:spPr>
           <a:xfrm rot="5400000">
-            <a:off x="3695875" y="2276286"/>
+            <a:off x="3695875" y="2509305"/>
             <a:ext cx="1824381" cy="1843808"/>
           </a:xfrm>
           <a:prstGeom prst="bentConnector2">
@@ -5163,7 +5158,7 @@
         </p:nvSpPr>
         <p:spPr>
           <a:xfrm>
-            <a:off x="3687515" y="2828802"/>
+            <a:off x="3687515" y="2667000"/>
             <a:ext cx="3048000" cy="203200"/>
           </a:xfrm>
           <a:custGeom>
@@ -5298,7 +5293,7 @@
         </p:nvSpPr>
         <p:spPr>
           <a:xfrm flipV="1">
-            <a:off x="4114799" y="4472708"/>
+            <a:off x="4114799" y="4648200"/>
             <a:ext cx="2642195" cy="101600"/>
           </a:xfrm>
           <a:custGeom>
@@ -5386,7 +5381,7 @@
         </p:nvSpPr>
         <p:spPr>
           <a:xfrm>
-            <a:off x="2580933" y="4465641"/>
+            <a:off x="2580933" y="4639959"/>
             <a:ext cx="1093635" cy="236841"/>
           </a:xfrm>
           <a:prstGeom prst="rect">
@@ -5452,7 +5447,7 @@
         </p:nvSpPr>
         <p:spPr>
           <a:xfrm>
-            <a:off x="3838461" y="5053293"/>
+            <a:off x="3838461" y="5173359"/>
             <a:ext cx="1419341" cy="236841"/>
           </a:xfrm>
           <a:prstGeom prst="rect">
@@ -5515,15 +5510,13 @@
           </p:cNvPr>
           <p:cNvCxnSpPr>
             <a:cxnSpLocks/>
-            <a:stCxn id="51" idx="2"/>
-            <a:endCxn id="54" idx="1"/>
           </p:cNvCxnSpPr>
           <p:nvPr/>
         </p:nvCxnSpPr>
         <p:spPr>
           <a:xfrm rot="16200000" flipH="1">
-            <a:off x="3248490" y="4581743"/>
-            <a:ext cx="469232" cy="710710"/>
+            <a:off x="3297549" y="4793088"/>
+            <a:ext cx="371114" cy="710710"/>
           </a:xfrm>
           <a:prstGeom prst="bentConnector2">
             <a:avLst/>
@@ -5563,14 +5556,12 @@
           </p:cNvPr>
           <p:cNvCxnSpPr>
             <a:cxnSpLocks/>
-            <a:stCxn id="39" idx="2"/>
-            <a:endCxn id="51" idx="1"/>
           </p:cNvCxnSpPr>
           <p:nvPr/>
         </p:nvCxnSpPr>
         <p:spPr>
           <a:xfrm rot="16200000" flipH="1">
-            <a:off x="1640511" y="3643639"/>
+            <a:off x="1640511" y="3860178"/>
             <a:ext cx="1716037" cy="164807"/>
           </a:xfrm>
           <a:prstGeom prst="bentConnector2">
@@ -5614,7 +5605,7 @@
         </p:nvSpPr>
         <p:spPr>
           <a:xfrm>
-            <a:off x="3838460" y="4752255"/>
+            <a:off x="3838460" y="4868559"/>
             <a:ext cx="1419341" cy="236841"/>
           </a:xfrm>
           <a:prstGeom prst="rect">
@@ -5677,15 +5668,13 @@
           </p:cNvPr>
           <p:cNvCxnSpPr>
             <a:cxnSpLocks/>
-            <a:stCxn id="51" idx="2"/>
-            <a:endCxn id="61" idx="1"/>
           </p:cNvCxnSpPr>
           <p:nvPr/>
         </p:nvCxnSpPr>
         <p:spPr>
           <a:xfrm rot="16200000" flipH="1">
-            <a:off x="3399008" y="4431224"/>
-            <a:ext cx="168194" cy="710709"/>
+            <a:off x="3448070" y="4562607"/>
+            <a:ext cx="70076" cy="710709"/>
           </a:xfrm>
           <a:prstGeom prst="bentConnector2">
             <a:avLst/>
@@ -5732,8 +5721,8 @@
         </p:nvCxnSpPr>
         <p:spPr>
           <a:xfrm rot="5400000">
-            <a:off x="4101547" y="3442254"/>
-            <a:ext cx="2584676" cy="272168"/>
+            <a:off x="4043395" y="3500406"/>
+            <a:ext cx="2700980" cy="272168"/>
           </a:xfrm>
           <a:prstGeom prst="bentConnector2">
             <a:avLst/>
@@ -5762,6 +5751,571 @@
           </a:fontRef>
         </p:style>
       </p:cxnSp>
+      <p:sp>
+        <p:nvSpPr>
+          <p:cNvPr id="57" name="Rectangle 11">
+            <a:extLst>
+              <a:ext uri="{FF2B5EF4-FFF2-40B4-BE49-F238E27FC236}">
+                <a16:creationId xmlns:a16="http://schemas.microsoft.com/office/drawing/2014/main" id="{774056BB-B8F3-412E-BBDD-FF90CC4B42D0}"/>
+              </a:ext>
+            </a:extLst>
+          </p:cNvPr>
+          <p:cNvSpPr/>
+          <p:nvPr/>
+        </p:nvSpPr>
+        <p:spPr>
+          <a:xfrm>
+            <a:off x="2590800" y="3370985"/>
+            <a:ext cx="1096682" cy="286615"/>
+          </a:xfrm>
+          <a:prstGeom prst="rect">
+            <a:avLst/>
+          </a:prstGeom>
+          <a:ln w="19050">
+            <a:solidFill>
+              <a:schemeClr val="accent3"/>
+            </a:solidFill>
+          </a:ln>
+          <a:effectLst/>
+        </p:spPr>
+        <p:style>
+          <a:lnRef idx="1">
+            <a:schemeClr val="accent3"/>
+          </a:lnRef>
+          <a:fillRef idx="2">
+            <a:schemeClr val="accent3"/>
+          </a:fillRef>
+          <a:effectRef idx="1">
+            <a:schemeClr val="accent3"/>
+          </a:effectRef>
+          <a:fontRef idx="minor">
+            <a:schemeClr val="dk1"/>
+          </a:fontRef>
+        </p:style>
+        <p:txBody>
+          <a:bodyPr rtlCol="0" anchor="ctr"/>
+          <a:lstStyle/>
+          <a:p>
+            <a:pPr algn="ctr"/>
+            <a:r>
+              <a:rPr lang="en-US" sz="1050" b="1" dirty="0">
+                <a:solidFill>
+                  <a:schemeClr val="accent3">
+                    <a:lumMod val="75000"/>
+                  </a:schemeClr>
+                </a:solidFill>
+              </a:rPr>
+              <a:t>D</a:t>
+            </a:r>
+            <a:r>
+              <a:rPr lang="en-US" altLang="zh-CN" sz="1050" b="1" dirty="0">
+                <a:solidFill>
+                  <a:schemeClr val="accent3">
+                    <a:lumMod val="75000"/>
+                  </a:schemeClr>
+                </a:solidFill>
+              </a:rPr>
+              <a:t>escription</a:t>
+            </a:r>
+          </a:p>
+          <a:p>
+            <a:pPr algn="ctr"/>
+            <a:r>
+              <a:rPr lang="en-US" sz="1050" b="1" dirty="0">
+                <a:solidFill>
+                  <a:schemeClr val="accent3">
+                    <a:lumMod val="75000"/>
+                  </a:schemeClr>
+                </a:solidFill>
+              </a:rPr>
+              <a:t>Display</a:t>
+            </a:r>
+            <a:endParaRPr lang="en-SG" sz="1050" b="1" dirty="0">
+              <a:solidFill>
+                <a:schemeClr val="accent3">
+                  <a:lumMod val="75000"/>
+                </a:schemeClr>
+              </a:solidFill>
+            </a:endParaRPr>
+          </a:p>
+        </p:txBody>
+      </p:sp>
+      <p:cxnSp>
+        <p:nvCxnSpPr>
+          <p:cNvPr id="59" name="Elbow Connector 130">
+            <a:extLst>
+              <a:ext uri="{FF2B5EF4-FFF2-40B4-BE49-F238E27FC236}">
+                <a16:creationId xmlns:a16="http://schemas.microsoft.com/office/drawing/2014/main" id="{ABA9FF6D-013F-4658-BD8A-AF00BFE5C78B}"/>
+              </a:ext>
+            </a:extLst>
+          </p:cNvPr>
+          <p:cNvCxnSpPr>
+            <a:cxnSpLocks/>
+            <a:endCxn id="57" idx="1"/>
+          </p:cNvCxnSpPr>
+          <p:nvPr/>
+        </p:nvCxnSpPr>
+        <p:spPr>
+          <a:xfrm rot="16200000" flipH="1">
+            <a:off x="2213667" y="3137160"/>
+            <a:ext cx="579592" cy="174674"/>
+          </a:xfrm>
+          <a:prstGeom prst="bentConnector2">
+            <a:avLst/>
+          </a:prstGeom>
+          <a:ln w="19050">
+            <a:solidFill>
+              <a:schemeClr val="accent3"/>
+            </a:solidFill>
+            <a:headEnd type="none" w="med" len="med"/>
+            <a:tailEnd type="arrow" w="med" len="med"/>
+          </a:ln>
+          <a:effectLst/>
+        </p:spPr>
+        <p:style>
+          <a:lnRef idx="1">
+            <a:schemeClr val="accent2"/>
+          </a:lnRef>
+          <a:fillRef idx="2">
+            <a:schemeClr val="accent2"/>
+          </a:fillRef>
+          <a:effectRef idx="1">
+            <a:schemeClr val="accent2"/>
+          </a:effectRef>
+          <a:fontRef idx="minor">
+            <a:schemeClr val="dk1"/>
+          </a:fontRef>
+        </p:style>
+      </p:cxnSp>
+      <p:cxnSp>
+        <p:nvCxnSpPr>
+          <p:cNvPr id="76" name="Elbow Connector 63">
+            <a:extLst>
+              <a:ext uri="{FF2B5EF4-FFF2-40B4-BE49-F238E27FC236}">
+                <a16:creationId xmlns:a16="http://schemas.microsoft.com/office/drawing/2014/main" id="{93150DC6-E228-4072-821C-3A1BDFBEDC7E}"/>
+              </a:ext>
+            </a:extLst>
+          </p:cNvPr>
+          <p:cNvCxnSpPr>
+            <a:cxnSpLocks/>
+            <a:endCxn id="57" idx="3"/>
+          </p:cNvCxnSpPr>
+          <p:nvPr/>
+        </p:nvCxnSpPr>
+        <p:spPr>
+          <a:xfrm rot="5400000">
+            <a:off x="2998566" y="982889"/>
+            <a:ext cx="3220320" cy="1842488"/>
+          </a:xfrm>
+          <a:prstGeom prst="bentConnector2">
+            <a:avLst/>
+          </a:prstGeom>
+          <a:ln w="6350">
+            <a:solidFill>
+              <a:schemeClr val="accent3"/>
+            </a:solidFill>
+            <a:headEnd type="none" w="med" len="med"/>
+            <a:tailEnd type="none" w="med" len="med"/>
+          </a:ln>
+          <a:effectLst/>
+        </p:spPr>
+        <p:style>
+          <a:lnRef idx="1">
+            <a:schemeClr val="accent2"/>
+          </a:lnRef>
+          <a:fillRef idx="2">
+            <a:schemeClr val="accent2"/>
+          </a:fillRef>
+          <a:effectRef idx="1">
+            <a:schemeClr val="accent2"/>
+          </a:effectRef>
+          <a:fontRef idx="minor">
+            <a:schemeClr val="dk1"/>
+          </a:fontRef>
+        </p:style>
+      </p:cxnSp>
+      <p:sp>
+        <p:nvSpPr>
+          <p:cNvPr id="80" name="Rectangle 11">
+            <a:extLst>
+              <a:ext uri="{FF2B5EF4-FFF2-40B4-BE49-F238E27FC236}">
+                <a16:creationId xmlns:a16="http://schemas.microsoft.com/office/drawing/2014/main" id="{4CEB1F18-F046-441F-B811-D71865729987}"/>
+              </a:ext>
+            </a:extLst>
+          </p:cNvPr>
+          <p:cNvSpPr/>
+          <p:nvPr/>
+        </p:nvSpPr>
+        <p:spPr>
+          <a:xfrm>
+            <a:off x="3817925" y="3954159"/>
+            <a:ext cx="1304625" cy="236841"/>
+          </a:xfrm>
+          <a:prstGeom prst="rect">
+            <a:avLst/>
+          </a:prstGeom>
+          <a:ln w="19050">
+            <a:solidFill>
+              <a:schemeClr val="accent3"/>
+            </a:solidFill>
+          </a:ln>
+          <a:effectLst/>
+        </p:spPr>
+        <p:style>
+          <a:lnRef idx="1">
+            <a:schemeClr val="accent3"/>
+          </a:lnRef>
+          <a:fillRef idx="2">
+            <a:schemeClr val="accent3"/>
+          </a:fillRef>
+          <a:effectRef idx="1">
+            <a:schemeClr val="accent3"/>
+          </a:effectRef>
+          <a:fontRef idx="minor">
+            <a:schemeClr val="dk1"/>
+          </a:fontRef>
+        </p:style>
+        <p:txBody>
+          <a:bodyPr rtlCol="0" anchor="ctr"/>
+          <a:lstStyle/>
+          <a:p>
+            <a:pPr algn="ctr"/>
+            <a:r>
+              <a:rPr lang="en-US" sz="1050" b="1" dirty="0" err="1">
+                <a:solidFill>
+                  <a:schemeClr val="accent3">
+                    <a:lumMod val="75000"/>
+                  </a:schemeClr>
+                </a:solidFill>
+              </a:rPr>
+              <a:t>T</a:t>
+            </a:r>
+            <a:r>
+              <a:rPr lang="en-US" altLang="zh-CN" sz="1050" b="1" dirty="0" err="1">
+                <a:solidFill>
+                  <a:schemeClr val="accent3">
+                    <a:lumMod val="75000"/>
+                  </a:schemeClr>
+                </a:solidFill>
+              </a:rPr>
+              <a:t>oDoList</a:t>
+            </a:r>
+            <a:r>
+              <a:rPr lang="en-US" sz="1050" b="1" dirty="0" err="1">
+                <a:solidFill>
+                  <a:schemeClr val="accent3">
+                    <a:lumMod val="75000"/>
+                  </a:schemeClr>
+                </a:solidFill>
+              </a:rPr>
+              <a:t>EventCard</a:t>
+            </a:r>
+            <a:endParaRPr lang="en-SG" sz="1050" b="1" dirty="0">
+              <a:solidFill>
+                <a:schemeClr val="accent3">
+                  <a:lumMod val="75000"/>
+                </a:schemeClr>
+              </a:solidFill>
+            </a:endParaRPr>
+          </a:p>
+        </p:txBody>
+      </p:sp>
+      <p:cxnSp>
+        <p:nvCxnSpPr>
+          <p:cNvPr id="81" name="Elbow Connector 136">
+            <a:extLst>
+              <a:ext uri="{FF2B5EF4-FFF2-40B4-BE49-F238E27FC236}">
+                <a16:creationId xmlns:a16="http://schemas.microsoft.com/office/drawing/2014/main" id="{B581255C-63CB-48B2-8AD8-A3DFE0A2E8D7}"/>
+              </a:ext>
+            </a:extLst>
+          </p:cNvPr>
+          <p:cNvCxnSpPr>
+            <a:cxnSpLocks/>
+          </p:cNvCxnSpPr>
+          <p:nvPr/>
+        </p:nvCxnSpPr>
+        <p:spPr>
+          <a:xfrm rot="16200000" flipH="1">
+            <a:off x="3408728" y="3671622"/>
+            <a:ext cx="118421" cy="699978"/>
+          </a:xfrm>
+          <a:prstGeom prst="bentConnector2">
+            <a:avLst/>
+          </a:prstGeom>
+          <a:ln w="19050">
+            <a:solidFill>
+              <a:schemeClr val="accent3"/>
+            </a:solidFill>
+            <a:headEnd type="none" w="med" len="med"/>
+            <a:tailEnd type="arrow" w="med" len="med"/>
+          </a:ln>
+          <a:effectLst/>
+        </p:spPr>
+        <p:style>
+          <a:lnRef idx="1">
+            <a:schemeClr val="accent2"/>
+          </a:lnRef>
+          <a:fillRef idx="2">
+            <a:schemeClr val="accent2"/>
+          </a:fillRef>
+          <a:effectRef idx="1">
+            <a:schemeClr val="accent2"/>
+          </a:effectRef>
+          <a:fontRef idx="minor">
+            <a:schemeClr val="dk1"/>
+          </a:fontRef>
+        </p:style>
+      </p:cxnSp>
+      <p:sp>
+        <p:nvSpPr>
+          <p:cNvPr id="95" name="Rectangle 65">
+            <a:extLst>
+              <a:ext uri="{FF2B5EF4-FFF2-40B4-BE49-F238E27FC236}">
+                <a16:creationId xmlns:a16="http://schemas.microsoft.com/office/drawing/2014/main" id="{A026E276-E9C0-491B-B9E0-A82538BA351B}"/>
+              </a:ext>
+            </a:extLst>
+          </p:cNvPr>
+          <p:cNvSpPr/>
+          <p:nvPr/>
+        </p:nvSpPr>
+        <p:spPr>
+          <a:xfrm rot="16200000">
+            <a:off x="6285362" y="3749194"/>
+            <a:ext cx="1220285" cy="306901"/>
+          </a:xfrm>
+          <a:prstGeom prst="roundRect">
+            <a:avLst/>
+          </a:prstGeom>
+          <a:solidFill>
+            <a:schemeClr val="accent4">
+              <a:lumMod val="20000"/>
+              <a:lumOff val="80000"/>
+            </a:schemeClr>
+          </a:solidFill>
+          <a:ln w="19050">
+            <a:noFill/>
+          </a:ln>
+          <a:effectLst/>
+        </p:spPr>
+        <p:style>
+          <a:lnRef idx="1">
+            <a:schemeClr val="accent2"/>
+          </a:lnRef>
+          <a:fillRef idx="2">
+            <a:schemeClr val="accent2"/>
+          </a:fillRef>
+          <a:effectRef idx="1">
+            <a:schemeClr val="accent2"/>
+          </a:effectRef>
+          <a:fontRef idx="minor">
+            <a:schemeClr val="dk1"/>
+          </a:fontRef>
+        </p:style>
+        <p:txBody>
+          <a:bodyPr rtlCol="0" anchor="ctr"/>
+          <a:lstStyle/>
+          <a:p>
+            <a:pPr algn="ctr"/>
+            <a:r>
+              <a:rPr lang="en-US" sz="1100" b="1" dirty="0" err="1">
+                <a:solidFill>
+                  <a:schemeClr val="bg1"/>
+                </a:solidFill>
+              </a:rPr>
+              <a:t>ModelT</a:t>
+            </a:r>
+            <a:r>
+              <a:rPr lang="en-US" altLang="zh-CN" sz="1100" b="1" dirty="0" err="1">
+                <a:solidFill>
+                  <a:schemeClr val="bg1"/>
+                </a:solidFill>
+              </a:rPr>
+              <a:t>oDo</a:t>
+            </a:r>
+            <a:endParaRPr lang="en-SG" sz="1100" b="1" dirty="0">
+              <a:solidFill>
+                <a:schemeClr val="bg1"/>
+              </a:solidFill>
+            </a:endParaRPr>
+          </a:p>
+        </p:txBody>
+      </p:sp>
+      <p:sp>
+        <p:nvSpPr>
+          <p:cNvPr id="96" name="Freeform 117">
+            <a:extLst>
+              <a:ext uri="{FF2B5EF4-FFF2-40B4-BE49-F238E27FC236}">
+                <a16:creationId xmlns:a16="http://schemas.microsoft.com/office/drawing/2014/main" id="{5E368DD1-8BA9-43FA-9D3F-8CE2FF838549}"/>
+              </a:ext>
+            </a:extLst>
+          </p:cNvPr>
+          <p:cNvSpPr/>
+          <p:nvPr/>
+        </p:nvSpPr>
+        <p:spPr>
+          <a:xfrm flipV="1">
+            <a:off x="4099859" y="4191000"/>
+            <a:ext cx="2642195" cy="101600"/>
+          </a:xfrm>
+          <a:custGeom>
+            <a:avLst/>
+            <a:gdLst>
+              <a:gd name="connsiteX0" fmla="*/ 0 w 3048000"/>
+              <a:gd name="connsiteY0" fmla="*/ 203200 h 203200"/>
+              <a:gd name="connsiteX1" fmla="*/ 221673 w 3048000"/>
+              <a:gd name="connsiteY1" fmla="*/ 0 h 203200"/>
+              <a:gd name="connsiteX2" fmla="*/ 3048000 w 3048000"/>
+              <a:gd name="connsiteY2" fmla="*/ 0 h 203200"/>
+            </a:gdLst>
+            <a:ahLst/>
+            <a:cxnLst>
+              <a:cxn ang="0">
+                <a:pos x="connsiteX0" y="connsiteY0"/>
+              </a:cxn>
+              <a:cxn ang="0">
+                <a:pos x="connsiteX1" y="connsiteY1"/>
+              </a:cxn>
+              <a:cxn ang="0">
+                <a:pos x="connsiteX2" y="connsiteY2"/>
+              </a:cxn>
+            </a:cxnLst>
+            <a:rect l="l" t="t" r="r" b="b"/>
+            <a:pathLst>
+              <a:path w="3048000" h="203200">
+                <a:moveTo>
+                  <a:pt x="0" y="203200"/>
+                </a:moveTo>
+                <a:lnTo>
+                  <a:pt x="221673" y="0"/>
+                </a:lnTo>
+                <a:lnTo>
+                  <a:pt x="3048000" y="0"/>
+                </a:lnTo>
+              </a:path>
+            </a:pathLst>
+          </a:custGeom>
+          <a:noFill/>
+          <a:ln w="19050">
+            <a:solidFill>
+              <a:schemeClr val="accent3"/>
+            </a:solidFill>
+            <a:prstDash val="sysDot"/>
+            <a:headEnd type="none" w="med" len="med"/>
+            <a:tailEnd type="arrow" w="med" len="med"/>
+          </a:ln>
+          <a:effectLst/>
+        </p:spPr>
+        <p:style>
+          <a:lnRef idx="1">
+            <a:schemeClr val="accent2"/>
+          </a:lnRef>
+          <a:fillRef idx="2">
+            <a:schemeClr val="accent2"/>
+          </a:fillRef>
+          <a:effectRef idx="1">
+            <a:schemeClr val="accent2"/>
+          </a:effectRef>
+          <a:fontRef idx="minor">
+            <a:schemeClr val="dk1"/>
+          </a:fontRef>
+        </p:style>
+        <p:txBody>
+          <a:bodyPr rtlCol="0" anchor="ctr"/>
+          <a:lstStyle/>
+          <a:p>
+            <a:pPr algn="ctr"/>
+            <a:endParaRPr lang="en-SG"/>
+          </a:p>
+        </p:txBody>
+      </p:sp>
+      <p:sp>
+        <p:nvSpPr>
+          <p:cNvPr id="145" name="Freeform 117">
+            <a:extLst>
+              <a:ext uri="{FF2B5EF4-FFF2-40B4-BE49-F238E27FC236}">
+                <a16:creationId xmlns:a16="http://schemas.microsoft.com/office/drawing/2014/main" id="{7C6DFBA2-DC1F-4901-95C0-C4CC2CFD4EAF}"/>
+              </a:ext>
+            </a:extLst>
+          </p:cNvPr>
+          <p:cNvSpPr/>
+          <p:nvPr/>
+        </p:nvSpPr>
+        <p:spPr>
+          <a:xfrm flipV="1">
+            <a:off x="3679882" y="3566827"/>
+            <a:ext cx="3062172" cy="89921"/>
+          </a:xfrm>
+          <a:custGeom>
+            <a:avLst/>
+            <a:gdLst>
+              <a:gd name="connsiteX0" fmla="*/ 0 w 3048000"/>
+              <a:gd name="connsiteY0" fmla="*/ 203200 h 203200"/>
+              <a:gd name="connsiteX1" fmla="*/ 221673 w 3048000"/>
+              <a:gd name="connsiteY1" fmla="*/ 0 h 203200"/>
+              <a:gd name="connsiteX2" fmla="*/ 3048000 w 3048000"/>
+              <a:gd name="connsiteY2" fmla="*/ 0 h 203200"/>
+            </a:gdLst>
+            <a:ahLst/>
+            <a:cxnLst>
+              <a:cxn ang="0">
+                <a:pos x="connsiteX0" y="connsiteY0"/>
+              </a:cxn>
+              <a:cxn ang="0">
+                <a:pos x="connsiteX1" y="connsiteY1"/>
+              </a:cxn>
+              <a:cxn ang="0">
+                <a:pos x="connsiteX2" y="connsiteY2"/>
+              </a:cxn>
+            </a:cxnLst>
+            <a:rect l="l" t="t" r="r" b="b"/>
+            <a:pathLst>
+              <a:path w="3048000" h="203200">
+                <a:moveTo>
+                  <a:pt x="0" y="203200"/>
+                </a:moveTo>
+                <a:lnTo>
+                  <a:pt x="221673" y="0"/>
+                </a:lnTo>
+                <a:lnTo>
+                  <a:pt x="3048000" y="0"/>
+                </a:lnTo>
+              </a:path>
+            </a:pathLst>
+          </a:custGeom>
+          <a:noFill/>
+          <a:ln w="19050">
+            <a:solidFill>
+              <a:schemeClr val="accent3"/>
+            </a:solidFill>
+            <a:prstDash val="sysDot"/>
+            <a:headEnd type="none" w="med" len="med"/>
+            <a:tailEnd type="arrow" w="med" len="med"/>
+          </a:ln>
+          <a:effectLst/>
+        </p:spPr>
+        <p:style>
+          <a:lnRef idx="1">
+            <a:schemeClr val="accent2"/>
+          </a:lnRef>
+          <a:fillRef idx="2">
+            <a:schemeClr val="accent2"/>
+          </a:fillRef>
+          <a:effectRef idx="1">
+            <a:schemeClr val="accent2"/>
+          </a:effectRef>
+          <a:fontRef idx="minor">
+            <a:schemeClr val="dk1"/>
+          </a:fontRef>
+        </p:style>
+        <p:txBody>
+          <a:bodyPr rtlCol="0" anchor="ctr"/>
+          <a:lstStyle/>
+          <a:p>
+            <a:pPr algn="ctr"/>
+            <a:endParaRPr lang="en-SG"/>
+          </a:p>
+        </p:txBody>
+      </p:sp>
     </p:spTree>
     <p:extLst>
       <p:ext uri="{BB962C8B-B14F-4D97-AF65-F5344CB8AC3E}">

--- a/docs/diagrams/UiComponentClassDiagram.pptx
+++ b/docs/diagrams/UiComponentClassDiagram.pptx
@@ -4639,16 +4639,19 @@
           <p:cNvPr id="94" name="Elbow Connector 63"/>
           <p:cNvCxnSpPr>
             <a:cxnSpLocks/>
+            <a:stCxn id="16" idx="3"/>
           </p:cNvCxnSpPr>
           <p:nvPr/>
         </p:nvCxnSpPr>
         <p:spPr>
           <a:xfrm rot="5400000">
-            <a:off x="2807830" y="2935731"/>
-            <a:ext cx="3600470" cy="1843809"/>
-          </a:xfrm>
-          <a:prstGeom prst="bentConnector2">
-            <a:avLst/>
+            <a:off x="2922129" y="3050032"/>
+            <a:ext cx="3371872" cy="1843808"/>
+          </a:xfrm>
+          <a:prstGeom prst="bentConnector3">
+            <a:avLst>
+              <a:gd name="adj1" fmla="val 50000"/>
+            </a:avLst>
           </a:prstGeom>
           <a:ln w="6350">
             <a:solidFill>
@@ -5898,14 +5901,15 @@
           </p:cNvPr>
           <p:cNvCxnSpPr>
             <a:cxnSpLocks/>
+            <a:stCxn id="16" idx="3"/>
             <a:endCxn id="57" idx="3"/>
           </p:cNvCxnSpPr>
           <p:nvPr/>
         </p:nvCxnSpPr>
         <p:spPr>
           <a:xfrm rot="5400000">
-            <a:off x="2998566" y="982889"/>
-            <a:ext cx="3220320" cy="1842488"/>
+            <a:off x="3994580" y="1978903"/>
+            <a:ext cx="1228293" cy="1842487"/>
           </a:xfrm>
           <a:prstGeom prst="bentConnector2">
             <a:avLst/>

--- a/docs/diagrams/UiComponentClassDiagram.pptx
+++ b/docs/diagrams/UiComponentClassDiagram.pptx
@@ -208,7 +208,7 @@
           <a:p>
             <a:fld id="{F5CC4B3F-88C1-4FFA-B1B6-F41C21DC6924}" type="datetimeFigureOut">
               <a:rPr lang="en-US" smtClean="0"/>
-              <a:t>1/7/2017</a:t>
+              <a:t>11/11/2018</a:t>
             </a:fld>
             <a:endParaRPr lang="en-US"/>
           </a:p>
@@ -654,7 +654,7 @@
           <a:p>
             <a:fld id="{78C97017-6FC3-485B-9764-EAC9E56C1D49}" type="datetimeFigureOut">
               <a:rPr lang="en-US" smtClean="0"/>
-              <a:t>1/7/2017</a:t>
+              <a:t>11/11/2018</a:t>
             </a:fld>
             <a:endParaRPr lang="en-US"/>
           </a:p>
@@ -822,7 +822,7 @@
           <a:p>
             <a:fld id="{78C97017-6FC3-485B-9764-EAC9E56C1D49}" type="datetimeFigureOut">
               <a:rPr lang="en-US" smtClean="0"/>
-              <a:t>1/7/2017</a:t>
+              <a:t>11/11/2018</a:t>
             </a:fld>
             <a:endParaRPr lang="en-US"/>
           </a:p>
@@ -1000,7 +1000,7 @@
           <a:p>
             <a:fld id="{78C97017-6FC3-485B-9764-EAC9E56C1D49}" type="datetimeFigureOut">
               <a:rPr lang="en-US" smtClean="0"/>
-              <a:t>1/7/2017</a:t>
+              <a:t>11/11/2018</a:t>
             </a:fld>
             <a:endParaRPr lang="en-US"/>
           </a:p>
@@ -1168,7 +1168,7 @@
           <a:p>
             <a:fld id="{78C97017-6FC3-485B-9764-EAC9E56C1D49}" type="datetimeFigureOut">
               <a:rPr lang="en-US" smtClean="0"/>
-              <a:t>1/7/2017</a:t>
+              <a:t>11/11/2018</a:t>
             </a:fld>
             <a:endParaRPr lang="en-US"/>
           </a:p>
@@ -1413,7 +1413,7 @@
           <a:p>
             <a:fld id="{78C97017-6FC3-485B-9764-EAC9E56C1D49}" type="datetimeFigureOut">
               <a:rPr lang="en-US" smtClean="0"/>
-              <a:t>1/7/2017</a:t>
+              <a:t>11/11/2018</a:t>
             </a:fld>
             <a:endParaRPr lang="en-US"/>
           </a:p>
@@ -1698,7 +1698,7 @@
           <a:p>
             <a:fld id="{78C97017-6FC3-485B-9764-EAC9E56C1D49}" type="datetimeFigureOut">
               <a:rPr lang="en-US" smtClean="0"/>
-              <a:t>1/7/2017</a:t>
+              <a:t>11/11/2018</a:t>
             </a:fld>
             <a:endParaRPr lang="en-US"/>
           </a:p>
@@ -2117,7 +2117,7 @@
           <a:p>
             <a:fld id="{78C97017-6FC3-485B-9764-EAC9E56C1D49}" type="datetimeFigureOut">
               <a:rPr lang="en-US" smtClean="0"/>
-              <a:t>1/7/2017</a:t>
+              <a:t>11/11/2018</a:t>
             </a:fld>
             <a:endParaRPr lang="en-US"/>
           </a:p>
@@ -2234,7 +2234,7 @@
           <a:p>
             <a:fld id="{78C97017-6FC3-485B-9764-EAC9E56C1D49}" type="datetimeFigureOut">
               <a:rPr lang="en-US" smtClean="0"/>
-              <a:t>1/7/2017</a:t>
+              <a:t>11/11/2018</a:t>
             </a:fld>
             <a:endParaRPr lang="en-US"/>
           </a:p>
@@ -2329,7 +2329,7 @@
           <a:p>
             <a:fld id="{78C97017-6FC3-485B-9764-EAC9E56C1D49}" type="datetimeFigureOut">
               <a:rPr lang="en-US" smtClean="0"/>
-              <a:t>1/7/2017</a:t>
+              <a:t>11/11/2018</a:t>
             </a:fld>
             <a:endParaRPr lang="en-US"/>
           </a:p>
@@ -2604,7 +2604,7 @@
           <a:p>
             <a:fld id="{78C97017-6FC3-485B-9764-EAC9E56C1D49}" type="datetimeFigureOut">
               <a:rPr lang="en-US" smtClean="0"/>
-              <a:t>1/7/2017</a:t>
+              <a:t>11/11/2018</a:t>
             </a:fld>
             <a:endParaRPr lang="en-US"/>
           </a:p>
@@ -2856,7 +2856,7 @@
           <a:p>
             <a:fld id="{78C97017-6FC3-485B-9764-EAC9E56C1D49}" type="datetimeFigureOut">
               <a:rPr lang="en-US" smtClean="0"/>
-              <a:t>1/7/2017</a:t>
+              <a:t>11/11/2018</a:t>
             </a:fld>
             <a:endParaRPr lang="en-US"/>
           </a:p>
@@ -3067,7 +3067,7 @@
           <a:p>
             <a:fld id="{78C97017-6FC3-485B-9764-EAC9E56C1D49}" type="datetimeFigureOut">
               <a:rPr lang="en-US" smtClean="0"/>
-              <a:t>1/7/2017</a:t>
+              <a:t>11/11/2018</a:t>
             </a:fld>
             <a:endParaRPr lang="en-US"/>
           </a:p>
@@ -4038,16 +4038,16 @@
           <a:p>
             <a:pPr algn="ctr"/>
             <a:r>
-              <a:rPr lang="en-US" sz="1050" b="1" dirty="0" err="1">
+              <a:rPr lang="en-US" sz="1000" b="1" dirty="0" err="1">
                 <a:solidFill>
                   <a:schemeClr val="accent3">
                     <a:lumMod val="75000"/>
                   </a:schemeClr>
                 </a:solidFill>
               </a:rPr>
-              <a:t>PersonListPanel</a:t>
-            </a:r>
-            <a:endParaRPr lang="en-SG" sz="1050" b="1" dirty="0">
+              <a:t>CarparkListPanel</a:t>
+            </a:r>
+            <a:endParaRPr lang="en-SG" sz="1000" b="1" dirty="0">
               <a:solidFill>
                 <a:schemeClr val="accent3">
                   <a:lumMod val="75000"/>
@@ -4105,7 +4105,7 @@
                   </a:schemeClr>
                 </a:solidFill>
               </a:rPr>
-              <a:t>PersonCard</a:t>
+              <a:t>CarparkCard</a:t>
             </a:r>
             <a:endParaRPr lang="en-SG" sz="1050" b="1" dirty="0">
               <a:solidFill>

--- a/docs/diagrams/UiComponentClassDiagram.pptx
+++ b/docs/diagrams/UiComponentClassDiagram.pptx
@@ -208,7 +208,7 @@
           <a:p>
             <a:fld id="{F5CC4B3F-88C1-4FFA-B1B6-F41C21DC6924}" type="datetimeFigureOut">
               <a:rPr lang="en-US" smtClean="0"/>
-              <a:t>1/7/2017</a:t>
+              <a:t>11/12/2018</a:t>
             </a:fld>
             <a:endParaRPr lang="en-US"/>
           </a:p>
@@ -654,7 +654,7 @@
           <a:p>
             <a:fld id="{78C97017-6FC3-485B-9764-EAC9E56C1D49}" type="datetimeFigureOut">
               <a:rPr lang="en-US" smtClean="0"/>
-              <a:t>1/7/2017</a:t>
+              <a:t>11/12/2018</a:t>
             </a:fld>
             <a:endParaRPr lang="en-US"/>
           </a:p>
@@ -822,7 +822,7 @@
           <a:p>
             <a:fld id="{78C97017-6FC3-485B-9764-EAC9E56C1D49}" type="datetimeFigureOut">
               <a:rPr lang="en-US" smtClean="0"/>
-              <a:t>1/7/2017</a:t>
+              <a:t>11/12/2018</a:t>
             </a:fld>
             <a:endParaRPr lang="en-US"/>
           </a:p>
@@ -1000,7 +1000,7 @@
           <a:p>
             <a:fld id="{78C97017-6FC3-485B-9764-EAC9E56C1D49}" type="datetimeFigureOut">
               <a:rPr lang="en-US" smtClean="0"/>
-              <a:t>1/7/2017</a:t>
+              <a:t>11/12/2018</a:t>
             </a:fld>
             <a:endParaRPr lang="en-US"/>
           </a:p>
@@ -1168,7 +1168,7 @@
           <a:p>
             <a:fld id="{78C97017-6FC3-485B-9764-EAC9E56C1D49}" type="datetimeFigureOut">
               <a:rPr lang="en-US" smtClean="0"/>
-              <a:t>1/7/2017</a:t>
+              <a:t>11/12/2018</a:t>
             </a:fld>
             <a:endParaRPr lang="en-US"/>
           </a:p>
@@ -1413,7 +1413,7 @@
           <a:p>
             <a:fld id="{78C97017-6FC3-485B-9764-EAC9E56C1D49}" type="datetimeFigureOut">
               <a:rPr lang="en-US" smtClean="0"/>
-              <a:t>1/7/2017</a:t>
+              <a:t>11/12/2018</a:t>
             </a:fld>
             <a:endParaRPr lang="en-US"/>
           </a:p>
@@ -1698,7 +1698,7 @@
           <a:p>
             <a:fld id="{78C97017-6FC3-485B-9764-EAC9E56C1D49}" type="datetimeFigureOut">
               <a:rPr lang="en-US" smtClean="0"/>
-              <a:t>1/7/2017</a:t>
+              <a:t>11/12/2018</a:t>
             </a:fld>
             <a:endParaRPr lang="en-US"/>
           </a:p>
@@ -2117,7 +2117,7 @@
           <a:p>
             <a:fld id="{78C97017-6FC3-485B-9764-EAC9E56C1D49}" type="datetimeFigureOut">
               <a:rPr lang="en-US" smtClean="0"/>
-              <a:t>1/7/2017</a:t>
+              <a:t>11/12/2018</a:t>
             </a:fld>
             <a:endParaRPr lang="en-US"/>
           </a:p>
@@ -2234,7 +2234,7 @@
           <a:p>
             <a:fld id="{78C97017-6FC3-485B-9764-EAC9E56C1D49}" type="datetimeFigureOut">
               <a:rPr lang="en-US" smtClean="0"/>
-              <a:t>1/7/2017</a:t>
+              <a:t>11/12/2018</a:t>
             </a:fld>
             <a:endParaRPr lang="en-US"/>
           </a:p>
@@ -2329,7 +2329,7 @@
           <a:p>
             <a:fld id="{78C97017-6FC3-485B-9764-EAC9E56C1D49}" type="datetimeFigureOut">
               <a:rPr lang="en-US" smtClean="0"/>
-              <a:t>1/7/2017</a:t>
+              <a:t>11/12/2018</a:t>
             </a:fld>
             <a:endParaRPr lang="en-US"/>
           </a:p>
@@ -2604,7 +2604,7 @@
           <a:p>
             <a:fld id="{78C97017-6FC3-485B-9764-EAC9E56C1D49}" type="datetimeFigureOut">
               <a:rPr lang="en-US" smtClean="0"/>
-              <a:t>1/7/2017</a:t>
+              <a:t>11/12/2018</a:t>
             </a:fld>
             <a:endParaRPr lang="en-US"/>
           </a:p>
@@ -2856,7 +2856,7 @@
           <a:p>
             <a:fld id="{78C97017-6FC3-485B-9764-EAC9E56C1D49}" type="datetimeFigureOut">
               <a:rPr lang="en-US" smtClean="0"/>
-              <a:t>1/7/2017</a:t>
+              <a:t>11/12/2018</a:t>
             </a:fld>
             <a:endParaRPr lang="en-US"/>
           </a:p>
@@ -3067,7 +3067,7 @@
           <a:p>
             <a:fld id="{78C97017-6FC3-485B-9764-EAC9E56C1D49}" type="datetimeFigureOut">
               <a:rPr lang="en-US" smtClean="0"/>
-              <a:t>1/7/2017</a:t>
+              <a:t>11/12/2018</a:t>
             </a:fld>
             <a:endParaRPr lang="en-US"/>
           </a:p>
@@ -4045,7 +4045,7 @@
                   </a:schemeClr>
                 </a:solidFill>
               </a:rPr>
-              <a:t>PersonListPanel</a:t>
+              <a:t>RideListPanel</a:t>
             </a:r>
             <a:endParaRPr lang="en-SG" sz="1050" b="1" dirty="0">
               <a:solidFill>
@@ -4105,7 +4105,7 @@
                   </a:schemeClr>
                 </a:solidFill>
               </a:rPr>
-              <a:t>PersonCard</a:t>
+              <a:t>RideCard</a:t>
             </a:r>
             <a:endParaRPr lang="en-SG" sz="1050" b="1" dirty="0">
               <a:solidFill>

--- a/docs/diagrams/UiComponentClassDiagram.pptx
+++ b/docs/diagrams/UiComponentClassDiagram.pptx
@@ -208,7 +208,7 @@
           <a:p>
             <a:fld id="{F5CC4B3F-88C1-4FFA-B1B6-F41C21DC6924}" type="datetimeFigureOut">
               <a:rPr lang="en-US" smtClean="0"/>
-              <a:t>10/30/18</a:t>
+              <a:t>11/12/18</a:t>
             </a:fld>
             <a:endParaRPr lang="en-US"/>
           </a:p>
@@ -654,7 +654,7 @@
           <a:p>
             <a:fld id="{78C97017-6FC3-485B-9764-EAC9E56C1D49}" type="datetimeFigureOut">
               <a:rPr lang="en-US" smtClean="0"/>
-              <a:t>10/30/18</a:t>
+              <a:t>11/12/18</a:t>
             </a:fld>
             <a:endParaRPr lang="en-US"/>
           </a:p>
@@ -822,7 +822,7 @@
           <a:p>
             <a:fld id="{78C97017-6FC3-485B-9764-EAC9E56C1D49}" type="datetimeFigureOut">
               <a:rPr lang="en-US" smtClean="0"/>
-              <a:t>10/30/18</a:t>
+              <a:t>11/12/18</a:t>
             </a:fld>
             <a:endParaRPr lang="en-US"/>
           </a:p>
@@ -1000,7 +1000,7 @@
           <a:p>
             <a:fld id="{78C97017-6FC3-485B-9764-EAC9E56C1D49}" type="datetimeFigureOut">
               <a:rPr lang="en-US" smtClean="0"/>
-              <a:t>10/30/18</a:t>
+              <a:t>11/12/18</a:t>
             </a:fld>
             <a:endParaRPr lang="en-US"/>
           </a:p>
@@ -1168,7 +1168,7 @@
           <a:p>
             <a:fld id="{78C97017-6FC3-485B-9764-EAC9E56C1D49}" type="datetimeFigureOut">
               <a:rPr lang="en-US" smtClean="0"/>
-              <a:t>10/30/18</a:t>
+              <a:t>11/12/18</a:t>
             </a:fld>
             <a:endParaRPr lang="en-US"/>
           </a:p>
@@ -1413,7 +1413,7 @@
           <a:p>
             <a:fld id="{78C97017-6FC3-485B-9764-EAC9E56C1D49}" type="datetimeFigureOut">
               <a:rPr lang="en-US" smtClean="0"/>
-              <a:t>10/30/18</a:t>
+              <a:t>11/12/18</a:t>
             </a:fld>
             <a:endParaRPr lang="en-US"/>
           </a:p>
@@ -1698,7 +1698,7 @@
           <a:p>
             <a:fld id="{78C97017-6FC3-485B-9764-EAC9E56C1D49}" type="datetimeFigureOut">
               <a:rPr lang="en-US" smtClean="0"/>
-              <a:t>10/30/18</a:t>
+              <a:t>11/12/18</a:t>
             </a:fld>
             <a:endParaRPr lang="en-US"/>
           </a:p>
@@ -2117,7 +2117,7 @@
           <a:p>
             <a:fld id="{78C97017-6FC3-485B-9764-EAC9E56C1D49}" type="datetimeFigureOut">
               <a:rPr lang="en-US" smtClean="0"/>
-              <a:t>10/30/18</a:t>
+              <a:t>11/12/18</a:t>
             </a:fld>
             <a:endParaRPr lang="en-US"/>
           </a:p>
@@ -2234,7 +2234,7 @@
           <a:p>
             <a:fld id="{78C97017-6FC3-485B-9764-EAC9E56C1D49}" type="datetimeFigureOut">
               <a:rPr lang="en-US" smtClean="0"/>
-              <a:t>10/30/18</a:t>
+              <a:t>11/12/18</a:t>
             </a:fld>
             <a:endParaRPr lang="en-US"/>
           </a:p>
@@ -2329,7 +2329,7 @@
           <a:p>
             <a:fld id="{78C97017-6FC3-485B-9764-EAC9E56C1D49}" type="datetimeFigureOut">
               <a:rPr lang="en-US" smtClean="0"/>
-              <a:t>10/30/18</a:t>
+              <a:t>11/12/18</a:t>
             </a:fld>
             <a:endParaRPr lang="en-US"/>
           </a:p>
@@ -2604,7 +2604,7 @@
           <a:p>
             <a:fld id="{78C97017-6FC3-485B-9764-EAC9E56C1D49}" type="datetimeFigureOut">
               <a:rPr lang="en-US" smtClean="0"/>
-              <a:t>10/30/18</a:t>
+              <a:t>11/12/18</a:t>
             </a:fld>
             <a:endParaRPr lang="en-US"/>
           </a:p>
@@ -2856,7 +2856,7 @@
           <a:p>
             <a:fld id="{78C97017-6FC3-485B-9764-EAC9E56C1D49}" type="datetimeFigureOut">
               <a:rPr lang="en-US" smtClean="0"/>
-              <a:t>10/30/18</a:t>
+              <a:t>11/12/18</a:t>
             </a:fld>
             <a:endParaRPr lang="en-US"/>
           </a:p>
@@ -3067,7 +3067,7 @@
           <a:p>
             <a:fld id="{78C97017-6FC3-485B-9764-EAC9E56C1D49}" type="datetimeFigureOut">
               <a:rPr lang="en-US" smtClean="0"/>
-              <a:t>10/30/18</a:t>
+              <a:t>11/12/18</a:t>
             </a:fld>
             <a:endParaRPr lang="en-US"/>
           </a:p>
@@ -3545,7 +3545,7 @@
           <a:p>
             <a:pPr algn="ctr"/>
             <a:r>
-              <a:rPr lang="en-US" sz="1050" b="1" dirty="0" err="1">
+              <a:rPr lang="en-US" sz="1050" b="1" dirty="0">
                 <a:solidFill>
                   <a:schemeClr val="accent3">
                     <a:lumMod val="75000"/>
@@ -3572,7 +3572,7 @@
         </p:nvSpPr>
         <p:spPr>
           <a:xfrm>
-            <a:off x="2592528" y="3694348"/>
+            <a:off x="2560873" y="2897048"/>
             <a:ext cx="1246794" cy="229041"/>
           </a:xfrm>
           <a:prstGeom prst="rect">
@@ -3605,7 +3605,7 @@
           <a:p>
             <a:pPr algn="ctr"/>
             <a:r>
-              <a:rPr lang="en-US" sz="1050" b="1" dirty="0" err="1">
+              <a:rPr lang="en-US" sz="1050" b="1" dirty="0">
                 <a:solidFill>
                   <a:schemeClr val="accent3">
                     <a:lumMod val="75000"/>
@@ -3668,7 +3668,7 @@
           <a:p>
             <a:pPr algn="ctr"/>
             <a:r>
-              <a:rPr lang="en-US" sz="1050" dirty="0" err="1">
+              <a:rPr lang="en-US" sz="1050" dirty="0">
                 <a:solidFill>
                   <a:schemeClr val="bg1"/>
                 </a:solidFill>
@@ -3887,8 +3887,8 @@
         </p:nvSpPr>
         <p:spPr>
           <a:xfrm>
-            <a:off x="2592528" y="4371907"/>
-            <a:ext cx="1232228" cy="235781"/>
+            <a:off x="2560923" y="3608333"/>
+            <a:ext cx="1432993" cy="255894"/>
           </a:xfrm>
           <a:prstGeom prst="rect">
             <a:avLst/>
@@ -3920,14 +3920,14 @@
           <a:p>
             <a:pPr algn="ctr"/>
             <a:r>
-              <a:rPr lang="en-US" sz="1050" b="1" dirty="0" err="1">
+              <a:rPr lang="en-US" sz="1050" b="1" dirty="0">
                 <a:solidFill>
                   <a:schemeClr val="accent3">
                     <a:lumMod val="75000"/>
                   </a:schemeClr>
                 </a:solidFill>
               </a:rPr>
-              <a:t>BrowserPanel</a:t>
+              <a:t>PersonBrowserPanel</a:t>
             </a:r>
             <a:endParaRPr lang="en-SG" sz="1050" b="1" dirty="0">
               <a:solidFill>
@@ -3980,7 +3980,7 @@
           <a:p>
             <a:pPr algn="ctr"/>
             <a:r>
-              <a:rPr lang="en-US" sz="1050" b="1" dirty="0" err="1">
+              <a:rPr lang="en-US" sz="1050" b="1" dirty="0">
                 <a:solidFill>
                   <a:schemeClr val="accent3">
                     <a:lumMod val="75000"/>
@@ -4040,7 +4040,7 @@
           <a:p>
             <a:pPr algn="ctr"/>
             <a:r>
-              <a:rPr lang="en-US" sz="1050" b="1" dirty="0" err="1">
+              <a:rPr lang="en-US" sz="1050" b="1" dirty="0">
                 <a:solidFill>
                   <a:schemeClr val="accent3">
                     <a:lumMod val="75000"/>
@@ -4100,7 +4100,7 @@
           <a:p>
             <a:pPr algn="ctr"/>
             <a:r>
-              <a:rPr lang="en-US" sz="1050" b="1" dirty="0" err="1">
+              <a:rPr lang="en-US" sz="1050" b="1" dirty="0">
                 <a:solidFill>
                   <a:schemeClr val="accent3">
                     <a:lumMod val="75000"/>
@@ -4160,7 +4160,7 @@
           <a:p>
             <a:pPr algn="ctr"/>
             <a:r>
-              <a:rPr lang="en-US" sz="1050" b="1" dirty="0" err="1">
+              <a:rPr lang="en-US" sz="1050" b="1" dirty="0">
                 <a:solidFill>
                   <a:schemeClr val="accent3">
                     <a:lumMod val="75000"/>
@@ -4239,8 +4239,8 @@
         </p:nvCxnSpPr>
         <p:spPr>
           <a:xfrm rot="16200000" flipH="1">
-            <a:off x="1713271" y="2929612"/>
-            <a:ext cx="1162804" cy="595709"/>
+            <a:off x="2096094" y="2546790"/>
+            <a:ext cx="365504" cy="564054"/>
           </a:xfrm>
           <a:prstGeom prst="bentConnector2">
             <a:avLst/>
@@ -4277,7 +4277,7 @@
         </p:nvSpPr>
         <p:spPr>
           <a:xfrm>
-            <a:off x="2590799" y="4032610"/>
+            <a:off x="2557289" y="3258276"/>
             <a:ext cx="1248524" cy="213212"/>
           </a:xfrm>
           <a:prstGeom prst="rect">
@@ -4310,7 +4310,7 @@
           <a:p>
             <a:pPr algn="ctr"/>
             <a:r>
-              <a:rPr lang="en-US" sz="1050" b="1" dirty="0" err="1">
+              <a:rPr lang="en-US" sz="1050" b="1" dirty="0">
                 <a:solidFill>
                   <a:schemeClr val="accent3">
                     <a:lumMod val="75000"/>
@@ -4341,8 +4341,8 @@
         </p:nvCxnSpPr>
         <p:spPr>
           <a:xfrm rot="16200000" flipH="1">
-            <a:off x="1372807" y="3270076"/>
-            <a:ext cx="1843733" cy="595709"/>
+            <a:off x="1733764" y="2909120"/>
+            <a:ext cx="1090215" cy="564104"/>
           </a:xfrm>
           <a:prstGeom prst="bentConnector2">
             <a:avLst/>
@@ -4515,7 +4515,7 @@
               </a:rPr>
             </a:br>
             <a:r>
-              <a:rPr lang="en-US" sz="1050" b="1" dirty="0" err="1">
+              <a:rPr lang="en-US" sz="1050" b="1" dirty="0">
                 <a:solidFill>
                   <a:schemeClr val="accent3">
                     <a:lumMod val="75000"/>
@@ -4546,8 +4546,8 @@
         </p:nvCxnSpPr>
         <p:spPr>
           <a:xfrm flipV="1">
-            <a:off x="3839323" y="2286000"/>
-            <a:ext cx="1690646" cy="1853216"/>
+            <a:off x="3805813" y="2286000"/>
+            <a:ext cx="1724156" cy="1078882"/>
           </a:xfrm>
           <a:prstGeom prst="bentConnector2">
             <a:avLst/>
@@ -4629,8 +4629,8 @@
         </p:nvCxnSpPr>
         <p:spPr>
           <a:xfrm rot="5400000">
-            <a:off x="3575464" y="2535293"/>
-            <a:ext cx="2203798" cy="1705213"/>
+            <a:off x="4036803" y="2243114"/>
+            <a:ext cx="1450280" cy="1536053"/>
           </a:xfrm>
           <a:prstGeom prst="bentConnector2">
             <a:avLst/>
@@ -4941,7 +4941,7 @@
           <a:p>
             <a:pPr algn="ctr"/>
             <a:r>
-              <a:rPr lang="en-US" sz="1050" dirty="0" err="1">
+              <a:rPr lang="en-US" sz="1050" dirty="0">
                 <a:solidFill>
                   <a:schemeClr val="bg1"/>
                 </a:solidFill>
@@ -5059,8 +5059,8 @@
         </p:nvCxnSpPr>
         <p:spPr>
           <a:xfrm rot="5400000">
-            <a:off x="3923212" y="2202111"/>
-            <a:ext cx="1522869" cy="1690647"/>
+            <a:off x="4306034" y="1787633"/>
+            <a:ext cx="725569" cy="1722302"/>
           </a:xfrm>
           <a:prstGeom prst="bentConnector2">
             <a:avLst/>
@@ -5234,7 +5234,7 @@
         </p:nvSpPr>
         <p:spPr>
           <a:xfrm>
-            <a:off x="3493732" y="3474410"/>
+            <a:off x="3493732" y="2670540"/>
             <a:ext cx="3580875" cy="225060"/>
           </a:xfrm>
           <a:custGeom>
@@ -5445,10 +5445,10 @@
       </p:sp>
       <p:sp>
         <p:nvSpPr>
-          <p:cNvPr id="45" name="Triangle 44">
+          <p:cNvPr id="80" name="Rectangle 11">
             <a:extLst>
               <a:ext uri="{FF2B5EF4-FFF2-40B4-BE49-F238E27FC236}">
-                <a16:creationId xmlns:a16="http://schemas.microsoft.com/office/drawing/2014/main" id="{00806EAF-F9A5-B74E-B4A5-DBFE3202FAEC}"/>
+                <a16:creationId xmlns:a16="http://schemas.microsoft.com/office/drawing/2014/main" id="{30EB05E3-1734-1A41-BC15-474E59749641}"/>
               </a:ext>
             </a:extLst>
           </p:cNvPr>
@@ -5457,54 +5457,8 @@
         </p:nvSpPr>
         <p:spPr>
           <a:xfrm>
-            <a:off x="2525359" y="2675134"/>
-            <a:ext cx="228600" cy="152400"/>
-          </a:xfrm>
-          <a:prstGeom prst="triangle">
-            <a:avLst/>
-          </a:prstGeom>
-        </p:spPr>
-        <p:style>
-          <a:lnRef idx="2">
-            <a:schemeClr val="accent3">
-              <a:shade val="50000"/>
-            </a:schemeClr>
-          </a:lnRef>
-          <a:fillRef idx="1">
-            <a:schemeClr val="accent3"/>
-          </a:fillRef>
-          <a:effectRef idx="0">
-            <a:schemeClr val="accent3"/>
-          </a:effectRef>
-          <a:fontRef idx="minor">
-            <a:schemeClr val="lt1"/>
-          </a:fontRef>
-        </p:style>
-        <p:txBody>
-          <a:bodyPr rtlCol="0" anchor="ctr"/>
-          <a:lstStyle/>
-          <a:p>
-            <a:pPr algn="ctr"/>
-            <a:endParaRPr lang="en-US" dirty="0"/>
-          </a:p>
-        </p:txBody>
-      </p:sp>
-      <p:sp>
-        <p:nvSpPr>
-          <p:cNvPr id="46" name="Rectangle 8">
-            <a:extLst>
-              <a:ext uri="{FF2B5EF4-FFF2-40B4-BE49-F238E27FC236}">
-                <a16:creationId xmlns:a16="http://schemas.microsoft.com/office/drawing/2014/main" id="{DB1F0DBE-5ACB-D044-8F38-A93C305794F2}"/>
-              </a:ext>
-            </a:extLst>
-          </p:cNvPr>
-          <p:cNvSpPr/>
-          <p:nvPr/>
-        </p:nvSpPr>
-        <p:spPr>
-          <a:xfrm>
-            <a:off x="508240" y="3099273"/>
-            <a:ext cx="1093635" cy="346760"/>
+            <a:off x="2604672" y="5202793"/>
+            <a:ext cx="1234649" cy="219512"/>
           </a:xfrm>
           <a:prstGeom prst="rect">
             <a:avLst/>
@@ -5536,14 +5490,14 @@
           <a:p>
             <a:pPr algn="ctr"/>
             <a:r>
-              <a:rPr lang="en-US" sz="1050" b="1" dirty="0" err="1">
+              <a:rPr lang="en-US" sz="1050" b="1" dirty="0">
                 <a:solidFill>
                   <a:schemeClr val="accent3">
                     <a:lumMod val="75000"/>
                   </a:schemeClr>
                 </a:solidFill>
               </a:rPr>
-              <a:t>PersonWindow</a:t>
+              <a:t>ModuleListPanel</a:t>
             </a:r>
             <a:endParaRPr lang="en-SG" sz="1050" b="1" dirty="0">
               <a:solidFill>
@@ -5557,10 +5511,10 @@
       </p:sp>
       <p:sp>
         <p:nvSpPr>
-          <p:cNvPr id="48" name="Rectangle 8">
+          <p:cNvPr id="81" name="Rectangle 11">
             <a:extLst>
               <a:ext uri="{FF2B5EF4-FFF2-40B4-BE49-F238E27FC236}">
-                <a16:creationId xmlns:a16="http://schemas.microsoft.com/office/drawing/2014/main" id="{684A3CF4-8CB9-BE4C-B93D-1609323C81D4}"/>
+                <a16:creationId xmlns:a16="http://schemas.microsoft.com/office/drawing/2014/main" id="{D2CD4904-379B-D247-960D-BDDBE8788432}"/>
               </a:ext>
             </a:extLst>
           </p:cNvPr>
@@ -5569,8 +5523,8 @@
         </p:nvSpPr>
         <p:spPr>
           <a:xfrm>
-            <a:off x="2092841" y="3098007"/>
-            <a:ext cx="1093635" cy="346760"/>
+            <a:off x="2607571" y="5613203"/>
+            <a:ext cx="1215402" cy="246279"/>
           </a:xfrm>
           <a:prstGeom prst="rect">
             <a:avLst/>
@@ -5602,14 +5556,14 @@
           <a:p>
             <a:pPr algn="ctr"/>
             <a:r>
-              <a:rPr lang="en-US" sz="1050" b="1" dirty="0" err="1">
+              <a:rPr lang="en-US" sz="1050" b="1" dirty="0">
                 <a:solidFill>
                   <a:schemeClr val="accent3">
                     <a:lumMod val="75000"/>
                   </a:schemeClr>
                 </a:solidFill>
               </a:rPr>
-              <a:t>ModuleWindow</a:t>
+              <a:t>OccasionListPanel</a:t>
             </a:r>
             <a:endParaRPr lang="en-SG" sz="1050" b="1" dirty="0">
               <a:solidFill>
@@ -5621,472 +5575,6 @@
           </a:p>
         </p:txBody>
       </p:sp>
-      <p:sp>
-        <p:nvSpPr>
-          <p:cNvPr id="49" name="Rectangle 8">
-            <a:extLst>
-              <a:ext uri="{FF2B5EF4-FFF2-40B4-BE49-F238E27FC236}">
-                <a16:creationId xmlns:a16="http://schemas.microsoft.com/office/drawing/2014/main" id="{2B81743B-960A-E84A-A619-081F66D2BF4C}"/>
-              </a:ext>
-            </a:extLst>
-          </p:cNvPr>
-          <p:cNvSpPr/>
-          <p:nvPr/>
-        </p:nvSpPr>
-        <p:spPr>
-          <a:xfrm>
-            <a:off x="3261886" y="3086723"/>
-            <a:ext cx="1235538" cy="346760"/>
-          </a:xfrm>
-          <a:prstGeom prst="rect">
-            <a:avLst/>
-          </a:prstGeom>
-          <a:ln w="19050">
-            <a:solidFill>
-              <a:schemeClr val="accent3"/>
-            </a:solidFill>
-          </a:ln>
-          <a:effectLst/>
-        </p:spPr>
-        <p:style>
-          <a:lnRef idx="1">
-            <a:schemeClr val="accent3"/>
-          </a:lnRef>
-          <a:fillRef idx="2">
-            <a:schemeClr val="accent3"/>
-          </a:fillRef>
-          <a:effectRef idx="1">
-            <a:schemeClr val="accent3"/>
-          </a:effectRef>
-          <a:fontRef idx="minor">
-            <a:schemeClr val="dk1"/>
-          </a:fontRef>
-        </p:style>
-        <p:txBody>
-          <a:bodyPr rtlCol="0" anchor="ctr"/>
-          <a:lstStyle/>
-          <a:p>
-            <a:pPr algn="ctr"/>
-            <a:r>
-              <a:rPr lang="en-US" sz="1050" b="1" dirty="0" err="1">
-                <a:solidFill>
-                  <a:schemeClr val="accent3">
-                    <a:lumMod val="75000"/>
-                  </a:schemeClr>
-                </a:solidFill>
-              </a:rPr>
-              <a:t>OccasionWindow</a:t>
-            </a:r>
-            <a:endParaRPr lang="en-SG" sz="1050" b="1" dirty="0">
-              <a:solidFill>
-                <a:schemeClr val="accent3">
-                  <a:lumMod val="75000"/>
-                </a:schemeClr>
-              </a:solidFill>
-            </a:endParaRPr>
-          </a:p>
-        </p:txBody>
-      </p:sp>
-      <p:cxnSp>
-        <p:nvCxnSpPr>
-          <p:cNvPr id="61" name="Elbow Connector 63">
-            <a:extLst>
-              <a:ext uri="{FF2B5EF4-FFF2-40B4-BE49-F238E27FC236}">
-                <a16:creationId xmlns:a16="http://schemas.microsoft.com/office/drawing/2014/main" id="{11706DB7-7D0D-4E46-B938-AECDDE709E8F}"/>
-              </a:ext>
-            </a:extLst>
-          </p:cNvPr>
-          <p:cNvCxnSpPr>
-            <a:cxnSpLocks/>
-          </p:cNvCxnSpPr>
-          <p:nvPr/>
-        </p:nvCxnSpPr>
-        <p:spPr>
-          <a:xfrm flipV="1">
-            <a:off x="2631436" y="2970487"/>
-            <a:ext cx="1193321" cy="4918"/>
-          </a:xfrm>
-          <a:prstGeom prst="bentConnector3">
-            <a:avLst>
-              <a:gd name="adj1" fmla="val 50000"/>
-            </a:avLst>
-          </a:prstGeom>
-          <a:ln w="6350">
-            <a:solidFill>
-              <a:schemeClr val="accent3"/>
-            </a:solidFill>
-            <a:headEnd type="none" w="med" len="med"/>
-            <a:tailEnd type="none" w="med" len="med"/>
-          </a:ln>
-          <a:effectLst/>
-        </p:spPr>
-        <p:style>
-          <a:lnRef idx="1">
-            <a:schemeClr val="accent2"/>
-          </a:lnRef>
-          <a:fillRef idx="2">
-            <a:schemeClr val="accent2"/>
-          </a:fillRef>
-          <a:effectRef idx="1">
-            <a:schemeClr val="accent2"/>
-          </a:effectRef>
-          <a:fontRef idx="minor">
-            <a:schemeClr val="dk1"/>
-          </a:fontRef>
-        </p:style>
-      </p:cxnSp>
-      <p:cxnSp>
-        <p:nvCxnSpPr>
-          <p:cNvPr id="63" name="Elbow Connector 63">
-            <a:extLst>
-              <a:ext uri="{FF2B5EF4-FFF2-40B4-BE49-F238E27FC236}">
-                <a16:creationId xmlns:a16="http://schemas.microsoft.com/office/drawing/2014/main" id="{C8E83A05-68B9-5445-A4EE-57278049C966}"/>
-              </a:ext>
-            </a:extLst>
-          </p:cNvPr>
-          <p:cNvCxnSpPr>
-            <a:cxnSpLocks/>
-          </p:cNvCxnSpPr>
-          <p:nvPr/>
-        </p:nvCxnSpPr>
-        <p:spPr>
-          <a:xfrm>
-            <a:off x="987187" y="2967259"/>
-            <a:ext cx="1644249" cy="4541"/>
-          </a:xfrm>
-          <a:prstGeom prst="bentConnector3">
-            <a:avLst>
-              <a:gd name="adj1" fmla="val 50000"/>
-            </a:avLst>
-          </a:prstGeom>
-          <a:ln w="6350">
-            <a:solidFill>
-              <a:schemeClr val="accent3"/>
-            </a:solidFill>
-            <a:headEnd type="none" w="med" len="med"/>
-            <a:tailEnd type="none" w="med" len="med"/>
-          </a:ln>
-          <a:effectLst/>
-        </p:spPr>
-        <p:style>
-          <a:lnRef idx="1">
-            <a:schemeClr val="accent2"/>
-          </a:lnRef>
-          <a:fillRef idx="2">
-            <a:schemeClr val="accent2"/>
-          </a:fillRef>
-          <a:effectRef idx="1">
-            <a:schemeClr val="accent2"/>
-          </a:effectRef>
-          <a:fontRef idx="minor">
-            <a:schemeClr val="dk1"/>
-          </a:fontRef>
-        </p:style>
-      </p:cxnSp>
-      <p:cxnSp>
-        <p:nvCxnSpPr>
-          <p:cNvPr id="41" name="Straight Connector 40">
-            <a:extLst>
-              <a:ext uri="{FF2B5EF4-FFF2-40B4-BE49-F238E27FC236}">
-                <a16:creationId xmlns:a16="http://schemas.microsoft.com/office/drawing/2014/main" id="{5079BC55-419E-3D45-A266-3205609F8818}"/>
-              </a:ext>
-            </a:extLst>
-          </p:cNvPr>
-          <p:cNvCxnSpPr>
-            <a:stCxn id="45" idx="3"/>
-            <a:endCxn id="48" idx="0"/>
-          </p:cNvCxnSpPr>
-          <p:nvPr/>
-        </p:nvCxnSpPr>
-        <p:spPr>
-          <a:xfrm>
-            <a:off x="2639659" y="2827534"/>
-            <a:ext cx="0" cy="270473"/>
-          </a:xfrm>
-          <a:prstGeom prst="line">
-            <a:avLst/>
-          </a:prstGeom>
-          <a:ln>
-            <a:solidFill>
-              <a:schemeClr val="accent3"/>
-            </a:solidFill>
-          </a:ln>
-        </p:spPr>
-        <p:style>
-          <a:lnRef idx="1">
-            <a:schemeClr val="accent1"/>
-          </a:lnRef>
-          <a:fillRef idx="0">
-            <a:schemeClr val="accent1"/>
-          </a:fillRef>
-          <a:effectRef idx="0">
-            <a:schemeClr val="accent1"/>
-          </a:effectRef>
-          <a:fontRef idx="minor">
-            <a:schemeClr val="tx1"/>
-          </a:fontRef>
-        </p:style>
-      </p:cxnSp>
-      <p:cxnSp>
-        <p:nvCxnSpPr>
-          <p:cNvPr id="55" name="Straight Connector 54">
-            <a:extLst>
-              <a:ext uri="{FF2B5EF4-FFF2-40B4-BE49-F238E27FC236}">
-                <a16:creationId xmlns:a16="http://schemas.microsoft.com/office/drawing/2014/main" id="{898951A6-FD4B-0740-B5DB-13C03A0E3BD5}"/>
-              </a:ext>
-            </a:extLst>
-          </p:cNvPr>
-          <p:cNvCxnSpPr/>
-          <p:nvPr/>
-        </p:nvCxnSpPr>
-        <p:spPr>
-          <a:xfrm>
-            <a:off x="3824757" y="2970487"/>
-            <a:ext cx="0" cy="127520"/>
-          </a:xfrm>
-          <a:prstGeom prst="line">
-            <a:avLst/>
-          </a:prstGeom>
-          <a:ln w="6350">
-            <a:solidFill>
-              <a:schemeClr val="accent3"/>
-            </a:solidFill>
-          </a:ln>
-        </p:spPr>
-        <p:style>
-          <a:lnRef idx="1">
-            <a:schemeClr val="accent1"/>
-          </a:lnRef>
-          <a:fillRef idx="0">
-            <a:schemeClr val="accent1"/>
-          </a:fillRef>
-          <a:effectRef idx="0">
-            <a:schemeClr val="accent1"/>
-          </a:effectRef>
-          <a:fontRef idx="minor">
-            <a:schemeClr val="tx1"/>
-          </a:fontRef>
-        </p:style>
-      </p:cxnSp>
-      <p:cxnSp>
-        <p:nvCxnSpPr>
-          <p:cNvPr id="79" name="Straight Connector 78">
-            <a:extLst>
-              <a:ext uri="{FF2B5EF4-FFF2-40B4-BE49-F238E27FC236}">
-                <a16:creationId xmlns:a16="http://schemas.microsoft.com/office/drawing/2014/main" id="{5AA8A194-A151-C64E-B8FA-C23A6A4CD5DB}"/>
-              </a:ext>
-            </a:extLst>
-          </p:cNvPr>
-          <p:cNvCxnSpPr/>
-          <p:nvPr/>
-        </p:nvCxnSpPr>
-        <p:spPr>
-          <a:xfrm>
-            <a:off x="990600" y="2971800"/>
-            <a:ext cx="0" cy="127520"/>
-          </a:xfrm>
-          <a:prstGeom prst="line">
-            <a:avLst/>
-          </a:prstGeom>
-          <a:ln w="6350">
-            <a:solidFill>
-              <a:schemeClr val="accent3"/>
-            </a:solidFill>
-          </a:ln>
-        </p:spPr>
-        <p:style>
-          <a:lnRef idx="1">
-            <a:schemeClr val="accent1"/>
-          </a:lnRef>
-          <a:fillRef idx="0">
-            <a:schemeClr val="accent1"/>
-          </a:fillRef>
-          <a:effectRef idx="0">
-            <a:schemeClr val="accent1"/>
-          </a:effectRef>
-          <a:fontRef idx="minor">
-            <a:schemeClr val="tx1"/>
-          </a:fontRef>
-        </p:style>
-      </p:cxnSp>
-      <p:sp>
-        <p:nvSpPr>
-          <p:cNvPr id="80" name="Rectangle 11">
-            <a:extLst>
-              <a:ext uri="{FF2B5EF4-FFF2-40B4-BE49-F238E27FC236}">
-                <a16:creationId xmlns:a16="http://schemas.microsoft.com/office/drawing/2014/main" id="{30EB05E3-1734-1A41-BC15-474E59749641}"/>
-              </a:ext>
-            </a:extLst>
-          </p:cNvPr>
-          <p:cNvSpPr/>
-          <p:nvPr/>
-        </p:nvSpPr>
-        <p:spPr>
-          <a:xfrm>
-            <a:off x="2604672" y="5202793"/>
-            <a:ext cx="1234649" cy="219512"/>
-          </a:xfrm>
-          <a:prstGeom prst="rect">
-            <a:avLst/>
-          </a:prstGeom>
-          <a:ln w="19050">
-            <a:solidFill>
-              <a:schemeClr val="accent3"/>
-            </a:solidFill>
-          </a:ln>
-          <a:effectLst/>
-        </p:spPr>
-        <p:style>
-          <a:lnRef idx="1">
-            <a:schemeClr val="accent3"/>
-          </a:lnRef>
-          <a:fillRef idx="2">
-            <a:schemeClr val="accent3"/>
-          </a:fillRef>
-          <a:effectRef idx="1">
-            <a:schemeClr val="accent3"/>
-          </a:effectRef>
-          <a:fontRef idx="minor">
-            <a:schemeClr val="dk1"/>
-          </a:fontRef>
-        </p:style>
-        <p:txBody>
-          <a:bodyPr rtlCol="0" anchor="ctr"/>
-          <a:lstStyle/>
-          <a:p>
-            <a:pPr algn="ctr"/>
-            <a:r>
-              <a:rPr lang="en-US" sz="1050" b="1" dirty="0" err="1">
-                <a:solidFill>
-                  <a:schemeClr val="accent3">
-                    <a:lumMod val="75000"/>
-                  </a:schemeClr>
-                </a:solidFill>
-              </a:rPr>
-              <a:t>ModuleListPanel</a:t>
-            </a:r>
-            <a:endParaRPr lang="en-SG" sz="1050" b="1" dirty="0">
-              <a:solidFill>
-                <a:schemeClr val="accent3">
-                  <a:lumMod val="75000"/>
-                </a:schemeClr>
-              </a:solidFill>
-            </a:endParaRPr>
-          </a:p>
-        </p:txBody>
-      </p:sp>
-      <p:sp>
-        <p:nvSpPr>
-          <p:cNvPr id="81" name="Rectangle 11">
-            <a:extLst>
-              <a:ext uri="{FF2B5EF4-FFF2-40B4-BE49-F238E27FC236}">
-                <a16:creationId xmlns:a16="http://schemas.microsoft.com/office/drawing/2014/main" id="{D2CD4904-379B-D247-960D-BDDBE8788432}"/>
-              </a:ext>
-            </a:extLst>
-          </p:cNvPr>
-          <p:cNvSpPr/>
-          <p:nvPr/>
-        </p:nvSpPr>
-        <p:spPr>
-          <a:xfrm>
-            <a:off x="2607571" y="5613203"/>
-            <a:ext cx="1215402" cy="246279"/>
-          </a:xfrm>
-          <a:prstGeom prst="rect">
-            <a:avLst/>
-          </a:prstGeom>
-          <a:ln w="19050">
-            <a:solidFill>
-              <a:schemeClr val="accent3"/>
-            </a:solidFill>
-          </a:ln>
-          <a:effectLst/>
-        </p:spPr>
-        <p:style>
-          <a:lnRef idx="1">
-            <a:schemeClr val="accent3"/>
-          </a:lnRef>
-          <a:fillRef idx="2">
-            <a:schemeClr val="accent3"/>
-          </a:fillRef>
-          <a:effectRef idx="1">
-            <a:schemeClr val="accent3"/>
-          </a:effectRef>
-          <a:fontRef idx="minor">
-            <a:schemeClr val="dk1"/>
-          </a:fontRef>
-        </p:style>
-        <p:txBody>
-          <a:bodyPr rtlCol="0" anchor="ctr"/>
-          <a:lstStyle/>
-          <a:p>
-            <a:pPr algn="ctr"/>
-            <a:r>
-              <a:rPr lang="en-US" sz="1050" b="1" dirty="0" err="1">
-                <a:solidFill>
-                  <a:schemeClr val="accent3">
-                    <a:lumMod val="75000"/>
-                  </a:schemeClr>
-                </a:solidFill>
-              </a:rPr>
-              <a:t>OccasionListPanel</a:t>
-            </a:r>
-            <a:endParaRPr lang="en-SG" sz="1050" b="1" dirty="0">
-              <a:solidFill>
-                <a:schemeClr val="accent3">
-                  <a:lumMod val="75000"/>
-                </a:schemeClr>
-              </a:solidFill>
-            </a:endParaRPr>
-          </a:p>
-        </p:txBody>
-      </p:sp>
-      <p:cxnSp>
-        <p:nvCxnSpPr>
-          <p:cNvPr id="115" name="Elbow Connector 63">
-            <a:extLst>
-              <a:ext uri="{FF2B5EF4-FFF2-40B4-BE49-F238E27FC236}">
-                <a16:creationId xmlns:a16="http://schemas.microsoft.com/office/drawing/2014/main" id="{D545C9CF-2D65-0941-A314-0AB43DFD51EF}"/>
-              </a:ext>
-            </a:extLst>
-          </p:cNvPr>
-          <p:cNvCxnSpPr>
-            <a:cxnSpLocks/>
-          </p:cNvCxnSpPr>
-          <p:nvPr/>
-        </p:nvCxnSpPr>
-        <p:spPr>
-          <a:xfrm rot="16200000" flipH="1">
-            <a:off x="1713173" y="3276585"/>
-            <a:ext cx="1162804" cy="595709"/>
-          </a:xfrm>
-          <a:prstGeom prst="bentConnector2">
-            <a:avLst/>
-          </a:prstGeom>
-          <a:ln w="19050">
-            <a:solidFill>
-              <a:schemeClr val="accent3"/>
-            </a:solidFill>
-            <a:headEnd type="none" w="med" len="med"/>
-            <a:tailEnd type="arrow" w="med" len="med"/>
-          </a:ln>
-          <a:effectLst/>
-        </p:spPr>
-        <p:style>
-          <a:lnRef idx="1">
-            <a:schemeClr val="accent2"/>
-          </a:lnRef>
-          <a:fillRef idx="2">
-            <a:schemeClr val="accent2"/>
-          </a:fillRef>
-          <a:effectRef idx="1">
-            <a:schemeClr val="accent2"/>
-          </a:effectRef>
-          <a:fontRef idx="minor">
-            <a:schemeClr val="dk1"/>
-          </a:fontRef>
-        </p:style>
-      </p:cxnSp>
       <p:cxnSp>
         <p:nvCxnSpPr>
           <p:cNvPr id="122" name="Elbow Connector 63">
@@ -6365,7 +5853,7 @@
           <a:p>
             <a:pPr algn="ctr"/>
             <a:r>
-              <a:rPr lang="en-US" sz="1050" b="1" dirty="0" err="1">
+              <a:rPr lang="en-US" sz="1050" b="1" dirty="0">
                 <a:solidFill>
                   <a:schemeClr val="accent3">
                     <a:lumMod val="75000"/>
@@ -6431,7 +5919,7 @@
           <a:p>
             <a:pPr algn="ctr"/>
             <a:r>
-              <a:rPr lang="en-US" sz="1050" b="1" dirty="0" err="1">
+              <a:rPr lang="en-US" sz="1050" b="1" dirty="0">
                 <a:solidFill>
                   <a:schemeClr val="accent3">
                     <a:lumMod val="75000"/>
@@ -6720,6 +6208,230 @@
           </a:p>
         </p:txBody>
       </p:sp>
+      <p:sp>
+        <p:nvSpPr>
+          <p:cNvPr id="83" name="Rectangle 11">
+            <a:extLst>
+              <a:ext uri="{FF2B5EF4-FFF2-40B4-BE49-F238E27FC236}">
+                <a16:creationId xmlns:a16="http://schemas.microsoft.com/office/drawing/2014/main" id="{D204DFAE-C583-F645-8CE2-EBA4816F13CD}"/>
+              </a:ext>
+            </a:extLst>
+          </p:cNvPr>
+          <p:cNvSpPr/>
+          <p:nvPr/>
+        </p:nvSpPr>
+        <p:spPr>
+          <a:xfrm>
+            <a:off x="2550995" y="3976258"/>
+            <a:ext cx="1491362" cy="269717"/>
+          </a:xfrm>
+          <a:prstGeom prst="rect">
+            <a:avLst/>
+          </a:prstGeom>
+          <a:ln w="19050">
+            <a:solidFill>
+              <a:schemeClr val="accent3"/>
+            </a:solidFill>
+          </a:ln>
+          <a:effectLst/>
+        </p:spPr>
+        <p:style>
+          <a:lnRef idx="1">
+            <a:schemeClr val="accent3"/>
+          </a:lnRef>
+          <a:fillRef idx="2">
+            <a:schemeClr val="accent3"/>
+          </a:fillRef>
+          <a:effectRef idx="1">
+            <a:schemeClr val="accent3"/>
+          </a:effectRef>
+          <a:fontRef idx="minor">
+            <a:schemeClr val="dk1"/>
+          </a:fontRef>
+        </p:style>
+        <p:txBody>
+          <a:bodyPr rtlCol="0" anchor="ctr"/>
+          <a:lstStyle/>
+          <a:p>
+            <a:pPr algn="ctr"/>
+            <a:r>
+              <a:rPr lang="en-US" sz="1050" b="1" dirty="0">
+                <a:solidFill>
+                  <a:schemeClr val="accent3">
+                    <a:lumMod val="75000"/>
+                  </a:schemeClr>
+                </a:solidFill>
+              </a:rPr>
+              <a:t>OccasionBrowserPanel</a:t>
+            </a:r>
+            <a:endParaRPr lang="en-SG" sz="1050" b="1" dirty="0">
+              <a:solidFill>
+                <a:schemeClr val="accent3">
+                  <a:lumMod val="75000"/>
+                </a:schemeClr>
+              </a:solidFill>
+            </a:endParaRPr>
+          </a:p>
+        </p:txBody>
+      </p:sp>
+      <p:sp>
+        <p:nvSpPr>
+          <p:cNvPr id="84" name="Rectangle 11">
+            <a:extLst>
+              <a:ext uri="{FF2B5EF4-FFF2-40B4-BE49-F238E27FC236}">
+                <a16:creationId xmlns:a16="http://schemas.microsoft.com/office/drawing/2014/main" id="{807D58B8-9F3C-454B-BAD6-62EAE527068A}"/>
+              </a:ext>
+            </a:extLst>
+          </p:cNvPr>
+          <p:cNvSpPr/>
+          <p:nvPr/>
+        </p:nvSpPr>
+        <p:spPr>
+          <a:xfrm>
+            <a:off x="2563948" y="4343813"/>
+            <a:ext cx="1432993" cy="255894"/>
+          </a:xfrm>
+          <a:prstGeom prst="rect">
+            <a:avLst/>
+          </a:prstGeom>
+          <a:ln w="19050">
+            <a:solidFill>
+              <a:schemeClr val="accent3"/>
+            </a:solidFill>
+          </a:ln>
+          <a:effectLst/>
+        </p:spPr>
+        <p:style>
+          <a:lnRef idx="1">
+            <a:schemeClr val="accent3"/>
+          </a:lnRef>
+          <a:fillRef idx="2">
+            <a:schemeClr val="accent3"/>
+          </a:fillRef>
+          <a:effectRef idx="1">
+            <a:schemeClr val="accent3"/>
+          </a:effectRef>
+          <a:fontRef idx="minor">
+            <a:schemeClr val="dk1"/>
+          </a:fontRef>
+        </p:style>
+        <p:txBody>
+          <a:bodyPr rtlCol="0" anchor="ctr"/>
+          <a:lstStyle/>
+          <a:p>
+            <a:pPr algn="ctr"/>
+            <a:r>
+              <a:rPr lang="en-US" sz="1050" b="1" dirty="0">
+                <a:solidFill>
+                  <a:schemeClr val="accent3">
+                    <a:lumMod val="75000"/>
+                  </a:schemeClr>
+                </a:solidFill>
+              </a:rPr>
+              <a:t>ModuleBrowserPanel</a:t>
+            </a:r>
+            <a:endParaRPr lang="en-SG" sz="1050" b="1" dirty="0">
+              <a:solidFill>
+                <a:schemeClr val="accent3">
+                  <a:lumMod val="75000"/>
+                </a:schemeClr>
+              </a:solidFill>
+            </a:endParaRPr>
+          </a:p>
+        </p:txBody>
+      </p:sp>
+      <p:cxnSp>
+        <p:nvCxnSpPr>
+          <p:cNvPr id="85" name="Elbow Connector 63">
+            <a:extLst>
+              <a:ext uri="{FF2B5EF4-FFF2-40B4-BE49-F238E27FC236}">
+                <a16:creationId xmlns:a16="http://schemas.microsoft.com/office/drawing/2014/main" id="{7F1A5A63-758D-1A4A-ADDF-2115479ECA26}"/>
+              </a:ext>
+            </a:extLst>
+          </p:cNvPr>
+          <p:cNvCxnSpPr>
+            <a:cxnSpLocks/>
+          </p:cNvCxnSpPr>
+          <p:nvPr/>
+        </p:nvCxnSpPr>
+        <p:spPr>
+          <a:xfrm rot="16200000" flipH="1">
+            <a:off x="1734654" y="3298343"/>
+            <a:ext cx="1090215" cy="564104"/>
+          </a:xfrm>
+          <a:prstGeom prst="bentConnector2">
+            <a:avLst/>
+          </a:prstGeom>
+          <a:ln w="19050">
+            <a:solidFill>
+              <a:schemeClr val="accent3"/>
+            </a:solidFill>
+            <a:headEnd type="none" w="med" len="med"/>
+            <a:tailEnd type="arrow" w="med" len="med"/>
+          </a:ln>
+          <a:effectLst/>
+        </p:spPr>
+        <p:style>
+          <a:lnRef idx="1">
+            <a:schemeClr val="accent2"/>
+          </a:lnRef>
+          <a:fillRef idx="2">
+            <a:schemeClr val="accent2"/>
+          </a:fillRef>
+          <a:effectRef idx="1">
+            <a:schemeClr val="accent2"/>
+          </a:effectRef>
+          <a:fontRef idx="minor">
+            <a:schemeClr val="dk1"/>
+          </a:fontRef>
+        </p:style>
+      </p:cxnSp>
+      <p:cxnSp>
+        <p:nvCxnSpPr>
+          <p:cNvPr id="87" name="Elbow Connector 63">
+            <a:extLst>
+              <a:ext uri="{FF2B5EF4-FFF2-40B4-BE49-F238E27FC236}">
+                <a16:creationId xmlns:a16="http://schemas.microsoft.com/office/drawing/2014/main" id="{8F425620-0EF1-6640-98ED-82D4824457E4}"/>
+              </a:ext>
+            </a:extLst>
+          </p:cNvPr>
+          <p:cNvCxnSpPr>
+            <a:cxnSpLocks/>
+          </p:cNvCxnSpPr>
+          <p:nvPr/>
+        </p:nvCxnSpPr>
+        <p:spPr>
+          <a:xfrm rot="16200000" flipH="1">
+            <a:off x="2100258" y="2913793"/>
+            <a:ext cx="365504" cy="564054"/>
+          </a:xfrm>
+          <a:prstGeom prst="bentConnector2">
+            <a:avLst/>
+          </a:prstGeom>
+          <a:ln w="19050">
+            <a:solidFill>
+              <a:schemeClr val="accent3"/>
+            </a:solidFill>
+            <a:headEnd type="none" w="med" len="med"/>
+            <a:tailEnd type="arrow" w="med" len="med"/>
+          </a:ln>
+          <a:effectLst/>
+        </p:spPr>
+        <p:style>
+          <a:lnRef idx="1">
+            <a:schemeClr val="accent2"/>
+          </a:lnRef>
+          <a:fillRef idx="2">
+            <a:schemeClr val="accent2"/>
+          </a:fillRef>
+          <a:effectRef idx="1">
+            <a:schemeClr val="accent2"/>
+          </a:effectRef>
+          <a:fontRef idx="minor">
+            <a:schemeClr val="dk1"/>
+          </a:fontRef>
+        </p:style>
+      </p:cxnSp>
     </p:spTree>
     <p:extLst>
       <p:ext uri="{BB962C8B-B14F-4D97-AF65-F5344CB8AC3E}">

--- a/docs/diagrams/UiComponentClassDiagram.pptx
+++ b/docs/diagrams/UiComponentClassDiagram.pptx
@@ -6429,6 +6429,130 @@
           </a:effectRef>
           <a:fontRef idx="minor">
             <a:schemeClr val="dk1"/>
+          </a:fontRef>
+        </p:style>
+      </p:cxnSp>
+      <p:cxnSp>
+        <p:nvCxnSpPr>
+          <p:cNvPr id="57" name="Elbow Connector 63">
+            <a:extLst>
+              <a:ext uri="{FF2B5EF4-FFF2-40B4-BE49-F238E27FC236}">
+                <a16:creationId xmlns:a16="http://schemas.microsoft.com/office/drawing/2014/main" id="{52C15EB4-5679-E443-916F-7737B395DA80}"/>
+              </a:ext>
+            </a:extLst>
+          </p:cNvPr>
+          <p:cNvCxnSpPr>
+            <a:cxnSpLocks/>
+          </p:cNvCxnSpPr>
+          <p:nvPr/>
+        </p:nvCxnSpPr>
+        <p:spPr>
+          <a:xfrm rot="16200000" flipH="1">
+            <a:off x="1738480" y="3657582"/>
+            <a:ext cx="1090215" cy="564104"/>
+          </a:xfrm>
+          <a:prstGeom prst="bentConnector2">
+            <a:avLst/>
+          </a:prstGeom>
+          <a:ln w="19050">
+            <a:solidFill>
+              <a:schemeClr val="accent3"/>
+            </a:solidFill>
+            <a:headEnd type="none" w="med" len="med"/>
+            <a:tailEnd type="arrow" w="med" len="med"/>
+          </a:ln>
+          <a:effectLst/>
+        </p:spPr>
+        <p:style>
+          <a:lnRef idx="1">
+            <a:schemeClr val="accent2"/>
+          </a:lnRef>
+          <a:fillRef idx="2">
+            <a:schemeClr val="accent2"/>
+          </a:fillRef>
+          <a:effectRef idx="1">
+            <a:schemeClr val="accent2"/>
+          </a:effectRef>
+          <a:fontRef idx="minor">
+            <a:schemeClr val="dk1"/>
+          </a:fontRef>
+        </p:style>
+      </p:cxnSp>
+      <p:cxnSp>
+        <p:nvCxnSpPr>
+          <p:cNvPr id="11" name="Straight Connector 10">
+            <a:extLst>
+              <a:ext uri="{FF2B5EF4-FFF2-40B4-BE49-F238E27FC236}">
+                <a16:creationId xmlns:a16="http://schemas.microsoft.com/office/drawing/2014/main" id="{8F3AC83B-3768-DD48-B494-97C6E4BA2073}"/>
+              </a:ext>
+            </a:extLst>
+          </p:cNvPr>
+          <p:cNvCxnSpPr>
+            <a:cxnSpLocks/>
+          </p:cNvCxnSpPr>
+          <p:nvPr/>
+        </p:nvCxnSpPr>
+        <p:spPr>
+          <a:xfrm>
+            <a:off x="4042357" y="4111116"/>
+            <a:ext cx="1487612" cy="0"/>
+          </a:xfrm>
+          <a:prstGeom prst="line">
+            <a:avLst/>
+          </a:prstGeom>
+          <a:ln w="6350"/>
+        </p:spPr>
+        <p:style>
+          <a:lnRef idx="1">
+            <a:schemeClr val="accent3"/>
+          </a:lnRef>
+          <a:fillRef idx="0">
+            <a:schemeClr val="accent3"/>
+          </a:fillRef>
+          <a:effectRef idx="0">
+            <a:schemeClr val="accent3"/>
+          </a:effectRef>
+          <a:fontRef idx="minor">
+            <a:schemeClr val="tx1"/>
+          </a:fontRef>
+        </p:style>
+      </p:cxnSp>
+      <p:cxnSp>
+        <p:nvCxnSpPr>
+          <p:cNvPr id="67" name="Straight Connector 66">
+            <a:extLst>
+              <a:ext uri="{FF2B5EF4-FFF2-40B4-BE49-F238E27FC236}">
+                <a16:creationId xmlns:a16="http://schemas.microsoft.com/office/drawing/2014/main" id="{DB77C6A1-67A2-1E42-8C55-87EE67153327}"/>
+              </a:ext>
+            </a:extLst>
+          </p:cNvPr>
+          <p:cNvCxnSpPr>
+            <a:cxnSpLocks/>
+          </p:cNvCxnSpPr>
+          <p:nvPr/>
+        </p:nvCxnSpPr>
+        <p:spPr>
+          <a:xfrm>
+            <a:off x="3996773" y="4471760"/>
+            <a:ext cx="1533196" cy="0"/>
+          </a:xfrm>
+          <a:prstGeom prst="line">
+            <a:avLst/>
+          </a:prstGeom>
+          <a:ln w="6350"/>
+        </p:spPr>
+        <p:style>
+          <a:lnRef idx="1">
+            <a:schemeClr val="accent3"/>
+          </a:lnRef>
+          <a:fillRef idx="0">
+            <a:schemeClr val="accent3"/>
+          </a:fillRef>
+          <a:effectRef idx="0">
+            <a:schemeClr val="accent3"/>
+          </a:effectRef>
+          <a:fontRef idx="minor">
+            <a:schemeClr val="tx1"/>
           </a:fontRef>
         </p:style>
       </p:cxnSp>

--- a/docs/diagrams/UiComponentClassDiagram.pptx
+++ b/docs/diagrams/UiComponentClassDiagram.pptx
@@ -208,7 +208,7 @@
           <a:p>
             <a:fld id="{F5CC4B3F-88C1-4FFA-B1B6-F41C21DC6924}" type="datetimeFigureOut">
               <a:rPr lang="en-US" smtClean="0"/>
-              <a:t>11/11/2018</a:t>
+              <a:t>11/12/2018</a:t>
             </a:fld>
             <a:endParaRPr lang="en-US"/>
           </a:p>
@@ -654,7 +654,7 @@
           <a:p>
             <a:fld id="{78C97017-6FC3-485B-9764-EAC9E56C1D49}" type="datetimeFigureOut">
               <a:rPr lang="en-US" smtClean="0"/>
-              <a:t>11/11/2018</a:t>
+              <a:t>11/12/2018</a:t>
             </a:fld>
             <a:endParaRPr lang="en-US"/>
           </a:p>
@@ -822,7 +822,7 @@
           <a:p>
             <a:fld id="{78C97017-6FC3-485B-9764-EAC9E56C1D49}" type="datetimeFigureOut">
               <a:rPr lang="en-US" smtClean="0"/>
-              <a:t>11/11/2018</a:t>
+              <a:t>11/12/2018</a:t>
             </a:fld>
             <a:endParaRPr lang="en-US"/>
           </a:p>
@@ -1000,7 +1000,7 @@
           <a:p>
             <a:fld id="{78C97017-6FC3-485B-9764-EAC9E56C1D49}" type="datetimeFigureOut">
               <a:rPr lang="en-US" smtClean="0"/>
-              <a:t>11/11/2018</a:t>
+              <a:t>11/12/2018</a:t>
             </a:fld>
             <a:endParaRPr lang="en-US"/>
           </a:p>
@@ -1168,7 +1168,7 @@
           <a:p>
             <a:fld id="{78C97017-6FC3-485B-9764-EAC9E56C1D49}" type="datetimeFigureOut">
               <a:rPr lang="en-US" smtClean="0"/>
-              <a:t>11/11/2018</a:t>
+              <a:t>11/12/2018</a:t>
             </a:fld>
             <a:endParaRPr lang="en-US"/>
           </a:p>
@@ -1413,7 +1413,7 @@
           <a:p>
             <a:fld id="{78C97017-6FC3-485B-9764-EAC9E56C1D49}" type="datetimeFigureOut">
               <a:rPr lang="en-US" smtClean="0"/>
-              <a:t>11/11/2018</a:t>
+              <a:t>11/12/2018</a:t>
             </a:fld>
             <a:endParaRPr lang="en-US"/>
           </a:p>
@@ -1698,7 +1698,7 @@
           <a:p>
             <a:fld id="{78C97017-6FC3-485B-9764-EAC9E56C1D49}" type="datetimeFigureOut">
               <a:rPr lang="en-US" smtClean="0"/>
-              <a:t>11/11/2018</a:t>
+              <a:t>11/12/2018</a:t>
             </a:fld>
             <a:endParaRPr lang="en-US"/>
           </a:p>
@@ -2117,7 +2117,7 @@
           <a:p>
             <a:fld id="{78C97017-6FC3-485B-9764-EAC9E56C1D49}" type="datetimeFigureOut">
               <a:rPr lang="en-US" smtClean="0"/>
-              <a:t>11/11/2018</a:t>
+              <a:t>11/12/2018</a:t>
             </a:fld>
             <a:endParaRPr lang="en-US"/>
           </a:p>
@@ -2234,7 +2234,7 @@
           <a:p>
             <a:fld id="{78C97017-6FC3-485B-9764-EAC9E56C1D49}" type="datetimeFigureOut">
               <a:rPr lang="en-US" smtClean="0"/>
-              <a:t>11/11/2018</a:t>
+              <a:t>11/12/2018</a:t>
             </a:fld>
             <a:endParaRPr lang="en-US"/>
           </a:p>
@@ -2329,7 +2329,7 @@
           <a:p>
             <a:fld id="{78C97017-6FC3-485B-9764-EAC9E56C1D49}" type="datetimeFigureOut">
               <a:rPr lang="en-US" smtClean="0"/>
-              <a:t>11/11/2018</a:t>
+              <a:t>11/12/2018</a:t>
             </a:fld>
             <a:endParaRPr lang="en-US"/>
           </a:p>
@@ -2604,7 +2604,7 @@
           <a:p>
             <a:fld id="{78C97017-6FC3-485B-9764-EAC9E56C1D49}" type="datetimeFigureOut">
               <a:rPr lang="en-US" smtClean="0"/>
-              <a:t>11/11/2018</a:t>
+              <a:t>11/12/2018</a:t>
             </a:fld>
             <a:endParaRPr lang="en-US"/>
           </a:p>
@@ -2856,7 +2856,7 @@
           <a:p>
             <a:fld id="{78C97017-6FC3-485B-9764-EAC9E56C1D49}" type="datetimeFigureOut">
               <a:rPr lang="en-US" smtClean="0"/>
-              <a:t>11/11/2018</a:t>
+              <a:t>11/12/2018</a:t>
             </a:fld>
             <a:endParaRPr lang="en-US"/>
           </a:p>
@@ -3067,7 +3067,7 @@
           <a:p>
             <a:fld id="{78C97017-6FC3-485B-9764-EAC9E56C1D49}" type="datetimeFigureOut">
               <a:rPr lang="en-US" smtClean="0"/>
-              <a:t>11/11/2018</a:t>
+              <a:t>11/12/2018</a:t>
             </a:fld>
             <a:endParaRPr lang="en-US"/>
           </a:p>
@@ -4650,7 +4650,7 @@
           </a:xfrm>
           <a:prstGeom prst="bentConnector3">
             <a:avLst>
-              <a:gd name="adj1" fmla="val 50000"/>
+              <a:gd name="adj1" fmla="val 100043"/>
             </a:avLst>
           </a:prstGeom>
           <a:ln w="6350">

--- a/docs/diagrams/UiComponentClassDiagram.pptx
+++ b/docs/diagrams/UiComponentClassDiagram.pptx
@@ -3450,8 +3450,8 @@
         </p:nvSpPr>
         <p:spPr>
           <a:xfrm>
-            <a:off x="1217465" y="1447800"/>
-            <a:ext cx="4917083" cy="3962400"/>
+            <a:off x="1217465" y="1447799"/>
+            <a:ext cx="4878535" cy="4571991"/>
           </a:xfrm>
           <a:prstGeom prst="roundRect">
             <a:avLst>
@@ -5509,6 +5509,314 @@
           </a:p>
         </p:txBody>
       </p:sp>
+      <p:sp>
+        <p:nvSpPr>
+          <p:cNvPr id="45" name="Rectangle 11">
+            <a:extLst>
+              <a:ext uri="{FF2B5EF4-FFF2-40B4-BE49-F238E27FC236}">
+                <a16:creationId xmlns:a16="http://schemas.microsoft.com/office/drawing/2014/main" id="{91B5E78E-5C7D-46BB-A6A1-6688DF8EF77A}"/>
+              </a:ext>
+            </a:extLst>
+          </p:cNvPr>
+          <p:cNvSpPr/>
+          <p:nvPr/>
+        </p:nvSpPr>
+        <p:spPr>
+          <a:xfrm>
+            <a:off x="2592529" y="5383538"/>
+            <a:ext cx="1093635" cy="236841"/>
+          </a:xfrm>
+          <a:prstGeom prst="rect">
+            <a:avLst/>
+          </a:prstGeom>
+          <a:ln w="19050">
+            <a:solidFill>
+              <a:schemeClr val="accent3"/>
+            </a:solidFill>
+          </a:ln>
+          <a:effectLst/>
+        </p:spPr>
+        <p:style>
+          <a:lnRef idx="1">
+            <a:schemeClr val="accent3"/>
+          </a:lnRef>
+          <a:fillRef idx="2">
+            <a:schemeClr val="accent3"/>
+          </a:fillRef>
+          <a:effectRef idx="1">
+            <a:schemeClr val="accent3"/>
+          </a:effectRef>
+          <a:fontRef idx="minor">
+            <a:schemeClr val="dk1"/>
+          </a:fontRef>
+        </p:style>
+        <p:txBody>
+          <a:bodyPr rtlCol="0" anchor="ctr"/>
+          <a:lstStyle/>
+          <a:p>
+            <a:pPr algn="ctr"/>
+            <a:r>
+              <a:rPr lang="en-US" sz="1050" b="1" dirty="0" err="1">
+                <a:solidFill>
+                  <a:schemeClr val="accent3">
+                    <a:lumMod val="75000"/>
+                  </a:schemeClr>
+                </a:solidFill>
+              </a:rPr>
+              <a:t>HistoryWindow</a:t>
+            </a:r>
+            <a:endParaRPr lang="en-SG" sz="1050" b="1" dirty="0">
+              <a:solidFill>
+                <a:schemeClr val="accent3">
+                  <a:lumMod val="75000"/>
+                </a:schemeClr>
+              </a:solidFill>
+            </a:endParaRPr>
+          </a:p>
+        </p:txBody>
+      </p:sp>
+      <p:sp>
+        <p:nvSpPr>
+          <p:cNvPr id="46" name="Rectangle 11">
+            <a:extLst>
+              <a:ext uri="{FF2B5EF4-FFF2-40B4-BE49-F238E27FC236}">
+                <a16:creationId xmlns:a16="http://schemas.microsoft.com/office/drawing/2014/main" id="{106613AC-26E1-4989-A243-8F53B9002BF7}"/>
+              </a:ext>
+            </a:extLst>
+          </p:cNvPr>
+          <p:cNvSpPr/>
+          <p:nvPr/>
+        </p:nvSpPr>
+        <p:spPr>
+          <a:xfrm>
+            <a:off x="2590799" y="5763930"/>
+            <a:ext cx="1143001" cy="236841"/>
+          </a:xfrm>
+          <a:prstGeom prst="rect">
+            <a:avLst/>
+          </a:prstGeom>
+          <a:ln w="19050">
+            <a:solidFill>
+              <a:schemeClr val="accent3"/>
+            </a:solidFill>
+          </a:ln>
+          <a:effectLst/>
+        </p:spPr>
+        <p:style>
+          <a:lnRef idx="1">
+            <a:schemeClr val="accent3"/>
+          </a:lnRef>
+          <a:fillRef idx="2">
+            <a:schemeClr val="accent3"/>
+          </a:fillRef>
+          <a:effectRef idx="1">
+            <a:schemeClr val="accent3"/>
+          </a:effectRef>
+          <a:fontRef idx="minor">
+            <a:schemeClr val="dk1"/>
+          </a:fontRef>
+        </p:style>
+        <p:txBody>
+          <a:bodyPr rtlCol="0" anchor="ctr"/>
+          <a:lstStyle/>
+          <a:p>
+            <a:pPr algn="ctr"/>
+            <a:r>
+              <a:rPr lang="en-US" sz="1050" b="1" dirty="0" err="1">
+                <a:solidFill>
+                  <a:schemeClr val="accent3">
+                    <a:lumMod val="75000"/>
+                  </a:schemeClr>
+                </a:solidFill>
+              </a:rPr>
+              <a:t>AboutUsWindow</a:t>
+            </a:r>
+            <a:endParaRPr lang="en-SG" sz="1050" b="1" dirty="0">
+              <a:solidFill>
+                <a:schemeClr val="accent3">
+                  <a:lumMod val="75000"/>
+                </a:schemeClr>
+              </a:solidFill>
+            </a:endParaRPr>
+          </a:p>
+        </p:txBody>
+      </p:sp>
+      <p:cxnSp>
+        <p:nvCxnSpPr>
+          <p:cNvPr id="48" name="Elbow Connector 63">
+            <a:extLst>
+              <a:ext uri="{FF2B5EF4-FFF2-40B4-BE49-F238E27FC236}">
+                <a16:creationId xmlns:a16="http://schemas.microsoft.com/office/drawing/2014/main" id="{F4349893-4B28-4808-8AC7-8690387517FC}"/>
+              </a:ext>
+            </a:extLst>
+          </p:cNvPr>
+          <p:cNvCxnSpPr/>
+          <p:nvPr/>
+        </p:nvCxnSpPr>
+        <p:spPr>
+          <a:xfrm rot="16200000" flipH="1">
+            <a:off x="1184947" y="4074978"/>
+            <a:ext cx="2396440" cy="420377"/>
+          </a:xfrm>
+          <a:prstGeom prst="bentConnector2">
+            <a:avLst/>
+          </a:prstGeom>
+          <a:ln w="19050">
+            <a:solidFill>
+              <a:schemeClr val="accent3"/>
+            </a:solidFill>
+            <a:headEnd type="none" w="med" len="med"/>
+            <a:tailEnd type="arrow" w="med" len="med"/>
+          </a:ln>
+          <a:effectLst/>
+        </p:spPr>
+        <p:style>
+          <a:lnRef idx="1">
+            <a:schemeClr val="accent2"/>
+          </a:lnRef>
+          <a:fillRef idx="2">
+            <a:schemeClr val="accent2"/>
+          </a:fillRef>
+          <a:effectRef idx="1">
+            <a:schemeClr val="accent2"/>
+          </a:effectRef>
+          <a:fontRef idx="minor">
+            <a:schemeClr val="dk1"/>
+          </a:fontRef>
+        </p:style>
+      </p:cxnSp>
+      <p:cxnSp>
+        <p:nvCxnSpPr>
+          <p:cNvPr id="49" name="Elbow Connector 63">
+            <a:extLst>
+              <a:ext uri="{FF2B5EF4-FFF2-40B4-BE49-F238E27FC236}">
+                <a16:creationId xmlns:a16="http://schemas.microsoft.com/office/drawing/2014/main" id="{3EB59816-08AA-4DA7-B3BA-75A4F9AF9021}"/>
+              </a:ext>
+            </a:extLst>
+          </p:cNvPr>
+          <p:cNvCxnSpPr/>
+          <p:nvPr/>
+        </p:nvCxnSpPr>
+        <p:spPr>
+          <a:xfrm rot="16200000" flipH="1">
+            <a:off x="1184946" y="4488029"/>
+            <a:ext cx="2396440" cy="420377"/>
+          </a:xfrm>
+          <a:prstGeom prst="bentConnector2">
+            <a:avLst/>
+          </a:prstGeom>
+          <a:ln w="19050">
+            <a:solidFill>
+              <a:schemeClr val="accent3"/>
+            </a:solidFill>
+            <a:headEnd type="none" w="med" len="med"/>
+            <a:tailEnd type="arrow" w="med" len="med"/>
+          </a:ln>
+          <a:effectLst/>
+        </p:spPr>
+        <p:style>
+          <a:lnRef idx="1">
+            <a:schemeClr val="accent2"/>
+          </a:lnRef>
+          <a:fillRef idx="2">
+            <a:schemeClr val="accent2"/>
+          </a:fillRef>
+          <a:effectRef idx="1">
+            <a:schemeClr val="accent2"/>
+          </a:effectRef>
+          <a:fontRef idx="minor">
+            <a:schemeClr val="dk1"/>
+          </a:fontRef>
+        </p:style>
+      </p:cxnSp>
+      <p:cxnSp>
+        <p:nvCxnSpPr>
+          <p:cNvPr id="51" name="Elbow Connector 63">
+            <a:extLst>
+              <a:ext uri="{FF2B5EF4-FFF2-40B4-BE49-F238E27FC236}">
+                <a16:creationId xmlns:a16="http://schemas.microsoft.com/office/drawing/2014/main" id="{630DEDD8-A9A0-4049-8DB6-A2D6064087A7}"/>
+              </a:ext>
+            </a:extLst>
+          </p:cNvPr>
+          <p:cNvCxnSpPr/>
+          <p:nvPr/>
+        </p:nvCxnSpPr>
+        <p:spPr>
+          <a:xfrm rot="5400000">
+            <a:off x="3208855" y="3197988"/>
+            <a:ext cx="2798421" cy="1843806"/>
+          </a:xfrm>
+          <a:prstGeom prst="bentConnector2">
+            <a:avLst/>
+          </a:prstGeom>
+          <a:ln w="6350">
+            <a:solidFill>
+              <a:schemeClr val="accent3"/>
+            </a:solidFill>
+            <a:headEnd type="none" w="med" len="med"/>
+            <a:tailEnd type="none" w="med" len="med"/>
+          </a:ln>
+          <a:effectLst/>
+        </p:spPr>
+        <p:style>
+          <a:lnRef idx="1">
+            <a:schemeClr val="accent2"/>
+          </a:lnRef>
+          <a:fillRef idx="2">
+            <a:schemeClr val="accent2"/>
+          </a:fillRef>
+          <a:effectRef idx="1">
+            <a:schemeClr val="accent2"/>
+          </a:effectRef>
+          <a:fontRef idx="minor">
+            <a:schemeClr val="dk1"/>
+          </a:fontRef>
+        </p:style>
+      </p:cxnSp>
+      <p:cxnSp>
+        <p:nvCxnSpPr>
+          <p:cNvPr id="52" name="Elbow Connector 63">
+            <a:extLst>
+              <a:ext uri="{FF2B5EF4-FFF2-40B4-BE49-F238E27FC236}">
+                <a16:creationId xmlns:a16="http://schemas.microsoft.com/office/drawing/2014/main" id="{2E08B5F2-6446-47E2-B82D-310A4DE15F31}"/>
+              </a:ext>
+            </a:extLst>
+          </p:cNvPr>
+          <p:cNvCxnSpPr/>
+          <p:nvPr/>
+        </p:nvCxnSpPr>
+        <p:spPr>
+          <a:xfrm rot="5400000">
+            <a:off x="3208855" y="3532012"/>
+            <a:ext cx="2798421" cy="1843806"/>
+          </a:xfrm>
+          <a:prstGeom prst="bentConnector2">
+            <a:avLst/>
+          </a:prstGeom>
+          <a:ln w="6350">
+            <a:solidFill>
+              <a:schemeClr val="accent3"/>
+            </a:solidFill>
+            <a:headEnd type="none" w="med" len="med"/>
+            <a:tailEnd type="none" w="med" len="med"/>
+          </a:ln>
+          <a:effectLst/>
+        </p:spPr>
+        <p:style>
+          <a:lnRef idx="1">
+            <a:schemeClr val="accent2"/>
+          </a:lnRef>
+          <a:fillRef idx="2">
+            <a:schemeClr val="accent2"/>
+          </a:fillRef>
+          <a:effectRef idx="1">
+            <a:schemeClr val="accent2"/>
+          </a:effectRef>
+          <a:fontRef idx="minor">
+            <a:schemeClr val="dk1"/>
+          </a:fontRef>
+        </p:style>
+      </p:cxnSp>
     </p:spTree>
     <p:extLst>
       <p:ext uri="{BB962C8B-B14F-4D97-AF65-F5344CB8AC3E}">
